--- a/articles/rebase_of_git/fig.pptx
+++ b/articles/rebase_of_git/fig.pptx
@@ -5,10 +5,14 @@
     <p:sldMasterId id="2147483648" r:id="rId1"/>
   </p:sldMasterIdLst>
   <p:notesMasterIdLst>
-    <p:notesMasterId r:id="rId3"/>
+    <p:notesMasterId r:id="rId7"/>
   </p:notesMasterIdLst>
   <p:sldIdLst>
     <p:sldId id="256" r:id="rId2"/>
+    <p:sldId id="257" r:id="rId3"/>
+    <p:sldId id="258" r:id="rId4"/>
+    <p:sldId id="259" r:id="rId5"/>
+    <p:sldId id="260" r:id="rId6"/>
   </p:sldIdLst>
   <p:sldSz cx="9144000" cy="6858000" type="screen4x3"/>
   <p:notesSz cx="6858000" cy="9144000"/>
@@ -851,7 +855,7 @@
         </p:nvSpPr>
         <p:spPr>
           <a:xfrm>
-            <a:off x="2411760" y="1844824"/>
+            <a:off x="2987824" y="1484784"/>
             <a:ext cx="288032" cy="288032"/>
           </a:xfrm>
           <a:prstGeom prst="ellipse">
@@ -905,7 +909,7 @@
         </p:nvSpPr>
         <p:spPr>
           <a:xfrm>
-            <a:off x="827584" y="1844824"/>
+            <a:off x="909453" y="1484784"/>
             <a:ext cx="288032" cy="288032"/>
           </a:xfrm>
           <a:prstGeom prst="ellipse">
@@ -963,8 +967,8 @@
         </p:nvCxnSpPr>
         <p:spPr>
           <a:xfrm>
-            <a:off x="1115616" y="1988840"/>
-            <a:ext cx="1296144" cy="0"/>
+            <a:off x="1197485" y="1628800"/>
+            <a:ext cx="1790339" cy="0"/>
           </a:xfrm>
           <a:prstGeom prst="line">
             <a:avLst/>
@@ -985,6 +989,3194 @@
             <a:schemeClr val="accent1"/>
           </a:fillRef>
           <a:effectRef idx="0">
+            <a:schemeClr val="accent1"/>
+          </a:effectRef>
+          <a:fontRef idx="minor">
+            <a:schemeClr val="tx1"/>
+          </a:fontRef>
+        </p:style>
+      </p:cxnSp>
+      <p:grpSp>
+        <p:nvGrpSpPr>
+          <p:cNvPr id="5" name="グループ化 4">
+            <a:extLst>
+              <a:ext uri="{FF2B5EF4-FFF2-40B4-BE49-F238E27FC236}">
+                <a16:creationId xmlns:a16="http://schemas.microsoft.com/office/drawing/2014/main" id="{071AC822-EC17-4377-A129-97631608D21E}"/>
+              </a:ext>
+            </a:extLst>
+          </p:cNvPr>
+          <p:cNvGrpSpPr/>
+          <p:nvPr/>
+        </p:nvGrpSpPr>
+        <p:grpSpPr>
+          <a:xfrm>
+            <a:off x="837445" y="980728"/>
+            <a:ext cx="506539" cy="367241"/>
+            <a:chOff x="4067944" y="4221088"/>
+            <a:chExt cx="2880320" cy="2088232"/>
+          </a:xfrm>
+        </p:grpSpPr>
+        <p:sp>
+          <p:nvSpPr>
+            <p:cNvPr id="2" name="正方形/長方形 1">
+              <a:extLst>
+                <a:ext uri="{FF2B5EF4-FFF2-40B4-BE49-F238E27FC236}">
+                  <a16:creationId xmlns:a16="http://schemas.microsoft.com/office/drawing/2014/main" id="{2C29C991-FDD5-47F6-8EBB-FC38BE05B212}"/>
+                </a:ext>
+              </a:extLst>
+            </p:cNvPr>
+            <p:cNvSpPr/>
+            <p:nvPr/>
+          </p:nvSpPr>
+          <p:spPr>
+            <a:xfrm>
+              <a:off x="4067944" y="4869160"/>
+              <a:ext cx="2880320" cy="1440160"/>
+            </a:xfrm>
+            <a:prstGeom prst="rect">
+              <a:avLst/>
+            </a:prstGeom>
+            <a:solidFill>
+              <a:schemeClr val="accent1"/>
+            </a:solidFill>
+            <a:ln>
+              <a:noFill/>
+            </a:ln>
+          </p:spPr>
+          <p:txBody>
+            <a:bodyPr wrap="square" rtlCol="0" anchor="ctr">
+              <a:spAutoFit/>
+            </a:bodyPr>
+            <a:lstStyle/>
+            <a:p>
+              <a:pPr algn="ctr"/>
+              <a:endParaRPr kumimoji="1" lang="ja-JP" altLang="en-US" sz="2400" dirty="0"/>
+            </a:p>
+          </p:txBody>
+        </p:sp>
+        <p:sp>
+          <p:nvSpPr>
+            <p:cNvPr id="3" name="二等辺三角形 2">
+              <a:extLst>
+                <a:ext uri="{FF2B5EF4-FFF2-40B4-BE49-F238E27FC236}">
+                  <a16:creationId xmlns:a16="http://schemas.microsoft.com/office/drawing/2014/main" id="{575C5633-0908-4709-8456-C6E69ACDA76E}"/>
+                </a:ext>
+              </a:extLst>
+            </p:cNvPr>
+            <p:cNvSpPr/>
+            <p:nvPr/>
+          </p:nvSpPr>
+          <p:spPr>
+            <a:xfrm>
+              <a:off x="4067944" y="4221088"/>
+              <a:ext cx="2880320" cy="648072"/>
+            </a:xfrm>
+            <a:prstGeom prst="triangle">
+              <a:avLst/>
+            </a:prstGeom>
+            <a:solidFill>
+              <a:schemeClr val="accent1"/>
+            </a:solidFill>
+            <a:ln>
+              <a:noFill/>
+            </a:ln>
+          </p:spPr>
+          <p:txBody>
+            <a:bodyPr wrap="square" rtlCol="0" anchor="ctr">
+              <a:spAutoFit/>
+            </a:bodyPr>
+            <a:lstStyle/>
+            <a:p>
+              <a:pPr algn="ctr"/>
+              <a:endParaRPr kumimoji="1" lang="ja-JP" altLang="en-US" sz="2400" dirty="0"/>
+            </a:p>
+          </p:txBody>
+        </p:sp>
+      </p:grpSp>
+      <p:grpSp>
+        <p:nvGrpSpPr>
+          <p:cNvPr id="4" name="グループ化 3">
+            <a:extLst>
+              <a:ext uri="{FF2B5EF4-FFF2-40B4-BE49-F238E27FC236}">
+                <a16:creationId xmlns:a16="http://schemas.microsoft.com/office/drawing/2014/main" id="{38D4C196-0FDC-49A6-880E-9387442C2B32}"/>
+              </a:ext>
+            </a:extLst>
+          </p:cNvPr>
+          <p:cNvGrpSpPr/>
+          <p:nvPr/>
+        </p:nvGrpSpPr>
+        <p:grpSpPr>
+          <a:xfrm rot="10800000">
+            <a:off x="2843808" y="836712"/>
+            <a:ext cx="506540" cy="253270"/>
+            <a:chOff x="251520" y="4869160"/>
+            <a:chExt cx="2880320" cy="1440160"/>
+          </a:xfrm>
+        </p:grpSpPr>
+        <p:sp>
+          <p:nvSpPr>
+            <p:cNvPr id="7" name="正方形/長方形 6">
+              <a:extLst>
+                <a:ext uri="{FF2B5EF4-FFF2-40B4-BE49-F238E27FC236}">
+                  <a16:creationId xmlns:a16="http://schemas.microsoft.com/office/drawing/2014/main" id="{05213588-1EB0-4C8C-878A-3475AE8F00EA}"/>
+                </a:ext>
+              </a:extLst>
+            </p:cNvPr>
+            <p:cNvSpPr/>
+            <p:nvPr/>
+          </p:nvSpPr>
+          <p:spPr>
+            <a:xfrm>
+              <a:off x="251520" y="4869160"/>
+              <a:ext cx="2880320" cy="1440160"/>
+            </a:xfrm>
+            <a:prstGeom prst="rect">
+              <a:avLst/>
+            </a:prstGeom>
+            <a:solidFill>
+              <a:schemeClr val="accent6">
+                <a:lumMod val="40000"/>
+                <a:lumOff val="60000"/>
+              </a:schemeClr>
+            </a:solidFill>
+            <a:ln>
+              <a:noFill/>
+            </a:ln>
+          </p:spPr>
+          <p:txBody>
+            <a:bodyPr wrap="square" rtlCol="0" anchor="ctr">
+              <a:spAutoFit/>
+            </a:bodyPr>
+            <a:lstStyle/>
+            <a:p>
+              <a:pPr algn="ctr"/>
+              <a:endParaRPr kumimoji="1" lang="ja-JP" altLang="en-US" sz="2400" dirty="0"/>
+            </a:p>
+          </p:txBody>
+        </p:sp>
+        <p:sp>
+          <p:nvSpPr>
+            <p:cNvPr id="8" name="二等辺三角形 7">
+              <a:extLst>
+                <a:ext uri="{FF2B5EF4-FFF2-40B4-BE49-F238E27FC236}">
+                  <a16:creationId xmlns:a16="http://schemas.microsoft.com/office/drawing/2014/main" id="{FB714BDB-7D52-48EF-BEFC-B52C307DD679}"/>
+                </a:ext>
+              </a:extLst>
+            </p:cNvPr>
+            <p:cNvSpPr/>
+            <p:nvPr/>
+          </p:nvSpPr>
+          <p:spPr>
+            <a:xfrm rot="10800000">
+              <a:off x="251520" y="4869160"/>
+              <a:ext cx="2880320" cy="648072"/>
+            </a:xfrm>
+            <a:prstGeom prst="triangle">
+              <a:avLst/>
+            </a:prstGeom>
+            <a:solidFill>
+              <a:schemeClr val="bg1"/>
+            </a:solidFill>
+            <a:ln>
+              <a:noFill/>
+            </a:ln>
+          </p:spPr>
+          <p:txBody>
+            <a:bodyPr wrap="square" rtlCol="0" anchor="ctr">
+              <a:spAutoFit/>
+            </a:bodyPr>
+            <a:lstStyle/>
+            <a:p>
+              <a:pPr algn="ctr"/>
+              <a:endParaRPr kumimoji="1" lang="ja-JP" altLang="en-US" sz="2400" dirty="0"/>
+            </a:p>
+          </p:txBody>
+        </p:sp>
+      </p:grpSp>
+      <p:grpSp>
+        <p:nvGrpSpPr>
+          <p:cNvPr id="11" name="グループ化 10">
+            <a:extLst>
+              <a:ext uri="{FF2B5EF4-FFF2-40B4-BE49-F238E27FC236}">
+                <a16:creationId xmlns:a16="http://schemas.microsoft.com/office/drawing/2014/main" id="{9A3F7984-7D2A-4FFC-9F45-0C2841BFDA1A}"/>
+              </a:ext>
+            </a:extLst>
+          </p:cNvPr>
+          <p:cNvGrpSpPr/>
+          <p:nvPr/>
+        </p:nvGrpSpPr>
+        <p:grpSpPr>
+          <a:xfrm>
+            <a:off x="2843808" y="980728"/>
+            <a:ext cx="506539" cy="367241"/>
+            <a:chOff x="4067944" y="4221088"/>
+            <a:chExt cx="2880320" cy="2088232"/>
+          </a:xfrm>
+        </p:grpSpPr>
+        <p:sp>
+          <p:nvSpPr>
+            <p:cNvPr id="12" name="正方形/長方形 11">
+              <a:extLst>
+                <a:ext uri="{FF2B5EF4-FFF2-40B4-BE49-F238E27FC236}">
+                  <a16:creationId xmlns:a16="http://schemas.microsoft.com/office/drawing/2014/main" id="{52AFD361-E76A-4607-930C-F503C22DC217}"/>
+                </a:ext>
+              </a:extLst>
+            </p:cNvPr>
+            <p:cNvSpPr/>
+            <p:nvPr/>
+          </p:nvSpPr>
+          <p:spPr>
+            <a:xfrm>
+              <a:off x="4067944" y="4869160"/>
+              <a:ext cx="2880320" cy="1440160"/>
+            </a:xfrm>
+            <a:prstGeom prst="rect">
+              <a:avLst/>
+            </a:prstGeom>
+            <a:solidFill>
+              <a:schemeClr val="accent1"/>
+            </a:solidFill>
+            <a:ln>
+              <a:noFill/>
+            </a:ln>
+          </p:spPr>
+          <p:txBody>
+            <a:bodyPr wrap="square" rtlCol="0" anchor="ctr">
+              <a:spAutoFit/>
+            </a:bodyPr>
+            <a:lstStyle/>
+            <a:p>
+              <a:pPr algn="ctr"/>
+              <a:endParaRPr kumimoji="1" lang="ja-JP" altLang="en-US" sz="2400" dirty="0"/>
+            </a:p>
+          </p:txBody>
+        </p:sp>
+        <p:sp>
+          <p:nvSpPr>
+            <p:cNvPr id="13" name="二等辺三角形 12">
+              <a:extLst>
+                <a:ext uri="{FF2B5EF4-FFF2-40B4-BE49-F238E27FC236}">
+                  <a16:creationId xmlns:a16="http://schemas.microsoft.com/office/drawing/2014/main" id="{17E4ED89-E513-4167-9E44-466A294261D1}"/>
+                </a:ext>
+              </a:extLst>
+            </p:cNvPr>
+            <p:cNvSpPr/>
+            <p:nvPr/>
+          </p:nvSpPr>
+          <p:spPr>
+            <a:xfrm>
+              <a:off x="4067944" y="4221088"/>
+              <a:ext cx="2880320" cy="648072"/>
+            </a:xfrm>
+            <a:prstGeom prst="triangle">
+              <a:avLst/>
+            </a:prstGeom>
+            <a:solidFill>
+              <a:schemeClr val="accent1"/>
+            </a:solidFill>
+            <a:ln>
+              <a:noFill/>
+            </a:ln>
+          </p:spPr>
+          <p:txBody>
+            <a:bodyPr wrap="square" rtlCol="0" anchor="ctr">
+              <a:spAutoFit/>
+            </a:bodyPr>
+            <a:lstStyle/>
+            <a:p>
+              <a:pPr algn="ctr"/>
+              <a:endParaRPr kumimoji="1" lang="ja-JP" altLang="en-US" sz="2400" dirty="0"/>
+            </a:p>
+          </p:txBody>
+        </p:sp>
+      </p:grpSp>
+      <p:sp>
+        <p:nvSpPr>
+          <p:cNvPr id="6" name="テキスト ボックス 5">
+            <a:extLst>
+              <a:ext uri="{FF2B5EF4-FFF2-40B4-BE49-F238E27FC236}">
+                <a16:creationId xmlns:a16="http://schemas.microsoft.com/office/drawing/2014/main" id="{D1539F65-31EA-45B8-82E7-8AD788694F50}"/>
+              </a:ext>
+            </a:extLst>
+          </p:cNvPr>
+          <p:cNvSpPr txBox="1"/>
+          <p:nvPr/>
+        </p:nvSpPr>
+        <p:spPr>
+          <a:xfrm>
+            <a:off x="621421" y="1844824"/>
+            <a:ext cx="873957" cy="338554"/>
+          </a:xfrm>
+          <a:prstGeom prst="rect">
+            <a:avLst/>
+          </a:prstGeom>
+          <a:noFill/>
+        </p:spPr>
+        <p:txBody>
+          <a:bodyPr wrap="none" rtlCol="0">
+            <a:spAutoFit/>
+          </a:bodyPr>
+          <a:lstStyle/>
+          <a:p>
+            <a:r>
+              <a:rPr kumimoji="1" lang="ja-JP" altLang="en-US" sz="1600" dirty="0"/>
+              <a:t>コミット</a:t>
+            </a:r>
+            <a:r>
+              <a:rPr kumimoji="1" lang="en-US" altLang="ja-JP" sz="1600" dirty="0"/>
+              <a:t>1</a:t>
+            </a:r>
+            <a:endParaRPr kumimoji="1" lang="ja-JP" altLang="en-US" sz="1600" dirty="0"/>
+          </a:p>
+        </p:txBody>
+      </p:sp>
+      <p:sp>
+        <p:nvSpPr>
+          <p:cNvPr id="15" name="テキスト ボックス 14">
+            <a:extLst>
+              <a:ext uri="{FF2B5EF4-FFF2-40B4-BE49-F238E27FC236}">
+                <a16:creationId xmlns:a16="http://schemas.microsoft.com/office/drawing/2014/main" id="{8598516A-02B5-4517-A51B-076A7E077E96}"/>
+              </a:ext>
+            </a:extLst>
+          </p:cNvPr>
+          <p:cNvSpPr txBox="1"/>
+          <p:nvPr/>
+        </p:nvSpPr>
+        <p:spPr>
+          <a:xfrm>
+            <a:off x="2699792" y="1844824"/>
+            <a:ext cx="873957" cy="338554"/>
+          </a:xfrm>
+          <a:prstGeom prst="rect">
+            <a:avLst/>
+          </a:prstGeom>
+          <a:noFill/>
+        </p:spPr>
+        <p:txBody>
+          <a:bodyPr wrap="none" rtlCol="0">
+            <a:spAutoFit/>
+          </a:bodyPr>
+          <a:lstStyle/>
+          <a:p>
+            <a:r>
+              <a:rPr kumimoji="1" lang="ja-JP" altLang="en-US" sz="1600" dirty="0"/>
+              <a:t>コミット</a:t>
+            </a:r>
+            <a:r>
+              <a:rPr kumimoji="1" lang="en-US" altLang="ja-JP" sz="1600" dirty="0"/>
+              <a:t>2</a:t>
+            </a:r>
+            <a:endParaRPr kumimoji="1" lang="ja-JP" altLang="en-US" sz="1600" dirty="0"/>
+          </a:p>
+        </p:txBody>
+      </p:sp>
+      <p:sp>
+        <p:nvSpPr>
+          <p:cNvPr id="17" name="楕円 4">
+            <a:extLst>
+              <a:ext uri="{FF2B5EF4-FFF2-40B4-BE49-F238E27FC236}">
+                <a16:creationId xmlns:a16="http://schemas.microsoft.com/office/drawing/2014/main" id="{9040E234-33B3-4AC5-A72F-E7ADCAF60360}"/>
+              </a:ext>
+            </a:extLst>
+          </p:cNvPr>
+          <p:cNvSpPr/>
+          <p:nvPr/>
+        </p:nvSpPr>
+        <p:spPr>
+          <a:xfrm>
+            <a:off x="4932040" y="620688"/>
+            <a:ext cx="288032" cy="288032"/>
+          </a:xfrm>
+          <a:prstGeom prst="ellipse">
+            <a:avLst/>
+          </a:prstGeom>
+          <a:solidFill>
+            <a:srgbClr val="011893"/>
+          </a:solidFill>
+          <a:ln>
+            <a:solidFill>
+              <a:schemeClr val="tx1"/>
+            </a:solidFill>
+          </a:ln>
+        </p:spPr>
+        <p:style>
+          <a:lnRef idx="2">
+            <a:schemeClr val="accent1">
+              <a:shade val="50000"/>
+            </a:schemeClr>
+          </a:lnRef>
+          <a:fillRef idx="1">
+            <a:schemeClr val="accent1"/>
+          </a:fillRef>
+          <a:effectRef idx="0">
+            <a:schemeClr val="accent1"/>
+          </a:effectRef>
+          <a:fontRef idx="minor">
+            <a:schemeClr val="lt1"/>
+          </a:fontRef>
+        </p:style>
+        <p:txBody>
+          <a:bodyPr rtlCol="0" anchor="ctr"/>
+          <a:lstStyle/>
+          <a:p>
+            <a:pPr algn="ctr"/>
+            <a:endParaRPr kumimoji="1" lang="ja-JP" altLang="en-US"/>
+          </a:p>
+        </p:txBody>
+      </p:sp>
+      <p:sp>
+        <p:nvSpPr>
+          <p:cNvPr id="18" name="テキスト ボックス 17">
+            <a:extLst>
+              <a:ext uri="{FF2B5EF4-FFF2-40B4-BE49-F238E27FC236}">
+                <a16:creationId xmlns:a16="http://schemas.microsoft.com/office/drawing/2014/main" id="{B5C6F770-FD5C-4B1E-8ACA-4D000B5D2441}"/>
+              </a:ext>
+            </a:extLst>
+          </p:cNvPr>
+          <p:cNvSpPr txBox="1"/>
+          <p:nvPr/>
+        </p:nvSpPr>
+        <p:spPr>
+          <a:xfrm>
+            <a:off x="4644008" y="980728"/>
+            <a:ext cx="873957" cy="338554"/>
+          </a:xfrm>
+          <a:prstGeom prst="rect">
+            <a:avLst/>
+          </a:prstGeom>
+          <a:noFill/>
+        </p:spPr>
+        <p:txBody>
+          <a:bodyPr wrap="none" rtlCol="0">
+            <a:spAutoFit/>
+          </a:bodyPr>
+          <a:lstStyle/>
+          <a:p>
+            <a:r>
+              <a:rPr kumimoji="1" lang="ja-JP" altLang="en-US" sz="1600" dirty="0"/>
+              <a:t>コミット</a:t>
+            </a:r>
+            <a:r>
+              <a:rPr kumimoji="1" lang="en-US" altLang="ja-JP" sz="1600" dirty="0"/>
+              <a:t>1</a:t>
+            </a:r>
+            <a:endParaRPr kumimoji="1" lang="ja-JP" altLang="en-US" sz="1600" dirty="0"/>
+          </a:p>
+        </p:txBody>
+      </p:sp>
+      <p:grpSp>
+        <p:nvGrpSpPr>
+          <p:cNvPr id="19" name="グループ化 18">
+            <a:extLst>
+              <a:ext uri="{FF2B5EF4-FFF2-40B4-BE49-F238E27FC236}">
+                <a16:creationId xmlns:a16="http://schemas.microsoft.com/office/drawing/2014/main" id="{CC1B77A7-52F5-45BD-BCF2-F98BA808D1BB}"/>
+              </a:ext>
+            </a:extLst>
+          </p:cNvPr>
+          <p:cNvGrpSpPr/>
+          <p:nvPr/>
+        </p:nvGrpSpPr>
+        <p:grpSpPr>
+          <a:xfrm>
+            <a:off x="6012160" y="692696"/>
+            <a:ext cx="506539" cy="367241"/>
+            <a:chOff x="4067944" y="4221088"/>
+            <a:chExt cx="2880320" cy="2088232"/>
+          </a:xfrm>
+        </p:grpSpPr>
+        <p:sp>
+          <p:nvSpPr>
+            <p:cNvPr id="20" name="正方形/長方形 19">
+              <a:extLst>
+                <a:ext uri="{FF2B5EF4-FFF2-40B4-BE49-F238E27FC236}">
+                  <a16:creationId xmlns:a16="http://schemas.microsoft.com/office/drawing/2014/main" id="{4725E32B-3AFC-44D6-BB77-3109DA940EF9}"/>
+                </a:ext>
+              </a:extLst>
+            </p:cNvPr>
+            <p:cNvSpPr/>
+            <p:nvPr/>
+          </p:nvSpPr>
+          <p:spPr>
+            <a:xfrm>
+              <a:off x="4067944" y="4869160"/>
+              <a:ext cx="2880320" cy="1440160"/>
+            </a:xfrm>
+            <a:prstGeom prst="rect">
+              <a:avLst/>
+            </a:prstGeom>
+            <a:solidFill>
+              <a:schemeClr val="accent1"/>
+            </a:solidFill>
+            <a:ln>
+              <a:noFill/>
+            </a:ln>
+          </p:spPr>
+          <p:txBody>
+            <a:bodyPr wrap="square" rtlCol="0" anchor="ctr">
+              <a:spAutoFit/>
+            </a:bodyPr>
+            <a:lstStyle/>
+            <a:p>
+              <a:pPr algn="ctr"/>
+              <a:endParaRPr kumimoji="1" lang="ja-JP" altLang="en-US" sz="2400" dirty="0"/>
+            </a:p>
+          </p:txBody>
+        </p:sp>
+        <p:sp>
+          <p:nvSpPr>
+            <p:cNvPr id="21" name="二等辺三角形 20">
+              <a:extLst>
+                <a:ext uri="{FF2B5EF4-FFF2-40B4-BE49-F238E27FC236}">
+                  <a16:creationId xmlns:a16="http://schemas.microsoft.com/office/drawing/2014/main" id="{5F06F804-0B10-4744-BB1E-291E3383A162}"/>
+                </a:ext>
+              </a:extLst>
+            </p:cNvPr>
+            <p:cNvSpPr/>
+            <p:nvPr/>
+          </p:nvSpPr>
+          <p:spPr>
+            <a:xfrm>
+              <a:off x="4067944" y="4221088"/>
+              <a:ext cx="2880320" cy="648072"/>
+            </a:xfrm>
+            <a:prstGeom prst="triangle">
+              <a:avLst/>
+            </a:prstGeom>
+            <a:solidFill>
+              <a:schemeClr val="accent1"/>
+            </a:solidFill>
+            <a:ln>
+              <a:noFill/>
+            </a:ln>
+          </p:spPr>
+          <p:txBody>
+            <a:bodyPr wrap="square" rtlCol="0" anchor="ctr">
+              <a:spAutoFit/>
+            </a:bodyPr>
+            <a:lstStyle/>
+            <a:p>
+              <a:pPr algn="ctr"/>
+              <a:endParaRPr kumimoji="1" lang="ja-JP" altLang="en-US" sz="2400" dirty="0"/>
+            </a:p>
+          </p:txBody>
+        </p:sp>
+      </p:grpSp>
+      <p:sp>
+        <p:nvSpPr>
+          <p:cNvPr id="22" name="楕円 4">
+            <a:extLst>
+              <a:ext uri="{FF2B5EF4-FFF2-40B4-BE49-F238E27FC236}">
+                <a16:creationId xmlns:a16="http://schemas.microsoft.com/office/drawing/2014/main" id="{5595CB6B-1781-4241-871A-68FD1C6F0D00}"/>
+              </a:ext>
+            </a:extLst>
+          </p:cNvPr>
+          <p:cNvSpPr/>
+          <p:nvPr/>
+        </p:nvSpPr>
+        <p:spPr>
+          <a:xfrm>
+            <a:off x="4932040" y="1772816"/>
+            <a:ext cx="288032" cy="288032"/>
+          </a:xfrm>
+          <a:prstGeom prst="ellipse">
+            <a:avLst/>
+          </a:prstGeom>
+          <a:solidFill>
+            <a:srgbClr val="011893"/>
+          </a:solidFill>
+          <a:ln>
+            <a:solidFill>
+              <a:schemeClr val="tx1"/>
+            </a:solidFill>
+          </a:ln>
+        </p:spPr>
+        <p:style>
+          <a:lnRef idx="2">
+            <a:schemeClr val="accent1">
+              <a:shade val="50000"/>
+            </a:schemeClr>
+          </a:lnRef>
+          <a:fillRef idx="1">
+            <a:schemeClr val="accent1"/>
+          </a:fillRef>
+          <a:effectRef idx="0">
+            <a:schemeClr val="accent1"/>
+          </a:effectRef>
+          <a:fontRef idx="minor">
+            <a:schemeClr val="lt1"/>
+          </a:fontRef>
+        </p:style>
+        <p:txBody>
+          <a:bodyPr rtlCol="0" anchor="ctr"/>
+          <a:lstStyle/>
+          <a:p>
+            <a:pPr algn="ctr"/>
+            <a:endParaRPr kumimoji="1" lang="ja-JP" altLang="en-US"/>
+          </a:p>
+        </p:txBody>
+      </p:sp>
+      <p:grpSp>
+        <p:nvGrpSpPr>
+          <p:cNvPr id="23" name="グループ化 22">
+            <a:extLst>
+              <a:ext uri="{FF2B5EF4-FFF2-40B4-BE49-F238E27FC236}">
+                <a16:creationId xmlns:a16="http://schemas.microsoft.com/office/drawing/2014/main" id="{BEBA2991-E2D1-4C35-8A59-97D309D26CE8}"/>
+              </a:ext>
+            </a:extLst>
+          </p:cNvPr>
+          <p:cNvGrpSpPr/>
+          <p:nvPr/>
+        </p:nvGrpSpPr>
+        <p:grpSpPr>
+          <a:xfrm rot="10800000">
+            <a:off x="6012160" y="1772816"/>
+            <a:ext cx="506540" cy="253270"/>
+            <a:chOff x="251520" y="4869160"/>
+            <a:chExt cx="2880320" cy="1440160"/>
+          </a:xfrm>
+        </p:grpSpPr>
+        <p:sp>
+          <p:nvSpPr>
+            <p:cNvPr id="24" name="正方形/長方形 23">
+              <a:extLst>
+                <a:ext uri="{FF2B5EF4-FFF2-40B4-BE49-F238E27FC236}">
+                  <a16:creationId xmlns:a16="http://schemas.microsoft.com/office/drawing/2014/main" id="{788F5A64-4217-4BA8-A9D1-25B50E7AF38A}"/>
+                </a:ext>
+              </a:extLst>
+            </p:cNvPr>
+            <p:cNvSpPr/>
+            <p:nvPr/>
+          </p:nvSpPr>
+          <p:spPr>
+            <a:xfrm>
+              <a:off x="251520" y="4869160"/>
+              <a:ext cx="2880320" cy="1440160"/>
+            </a:xfrm>
+            <a:prstGeom prst="rect">
+              <a:avLst/>
+            </a:prstGeom>
+            <a:solidFill>
+              <a:schemeClr val="accent6">
+                <a:lumMod val="40000"/>
+                <a:lumOff val="60000"/>
+              </a:schemeClr>
+            </a:solidFill>
+            <a:ln>
+              <a:noFill/>
+            </a:ln>
+          </p:spPr>
+          <p:txBody>
+            <a:bodyPr wrap="square" rtlCol="0" anchor="ctr">
+              <a:spAutoFit/>
+            </a:bodyPr>
+            <a:lstStyle/>
+            <a:p>
+              <a:pPr algn="ctr"/>
+              <a:endParaRPr kumimoji="1" lang="ja-JP" altLang="en-US" sz="2400" dirty="0"/>
+            </a:p>
+          </p:txBody>
+        </p:sp>
+        <p:sp>
+          <p:nvSpPr>
+            <p:cNvPr id="25" name="二等辺三角形 24">
+              <a:extLst>
+                <a:ext uri="{FF2B5EF4-FFF2-40B4-BE49-F238E27FC236}">
+                  <a16:creationId xmlns:a16="http://schemas.microsoft.com/office/drawing/2014/main" id="{BC511B5C-7018-484D-8C67-1AEA85DC19A2}"/>
+                </a:ext>
+              </a:extLst>
+            </p:cNvPr>
+            <p:cNvSpPr/>
+            <p:nvPr/>
+          </p:nvSpPr>
+          <p:spPr>
+            <a:xfrm rot="10800000">
+              <a:off x="251520" y="4869160"/>
+              <a:ext cx="2880320" cy="648072"/>
+            </a:xfrm>
+            <a:prstGeom prst="triangle">
+              <a:avLst/>
+            </a:prstGeom>
+            <a:solidFill>
+              <a:schemeClr val="bg1"/>
+            </a:solidFill>
+            <a:ln>
+              <a:noFill/>
+            </a:ln>
+          </p:spPr>
+          <p:txBody>
+            <a:bodyPr wrap="square" rtlCol="0" anchor="ctr">
+              <a:spAutoFit/>
+            </a:bodyPr>
+            <a:lstStyle/>
+            <a:p>
+              <a:pPr algn="ctr"/>
+              <a:endParaRPr kumimoji="1" lang="ja-JP" altLang="en-US" sz="2400" dirty="0"/>
+            </a:p>
+          </p:txBody>
+        </p:sp>
+      </p:grpSp>
+      <p:grpSp>
+        <p:nvGrpSpPr>
+          <p:cNvPr id="26" name="グループ化 25">
+            <a:extLst>
+              <a:ext uri="{FF2B5EF4-FFF2-40B4-BE49-F238E27FC236}">
+                <a16:creationId xmlns:a16="http://schemas.microsoft.com/office/drawing/2014/main" id="{316DF8E1-B947-43D1-A919-F60F1CC20E0F}"/>
+              </a:ext>
+            </a:extLst>
+          </p:cNvPr>
+          <p:cNvGrpSpPr/>
+          <p:nvPr/>
+        </p:nvGrpSpPr>
+        <p:grpSpPr>
+          <a:xfrm>
+            <a:off x="6012160" y="1916832"/>
+            <a:ext cx="506539" cy="367241"/>
+            <a:chOff x="4067944" y="4221088"/>
+            <a:chExt cx="2880320" cy="2088232"/>
+          </a:xfrm>
+        </p:grpSpPr>
+        <p:sp>
+          <p:nvSpPr>
+            <p:cNvPr id="27" name="正方形/長方形 26">
+              <a:extLst>
+                <a:ext uri="{FF2B5EF4-FFF2-40B4-BE49-F238E27FC236}">
+                  <a16:creationId xmlns:a16="http://schemas.microsoft.com/office/drawing/2014/main" id="{E23B79BE-7D1B-41DF-A1A1-B277E3B543DD}"/>
+                </a:ext>
+              </a:extLst>
+            </p:cNvPr>
+            <p:cNvSpPr/>
+            <p:nvPr/>
+          </p:nvSpPr>
+          <p:spPr>
+            <a:xfrm>
+              <a:off x="4067944" y="4869160"/>
+              <a:ext cx="2880320" cy="1440160"/>
+            </a:xfrm>
+            <a:prstGeom prst="rect">
+              <a:avLst/>
+            </a:prstGeom>
+            <a:solidFill>
+              <a:schemeClr val="accent1"/>
+            </a:solidFill>
+            <a:ln>
+              <a:noFill/>
+            </a:ln>
+          </p:spPr>
+          <p:txBody>
+            <a:bodyPr wrap="square" rtlCol="0" anchor="ctr">
+              <a:spAutoFit/>
+            </a:bodyPr>
+            <a:lstStyle/>
+            <a:p>
+              <a:pPr algn="ctr"/>
+              <a:endParaRPr kumimoji="1" lang="ja-JP" altLang="en-US" sz="2400" dirty="0"/>
+            </a:p>
+          </p:txBody>
+        </p:sp>
+        <p:sp>
+          <p:nvSpPr>
+            <p:cNvPr id="28" name="二等辺三角形 27">
+              <a:extLst>
+                <a:ext uri="{FF2B5EF4-FFF2-40B4-BE49-F238E27FC236}">
+                  <a16:creationId xmlns:a16="http://schemas.microsoft.com/office/drawing/2014/main" id="{3C66FFFA-89AE-4286-8001-AEFE59C6AF1E}"/>
+                </a:ext>
+              </a:extLst>
+            </p:cNvPr>
+            <p:cNvSpPr/>
+            <p:nvPr/>
+          </p:nvSpPr>
+          <p:spPr>
+            <a:xfrm>
+              <a:off x="4067944" y="4221088"/>
+              <a:ext cx="2880320" cy="648072"/>
+            </a:xfrm>
+            <a:prstGeom prst="triangle">
+              <a:avLst/>
+            </a:prstGeom>
+            <a:solidFill>
+              <a:schemeClr val="accent1"/>
+            </a:solidFill>
+            <a:ln>
+              <a:noFill/>
+            </a:ln>
+          </p:spPr>
+          <p:txBody>
+            <a:bodyPr wrap="square" rtlCol="0" anchor="ctr">
+              <a:spAutoFit/>
+            </a:bodyPr>
+            <a:lstStyle/>
+            <a:p>
+              <a:pPr algn="ctr"/>
+              <a:endParaRPr kumimoji="1" lang="ja-JP" altLang="en-US" sz="2400" dirty="0"/>
+            </a:p>
+          </p:txBody>
+        </p:sp>
+      </p:grpSp>
+      <p:sp>
+        <p:nvSpPr>
+          <p:cNvPr id="29" name="テキスト ボックス 28">
+            <a:extLst>
+              <a:ext uri="{FF2B5EF4-FFF2-40B4-BE49-F238E27FC236}">
+                <a16:creationId xmlns:a16="http://schemas.microsoft.com/office/drawing/2014/main" id="{29403911-EF77-4EDA-AE63-FF15CF291F8D}"/>
+              </a:ext>
+            </a:extLst>
+          </p:cNvPr>
+          <p:cNvSpPr txBox="1"/>
+          <p:nvPr/>
+        </p:nvSpPr>
+        <p:spPr>
+          <a:xfrm>
+            <a:off x="4644008" y="2132856"/>
+            <a:ext cx="873957" cy="338554"/>
+          </a:xfrm>
+          <a:prstGeom prst="rect">
+            <a:avLst/>
+          </a:prstGeom>
+          <a:noFill/>
+        </p:spPr>
+        <p:txBody>
+          <a:bodyPr wrap="none" rtlCol="0">
+            <a:spAutoFit/>
+          </a:bodyPr>
+          <a:lstStyle/>
+          <a:p>
+            <a:r>
+              <a:rPr kumimoji="1" lang="ja-JP" altLang="en-US" sz="1600" dirty="0"/>
+              <a:t>コミット</a:t>
+            </a:r>
+            <a:r>
+              <a:rPr kumimoji="1" lang="en-US" altLang="ja-JP" sz="1600" dirty="0"/>
+              <a:t>2</a:t>
+            </a:r>
+            <a:endParaRPr kumimoji="1" lang="ja-JP" altLang="en-US" sz="1600" dirty="0"/>
+          </a:p>
+        </p:txBody>
+      </p:sp>
+      <p:cxnSp>
+        <p:nvCxnSpPr>
+          <p:cNvPr id="30" name="直線コネクタ 29">
+            <a:extLst>
+              <a:ext uri="{FF2B5EF4-FFF2-40B4-BE49-F238E27FC236}">
+                <a16:creationId xmlns:a16="http://schemas.microsoft.com/office/drawing/2014/main" id="{B7AAD3C1-6336-48A6-85F5-FA9F45286850}"/>
+              </a:ext>
+            </a:extLst>
+          </p:cNvPr>
+          <p:cNvCxnSpPr>
+            <a:cxnSpLocks/>
+          </p:cNvCxnSpPr>
+          <p:nvPr/>
+        </p:nvCxnSpPr>
+        <p:spPr>
+          <a:xfrm>
+            <a:off x="4716016" y="3140968"/>
+            <a:ext cx="720080" cy="0"/>
+          </a:xfrm>
+          <a:prstGeom prst="line">
+            <a:avLst/>
+          </a:prstGeom>
+          <a:ln w="57150">
+            <a:solidFill>
+              <a:schemeClr val="tx1"/>
+            </a:solidFill>
+            <a:headEnd type="none" w="med" len="med"/>
+            <a:tailEnd type="none" w="med" len="med"/>
+          </a:ln>
+        </p:spPr>
+        <p:style>
+          <a:lnRef idx="1">
+            <a:schemeClr val="accent1"/>
+          </a:lnRef>
+          <a:fillRef idx="0">
+            <a:schemeClr val="accent1"/>
+          </a:fillRef>
+          <a:effectRef idx="0">
+            <a:schemeClr val="accent1"/>
+          </a:effectRef>
+          <a:fontRef idx="minor">
+            <a:schemeClr val="tx1"/>
+          </a:fontRef>
+        </p:style>
+      </p:cxnSp>
+      <p:grpSp>
+        <p:nvGrpSpPr>
+          <p:cNvPr id="33" name="グループ化 32">
+            <a:extLst>
+              <a:ext uri="{FF2B5EF4-FFF2-40B4-BE49-F238E27FC236}">
+                <a16:creationId xmlns:a16="http://schemas.microsoft.com/office/drawing/2014/main" id="{F8E96A3F-3276-4AB1-BFEF-3BF7B3EB94CB}"/>
+              </a:ext>
+            </a:extLst>
+          </p:cNvPr>
+          <p:cNvGrpSpPr/>
+          <p:nvPr/>
+        </p:nvGrpSpPr>
+        <p:grpSpPr>
+          <a:xfrm rot="10800000">
+            <a:off x="6012160" y="3068960"/>
+            <a:ext cx="506540" cy="253270"/>
+            <a:chOff x="251520" y="4869160"/>
+            <a:chExt cx="2880320" cy="1440160"/>
+          </a:xfrm>
+        </p:grpSpPr>
+        <p:sp>
+          <p:nvSpPr>
+            <p:cNvPr id="36" name="正方形/長方形 35">
+              <a:extLst>
+                <a:ext uri="{FF2B5EF4-FFF2-40B4-BE49-F238E27FC236}">
+                  <a16:creationId xmlns:a16="http://schemas.microsoft.com/office/drawing/2014/main" id="{309358E1-825A-4DC2-BB7F-C963ECD5F876}"/>
+                </a:ext>
+              </a:extLst>
+            </p:cNvPr>
+            <p:cNvSpPr/>
+            <p:nvPr/>
+          </p:nvSpPr>
+          <p:spPr>
+            <a:xfrm>
+              <a:off x="251520" y="4869160"/>
+              <a:ext cx="2880320" cy="1440160"/>
+            </a:xfrm>
+            <a:prstGeom prst="rect">
+              <a:avLst/>
+            </a:prstGeom>
+            <a:solidFill>
+              <a:schemeClr val="accent6">
+                <a:lumMod val="40000"/>
+                <a:lumOff val="60000"/>
+              </a:schemeClr>
+            </a:solidFill>
+            <a:ln>
+              <a:noFill/>
+            </a:ln>
+          </p:spPr>
+          <p:txBody>
+            <a:bodyPr wrap="square" rtlCol="0" anchor="ctr">
+              <a:spAutoFit/>
+            </a:bodyPr>
+            <a:lstStyle/>
+            <a:p>
+              <a:pPr algn="ctr"/>
+              <a:endParaRPr kumimoji="1" lang="ja-JP" altLang="en-US" sz="2400" dirty="0"/>
+            </a:p>
+          </p:txBody>
+        </p:sp>
+        <p:sp>
+          <p:nvSpPr>
+            <p:cNvPr id="37" name="二等辺三角形 36">
+              <a:extLst>
+                <a:ext uri="{FF2B5EF4-FFF2-40B4-BE49-F238E27FC236}">
+                  <a16:creationId xmlns:a16="http://schemas.microsoft.com/office/drawing/2014/main" id="{B0F55242-6073-4F57-90AA-7F7EAD07FC99}"/>
+                </a:ext>
+              </a:extLst>
+            </p:cNvPr>
+            <p:cNvSpPr/>
+            <p:nvPr/>
+          </p:nvSpPr>
+          <p:spPr>
+            <a:xfrm rot="10800000">
+              <a:off x="251520" y="4869160"/>
+              <a:ext cx="2880320" cy="648072"/>
+            </a:xfrm>
+            <a:prstGeom prst="triangle">
+              <a:avLst/>
+            </a:prstGeom>
+            <a:solidFill>
+              <a:schemeClr val="bg1"/>
+            </a:solidFill>
+            <a:ln>
+              <a:noFill/>
+            </a:ln>
+          </p:spPr>
+          <p:txBody>
+            <a:bodyPr wrap="square" rtlCol="0" anchor="ctr">
+              <a:spAutoFit/>
+            </a:bodyPr>
+            <a:lstStyle/>
+            <a:p>
+              <a:pPr algn="ctr"/>
+              <a:endParaRPr kumimoji="1" lang="ja-JP" altLang="en-US" sz="2400" dirty="0"/>
+            </a:p>
+          </p:txBody>
+        </p:sp>
+      </p:grpSp>
+      <p:grpSp>
+        <p:nvGrpSpPr>
+          <p:cNvPr id="38" name="グループ化 37">
+            <a:extLst>
+              <a:ext uri="{FF2B5EF4-FFF2-40B4-BE49-F238E27FC236}">
+                <a16:creationId xmlns:a16="http://schemas.microsoft.com/office/drawing/2014/main" id="{2DFD9731-84DE-4DDD-AC5E-A87997EA1EC8}"/>
+              </a:ext>
+            </a:extLst>
+          </p:cNvPr>
+          <p:cNvGrpSpPr/>
+          <p:nvPr/>
+        </p:nvGrpSpPr>
+        <p:grpSpPr>
+          <a:xfrm>
+            <a:off x="827584" y="2844225"/>
+            <a:ext cx="506539" cy="367241"/>
+            <a:chOff x="4067944" y="4221088"/>
+            <a:chExt cx="2880320" cy="2088232"/>
+          </a:xfrm>
+        </p:grpSpPr>
+        <p:sp>
+          <p:nvSpPr>
+            <p:cNvPr id="39" name="正方形/長方形 38">
+              <a:extLst>
+                <a:ext uri="{FF2B5EF4-FFF2-40B4-BE49-F238E27FC236}">
+                  <a16:creationId xmlns:a16="http://schemas.microsoft.com/office/drawing/2014/main" id="{037EAAF6-E18A-4052-BD28-8D9FA6577CA1}"/>
+                </a:ext>
+              </a:extLst>
+            </p:cNvPr>
+            <p:cNvSpPr/>
+            <p:nvPr/>
+          </p:nvSpPr>
+          <p:spPr>
+            <a:xfrm>
+              <a:off x="4067944" y="4869160"/>
+              <a:ext cx="2880320" cy="1440160"/>
+            </a:xfrm>
+            <a:prstGeom prst="rect">
+              <a:avLst/>
+            </a:prstGeom>
+            <a:solidFill>
+              <a:schemeClr val="accent1"/>
+            </a:solidFill>
+            <a:ln>
+              <a:noFill/>
+            </a:ln>
+          </p:spPr>
+          <p:txBody>
+            <a:bodyPr wrap="square" rtlCol="0" anchor="ctr">
+              <a:spAutoFit/>
+            </a:bodyPr>
+            <a:lstStyle/>
+            <a:p>
+              <a:pPr algn="ctr"/>
+              <a:endParaRPr kumimoji="1" lang="ja-JP" altLang="en-US" sz="2400" dirty="0"/>
+            </a:p>
+          </p:txBody>
+        </p:sp>
+        <p:sp>
+          <p:nvSpPr>
+            <p:cNvPr id="40" name="二等辺三角形 39">
+              <a:extLst>
+                <a:ext uri="{FF2B5EF4-FFF2-40B4-BE49-F238E27FC236}">
+                  <a16:creationId xmlns:a16="http://schemas.microsoft.com/office/drawing/2014/main" id="{258F0C80-5C20-453E-9F97-3AC17F82D2B3}"/>
+                </a:ext>
+              </a:extLst>
+            </p:cNvPr>
+            <p:cNvSpPr/>
+            <p:nvPr/>
+          </p:nvSpPr>
+          <p:spPr>
+            <a:xfrm>
+              <a:off x="4067944" y="4221088"/>
+              <a:ext cx="2880320" cy="648072"/>
+            </a:xfrm>
+            <a:prstGeom prst="triangle">
+              <a:avLst/>
+            </a:prstGeom>
+            <a:solidFill>
+              <a:schemeClr val="accent1"/>
+            </a:solidFill>
+            <a:ln>
+              <a:noFill/>
+            </a:ln>
+          </p:spPr>
+          <p:txBody>
+            <a:bodyPr wrap="square" rtlCol="0" anchor="ctr">
+              <a:spAutoFit/>
+            </a:bodyPr>
+            <a:lstStyle/>
+            <a:p>
+              <a:pPr algn="ctr"/>
+              <a:endParaRPr kumimoji="1" lang="ja-JP" altLang="en-US" sz="2400" dirty="0"/>
+            </a:p>
+          </p:txBody>
+        </p:sp>
+      </p:grpSp>
+      <p:sp>
+        <p:nvSpPr>
+          <p:cNvPr id="14" name="テキスト ボックス 13">
+            <a:extLst>
+              <a:ext uri="{FF2B5EF4-FFF2-40B4-BE49-F238E27FC236}">
+                <a16:creationId xmlns:a16="http://schemas.microsoft.com/office/drawing/2014/main" id="{1D211CCF-191D-4F0B-A897-5657C1598AC5}"/>
+              </a:ext>
+            </a:extLst>
+          </p:cNvPr>
+          <p:cNvSpPr txBox="1"/>
+          <p:nvPr/>
+        </p:nvSpPr>
+        <p:spPr>
+          <a:xfrm>
+            <a:off x="1403648" y="2700209"/>
+            <a:ext cx="389850" cy="584775"/>
+          </a:xfrm>
+          <a:prstGeom prst="rect">
+            <a:avLst/>
+          </a:prstGeom>
+          <a:noFill/>
+        </p:spPr>
+        <p:txBody>
+          <a:bodyPr wrap="none" rtlCol="0">
+            <a:spAutoFit/>
+          </a:bodyPr>
+          <a:lstStyle/>
+          <a:p>
+            <a:r>
+              <a:rPr kumimoji="1" lang="en-US" altLang="ja-JP" sz="3200" dirty="0"/>
+              <a:t>+</a:t>
+            </a:r>
+            <a:endParaRPr kumimoji="1" lang="ja-JP" altLang="en-US" sz="3200" dirty="0"/>
+          </a:p>
+        </p:txBody>
+      </p:sp>
+      <p:grpSp>
+        <p:nvGrpSpPr>
+          <p:cNvPr id="41" name="グループ化 40">
+            <a:extLst>
+              <a:ext uri="{FF2B5EF4-FFF2-40B4-BE49-F238E27FC236}">
+                <a16:creationId xmlns:a16="http://schemas.microsoft.com/office/drawing/2014/main" id="{2885B883-47C8-4F83-85C3-5664AEC30F6C}"/>
+              </a:ext>
+            </a:extLst>
+          </p:cNvPr>
+          <p:cNvGrpSpPr/>
+          <p:nvPr/>
+        </p:nvGrpSpPr>
+        <p:grpSpPr>
+          <a:xfrm rot="10800000">
+            <a:off x="1835696" y="2916233"/>
+            <a:ext cx="506540" cy="253270"/>
+            <a:chOff x="251520" y="4869160"/>
+            <a:chExt cx="2880320" cy="1440160"/>
+          </a:xfrm>
+        </p:grpSpPr>
+        <p:sp>
+          <p:nvSpPr>
+            <p:cNvPr id="42" name="正方形/長方形 41">
+              <a:extLst>
+                <a:ext uri="{FF2B5EF4-FFF2-40B4-BE49-F238E27FC236}">
+                  <a16:creationId xmlns:a16="http://schemas.microsoft.com/office/drawing/2014/main" id="{2092B94E-D8CC-414A-A6FD-530028E284C8}"/>
+                </a:ext>
+              </a:extLst>
+            </p:cNvPr>
+            <p:cNvSpPr/>
+            <p:nvPr/>
+          </p:nvSpPr>
+          <p:spPr>
+            <a:xfrm>
+              <a:off x="251520" y="4869160"/>
+              <a:ext cx="2880320" cy="1440160"/>
+            </a:xfrm>
+            <a:prstGeom prst="rect">
+              <a:avLst/>
+            </a:prstGeom>
+            <a:solidFill>
+              <a:schemeClr val="accent6">
+                <a:lumMod val="40000"/>
+                <a:lumOff val="60000"/>
+              </a:schemeClr>
+            </a:solidFill>
+            <a:ln>
+              <a:noFill/>
+            </a:ln>
+          </p:spPr>
+          <p:txBody>
+            <a:bodyPr wrap="square" rtlCol="0" anchor="ctr">
+              <a:spAutoFit/>
+            </a:bodyPr>
+            <a:lstStyle/>
+            <a:p>
+              <a:pPr algn="ctr"/>
+              <a:endParaRPr kumimoji="1" lang="ja-JP" altLang="en-US" sz="2400" dirty="0"/>
+            </a:p>
+          </p:txBody>
+        </p:sp>
+        <p:sp>
+          <p:nvSpPr>
+            <p:cNvPr id="43" name="二等辺三角形 42">
+              <a:extLst>
+                <a:ext uri="{FF2B5EF4-FFF2-40B4-BE49-F238E27FC236}">
+                  <a16:creationId xmlns:a16="http://schemas.microsoft.com/office/drawing/2014/main" id="{0AFDAED7-A785-4660-B739-4F68BA0363DC}"/>
+                </a:ext>
+              </a:extLst>
+            </p:cNvPr>
+            <p:cNvSpPr/>
+            <p:nvPr/>
+          </p:nvSpPr>
+          <p:spPr>
+            <a:xfrm rot="10800000">
+              <a:off x="251520" y="4869160"/>
+              <a:ext cx="2880320" cy="648072"/>
+            </a:xfrm>
+            <a:prstGeom prst="triangle">
+              <a:avLst/>
+            </a:prstGeom>
+            <a:solidFill>
+              <a:schemeClr val="bg1"/>
+            </a:solidFill>
+            <a:ln>
+              <a:noFill/>
+            </a:ln>
+          </p:spPr>
+          <p:txBody>
+            <a:bodyPr wrap="square" rtlCol="0" anchor="ctr">
+              <a:spAutoFit/>
+            </a:bodyPr>
+            <a:lstStyle/>
+            <a:p>
+              <a:pPr algn="ctr"/>
+              <a:endParaRPr kumimoji="1" lang="ja-JP" altLang="en-US" sz="2400" dirty="0"/>
+            </a:p>
+          </p:txBody>
+        </p:sp>
+      </p:grpSp>
+      <p:sp>
+        <p:nvSpPr>
+          <p:cNvPr id="44" name="テキスト ボックス 43">
+            <a:extLst>
+              <a:ext uri="{FF2B5EF4-FFF2-40B4-BE49-F238E27FC236}">
+                <a16:creationId xmlns:a16="http://schemas.microsoft.com/office/drawing/2014/main" id="{6E6320B8-E190-44F2-90C8-B0A8FEDB29E3}"/>
+              </a:ext>
+            </a:extLst>
+          </p:cNvPr>
+          <p:cNvSpPr txBox="1"/>
+          <p:nvPr/>
+        </p:nvSpPr>
+        <p:spPr>
+          <a:xfrm>
+            <a:off x="2411760" y="2700209"/>
+            <a:ext cx="389850" cy="584775"/>
+          </a:xfrm>
+          <a:prstGeom prst="rect">
+            <a:avLst/>
+          </a:prstGeom>
+          <a:noFill/>
+        </p:spPr>
+        <p:txBody>
+          <a:bodyPr wrap="square" rtlCol="0">
+            <a:spAutoFit/>
+          </a:bodyPr>
+          <a:lstStyle/>
+          <a:p>
+            <a:r>
+              <a:rPr kumimoji="1" lang="en-US" altLang="ja-JP" sz="3200" dirty="0"/>
+              <a:t>=</a:t>
+            </a:r>
+            <a:endParaRPr kumimoji="1" lang="ja-JP" altLang="en-US" sz="3200" dirty="0"/>
+          </a:p>
+        </p:txBody>
+      </p:sp>
+      <p:grpSp>
+        <p:nvGrpSpPr>
+          <p:cNvPr id="45" name="グループ化 44">
+            <a:extLst>
+              <a:ext uri="{FF2B5EF4-FFF2-40B4-BE49-F238E27FC236}">
+                <a16:creationId xmlns:a16="http://schemas.microsoft.com/office/drawing/2014/main" id="{2362C71E-93B6-4A20-968B-F8689601C891}"/>
+              </a:ext>
+            </a:extLst>
+          </p:cNvPr>
+          <p:cNvGrpSpPr/>
+          <p:nvPr/>
+        </p:nvGrpSpPr>
+        <p:grpSpPr>
+          <a:xfrm rot="10800000">
+            <a:off x="2915816" y="2772217"/>
+            <a:ext cx="506540" cy="253270"/>
+            <a:chOff x="251520" y="4869160"/>
+            <a:chExt cx="2880320" cy="1440160"/>
+          </a:xfrm>
+        </p:grpSpPr>
+        <p:sp>
+          <p:nvSpPr>
+            <p:cNvPr id="46" name="正方形/長方形 45">
+              <a:extLst>
+                <a:ext uri="{FF2B5EF4-FFF2-40B4-BE49-F238E27FC236}">
+                  <a16:creationId xmlns:a16="http://schemas.microsoft.com/office/drawing/2014/main" id="{5EB485E3-F582-44E0-994A-AD9DFBD59D1E}"/>
+                </a:ext>
+              </a:extLst>
+            </p:cNvPr>
+            <p:cNvSpPr/>
+            <p:nvPr/>
+          </p:nvSpPr>
+          <p:spPr>
+            <a:xfrm>
+              <a:off x="251520" y="4869160"/>
+              <a:ext cx="2880320" cy="1440160"/>
+            </a:xfrm>
+            <a:prstGeom prst="rect">
+              <a:avLst/>
+            </a:prstGeom>
+            <a:solidFill>
+              <a:schemeClr val="accent6">
+                <a:lumMod val="40000"/>
+                <a:lumOff val="60000"/>
+              </a:schemeClr>
+            </a:solidFill>
+            <a:ln>
+              <a:noFill/>
+            </a:ln>
+          </p:spPr>
+          <p:txBody>
+            <a:bodyPr wrap="square" rtlCol="0" anchor="ctr">
+              <a:spAutoFit/>
+            </a:bodyPr>
+            <a:lstStyle/>
+            <a:p>
+              <a:pPr algn="ctr"/>
+              <a:endParaRPr kumimoji="1" lang="ja-JP" altLang="en-US" sz="2400" dirty="0"/>
+            </a:p>
+          </p:txBody>
+        </p:sp>
+        <p:sp>
+          <p:nvSpPr>
+            <p:cNvPr id="47" name="二等辺三角形 46">
+              <a:extLst>
+                <a:ext uri="{FF2B5EF4-FFF2-40B4-BE49-F238E27FC236}">
+                  <a16:creationId xmlns:a16="http://schemas.microsoft.com/office/drawing/2014/main" id="{4D489DA7-CDAE-4EB3-91A7-8345015AF65F}"/>
+                </a:ext>
+              </a:extLst>
+            </p:cNvPr>
+            <p:cNvSpPr/>
+            <p:nvPr/>
+          </p:nvSpPr>
+          <p:spPr>
+            <a:xfrm rot="10800000">
+              <a:off x="251520" y="4869160"/>
+              <a:ext cx="2880320" cy="648072"/>
+            </a:xfrm>
+            <a:prstGeom prst="triangle">
+              <a:avLst/>
+            </a:prstGeom>
+            <a:solidFill>
+              <a:schemeClr val="bg1"/>
+            </a:solidFill>
+            <a:ln>
+              <a:noFill/>
+            </a:ln>
+          </p:spPr>
+          <p:txBody>
+            <a:bodyPr wrap="square" rtlCol="0" anchor="ctr">
+              <a:spAutoFit/>
+            </a:bodyPr>
+            <a:lstStyle/>
+            <a:p>
+              <a:pPr algn="ctr"/>
+              <a:endParaRPr kumimoji="1" lang="ja-JP" altLang="en-US" sz="2400" dirty="0"/>
+            </a:p>
+          </p:txBody>
+        </p:sp>
+      </p:grpSp>
+      <p:grpSp>
+        <p:nvGrpSpPr>
+          <p:cNvPr id="48" name="グループ化 47">
+            <a:extLst>
+              <a:ext uri="{FF2B5EF4-FFF2-40B4-BE49-F238E27FC236}">
+                <a16:creationId xmlns:a16="http://schemas.microsoft.com/office/drawing/2014/main" id="{F94396E2-2EA7-41DC-BE31-D12E56BF1C23}"/>
+              </a:ext>
+            </a:extLst>
+          </p:cNvPr>
+          <p:cNvGrpSpPr/>
+          <p:nvPr/>
+        </p:nvGrpSpPr>
+        <p:grpSpPr>
+          <a:xfrm>
+            <a:off x="2915816" y="2916233"/>
+            <a:ext cx="506539" cy="367241"/>
+            <a:chOff x="4067944" y="4221088"/>
+            <a:chExt cx="2880320" cy="2088232"/>
+          </a:xfrm>
+        </p:grpSpPr>
+        <p:sp>
+          <p:nvSpPr>
+            <p:cNvPr id="49" name="正方形/長方形 48">
+              <a:extLst>
+                <a:ext uri="{FF2B5EF4-FFF2-40B4-BE49-F238E27FC236}">
+                  <a16:creationId xmlns:a16="http://schemas.microsoft.com/office/drawing/2014/main" id="{958BDA10-09B1-4D7A-8584-86D0215A4189}"/>
+                </a:ext>
+              </a:extLst>
+            </p:cNvPr>
+            <p:cNvSpPr/>
+            <p:nvPr/>
+          </p:nvSpPr>
+          <p:spPr>
+            <a:xfrm>
+              <a:off x="4067944" y="4869160"/>
+              <a:ext cx="2880320" cy="1440160"/>
+            </a:xfrm>
+            <a:prstGeom prst="rect">
+              <a:avLst/>
+            </a:prstGeom>
+            <a:solidFill>
+              <a:schemeClr val="accent1"/>
+            </a:solidFill>
+            <a:ln>
+              <a:noFill/>
+            </a:ln>
+          </p:spPr>
+          <p:txBody>
+            <a:bodyPr wrap="square" rtlCol="0" anchor="ctr">
+              <a:spAutoFit/>
+            </a:bodyPr>
+            <a:lstStyle/>
+            <a:p>
+              <a:pPr algn="ctr"/>
+              <a:endParaRPr kumimoji="1" lang="ja-JP" altLang="en-US" sz="2400" dirty="0"/>
+            </a:p>
+          </p:txBody>
+        </p:sp>
+        <p:sp>
+          <p:nvSpPr>
+            <p:cNvPr id="50" name="二等辺三角形 49">
+              <a:extLst>
+                <a:ext uri="{FF2B5EF4-FFF2-40B4-BE49-F238E27FC236}">
+                  <a16:creationId xmlns:a16="http://schemas.microsoft.com/office/drawing/2014/main" id="{BAC60EEE-1025-4DC0-ABFB-16D12CBA1091}"/>
+                </a:ext>
+              </a:extLst>
+            </p:cNvPr>
+            <p:cNvSpPr/>
+            <p:nvPr/>
+          </p:nvSpPr>
+          <p:spPr>
+            <a:xfrm>
+              <a:off x="4067944" y="4221088"/>
+              <a:ext cx="2880320" cy="648072"/>
+            </a:xfrm>
+            <a:prstGeom prst="triangle">
+              <a:avLst/>
+            </a:prstGeom>
+            <a:solidFill>
+              <a:schemeClr val="accent1"/>
+            </a:solidFill>
+            <a:ln>
+              <a:noFill/>
+            </a:ln>
+          </p:spPr>
+          <p:txBody>
+            <a:bodyPr wrap="square" rtlCol="0" anchor="ctr">
+              <a:spAutoFit/>
+            </a:bodyPr>
+            <a:lstStyle/>
+            <a:p>
+              <a:pPr algn="ctr"/>
+              <a:endParaRPr kumimoji="1" lang="ja-JP" altLang="en-US" sz="2400" dirty="0"/>
+            </a:p>
+          </p:txBody>
+        </p:sp>
+      </p:grpSp>
+      <p:sp>
+        <p:nvSpPr>
+          <p:cNvPr id="51" name="テキスト ボックス 50">
+            <a:extLst>
+              <a:ext uri="{FF2B5EF4-FFF2-40B4-BE49-F238E27FC236}">
+                <a16:creationId xmlns:a16="http://schemas.microsoft.com/office/drawing/2014/main" id="{916D8E9A-4680-4973-9E13-1579D9919F00}"/>
+              </a:ext>
+            </a:extLst>
+          </p:cNvPr>
+          <p:cNvSpPr txBox="1"/>
+          <p:nvPr/>
+        </p:nvSpPr>
+        <p:spPr>
+          <a:xfrm>
+            <a:off x="4703203" y="3212976"/>
+            <a:ext cx="732893" cy="338554"/>
+          </a:xfrm>
+          <a:prstGeom prst="rect">
+            <a:avLst/>
+          </a:prstGeom>
+          <a:noFill/>
+        </p:spPr>
+        <p:txBody>
+          <a:bodyPr wrap="none" rtlCol="0">
+            <a:spAutoFit/>
+          </a:bodyPr>
+          <a:lstStyle/>
+          <a:p>
+            <a:r>
+              <a:rPr lang="ja-JP" altLang="en-US" sz="1600"/>
+              <a:t>パッチ</a:t>
+            </a:r>
+            <a:endParaRPr kumimoji="1" lang="ja-JP" altLang="en-US" sz="1600" dirty="0"/>
+          </a:p>
+        </p:txBody>
+      </p:sp>
+    </p:spTree>
+    <p:extLst>
+      <p:ext uri="{BB962C8B-B14F-4D97-AF65-F5344CB8AC3E}">
+        <p14:creationId xmlns:p14="http://schemas.microsoft.com/office/powerpoint/2010/main" val="37847166"/>
+      </p:ext>
+    </p:extLst>
+  </p:cSld>
+  <p:clrMapOvr>
+    <a:masterClrMapping/>
+  </p:clrMapOvr>
+</p:sld>
+</file>
+
+<file path=ppt/slides/slide2.xml><?xml version="1.0" encoding="utf-8"?>
+<p:sld xmlns:a="http://schemas.openxmlformats.org/drawingml/2006/main" xmlns:r="http://schemas.openxmlformats.org/officeDocument/2006/relationships" xmlns:p="http://schemas.openxmlformats.org/presentationml/2006/main">
+  <p:cSld>
+    <p:spTree>
+      <p:nvGrpSpPr>
+        <p:cNvPr id="1" name=""/>
+        <p:cNvGrpSpPr/>
+        <p:nvPr/>
+      </p:nvGrpSpPr>
+      <p:grpSpPr>
+        <a:xfrm>
+          <a:off x="0" y="0"/>
+          <a:ext cx="0" cy="0"/>
+          <a:chOff x="0" y="0"/>
+          <a:chExt cx="0" cy="0"/>
+        </a:xfrm>
+      </p:grpSpPr>
+      <p:grpSp>
+        <p:nvGrpSpPr>
+          <p:cNvPr id="34" name="グループ化 33">
+            <a:extLst>
+              <a:ext uri="{FF2B5EF4-FFF2-40B4-BE49-F238E27FC236}">
+                <a16:creationId xmlns:a16="http://schemas.microsoft.com/office/drawing/2014/main" id="{F3429EAB-0205-48DF-A6D5-4A6DA8E2496C}"/>
+              </a:ext>
+            </a:extLst>
+          </p:cNvPr>
+          <p:cNvGrpSpPr/>
+          <p:nvPr/>
+        </p:nvGrpSpPr>
+        <p:grpSpPr>
+          <a:xfrm>
+            <a:off x="179512" y="1772816"/>
+            <a:ext cx="504056" cy="378042"/>
+            <a:chOff x="2411760" y="4491118"/>
+            <a:chExt cx="504056" cy="378042"/>
+          </a:xfrm>
+        </p:grpSpPr>
+        <p:sp>
+          <p:nvSpPr>
+            <p:cNvPr id="2" name="正方形/長方形 1">
+              <a:extLst>
+                <a:ext uri="{FF2B5EF4-FFF2-40B4-BE49-F238E27FC236}">
+                  <a16:creationId xmlns:a16="http://schemas.microsoft.com/office/drawing/2014/main" id="{EDB39674-BF06-4B8B-84F7-37E210C05CE5}"/>
+                </a:ext>
+              </a:extLst>
+            </p:cNvPr>
+            <p:cNvSpPr/>
+            <p:nvPr/>
+          </p:nvSpPr>
+          <p:spPr>
+            <a:xfrm>
+              <a:off x="2411760" y="4743146"/>
+              <a:ext cx="504056" cy="126014"/>
+            </a:xfrm>
+            <a:prstGeom prst="rect">
+              <a:avLst/>
+            </a:prstGeom>
+            <a:solidFill>
+              <a:schemeClr val="accent1"/>
+            </a:solidFill>
+            <a:ln>
+              <a:noFill/>
+            </a:ln>
+          </p:spPr>
+          <p:txBody>
+            <a:bodyPr wrap="square" rtlCol="0" anchor="ctr">
+              <a:spAutoFit/>
+            </a:bodyPr>
+            <a:lstStyle/>
+            <a:p>
+              <a:pPr algn="ctr"/>
+              <a:endParaRPr kumimoji="1" lang="ja-JP" altLang="en-US" sz="2400" dirty="0"/>
+            </a:p>
+          </p:txBody>
+        </p:sp>
+        <p:sp>
+          <p:nvSpPr>
+            <p:cNvPr id="4" name="直角三角形 3">
+              <a:extLst>
+                <a:ext uri="{FF2B5EF4-FFF2-40B4-BE49-F238E27FC236}">
+                  <a16:creationId xmlns:a16="http://schemas.microsoft.com/office/drawing/2014/main" id="{FF757A70-CAAA-48D7-962C-FD7A05010094}"/>
+                </a:ext>
+              </a:extLst>
+            </p:cNvPr>
+            <p:cNvSpPr/>
+            <p:nvPr/>
+          </p:nvSpPr>
+          <p:spPr>
+            <a:xfrm rot="16200000">
+              <a:off x="2411760" y="4491118"/>
+              <a:ext cx="252028" cy="252028"/>
+            </a:xfrm>
+            <a:prstGeom prst="rtTriangle">
+              <a:avLst/>
+            </a:prstGeom>
+            <a:solidFill>
+              <a:schemeClr val="accent1"/>
+            </a:solidFill>
+            <a:ln>
+              <a:noFill/>
+            </a:ln>
+          </p:spPr>
+          <p:txBody>
+            <a:bodyPr wrap="square" rtlCol="0" anchor="ctr">
+              <a:spAutoFit/>
+            </a:bodyPr>
+            <a:lstStyle/>
+            <a:p>
+              <a:pPr algn="ctr"/>
+              <a:endParaRPr kumimoji="1" lang="ja-JP" altLang="en-US" sz="2400" dirty="0"/>
+            </a:p>
+          </p:txBody>
+        </p:sp>
+        <p:sp>
+          <p:nvSpPr>
+            <p:cNvPr id="6" name="直角三角形 5">
+              <a:extLst>
+                <a:ext uri="{FF2B5EF4-FFF2-40B4-BE49-F238E27FC236}">
+                  <a16:creationId xmlns:a16="http://schemas.microsoft.com/office/drawing/2014/main" id="{F040FE64-C5DC-4715-BEB8-64B6C8CFC436}"/>
+                </a:ext>
+              </a:extLst>
+            </p:cNvPr>
+            <p:cNvSpPr/>
+            <p:nvPr/>
+          </p:nvSpPr>
+          <p:spPr>
+            <a:xfrm>
+              <a:off x="2663788" y="4491118"/>
+              <a:ext cx="252028" cy="252028"/>
+            </a:xfrm>
+            <a:prstGeom prst="rtTriangle">
+              <a:avLst/>
+            </a:prstGeom>
+            <a:solidFill>
+              <a:schemeClr val="accent1"/>
+            </a:solidFill>
+            <a:ln>
+              <a:noFill/>
+            </a:ln>
+          </p:spPr>
+          <p:txBody>
+            <a:bodyPr wrap="square" rtlCol="0" anchor="ctr">
+              <a:spAutoFit/>
+            </a:bodyPr>
+            <a:lstStyle/>
+            <a:p>
+              <a:pPr algn="ctr"/>
+              <a:endParaRPr kumimoji="1" lang="ja-JP" altLang="en-US" sz="2400" dirty="0"/>
+            </a:p>
+          </p:txBody>
+        </p:sp>
+      </p:grpSp>
+      <p:sp>
+        <p:nvSpPr>
+          <p:cNvPr id="7" name="直角三角形 6">
+            <a:extLst>
+              <a:ext uri="{FF2B5EF4-FFF2-40B4-BE49-F238E27FC236}">
+                <a16:creationId xmlns:a16="http://schemas.microsoft.com/office/drawing/2014/main" id="{75B18654-F7D6-4160-AF36-687E00BFF429}"/>
+              </a:ext>
+            </a:extLst>
+          </p:cNvPr>
+          <p:cNvSpPr/>
+          <p:nvPr/>
+        </p:nvSpPr>
+        <p:spPr>
+          <a:xfrm rot="5400000">
+            <a:off x="1473751" y="683171"/>
+            <a:ext cx="252028" cy="252028"/>
+          </a:xfrm>
+          <a:prstGeom prst="rtTriangle">
+            <a:avLst/>
+          </a:prstGeom>
+          <a:solidFill>
+            <a:schemeClr val="accent3">
+              <a:lumMod val="60000"/>
+              <a:lumOff val="40000"/>
+            </a:schemeClr>
+          </a:solidFill>
+          <a:ln>
+            <a:noFill/>
+          </a:ln>
+        </p:spPr>
+        <p:txBody>
+          <a:bodyPr wrap="square" rtlCol="0" anchor="ctr">
+            <a:spAutoFit/>
+          </a:bodyPr>
+          <a:lstStyle/>
+          <a:p>
+            <a:pPr algn="ctr"/>
+            <a:endParaRPr kumimoji="1" lang="ja-JP" altLang="en-US" sz="2400" dirty="0"/>
+          </a:p>
+        </p:txBody>
+      </p:sp>
+      <p:sp>
+        <p:nvSpPr>
+          <p:cNvPr id="8" name="正方形/長方形 7">
+            <a:extLst>
+              <a:ext uri="{FF2B5EF4-FFF2-40B4-BE49-F238E27FC236}">
+                <a16:creationId xmlns:a16="http://schemas.microsoft.com/office/drawing/2014/main" id="{1553423F-56C3-4D94-868B-00E792C29E63}"/>
+              </a:ext>
+            </a:extLst>
+          </p:cNvPr>
+          <p:cNvSpPr/>
+          <p:nvPr/>
+        </p:nvSpPr>
+        <p:spPr>
+          <a:xfrm>
+            <a:off x="2760671" y="3132569"/>
+            <a:ext cx="252028" cy="126014"/>
+          </a:xfrm>
+          <a:prstGeom prst="rect">
+            <a:avLst/>
+          </a:prstGeom>
+          <a:solidFill>
+            <a:schemeClr val="accent6">
+              <a:lumMod val="60000"/>
+              <a:lumOff val="40000"/>
+            </a:schemeClr>
+          </a:solidFill>
+          <a:ln>
+            <a:noFill/>
+          </a:ln>
+        </p:spPr>
+        <p:txBody>
+          <a:bodyPr wrap="square" rtlCol="0" anchor="ctr">
+            <a:spAutoFit/>
+          </a:bodyPr>
+          <a:lstStyle/>
+          <a:p>
+            <a:pPr algn="ctr"/>
+            <a:endParaRPr kumimoji="1" lang="ja-JP" altLang="en-US" sz="2400" dirty="0"/>
+          </a:p>
+        </p:txBody>
+      </p:sp>
+      <p:sp>
+        <p:nvSpPr>
+          <p:cNvPr id="11" name="楕円 4">
+            <a:extLst>
+              <a:ext uri="{FF2B5EF4-FFF2-40B4-BE49-F238E27FC236}">
+                <a16:creationId xmlns:a16="http://schemas.microsoft.com/office/drawing/2014/main" id="{AF52A1C2-F88B-4121-8825-43A48EFE7162}"/>
+              </a:ext>
+            </a:extLst>
+          </p:cNvPr>
+          <p:cNvSpPr/>
+          <p:nvPr/>
+        </p:nvSpPr>
+        <p:spPr>
+          <a:xfrm>
+            <a:off x="827584" y="1844824"/>
+            <a:ext cx="288032" cy="288032"/>
+          </a:xfrm>
+          <a:prstGeom prst="ellipse">
+            <a:avLst/>
+          </a:prstGeom>
+          <a:solidFill>
+            <a:srgbClr val="011893"/>
+          </a:solidFill>
+          <a:ln>
+            <a:solidFill>
+              <a:schemeClr val="tx1"/>
+            </a:solidFill>
+          </a:ln>
+        </p:spPr>
+        <p:style>
+          <a:lnRef idx="2">
+            <a:schemeClr val="accent1">
+              <a:shade val="50000"/>
+            </a:schemeClr>
+          </a:lnRef>
+          <a:fillRef idx="1">
+            <a:schemeClr val="accent1"/>
+          </a:fillRef>
+          <a:effectRef idx="0">
+            <a:schemeClr val="accent1"/>
+          </a:effectRef>
+          <a:fontRef idx="minor">
+            <a:schemeClr val="lt1"/>
+          </a:fontRef>
+        </p:style>
+        <p:txBody>
+          <a:bodyPr rtlCol="0" anchor="ctr"/>
+          <a:lstStyle/>
+          <a:p>
+            <a:pPr algn="ctr"/>
+            <a:endParaRPr kumimoji="1" lang="ja-JP" altLang="en-US"/>
+          </a:p>
+        </p:txBody>
+      </p:sp>
+      <p:sp>
+        <p:nvSpPr>
+          <p:cNvPr id="12" name="楕円 4">
+            <a:extLst>
+              <a:ext uri="{FF2B5EF4-FFF2-40B4-BE49-F238E27FC236}">
+                <a16:creationId xmlns:a16="http://schemas.microsoft.com/office/drawing/2014/main" id="{BB01286F-5BC9-49C3-AACB-4E6A36D42B60}"/>
+              </a:ext>
+            </a:extLst>
+          </p:cNvPr>
+          <p:cNvSpPr/>
+          <p:nvPr/>
+        </p:nvSpPr>
+        <p:spPr>
+          <a:xfrm>
+            <a:off x="1619672" y="1124744"/>
+            <a:ext cx="288032" cy="288032"/>
+          </a:xfrm>
+          <a:prstGeom prst="ellipse">
+            <a:avLst/>
+          </a:prstGeom>
+          <a:solidFill>
+            <a:srgbClr val="011893"/>
+          </a:solidFill>
+          <a:ln>
+            <a:solidFill>
+              <a:schemeClr val="tx1"/>
+            </a:solidFill>
+          </a:ln>
+        </p:spPr>
+        <p:style>
+          <a:lnRef idx="2">
+            <a:schemeClr val="accent1">
+              <a:shade val="50000"/>
+            </a:schemeClr>
+          </a:lnRef>
+          <a:fillRef idx="1">
+            <a:schemeClr val="accent1"/>
+          </a:fillRef>
+          <a:effectRef idx="0">
+            <a:schemeClr val="accent1"/>
+          </a:effectRef>
+          <a:fontRef idx="minor">
+            <a:schemeClr val="lt1"/>
+          </a:fontRef>
+        </p:style>
+        <p:txBody>
+          <a:bodyPr rtlCol="0" anchor="ctr"/>
+          <a:lstStyle/>
+          <a:p>
+            <a:pPr algn="ctr"/>
+            <a:endParaRPr kumimoji="1" lang="ja-JP" altLang="en-US"/>
+          </a:p>
+        </p:txBody>
+      </p:sp>
+      <p:sp>
+        <p:nvSpPr>
+          <p:cNvPr id="13" name="楕円 4">
+            <a:extLst>
+              <a:ext uri="{FF2B5EF4-FFF2-40B4-BE49-F238E27FC236}">
+                <a16:creationId xmlns:a16="http://schemas.microsoft.com/office/drawing/2014/main" id="{68197BE5-7AE2-420E-B6FE-CF8DFCC209A4}"/>
+              </a:ext>
+            </a:extLst>
+          </p:cNvPr>
+          <p:cNvSpPr/>
+          <p:nvPr/>
+        </p:nvSpPr>
+        <p:spPr>
+          <a:xfrm>
+            <a:off x="2699792" y="1124744"/>
+            <a:ext cx="288032" cy="288032"/>
+          </a:xfrm>
+          <a:prstGeom prst="ellipse">
+            <a:avLst/>
+          </a:prstGeom>
+          <a:solidFill>
+            <a:srgbClr val="011893"/>
+          </a:solidFill>
+          <a:ln>
+            <a:solidFill>
+              <a:schemeClr val="tx1"/>
+            </a:solidFill>
+          </a:ln>
+        </p:spPr>
+        <p:style>
+          <a:lnRef idx="2">
+            <a:schemeClr val="accent1">
+              <a:shade val="50000"/>
+            </a:schemeClr>
+          </a:lnRef>
+          <a:fillRef idx="1">
+            <a:schemeClr val="accent1"/>
+          </a:fillRef>
+          <a:effectRef idx="0">
+            <a:schemeClr val="accent1"/>
+          </a:effectRef>
+          <a:fontRef idx="minor">
+            <a:schemeClr val="lt1"/>
+          </a:fontRef>
+        </p:style>
+        <p:txBody>
+          <a:bodyPr rtlCol="0" anchor="ctr"/>
+          <a:lstStyle/>
+          <a:p>
+            <a:pPr algn="ctr"/>
+            <a:endParaRPr kumimoji="1" lang="ja-JP" altLang="en-US"/>
+          </a:p>
+        </p:txBody>
+      </p:sp>
+      <p:sp>
+        <p:nvSpPr>
+          <p:cNvPr id="14" name="楕円 4">
+            <a:extLst>
+              <a:ext uri="{FF2B5EF4-FFF2-40B4-BE49-F238E27FC236}">
+                <a16:creationId xmlns:a16="http://schemas.microsoft.com/office/drawing/2014/main" id="{AF53BF50-7AC2-449B-BDE9-08088E8433B3}"/>
+              </a:ext>
+            </a:extLst>
+          </p:cNvPr>
+          <p:cNvSpPr/>
+          <p:nvPr/>
+        </p:nvSpPr>
+        <p:spPr>
+          <a:xfrm>
+            <a:off x="1619672" y="2564904"/>
+            <a:ext cx="288032" cy="288032"/>
+          </a:xfrm>
+          <a:prstGeom prst="ellipse">
+            <a:avLst/>
+          </a:prstGeom>
+          <a:solidFill>
+            <a:srgbClr val="011893"/>
+          </a:solidFill>
+          <a:ln>
+            <a:solidFill>
+              <a:schemeClr val="tx1"/>
+            </a:solidFill>
+          </a:ln>
+        </p:spPr>
+        <p:style>
+          <a:lnRef idx="2">
+            <a:schemeClr val="accent1">
+              <a:shade val="50000"/>
+            </a:schemeClr>
+          </a:lnRef>
+          <a:fillRef idx="1">
+            <a:schemeClr val="accent1"/>
+          </a:fillRef>
+          <a:effectRef idx="0">
+            <a:schemeClr val="accent1"/>
+          </a:effectRef>
+          <a:fontRef idx="minor">
+            <a:schemeClr val="lt1"/>
+          </a:fontRef>
+        </p:style>
+        <p:txBody>
+          <a:bodyPr rtlCol="0" anchor="ctr"/>
+          <a:lstStyle/>
+          <a:p>
+            <a:pPr algn="ctr"/>
+            <a:endParaRPr kumimoji="1" lang="ja-JP" altLang="en-US"/>
+          </a:p>
+        </p:txBody>
+      </p:sp>
+      <p:sp>
+        <p:nvSpPr>
+          <p:cNvPr id="15" name="楕円 4">
+            <a:extLst>
+              <a:ext uri="{FF2B5EF4-FFF2-40B4-BE49-F238E27FC236}">
+                <a16:creationId xmlns:a16="http://schemas.microsoft.com/office/drawing/2014/main" id="{6CF5A6C0-11D9-4478-81BE-432A4E3558E3}"/>
+              </a:ext>
+            </a:extLst>
+          </p:cNvPr>
+          <p:cNvSpPr/>
+          <p:nvPr/>
+        </p:nvSpPr>
+        <p:spPr>
+          <a:xfrm>
+            <a:off x="2699792" y="2564904"/>
+            <a:ext cx="288032" cy="288032"/>
+          </a:xfrm>
+          <a:prstGeom prst="ellipse">
+            <a:avLst/>
+          </a:prstGeom>
+          <a:solidFill>
+            <a:srgbClr val="011893"/>
+          </a:solidFill>
+          <a:ln>
+            <a:solidFill>
+              <a:schemeClr val="tx1"/>
+            </a:solidFill>
+          </a:ln>
+        </p:spPr>
+        <p:style>
+          <a:lnRef idx="2">
+            <a:schemeClr val="accent1">
+              <a:shade val="50000"/>
+            </a:schemeClr>
+          </a:lnRef>
+          <a:fillRef idx="1">
+            <a:schemeClr val="accent1"/>
+          </a:fillRef>
+          <a:effectRef idx="0">
+            <a:schemeClr val="accent1"/>
+          </a:effectRef>
+          <a:fontRef idx="minor">
+            <a:schemeClr val="lt1"/>
+          </a:fontRef>
+        </p:style>
+        <p:txBody>
+          <a:bodyPr rtlCol="0" anchor="ctr"/>
+          <a:lstStyle/>
+          <a:p>
+            <a:pPr algn="ctr"/>
+            <a:endParaRPr kumimoji="1" lang="ja-JP" altLang="en-US"/>
+          </a:p>
+        </p:txBody>
+      </p:sp>
+      <p:cxnSp>
+        <p:nvCxnSpPr>
+          <p:cNvPr id="16" name="直線コネクタ 15">
+            <a:extLst>
+              <a:ext uri="{FF2B5EF4-FFF2-40B4-BE49-F238E27FC236}">
+                <a16:creationId xmlns:a16="http://schemas.microsoft.com/office/drawing/2014/main" id="{B8ACB8DA-5D71-4029-AA31-0A08D01F2D43}"/>
+              </a:ext>
+            </a:extLst>
+          </p:cNvPr>
+          <p:cNvCxnSpPr>
+            <a:cxnSpLocks/>
+            <a:stCxn id="11" idx="7"/>
+            <a:endCxn id="12" idx="3"/>
+          </p:cNvCxnSpPr>
+          <p:nvPr/>
+        </p:nvCxnSpPr>
+        <p:spPr>
+          <a:xfrm flipV="1">
+            <a:off x="1073435" y="1370595"/>
+            <a:ext cx="588418" cy="516410"/>
+          </a:xfrm>
+          <a:prstGeom prst="line">
+            <a:avLst/>
+          </a:prstGeom>
+          <a:ln w="57150">
+            <a:solidFill>
+              <a:schemeClr val="tx1"/>
+            </a:solidFill>
+            <a:headEnd type="none" w="med" len="med"/>
+            <a:tailEnd type="none" w="med" len="med"/>
+          </a:ln>
+        </p:spPr>
+        <p:style>
+          <a:lnRef idx="1">
+            <a:schemeClr val="accent1"/>
+          </a:lnRef>
+          <a:fillRef idx="0">
+            <a:schemeClr val="accent1"/>
+          </a:fillRef>
+          <a:effectRef idx="0">
+            <a:schemeClr val="accent1"/>
+          </a:effectRef>
+          <a:fontRef idx="minor">
+            <a:schemeClr val="tx1"/>
+          </a:fontRef>
+        </p:style>
+      </p:cxnSp>
+      <p:cxnSp>
+        <p:nvCxnSpPr>
+          <p:cNvPr id="19" name="直線コネクタ 18">
+            <a:extLst>
+              <a:ext uri="{FF2B5EF4-FFF2-40B4-BE49-F238E27FC236}">
+                <a16:creationId xmlns:a16="http://schemas.microsoft.com/office/drawing/2014/main" id="{A482C777-1A9E-423E-AC05-362AB155A8DA}"/>
+              </a:ext>
+            </a:extLst>
+          </p:cNvPr>
+          <p:cNvCxnSpPr>
+            <a:cxnSpLocks/>
+            <a:stCxn id="11" idx="5"/>
+            <a:endCxn id="14" idx="1"/>
+          </p:cNvCxnSpPr>
+          <p:nvPr/>
+        </p:nvCxnSpPr>
+        <p:spPr>
+          <a:xfrm>
+            <a:off x="1073435" y="2090675"/>
+            <a:ext cx="588418" cy="516410"/>
+          </a:xfrm>
+          <a:prstGeom prst="line">
+            <a:avLst/>
+          </a:prstGeom>
+          <a:ln w="57150">
+            <a:solidFill>
+              <a:schemeClr val="tx1"/>
+            </a:solidFill>
+            <a:headEnd type="none" w="med" len="med"/>
+            <a:tailEnd type="none" w="med" len="med"/>
+          </a:ln>
+        </p:spPr>
+        <p:style>
+          <a:lnRef idx="1">
+            <a:schemeClr val="accent1"/>
+          </a:lnRef>
+          <a:fillRef idx="0">
+            <a:schemeClr val="accent1"/>
+          </a:fillRef>
+          <a:effectRef idx="0">
+            <a:schemeClr val="accent1"/>
+          </a:effectRef>
+          <a:fontRef idx="minor">
+            <a:schemeClr val="tx1"/>
+          </a:fontRef>
+        </p:style>
+      </p:cxnSp>
+      <p:cxnSp>
+        <p:nvCxnSpPr>
+          <p:cNvPr id="22" name="直線コネクタ 21">
+            <a:extLst>
+              <a:ext uri="{FF2B5EF4-FFF2-40B4-BE49-F238E27FC236}">
+                <a16:creationId xmlns:a16="http://schemas.microsoft.com/office/drawing/2014/main" id="{307ED360-E1E2-4C98-94F0-3ADFC96B69B5}"/>
+              </a:ext>
+            </a:extLst>
+          </p:cNvPr>
+          <p:cNvCxnSpPr>
+            <a:cxnSpLocks/>
+            <a:stCxn id="12" idx="6"/>
+            <a:endCxn id="13" idx="2"/>
+          </p:cNvCxnSpPr>
+          <p:nvPr/>
+        </p:nvCxnSpPr>
+        <p:spPr>
+          <a:xfrm>
+            <a:off x="1907704" y="1268760"/>
+            <a:ext cx="792088" cy="0"/>
+          </a:xfrm>
+          <a:prstGeom prst="line">
+            <a:avLst/>
+          </a:prstGeom>
+          <a:ln w="57150">
+            <a:solidFill>
+              <a:schemeClr val="tx1"/>
+            </a:solidFill>
+            <a:headEnd type="none" w="med" len="med"/>
+            <a:tailEnd type="none" w="med" len="med"/>
+          </a:ln>
+        </p:spPr>
+        <p:style>
+          <a:lnRef idx="1">
+            <a:schemeClr val="accent1"/>
+          </a:lnRef>
+          <a:fillRef idx="0">
+            <a:schemeClr val="accent1"/>
+          </a:fillRef>
+          <a:effectRef idx="0">
+            <a:schemeClr val="accent1"/>
+          </a:effectRef>
+          <a:fontRef idx="minor">
+            <a:schemeClr val="tx1"/>
+          </a:fontRef>
+        </p:style>
+      </p:cxnSp>
+      <p:cxnSp>
+        <p:nvCxnSpPr>
+          <p:cNvPr id="26" name="直線コネクタ 25">
+            <a:extLst>
+              <a:ext uri="{FF2B5EF4-FFF2-40B4-BE49-F238E27FC236}">
+                <a16:creationId xmlns:a16="http://schemas.microsoft.com/office/drawing/2014/main" id="{8A914D22-FF13-45A8-BEA0-61931C4695C7}"/>
+              </a:ext>
+            </a:extLst>
+          </p:cNvPr>
+          <p:cNvCxnSpPr>
+            <a:cxnSpLocks/>
+            <a:stCxn id="14" idx="6"/>
+            <a:endCxn id="15" idx="2"/>
+          </p:cNvCxnSpPr>
+          <p:nvPr/>
+        </p:nvCxnSpPr>
+        <p:spPr>
+          <a:xfrm>
+            <a:off x="1907704" y="2708920"/>
+            <a:ext cx="792088" cy="0"/>
+          </a:xfrm>
+          <a:prstGeom prst="line">
+            <a:avLst/>
+          </a:prstGeom>
+          <a:ln w="57150">
+            <a:solidFill>
+              <a:schemeClr val="tx1"/>
+            </a:solidFill>
+            <a:headEnd type="none" w="med" len="med"/>
+            <a:tailEnd type="none" w="med" len="med"/>
+          </a:ln>
+        </p:spPr>
+        <p:style>
+          <a:lnRef idx="1">
+            <a:schemeClr val="accent1"/>
+          </a:lnRef>
+          <a:fillRef idx="0">
+            <a:schemeClr val="accent1"/>
+          </a:fillRef>
+          <a:effectRef idx="0">
+            <a:schemeClr val="accent1"/>
+          </a:effectRef>
+          <a:fontRef idx="minor">
+            <a:schemeClr val="tx1"/>
+          </a:fontRef>
+        </p:style>
+      </p:cxnSp>
+      <p:grpSp>
+        <p:nvGrpSpPr>
+          <p:cNvPr id="35" name="グループ化 34">
+            <a:extLst>
+              <a:ext uri="{FF2B5EF4-FFF2-40B4-BE49-F238E27FC236}">
+                <a16:creationId xmlns:a16="http://schemas.microsoft.com/office/drawing/2014/main" id="{899B0D69-2224-414A-99C9-CB4DCEAAA158}"/>
+              </a:ext>
+            </a:extLst>
+          </p:cNvPr>
+          <p:cNvGrpSpPr/>
+          <p:nvPr/>
+        </p:nvGrpSpPr>
+        <p:grpSpPr>
+          <a:xfrm>
+            <a:off x="1475656" y="692696"/>
+            <a:ext cx="504056" cy="378042"/>
+            <a:chOff x="2411760" y="4491118"/>
+            <a:chExt cx="504056" cy="378042"/>
+          </a:xfrm>
+        </p:grpSpPr>
+        <p:sp>
+          <p:nvSpPr>
+            <p:cNvPr id="36" name="正方形/長方形 35">
+              <a:extLst>
+                <a:ext uri="{FF2B5EF4-FFF2-40B4-BE49-F238E27FC236}">
+                  <a16:creationId xmlns:a16="http://schemas.microsoft.com/office/drawing/2014/main" id="{B227CC83-F316-4A06-AF2C-DCB5121BC094}"/>
+                </a:ext>
+              </a:extLst>
+            </p:cNvPr>
+            <p:cNvSpPr/>
+            <p:nvPr/>
+          </p:nvSpPr>
+          <p:spPr>
+            <a:xfrm>
+              <a:off x="2411760" y="4743146"/>
+              <a:ext cx="504056" cy="126014"/>
+            </a:xfrm>
+            <a:prstGeom prst="rect">
+              <a:avLst/>
+            </a:prstGeom>
+            <a:solidFill>
+              <a:schemeClr val="accent1"/>
+            </a:solidFill>
+            <a:ln>
+              <a:noFill/>
+            </a:ln>
+          </p:spPr>
+          <p:txBody>
+            <a:bodyPr wrap="square" rtlCol="0" anchor="ctr">
+              <a:spAutoFit/>
+            </a:bodyPr>
+            <a:lstStyle/>
+            <a:p>
+              <a:pPr algn="ctr"/>
+              <a:endParaRPr kumimoji="1" lang="ja-JP" altLang="en-US" sz="2400" dirty="0"/>
+            </a:p>
+          </p:txBody>
+        </p:sp>
+        <p:sp>
+          <p:nvSpPr>
+            <p:cNvPr id="37" name="直角三角形 36">
+              <a:extLst>
+                <a:ext uri="{FF2B5EF4-FFF2-40B4-BE49-F238E27FC236}">
+                  <a16:creationId xmlns:a16="http://schemas.microsoft.com/office/drawing/2014/main" id="{A03D11B5-0380-40F6-85A5-01E4EFDD622F}"/>
+                </a:ext>
+              </a:extLst>
+            </p:cNvPr>
+            <p:cNvSpPr/>
+            <p:nvPr/>
+          </p:nvSpPr>
+          <p:spPr>
+            <a:xfrm rot="16200000">
+              <a:off x="2411760" y="4491118"/>
+              <a:ext cx="252028" cy="252028"/>
+            </a:xfrm>
+            <a:prstGeom prst="rtTriangle">
+              <a:avLst/>
+            </a:prstGeom>
+            <a:solidFill>
+              <a:schemeClr val="accent1"/>
+            </a:solidFill>
+            <a:ln>
+              <a:noFill/>
+            </a:ln>
+          </p:spPr>
+          <p:txBody>
+            <a:bodyPr wrap="square" rtlCol="0" anchor="ctr">
+              <a:spAutoFit/>
+            </a:bodyPr>
+            <a:lstStyle/>
+            <a:p>
+              <a:pPr algn="ctr"/>
+              <a:endParaRPr kumimoji="1" lang="ja-JP" altLang="en-US" sz="2400" dirty="0"/>
+            </a:p>
+          </p:txBody>
+        </p:sp>
+        <p:sp>
+          <p:nvSpPr>
+            <p:cNvPr id="38" name="直角三角形 37">
+              <a:extLst>
+                <a:ext uri="{FF2B5EF4-FFF2-40B4-BE49-F238E27FC236}">
+                  <a16:creationId xmlns:a16="http://schemas.microsoft.com/office/drawing/2014/main" id="{A027DF53-EB23-44C0-AA86-CD76E2DFCEDA}"/>
+                </a:ext>
+              </a:extLst>
+            </p:cNvPr>
+            <p:cNvSpPr/>
+            <p:nvPr/>
+          </p:nvSpPr>
+          <p:spPr>
+            <a:xfrm>
+              <a:off x="2663788" y="4491118"/>
+              <a:ext cx="252028" cy="252028"/>
+            </a:xfrm>
+            <a:prstGeom prst="rtTriangle">
+              <a:avLst/>
+            </a:prstGeom>
+            <a:solidFill>
+              <a:schemeClr val="accent1"/>
+            </a:solidFill>
+            <a:ln>
+              <a:noFill/>
+            </a:ln>
+          </p:spPr>
+          <p:txBody>
+            <a:bodyPr wrap="square" rtlCol="0" anchor="ctr">
+              <a:spAutoFit/>
+            </a:bodyPr>
+            <a:lstStyle/>
+            <a:p>
+              <a:pPr algn="ctr"/>
+              <a:endParaRPr kumimoji="1" lang="ja-JP" altLang="en-US" sz="2400" dirty="0"/>
+            </a:p>
+          </p:txBody>
+        </p:sp>
+      </p:grpSp>
+      <p:sp>
+        <p:nvSpPr>
+          <p:cNvPr id="39" name="直角三角形 38">
+            <a:extLst>
+              <a:ext uri="{FF2B5EF4-FFF2-40B4-BE49-F238E27FC236}">
+                <a16:creationId xmlns:a16="http://schemas.microsoft.com/office/drawing/2014/main" id="{7003416C-E758-4E13-81A7-DF85B693D5C2}"/>
+              </a:ext>
+            </a:extLst>
+          </p:cNvPr>
+          <p:cNvSpPr/>
+          <p:nvPr/>
+        </p:nvSpPr>
+        <p:spPr>
+          <a:xfrm rot="5400000">
+            <a:off x="2627784" y="683171"/>
+            <a:ext cx="252028" cy="252028"/>
+          </a:xfrm>
+          <a:prstGeom prst="rtTriangle">
+            <a:avLst/>
+          </a:prstGeom>
+          <a:solidFill>
+            <a:schemeClr val="accent3">
+              <a:lumMod val="60000"/>
+              <a:lumOff val="40000"/>
+            </a:schemeClr>
+          </a:solidFill>
+          <a:ln>
+            <a:noFill/>
+          </a:ln>
+        </p:spPr>
+        <p:txBody>
+          <a:bodyPr wrap="square" rtlCol="0" anchor="ctr">
+            <a:spAutoFit/>
+          </a:bodyPr>
+          <a:lstStyle/>
+          <a:p>
+            <a:pPr algn="ctr"/>
+            <a:endParaRPr kumimoji="1" lang="ja-JP" altLang="en-US" sz="2400" dirty="0"/>
+          </a:p>
+        </p:txBody>
+      </p:sp>
+      <p:grpSp>
+        <p:nvGrpSpPr>
+          <p:cNvPr id="40" name="グループ化 39">
+            <a:extLst>
+              <a:ext uri="{FF2B5EF4-FFF2-40B4-BE49-F238E27FC236}">
+                <a16:creationId xmlns:a16="http://schemas.microsoft.com/office/drawing/2014/main" id="{16357D42-DD81-405C-AFE4-997A035AB5A8}"/>
+              </a:ext>
+            </a:extLst>
+          </p:cNvPr>
+          <p:cNvGrpSpPr/>
+          <p:nvPr/>
+        </p:nvGrpSpPr>
+        <p:grpSpPr>
+          <a:xfrm>
+            <a:off x="2627784" y="692696"/>
+            <a:ext cx="504056" cy="378042"/>
+            <a:chOff x="2411760" y="4491118"/>
+            <a:chExt cx="504056" cy="378042"/>
+          </a:xfrm>
+        </p:grpSpPr>
+        <p:sp>
+          <p:nvSpPr>
+            <p:cNvPr id="41" name="正方形/長方形 40">
+              <a:extLst>
+                <a:ext uri="{FF2B5EF4-FFF2-40B4-BE49-F238E27FC236}">
+                  <a16:creationId xmlns:a16="http://schemas.microsoft.com/office/drawing/2014/main" id="{DBB3A391-389D-431B-B76B-268037D28A84}"/>
+                </a:ext>
+              </a:extLst>
+            </p:cNvPr>
+            <p:cNvSpPr/>
+            <p:nvPr/>
+          </p:nvSpPr>
+          <p:spPr>
+            <a:xfrm>
+              <a:off x="2411760" y="4743146"/>
+              <a:ext cx="504056" cy="126014"/>
+            </a:xfrm>
+            <a:prstGeom prst="rect">
+              <a:avLst/>
+            </a:prstGeom>
+            <a:solidFill>
+              <a:schemeClr val="accent1"/>
+            </a:solidFill>
+            <a:ln>
+              <a:noFill/>
+            </a:ln>
+          </p:spPr>
+          <p:txBody>
+            <a:bodyPr wrap="square" rtlCol="0" anchor="ctr">
+              <a:spAutoFit/>
+            </a:bodyPr>
+            <a:lstStyle/>
+            <a:p>
+              <a:pPr algn="ctr"/>
+              <a:endParaRPr kumimoji="1" lang="ja-JP" altLang="en-US" sz="2400" dirty="0"/>
+            </a:p>
+          </p:txBody>
+        </p:sp>
+        <p:sp>
+          <p:nvSpPr>
+            <p:cNvPr id="42" name="直角三角形 41">
+              <a:extLst>
+                <a:ext uri="{FF2B5EF4-FFF2-40B4-BE49-F238E27FC236}">
+                  <a16:creationId xmlns:a16="http://schemas.microsoft.com/office/drawing/2014/main" id="{896250A1-1CB4-41CD-948A-44A1593DE492}"/>
+                </a:ext>
+              </a:extLst>
+            </p:cNvPr>
+            <p:cNvSpPr/>
+            <p:nvPr/>
+          </p:nvSpPr>
+          <p:spPr>
+            <a:xfrm rot="16200000">
+              <a:off x="2411760" y="4491118"/>
+              <a:ext cx="252028" cy="252028"/>
+            </a:xfrm>
+            <a:prstGeom prst="rtTriangle">
+              <a:avLst/>
+            </a:prstGeom>
+            <a:solidFill>
+              <a:schemeClr val="accent1"/>
+            </a:solidFill>
+            <a:ln>
+              <a:noFill/>
+            </a:ln>
+          </p:spPr>
+          <p:txBody>
+            <a:bodyPr wrap="square" rtlCol="0" anchor="ctr">
+              <a:spAutoFit/>
+            </a:bodyPr>
+            <a:lstStyle/>
+            <a:p>
+              <a:pPr algn="ctr"/>
+              <a:endParaRPr kumimoji="1" lang="ja-JP" altLang="en-US" sz="2400" dirty="0"/>
+            </a:p>
+          </p:txBody>
+        </p:sp>
+        <p:sp>
+          <p:nvSpPr>
+            <p:cNvPr id="43" name="直角三角形 42">
+              <a:extLst>
+                <a:ext uri="{FF2B5EF4-FFF2-40B4-BE49-F238E27FC236}">
+                  <a16:creationId xmlns:a16="http://schemas.microsoft.com/office/drawing/2014/main" id="{F9DE256E-A9DD-4905-ACCE-395B6FA15F26}"/>
+                </a:ext>
+              </a:extLst>
+            </p:cNvPr>
+            <p:cNvSpPr/>
+            <p:nvPr/>
+          </p:nvSpPr>
+          <p:spPr>
+            <a:xfrm>
+              <a:off x="2663788" y="4491118"/>
+              <a:ext cx="252028" cy="252028"/>
+            </a:xfrm>
+            <a:prstGeom prst="rtTriangle">
+              <a:avLst/>
+            </a:prstGeom>
+            <a:solidFill>
+              <a:schemeClr val="accent1"/>
+            </a:solidFill>
+            <a:ln>
+              <a:noFill/>
+            </a:ln>
+          </p:spPr>
+          <p:txBody>
+            <a:bodyPr wrap="square" rtlCol="0" anchor="ctr">
+              <a:spAutoFit/>
+            </a:bodyPr>
+            <a:lstStyle/>
+            <a:p>
+              <a:pPr algn="ctr"/>
+              <a:endParaRPr kumimoji="1" lang="ja-JP" altLang="en-US" sz="2400" dirty="0"/>
+            </a:p>
+          </p:txBody>
+        </p:sp>
+      </p:grpSp>
+      <p:sp>
+        <p:nvSpPr>
+          <p:cNvPr id="44" name="正方形/長方形 43">
+            <a:extLst>
+              <a:ext uri="{FF2B5EF4-FFF2-40B4-BE49-F238E27FC236}">
+                <a16:creationId xmlns:a16="http://schemas.microsoft.com/office/drawing/2014/main" id="{F3AB39AC-5A89-47B3-B5C3-79CBFA7FB5B5}"/>
+              </a:ext>
+            </a:extLst>
+          </p:cNvPr>
+          <p:cNvSpPr/>
+          <p:nvPr/>
+        </p:nvSpPr>
+        <p:spPr>
+          <a:xfrm>
+            <a:off x="2629689" y="552218"/>
+            <a:ext cx="252028" cy="126014"/>
+          </a:xfrm>
+          <a:prstGeom prst="rect">
+            <a:avLst/>
+          </a:prstGeom>
+          <a:solidFill>
+            <a:schemeClr val="accent3">
+              <a:lumMod val="60000"/>
+              <a:lumOff val="40000"/>
+            </a:schemeClr>
+          </a:solidFill>
+          <a:ln>
+            <a:noFill/>
+          </a:ln>
+        </p:spPr>
+        <p:txBody>
+          <a:bodyPr wrap="square" rtlCol="0" anchor="ctr">
+            <a:spAutoFit/>
+          </a:bodyPr>
+          <a:lstStyle/>
+          <a:p>
+            <a:pPr algn="ctr"/>
+            <a:endParaRPr kumimoji="1" lang="ja-JP" altLang="en-US" sz="2400" dirty="0"/>
+          </a:p>
+        </p:txBody>
+      </p:sp>
+      <p:grpSp>
+        <p:nvGrpSpPr>
+          <p:cNvPr id="45" name="グループ化 44">
+            <a:extLst>
+              <a:ext uri="{FF2B5EF4-FFF2-40B4-BE49-F238E27FC236}">
+                <a16:creationId xmlns:a16="http://schemas.microsoft.com/office/drawing/2014/main" id="{4BB03C21-BC62-464C-B121-9A851D79DFDF}"/>
+              </a:ext>
+            </a:extLst>
+          </p:cNvPr>
+          <p:cNvGrpSpPr/>
+          <p:nvPr/>
+        </p:nvGrpSpPr>
+        <p:grpSpPr>
+          <a:xfrm>
+            <a:off x="1506555" y="3230156"/>
+            <a:ext cx="504056" cy="378042"/>
+            <a:chOff x="2411760" y="4491118"/>
+            <a:chExt cx="504056" cy="378042"/>
+          </a:xfrm>
+        </p:grpSpPr>
+        <p:sp>
+          <p:nvSpPr>
+            <p:cNvPr id="46" name="正方形/長方形 45">
+              <a:extLst>
+                <a:ext uri="{FF2B5EF4-FFF2-40B4-BE49-F238E27FC236}">
+                  <a16:creationId xmlns:a16="http://schemas.microsoft.com/office/drawing/2014/main" id="{141697C9-23CB-4C75-BE39-F0D99CD0455B}"/>
+                </a:ext>
+              </a:extLst>
+            </p:cNvPr>
+            <p:cNvSpPr/>
+            <p:nvPr/>
+          </p:nvSpPr>
+          <p:spPr>
+            <a:xfrm>
+              <a:off x="2411760" y="4743146"/>
+              <a:ext cx="504056" cy="126014"/>
+            </a:xfrm>
+            <a:prstGeom prst="rect">
+              <a:avLst/>
+            </a:prstGeom>
+            <a:solidFill>
+              <a:schemeClr val="accent1"/>
+            </a:solidFill>
+            <a:ln>
+              <a:noFill/>
+            </a:ln>
+          </p:spPr>
+          <p:txBody>
+            <a:bodyPr wrap="square" rtlCol="0" anchor="ctr">
+              <a:spAutoFit/>
+            </a:bodyPr>
+            <a:lstStyle/>
+            <a:p>
+              <a:pPr algn="ctr"/>
+              <a:endParaRPr kumimoji="1" lang="ja-JP" altLang="en-US" sz="2400" dirty="0"/>
+            </a:p>
+          </p:txBody>
+        </p:sp>
+        <p:sp>
+          <p:nvSpPr>
+            <p:cNvPr id="47" name="直角三角形 46">
+              <a:extLst>
+                <a:ext uri="{FF2B5EF4-FFF2-40B4-BE49-F238E27FC236}">
+                  <a16:creationId xmlns:a16="http://schemas.microsoft.com/office/drawing/2014/main" id="{8A5F613C-46C9-4BB7-BB21-32B4FBEF27E4}"/>
+                </a:ext>
+              </a:extLst>
+            </p:cNvPr>
+            <p:cNvSpPr/>
+            <p:nvPr/>
+          </p:nvSpPr>
+          <p:spPr>
+            <a:xfrm rot="16200000">
+              <a:off x="2411760" y="4491118"/>
+              <a:ext cx="252028" cy="252028"/>
+            </a:xfrm>
+            <a:prstGeom prst="rtTriangle">
+              <a:avLst/>
+            </a:prstGeom>
+            <a:solidFill>
+              <a:schemeClr val="accent1"/>
+            </a:solidFill>
+            <a:ln>
+              <a:noFill/>
+            </a:ln>
+          </p:spPr>
+          <p:txBody>
+            <a:bodyPr wrap="square" rtlCol="0" anchor="ctr">
+              <a:spAutoFit/>
+            </a:bodyPr>
+            <a:lstStyle/>
+            <a:p>
+              <a:pPr algn="ctr"/>
+              <a:endParaRPr kumimoji="1" lang="ja-JP" altLang="en-US" sz="2400" dirty="0"/>
+            </a:p>
+          </p:txBody>
+        </p:sp>
+        <p:sp>
+          <p:nvSpPr>
+            <p:cNvPr id="48" name="直角三角形 47">
+              <a:extLst>
+                <a:ext uri="{FF2B5EF4-FFF2-40B4-BE49-F238E27FC236}">
+                  <a16:creationId xmlns:a16="http://schemas.microsoft.com/office/drawing/2014/main" id="{8EA58D5F-8D12-4FB9-B11C-22838DF6D296}"/>
+                </a:ext>
+              </a:extLst>
+            </p:cNvPr>
+            <p:cNvSpPr/>
+            <p:nvPr/>
+          </p:nvSpPr>
+          <p:spPr>
+            <a:xfrm>
+              <a:off x="2663788" y="4491118"/>
+              <a:ext cx="252028" cy="252028"/>
+            </a:xfrm>
+            <a:prstGeom prst="rtTriangle">
+              <a:avLst/>
+            </a:prstGeom>
+            <a:solidFill>
+              <a:schemeClr val="accent1"/>
+            </a:solidFill>
+            <a:ln>
+              <a:noFill/>
+            </a:ln>
+          </p:spPr>
+          <p:txBody>
+            <a:bodyPr wrap="square" rtlCol="0" anchor="ctr">
+              <a:spAutoFit/>
+            </a:bodyPr>
+            <a:lstStyle/>
+            <a:p>
+              <a:pPr algn="ctr"/>
+              <a:endParaRPr kumimoji="1" lang="ja-JP" altLang="en-US" sz="2400" dirty="0"/>
+            </a:p>
+          </p:txBody>
+        </p:sp>
+      </p:grpSp>
+      <p:sp>
+        <p:nvSpPr>
+          <p:cNvPr id="49" name="直角三角形 48">
+            <a:extLst>
+              <a:ext uri="{FF2B5EF4-FFF2-40B4-BE49-F238E27FC236}">
+                <a16:creationId xmlns:a16="http://schemas.microsoft.com/office/drawing/2014/main" id="{BC78193B-A5FD-425A-AA52-3819D8C5B969}"/>
+              </a:ext>
+            </a:extLst>
+          </p:cNvPr>
+          <p:cNvSpPr/>
+          <p:nvPr/>
+        </p:nvSpPr>
+        <p:spPr>
+          <a:xfrm rot="10800000">
+            <a:off x="1760002" y="3225382"/>
+            <a:ext cx="252028" cy="252028"/>
+          </a:xfrm>
+          <a:prstGeom prst="rtTriangle">
+            <a:avLst/>
+          </a:prstGeom>
+          <a:solidFill>
+            <a:schemeClr val="accent6">
+              <a:lumMod val="60000"/>
+              <a:lumOff val="40000"/>
+            </a:schemeClr>
+          </a:solidFill>
+          <a:ln>
+            <a:noFill/>
+          </a:ln>
+        </p:spPr>
+        <p:txBody>
+          <a:bodyPr wrap="square" rtlCol="0" anchor="ctr">
+            <a:spAutoFit/>
+          </a:bodyPr>
+          <a:lstStyle/>
+          <a:p>
+            <a:pPr algn="ctr"/>
+            <a:endParaRPr kumimoji="1" lang="ja-JP" altLang="en-US" sz="2400" dirty="0"/>
+          </a:p>
+        </p:txBody>
+      </p:sp>
+      <p:grpSp>
+        <p:nvGrpSpPr>
+          <p:cNvPr id="50" name="グループ化 49">
+            <a:extLst>
+              <a:ext uri="{FF2B5EF4-FFF2-40B4-BE49-F238E27FC236}">
+                <a16:creationId xmlns:a16="http://schemas.microsoft.com/office/drawing/2014/main" id="{9DD3CED4-F01B-4A47-A32A-37ABCDB9FE46}"/>
+              </a:ext>
+            </a:extLst>
+          </p:cNvPr>
+          <p:cNvGrpSpPr/>
+          <p:nvPr/>
+        </p:nvGrpSpPr>
+        <p:grpSpPr>
+          <a:xfrm>
+            <a:off x="2508041" y="3276421"/>
+            <a:ext cx="504056" cy="378042"/>
+            <a:chOff x="2411760" y="4491118"/>
+            <a:chExt cx="504056" cy="378042"/>
+          </a:xfrm>
+        </p:grpSpPr>
+        <p:sp>
+          <p:nvSpPr>
+            <p:cNvPr id="51" name="正方形/長方形 50">
+              <a:extLst>
+                <a:ext uri="{FF2B5EF4-FFF2-40B4-BE49-F238E27FC236}">
+                  <a16:creationId xmlns:a16="http://schemas.microsoft.com/office/drawing/2014/main" id="{E28FE9E7-0A34-47AE-BBBE-87C147AD23AC}"/>
+                </a:ext>
+              </a:extLst>
+            </p:cNvPr>
+            <p:cNvSpPr/>
+            <p:nvPr/>
+          </p:nvSpPr>
+          <p:spPr>
+            <a:xfrm>
+              <a:off x="2411760" y="4743146"/>
+              <a:ext cx="504056" cy="126014"/>
+            </a:xfrm>
+            <a:prstGeom prst="rect">
+              <a:avLst/>
+            </a:prstGeom>
+            <a:solidFill>
+              <a:schemeClr val="accent1"/>
+            </a:solidFill>
+            <a:ln>
+              <a:noFill/>
+            </a:ln>
+          </p:spPr>
+          <p:txBody>
+            <a:bodyPr wrap="square" rtlCol="0" anchor="ctr">
+              <a:spAutoFit/>
+            </a:bodyPr>
+            <a:lstStyle/>
+            <a:p>
+              <a:pPr algn="ctr"/>
+              <a:endParaRPr kumimoji="1" lang="ja-JP" altLang="en-US" sz="2400" dirty="0"/>
+            </a:p>
+          </p:txBody>
+        </p:sp>
+        <p:sp>
+          <p:nvSpPr>
+            <p:cNvPr id="52" name="直角三角形 51">
+              <a:extLst>
+                <a:ext uri="{FF2B5EF4-FFF2-40B4-BE49-F238E27FC236}">
+                  <a16:creationId xmlns:a16="http://schemas.microsoft.com/office/drawing/2014/main" id="{2436687B-65B6-4365-8743-3DA6D95E0AA6}"/>
+                </a:ext>
+              </a:extLst>
+            </p:cNvPr>
+            <p:cNvSpPr/>
+            <p:nvPr/>
+          </p:nvSpPr>
+          <p:spPr>
+            <a:xfrm rot="16200000">
+              <a:off x="2411760" y="4491118"/>
+              <a:ext cx="252028" cy="252028"/>
+            </a:xfrm>
+            <a:prstGeom prst="rtTriangle">
+              <a:avLst/>
+            </a:prstGeom>
+            <a:solidFill>
+              <a:schemeClr val="accent1"/>
+            </a:solidFill>
+            <a:ln>
+              <a:noFill/>
+            </a:ln>
+          </p:spPr>
+          <p:txBody>
+            <a:bodyPr wrap="square" rtlCol="0" anchor="ctr">
+              <a:spAutoFit/>
+            </a:bodyPr>
+            <a:lstStyle/>
+            <a:p>
+              <a:pPr algn="ctr"/>
+              <a:endParaRPr kumimoji="1" lang="ja-JP" altLang="en-US" sz="2400" dirty="0"/>
+            </a:p>
+          </p:txBody>
+        </p:sp>
+        <p:sp>
+          <p:nvSpPr>
+            <p:cNvPr id="53" name="直角三角形 52">
+              <a:extLst>
+                <a:ext uri="{FF2B5EF4-FFF2-40B4-BE49-F238E27FC236}">
+                  <a16:creationId xmlns:a16="http://schemas.microsoft.com/office/drawing/2014/main" id="{43A3F34D-4BD5-4ED9-851F-B1666802B75D}"/>
+                </a:ext>
+              </a:extLst>
+            </p:cNvPr>
+            <p:cNvSpPr/>
+            <p:nvPr/>
+          </p:nvSpPr>
+          <p:spPr>
+            <a:xfrm>
+              <a:off x="2663788" y="4491118"/>
+              <a:ext cx="252028" cy="252028"/>
+            </a:xfrm>
+            <a:prstGeom prst="rtTriangle">
+              <a:avLst/>
+            </a:prstGeom>
+            <a:solidFill>
+              <a:schemeClr val="accent1"/>
+            </a:solidFill>
+            <a:ln>
+              <a:noFill/>
+            </a:ln>
+          </p:spPr>
+          <p:txBody>
+            <a:bodyPr wrap="square" rtlCol="0" anchor="ctr">
+              <a:spAutoFit/>
+            </a:bodyPr>
+            <a:lstStyle/>
+            <a:p>
+              <a:pPr algn="ctr"/>
+              <a:endParaRPr kumimoji="1" lang="ja-JP" altLang="en-US" sz="2400" dirty="0"/>
+            </a:p>
+          </p:txBody>
+        </p:sp>
+      </p:grpSp>
+      <p:sp>
+        <p:nvSpPr>
+          <p:cNvPr id="54" name="直角三角形 53">
+            <a:extLst>
+              <a:ext uri="{FF2B5EF4-FFF2-40B4-BE49-F238E27FC236}">
+                <a16:creationId xmlns:a16="http://schemas.microsoft.com/office/drawing/2014/main" id="{CAE287D6-B804-4CF4-8956-6E282C450B50}"/>
+              </a:ext>
+            </a:extLst>
+          </p:cNvPr>
+          <p:cNvSpPr/>
+          <p:nvPr/>
+        </p:nvSpPr>
+        <p:spPr>
+          <a:xfrm rot="10800000">
+            <a:off x="2757678" y="3267837"/>
+            <a:ext cx="252028" cy="252028"/>
+          </a:xfrm>
+          <a:prstGeom prst="rtTriangle">
+            <a:avLst/>
+          </a:prstGeom>
+          <a:solidFill>
+            <a:schemeClr val="accent6">
+              <a:lumMod val="60000"/>
+              <a:lumOff val="40000"/>
+            </a:schemeClr>
+          </a:solidFill>
+          <a:ln>
+            <a:noFill/>
+          </a:ln>
+        </p:spPr>
+        <p:txBody>
+          <a:bodyPr wrap="square" rtlCol="0" anchor="ctr">
+            <a:spAutoFit/>
+          </a:bodyPr>
+          <a:lstStyle/>
+          <a:p>
+            <a:pPr algn="ctr"/>
+            <a:endParaRPr kumimoji="1" lang="ja-JP" altLang="en-US" sz="2400" dirty="0"/>
+          </a:p>
+        </p:txBody>
+      </p:sp>
+      <p:sp>
+        <p:nvSpPr>
+          <p:cNvPr id="55" name="四角形: 1 つの角を切り取り 1 つの角を丸める 54">
+            <a:extLst>
+              <a:ext uri="{FF2B5EF4-FFF2-40B4-BE49-F238E27FC236}">
+                <a16:creationId xmlns:a16="http://schemas.microsoft.com/office/drawing/2014/main" id="{EC1C2BCA-B674-42CB-9398-AB0F219238E3}"/>
+              </a:ext>
+            </a:extLst>
+          </p:cNvPr>
+          <p:cNvSpPr/>
+          <p:nvPr/>
+        </p:nvSpPr>
+        <p:spPr>
+          <a:xfrm>
+            <a:off x="3520440" y="1071145"/>
+            <a:ext cx="990600" cy="387191"/>
+          </a:xfrm>
+          <a:prstGeom prst="snipRoundRect">
+            <a:avLst/>
+          </a:prstGeom>
+          <a:solidFill>
+            <a:schemeClr val="accent3">
+              <a:lumMod val="20000"/>
+              <a:lumOff val="80000"/>
+            </a:schemeClr>
+          </a:solidFill>
+          <a:ln>
+            <a:solidFill>
+              <a:schemeClr val="tx1"/>
+            </a:solidFill>
+          </a:ln>
+        </p:spPr>
+        <p:txBody>
+          <a:bodyPr wrap="square" rtlCol="0" anchor="ctr">
+            <a:spAutoFit/>
+          </a:bodyPr>
+          <a:lstStyle/>
+          <a:p>
+            <a:pPr algn="ctr"/>
+            <a:r>
+              <a:rPr kumimoji="1" lang="en-US" altLang="ja-JP" dirty="0"/>
+              <a:t>master</a:t>
+            </a:r>
+            <a:endParaRPr kumimoji="1" lang="ja-JP" altLang="en-US" dirty="0"/>
+          </a:p>
+        </p:txBody>
+      </p:sp>
+      <p:sp>
+        <p:nvSpPr>
+          <p:cNvPr id="56" name="四角形: 1 つの角を切り取り 1 つの角を丸める 55">
+            <a:extLst>
+              <a:ext uri="{FF2B5EF4-FFF2-40B4-BE49-F238E27FC236}">
+                <a16:creationId xmlns:a16="http://schemas.microsoft.com/office/drawing/2014/main" id="{7349053B-DD68-4197-9985-1C56D5830F0B}"/>
+              </a:ext>
+            </a:extLst>
+          </p:cNvPr>
+          <p:cNvSpPr/>
+          <p:nvPr/>
+        </p:nvSpPr>
+        <p:spPr>
+          <a:xfrm>
+            <a:off x="3543300" y="2511325"/>
+            <a:ext cx="990600" cy="387191"/>
+          </a:xfrm>
+          <a:prstGeom prst="snipRoundRect">
+            <a:avLst/>
+          </a:prstGeom>
+          <a:solidFill>
+            <a:schemeClr val="accent3">
+              <a:lumMod val="20000"/>
+              <a:lumOff val="80000"/>
+            </a:schemeClr>
+          </a:solidFill>
+          <a:ln>
+            <a:solidFill>
+              <a:schemeClr val="tx1"/>
+            </a:solidFill>
+          </a:ln>
+        </p:spPr>
+        <p:txBody>
+          <a:bodyPr wrap="square" rtlCol="0" anchor="ctr">
+            <a:spAutoFit/>
+          </a:bodyPr>
+          <a:lstStyle/>
+          <a:p>
+            <a:pPr algn="ctr"/>
+            <a:r>
+              <a:rPr lang="en-US" altLang="ja-JP" dirty="0"/>
+              <a:t>branch</a:t>
+            </a:r>
+            <a:endParaRPr kumimoji="1" lang="ja-JP" altLang="en-US" dirty="0"/>
+          </a:p>
+        </p:txBody>
+      </p:sp>
+      <p:cxnSp>
+        <p:nvCxnSpPr>
+          <p:cNvPr id="58" name="直線矢印コネクタ 57">
+            <a:extLst>
+              <a:ext uri="{FF2B5EF4-FFF2-40B4-BE49-F238E27FC236}">
+                <a16:creationId xmlns:a16="http://schemas.microsoft.com/office/drawing/2014/main" id="{6DB95C27-D6BE-46CC-93AF-A7404187D2E0}"/>
+              </a:ext>
+            </a:extLst>
+          </p:cNvPr>
+          <p:cNvCxnSpPr>
+            <a:stCxn id="55" idx="2"/>
+            <a:endCxn id="13" idx="6"/>
+          </p:cNvCxnSpPr>
+          <p:nvPr/>
+        </p:nvCxnSpPr>
+        <p:spPr>
+          <a:xfrm flipH="1">
+            <a:off x="2987824" y="1264741"/>
+            <a:ext cx="532616" cy="4019"/>
+          </a:xfrm>
+          <a:prstGeom prst="straightConnector1">
+            <a:avLst/>
+          </a:prstGeom>
+          <a:ln w="9525">
+            <a:solidFill>
+              <a:schemeClr val="tx1"/>
+            </a:solidFill>
+            <a:headEnd type="none"/>
+            <a:tailEnd type="triangle"/>
+          </a:ln>
+          <a:effectLst/>
+        </p:spPr>
+        <p:style>
+          <a:lnRef idx="2">
+            <a:schemeClr val="accent1"/>
+          </a:lnRef>
+          <a:fillRef idx="0">
+            <a:schemeClr val="accent1"/>
+          </a:fillRef>
+          <a:effectRef idx="1">
+            <a:schemeClr val="accent1"/>
+          </a:effectRef>
+          <a:fontRef idx="minor">
+            <a:schemeClr val="tx1"/>
+          </a:fontRef>
+        </p:style>
+      </p:cxnSp>
+      <p:cxnSp>
+        <p:nvCxnSpPr>
+          <p:cNvPr id="60" name="直線矢印コネクタ 59">
+            <a:extLst>
+              <a:ext uri="{FF2B5EF4-FFF2-40B4-BE49-F238E27FC236}">
+                <a16:creationId xmlns:a16="http://schemas.microsoft.com/office/drawing/2014/main" id="{D4A10B29-A3E5-4755-A5CF-C72CB870C413}"/>
+              </a:ext>
+            </a:extLst>
+          </p:cNvPr>
+          <p:cNvCxnSpPr>
+            <a:stCxn id="56" idx="2"/>
+            <a:endCxn id="15" idx="6"/>
+          </p:cNvCxnSpPr>
+          <p:nvPr/>
+        </p:nvCxnSpPr>
+        <p:spPr>
+          <a:xfrm flipH="1">
+            <a:off x="2987824" y="2704921"/>
+            <a:ext cx="555476" cy="3999"/>
+          </a:xfrm>
+          <a:prstGeom prst="straightConnector1">
+            <a:avLst/>
+          </a:prstGeom>
+          <a:ln w="9525">
+            <a:solidFill>
+              <a:schemeClr val="tx1"/>
+            </a:solidFill>
+            <a:headEnd type="none"/>
+            <a:tailEnd type="triangle"/>
+          </a:ln>
+          <a:effectLst/>
+        </p:spPr>
+        <p:style>
+          <a:lnRef idx="2">
+            <a:schemeClr val="accent1"/>
+          </a:lnRef>
+          <a:fillRef idx="0">
+            <a:schemeClr val="accent1"/>
+          </a:fillRef>
+          <a:effectRef idx="1">
+            <a:schemeClr val="accent1"/>
+          </a:effectRef>
+          <a:fontRef idx="minor">
+            <a:schemeClr val="tx1"/>
+          </a:fontRef>
+        </p:style>
+      </p:cxnSp>
+      <p:sp>
+        <p:nvSpPr>
+          <p:cNvPr id="61" name="正方形/長方形 60">
+            <a:extLst>
+              <a:ext uri="{FF2B5EF4-FFF2-40B4-BE49-F238E27FC236}">
+                <a16:creationId xmlns:a16="http://schemas.microsoft.com/office/drawing/2014/main" id="{2805AE63-6524-4CD3-ADB0-276FCF83DBC2}"/>
+              </a:ext>
+            </a:extLst>
+          </p:cNvPr>
+          <p:cNvSpPr/>
+          <p:nvPr/>
+        </p:nvSpPr>
+        <p:spPr>
+          <a:xfrm>
+            <a:off x="3535680" y="288666"/>
+            <a:ext cx="960120" cy="369332"/>
+          </a:xfrm>
+          <a:prstGeom prst="rect">
+            <a:avLst/>
+          </a:prstGeom>
+          <a:ln>
+            <a:solidFill>
+              <a:schemeClr val="tx1"/>
+            </a:solidFill>
+          </a:ln>
+        </p:spPr>
+        <p:txBody>
+          <a:bodyPr wrap="square" rtlCol="0" anchor="ctr">
+            <a:spAutoFit/>
+          </a:bodyPr>
+          <a:lstStyle/>
+          <a:p>
+            <a:pPr algn="ctr"/>
+            <a:r>
+              <a:rPr kumimoji="1" lang="en-US" altLang="ja-JP" dirty="0"/>
+              <a:t>HEAD</a:t>
+            </a:r>
+            <a:endParaRPr kumimoji="1" lang="ja-JP" altLang="en-US" dirty="0"/>
+          </a:p>
+        </p:txBody>
+      </p:sp>
+      <p:cxnSp>
+        <p:nvCxnSpPr>
+          <p:cNvPr id="63" name="直線矢印コネクタ 62">
+            <a:extLst>
+              <a:ext uri="{FF2B5EF4-FFF2-40B4-BE49-F238E27FC236}">
+                <a16:creationId xmlns:a16="http://schemas.microsoft.com/office/drawing/2014/main" id="{71DF82B7-F1AE-46AB-9420-F6A43DA124C5}"/>
+              </a:ext>
+            </a:extLst>
+          </p:cNvPr>
+          <p:cNvCxnSpPr>
+            <a:stCxn id="61" idx="2"/>
+            <a:endCxn id="55" idx="3"/>
+          </p:cNvCxnSpPr>
+          <p:nvPr/>
+        </p:nvCxnSpPr>
+        <p:spPr>
+          <a:xfrm>
+            <a:off x="4015740" y="657998"/>
+            <a:ext cx="0" cy="413147"/>
+          </a:xfrm>
+          <a:prstGeom prst="straightConnector1">
+            <a:avLst/>
+          </a:prstGeom>
+          <a:ln w="9525">
+            <a:solidFill>
+              <a:schemeClr val="tx1"/>
+            </a:solidFill>
+            <a:headEnd type="none"/>
+            <a:tailEnd type="triangle"/>
+          </a:ln>
+          <a:effectLst/>
+        </p:spPr>
+        <p:style>
+          <a:lnRef idx="2">
+            <a:schemeClr val="accent1"/>
+          </a:lnRef>
+          <a:fillRef idx="0">
+            <a:schemeClr val="accent1"/>
+          </a:fillRef>
+          <a:effectRef idx="1">
             <a:schemeClr val="accent1"/>
           </a:effectRef>
           <a:fontRef idx="minor">
@@ -995,7 +4187,5803 @@
     </p:spTree>
     <p:extLst>
       <p:ext uri="{BB962C8B-B14F-4D97-AF65-F5344CB8AC3E}">
-        <p14:creationId xmlns:p14="http://schemas.microsoft.com/office/powerpoint/2010/main" val="37847166"/>
+        <p14:creationId xmlns:p14="http://schemas.microsoft.com/office/powerpoint/2010/main" val="3101278368"/>
+      </p:ext>
+    </p:extLst>
+  </p:cSld>
+  <p:clrMapOvr>
+    <a:masterClrMapping/>
+  </p:clrMapOvr>
+</p:sld>
+</file>
+
+<file path=ppt/slides/slide3.xml><?xml version="1.0" encoding="utf-8"?>
+<p:sld xmlns:a="http://schemas.openxmlformats.org/drawingml/2006/main" xmlns:r="http://schemas.openxmlformats.org/officeDocument/2006/relationships" xmlns:p="http://schemas.openxmlformats.org/presentationml/2006/main">
+  <p:cSld>
+    <p:spTree>
+      <p:nvGrpSpPr>
+        <p:cNvPr id="1" name=""/>
+        <p:cNvGrpSpPr/>
+        <p:nvPr/>
+      </p:nvGrpSpPr>
+      <p:grpSpPr>
+        <a:xfrm>
+          <a:off x="0" y="0"/>
+          <a:ext cx="0" cy="0"/>
+          <a:chOff x="0" y="0"/>
+          <a:chExt cx="0" cy="0"/>
+        </a:xfrm>
+      </p:grpSpPr>
+      <p:grpSp>
+        <p:nvGrpSpPr>
+          <p:cNvPr id="2" name="グループ化 1">
+            <a:extLst>
+              <a:ext uri="{FF2B5EF4-FFF2-40B4-BE49-F238E27FC236}">
+                <a16:creationId xmlns:a16="http://schemas.microsoft.com/office/drawing/2014/main" id="{8E9B2C70-2DE3-4722-B107-EE32B52EDC89}"/>
+              </a:ext>
+            </a:extLst>
+          </p:cNvPr>
+          <p:cNvGrpSpPr/>
+          <p:nvPr/>
+        </p:nvGrpSpPr>
+        <p:grpSpPr>
+          <a:xfrm>
+            <a:off x="1043608" y="2996952"/>
+            <a:ext cx="504056" cy="378042"/>
+            <a:chOff x="2411760" y="4491118"/>
+            <a:chExt cx="504056" cy="378042"/>
+          </a:xfrm>
+        </p:grpSpPr>
+        <p:sp>
+          <p:nvSpPr>
+            <p:cNvPr id="3" name="正方形/長方形 2">
+              <a:extLst>
+                <a:ext uri="{FF2B5EF4-FFF2-40B4-BE49-F238E27FC236}">
+                  <a16:creationId xmlns:a16="http://schemas.microsoft.com/office/drawing/2014/main" id="{A6617BC8-0B73-47A5-8DC4-6588384C4B5E}"/>
+                </a:ext>
+              </a:extLst>
+            </p:cNvPr>
+            <p:cNvSpPr/>
+            <p:nvPr/>
+          </p:nvSpPr>
+          <p:spPr>
+            <a:xfrm>
+              <a:off x="2411760" y="4743146"/>
+              <a:ext cx="504056" cy="126014"/>
+            </a:xfrm>
+            <a:prstGeom prst="rect">
+              <a:avLst/>
+            </a:prstGeom>
+            <a:solidFill>
+              <a:schemeClr val="accent1"/>
+            </a:solidFill>
+            <a:ln>
+              <a:noFill/>
+            </a:ln>
+          </p:spPr>
+          <p:txBody>
+            <a:bodyPr wrap="square" rtlCol="0" anchor="ctr">
+              <a:spAutoFit/>
+            </a:bodyPr>
+            <a:lstStyle/>
+            <a:p>
+              <a:pPr algn="ctr"/>
+              <a:endParaRPr kumimoji="1" lang="ja-JP" altLang="en-US" sz="2400" dirty="0"/>
+            </a:p>
+          </p:txBody>
+        </p:sp>
+        <p:sp>
+          <p:nvSpPr>
+            <p:cNvPr id="4" name="直角三角形 3">
+              <a:extLst>
+                <a:ext uri="{FF2B5EF4-FFF2-40B4-BE49-F238E27FC236}">
+                  <a16:creationId xmlns:a16="http://schemas.microsoft.com/office/drawing/2014/main" id="{D2834E06-E315-4E78-B295-992FA000689B}"/>
+                </a:ext>
+              </a:extLst>
+            </p:cNvPr>
+            <p:cNvSpPr/>
+            <p:nvPr/>
+          </p:nvSpPr>
+          <p:spPr>
+            <a:xfrm rot="16200000">
+              <a:off x="2411760" y="4491118"/>
+              <a:ext cx="252028" cy="252028"/>
+            </a:xfrm>
+            <a:prstGeom prst="rtTriangle">
+              <a:avLst/>
+            </a:prstGeom>
+            <a:solidFill>
+              <a:schemeClr val="accent1"/>
+            </a:solidFill>
+            <a:ln>
+              <a:noFill/>
+            </a:ln>
+          </p:spPr>
+          <p:txBody>
+            <a:bodyPr wrap="square" rtlCol="0" anchor="ctr">
+              <a:spAutoFit/>
+            </a:bodyPr>
+            <a:lstStyle/>
+            <a:p>
+              <a:pPr algn="ctr"/>
+              <a:endParaRPr kumimoji="1" lang="ja-JP" altLang="en-US" sz="2400" dirty="0"/>
+            </a:p>
+          </p:txBody>
+        </p:sp>
+        <p:sp>
+          <p:nvSpPr>
+            <p:cNvPr id="5" name="直角三角形 4">
+              <a:extLst>
+                <a:ext uri="{FF2B5EF4-FFF2-40B4-BE49-F238E27FC236}">
+                  <a16:creationId xmlns:a16="http://schemas.microsoft.com/office/drawing/2014/main" id="{5BED2622-8616-4CC4-985F-218C6BA323CF}"/>
+                </a:ext>
+              </a:extLst>
+            </p:cNvPr>
+            <p:cNvSpPr/>
+            <p:nvPr/>
+          </p:nvSpPr>
+          <p:spPr>
+            <a:xfrm>
+              <a:off x="2663788" y="4491118"/>
+              <a:ext cx="252028" cy="252028"/>
+            </a:xfrm>
+            <a:prstGeom prst="rtTriangle">
+              <a:avLst/>
+            </a:prstGeom>
+            <a:solidFill>
+              <a:schemeClr val="accent1"/>
+            </a:solidFill>
+            <a:ln>
+              <a:noFill/>
+            </a:ln>
+          </p:spPr>
+          <p:txBody>
+            <a:bodyPr wrap="square" rtlCol="0" anchor="ctr">
+              <a:spAutoFit/>
+            </a:bodyPr>
+            <a:lstStyle/>
+            <a:p>
+              <a:pPr algn="ctr"/>
+              <a:endParaRPr kumimoji="1" lang="ja-JP" altLang="en-US" sz="2400" dirty="0"/>
+            </a:p>
+          </p:txBody>
+        </p:sp>
+      </p:grpSp>
+      <p:sp>
+        <p:nvSpPr>
+          <p:cNvPr id="6" name="直角三角形 5">
+            <a:extLst>
+              <a:ext uri="{FF2B5EF4-FFF2-40B4-BE49-F238E27FC236}">
+                <a16:creationId xmlns:a16="http://schemas.microsoft.com/office/drawing/2014/main" id="{3F338F79-5DA3-4FFB-8A90-056AB6F5C5C7}"/>
+              </a:ext>
+            </a:extLst>
+          </p:cNvPr>
+          <p:cNvSpPr/>
+          <p:nvPr/>
+        </p:nvSpPr>
+        <p:spPr>
+          <a:xfrm rot="5400000">
+            <a:off x="2337847" y="1907307"/>
+            <a:ext cx="252028" cy="252028"/>
+          </a:xfrm>
+          <a:prstGeom prst="rtTriangle">
+            <a:avLst/>
+          </a:prstGeom>
+          <a:solidFill>
+            <a:schemeClr val="accent3">
+              <a:lumMod val="60000"/>
+              <a:lumOff val="40000"/>
+            </a:schemeClr>
+          </a:solidFill>
+          <a:ln>
+            <a:noFill/>
+          </a:ln>
+        </p:spPr>
+        <p:txBody>
+          <a:bodyPr wrap="square" rtlCol="0" anchor="ctr">
+            <a:spAutoFit/>
+          </a:bodyPr>
+          <a:lstStyle/>
+          <a:p>
+            <a:pPr algn="ctr"/>
+            <a:endParaRPr kumimoji="1" lang="ja-JP" altLang="en-US" sz="2400" dirty="0"/>
+          </a:p>
+        </p:txBody>
+      </p:sp>
+      <p:sp>
+        <p:nvSpPr>
+          <p:cNvPr id="7" name="正方形/長方形 6">
+            <a:extLst>
+              <a:ext uri="{FF2B5EF4-FFF2-40B4-BE49-F238E27FC236}">
+                <a16:creationId xmlns:a16="http://schemas.microsoft.com/office/drawing/2014/main" id="{36B9515F-31CB-42A9-8EFE-37C0E8524A24}"/>
+              </a:ext>
+            </a:extLst>
+          </p:cNvPr>
+          <p:cNvSpPr/>
+          <p:nvPr/>
+        </p:nvSpPr>
+        <p:spPr>
+          <a:xfrm>
+            <a:off x="3624767" y="4356705"/>
+            <a:ext cx="252028" cy="126014"/>
+          </a:xfrm>
+          <a:prstGeom prst="rect">
+            <a:avLst/>
+          </a:prstGeom>
+          <a:solidFill>
+            <a:schemeClr val="accent6">
+              <a:lumMod val="60000"/>
+              <a:lumOff val="40000"/>
+            </a:schemeClr>
+          </a:solidFill>
+          <a:ln>
+            <a:noFill/>
+          </a:ln>
+        </p:spPr>
+        <p:txBody>
+          <a:bodyPr wrap="square" rtlCol="0" anchor="ctr">
+            <a:spAutoFit/>
+          </a:bodyPr>
+          <a:lstStyle/>
+          <a:p>
+            <a:pPr algn="ctr"/>
+            <a:endParaRPr kumimoji="1" lang="ja-JP" altLang="en-US" sz="2400" dirty="0"/>
+          </a:p>
+        </p:txBody>
+      </p:sp>
+      <p:sp>
+        <p:nvSpPr>
+          <p:cNvPr id="8" name="楕円 4">
+            <a:extLst>
+              <a:ext uri="{FF2B5EF4-FFF2-40B4-BE49-F238E27FC236}">
+                <a16:creationId xmlns:a16="http://schemas.microsoft.com/office/drawing/2014/main" id="{4D3658FB-DFB6-4E26-960B-63E1505ECDB2}"/>
+              </a:ext>
+            </a:extLst>
+          </p:cNvPr>
+          <p:cNvSpPr/>
+          <p:nvPr/>
+        </p:nvSpPr>
+        <p:spPr>
+          <a:xfrm>
+            <a:off x="1691680" y="3068960"/>
+            <a:ext cx="288032" cy="288032"/>
+          </a:xfrm>
+          <a:prstGeom prst="ellipse">
+            <a:avLst/>
+          </a:prstGeom>
+          <a:solidFill>
+            <a:srgbClr val="011893"/>
+          </a:solidFill>
+          <a:ln>
+            <a:solidFill>
+              <a:schemeClr val="tx1"/>
+            </a:solidFill>
+          </a:ln>
+        </p:spPr>
+        <p:style>
+          <a:lnRef idx="2">
+            <a:schemeClr val="accent1">
+              <a:shade val="50000"/>
+            </a:schemeClr>
+          </a:lnRef>
+          <a:fillRef idx="1">
+            <a:schemeClr val="accent1"/>
+          </a:fillRef>
+          <a:effectRef idx="0">
+            <a:schemeClr val="accent1"/>
+          </a:effectRef>
+          <a:fontRef idx="minor">
+            <a:schemeClr val="lt1"/>
+          </a:fontRef>
+        </p:style>
+        <p:txBody>
+          <a:bodyPr rtlCol="0" anchor="ctr"/>
+          <a:lstStyle/>
+          <a:p>
+            <a:pPr algn="ctr"/>
+            <a:endParaRPr kumimoji="1" lang="ja-JP" altLang="en-US"/>
+          </a:p>
+        </p:txBody>
+      </p:sp>
+      <p:sp>
+        <p:nvSpPr>
+          <p:cNvPr id="9" name="楕円 4">
+            <a:extLst>
+              <a:ext uri="{FF2B5EF4-FFF2-40B4-BE49-F238E27FC236}">
+                <a16:creationId xmlns:a16="http://schemas.microsoft.com/office/drawing/2014/main" id="{7DB7D258-3A19-4400-94C2-C1888234E851}"/>
+              </a:ext>
+            </a:extLst>
+          </p:cNvPr>
+          <p:cNvSpPr/>
+          <p:nvPr/>
+        </p:nvSpPr>
+        <p:spPr>
+          <a:xfrm>
+            <a:off x="2483768" y="2348880"/>
+            <a:ext cx="288032" cy="288032"/>
+          </a:xfrm>
+          <a:prstGeom prst="ellipse">
+            <a:avLst/>
+          </a:prstGeom>
+          <a:solidFill>
+            <a:srgbClr val="011893"/>
+          </a:solidFill>
+          <a:ln>
+            <a:solidFill>
+              <a:schemeClr val="tx1"/>
+            </a:solidFill>
+          </a:ln>
+        </p:spPr>
+        <p:style>
+          <a:lnRef idx="2">
+            <a:schemeClr val="accent1">
+              <a:shade val="50000"/>
+            </a:schemeClr>
+          </a:lnRef>
+          <a:fillRef idx="1">
+            <a:schemeClr val="accent1"/>
+          </a:fillRef>
+          <a:effectRef idx="0">
+            <a:schemeClr val="accent1"/>
+          </a:effectRef>
+          <a:fontRef idx="minor">
+            <a:schemeClr val="lt1"/>
+          </a:fontRef>
+        </p:style>
+        <p:txBody>
+          <a:bodyPr rtlCol="0" anchor="ctr"/>
+          <a:lstStyle/>
+          <a:p>
+            <a:pPr algn="ctr"/>
+            <a:endParaRPr kumimoji="1" lang="ja-JP" altLang="en-US"/>
+          </a:p>
+        </p:txBody>
+      </p:sp>
+      <p:sp>
+        <p:nvSpPr>
+          <p:cNvPr id="10" name="楕円 4">
+            <a:extLst>
+              <a:ext uri="{FF2B5EF4-FFF2-40B4-BE49-F238E27FC236}">
+                <a16:creationId xmlns:a16="http://schemas.microsoft.com/office/drawing/2014/main" id="{D8D7C54E-A5A8-4D1D-B216-0B3D3A65B2AE}"/>
+              </a:ext>
+            </a:extLst>
+          </p:cNvPr>
+          <p:cNvSpPr/>
+          <p:nvPr/>
+        </p:nvSpPr>
+        <p:spPr>
+          <a:xfrm>
+            <a:off x="3563888" y="2348880"/>
+            <a:ext cx="288032" cy="288032"/>
+          </a:xfrm>
+          <a:prstGeom prst="ellipse">
+            <a:avLst/>
+          </a:prstGeom>
+          <a:solidFill>
+            <a:srgbClr val="011893"/>
+          </a:solidFill>
+          <a:ln>
+            <a:solidFill>
+              <a:schemeClr val="tx1"/>
+            </a:solidFill>
+          </a:ln>
+        </p:spPr>
+        <p:style>
+          <a:lnRef idx="2">
+            <a:schemeClr val="accent1">
+              <a:shade val="50000"/>
+            </a:schemeClr>
+          </a:lnRef>
+          <a:fillRef idx="1">
+            <a:schemeClr val="accent1"/>
+          </a:fillRef>
+          <a:effectRef idx="0">
+            <a:schemeClr val="accent1"/>
+          </a:effectRef>
+          <a:fontRef idx="minor">
+            <a:schemeClr val="lt1"/>
+          </a:fontRef>
+        </p:style>
+        <p:txBody>
+          <a:bodyPr rtlCol="0" anchor="ctr"/>
+          <a:lstStyle/>
+          <a:p>
+            <a:pPr algn="ctr"/>
+            <a:endParaRPr kumimoji="1" lang="ja-JP" altLang="en-US"/>
+          </a:p>
+        </p:txBody>
+      </p:sp>
+      <p:sp>
+        <p:nvSpPr>
+          <p:cNvPr id="11" name="楕円 4">
+            <a:extLst>
+              <a:ext uri="{FF2B5EF4-FFF2-40B4-BE49-F238E27FC236}">
+                <a16:creationId xmlns:a16="http://schemas.microsoft.com/office/drawing/2014/main" id="{D0DD9FA5-E505-4DCB-B05C-441306F314A4}"/>
+              </a:ext>
+            </a:extLst>
+          </p:cNvPr>
+          <p:cNvSpPr/>
+          <p:nvPr/>
+        </p:nvSpPr>
+        <p:spPr>
+          <a:xfrm>
+            <a:off x="2483768" y="3789040"/>
+            <a:ext cx="288032" cy="288032"/>
+          </a:xfrm>
+          <a:prstGeom prst="ellipse">
+            <a:avLst/>
+          </a:prstGeom>
+          <a:solidFill>
+            <a:srgbClr val="011893"/>
+          </a:solidFill>
+          <a:ln>
+            <a:solidFill>
+              <a:schemeClr val="tx1"/>
+            </a:solidFill>
+          </a:ln>
+        </p:spPr>
+        <p:style>
+          <a:lnRef idx="2">
+            <a:schemeClr val="accent1">
+              <a:shade val="50000"/>
+            </a:schemeClr>
+          </a:lnRef>
+          <a:fillRef idx="1">
+            <a:schemeClr val="accent1"/>
+          </a:fillRef>
+          <a:effectRef idx="0">
+            <a:schemeClr val="accent1"/>
+          </a:effectRef>
+          <a:fontRef idx="minor">
+            <a:schemeClr val="lt1"/>
+          </a:fontRef>
+        </p:style>
+        <p:txBody>
+          <a:bodyPr rtlCol="0" anchor="ctr"/>
+          <a:lstStyle/>
+          <a:p>
+            <a:pPr algn="ctr"/>
+            <a:endParaRPr kumimoji="1" lang="ja-JP" altLang="en-US"/>
+          </a:p>
+        </p:txBody>
+      </p:sp>
+      <p:sp>
+        <p:nvSpPr>
+          <p:cNvPr id="12" name="楕円 4">
+            <a:extLst>
+              <a:ext uri="{FF2B5EF4-FFF2-40B4-BE49-F238E27FC236}">
+                <a16:creationId xmlns:a16="http://schemas.microsoft.com/office/drawing/2014/main" id="{0BB45FDE-A00C-442A-8D8D-DBEF9AE42230}"/>
+              </a:ext>
+            </a:extLst>
+          </p:cNvPr>
+          <p:cNvSpPr/>
+          <p:nvPr/>
+        </p:nvSpPr>
+        <p:spPr>
+          <a:xfrm>
+            <a:off x="3563888" y="3789040"/>
+            <a:ext cx="288032" cy="288032"/>
+          </a:xfrm>
+          <a:prstGeom prst="ellipse">
+            <a:avLst/>
+          </a:prstGeom>
+          <a:solidFill>
+            <a:srgbClr val="011893"/>
+          </a:solidFill>
+          <a:ln>
+            <a:solidFill>
+              <a:schemeClr val="tx1"/>
+            </a:solidFill>
+          </a:ln>
+        </p:spPr>
+        <p:style>
+          <a:lnRef idx="2">
+            <a:schemeClr val="accent1">
+              <a:shade val="50000"/>
+            </a:schemeClr>
+          </a:lnRef>
+          <a:fillRef idx="1">
+            <a:schemeClr val="accent1"/>
+          </a:fillRef>
+          <a:effectRef idx="0">
+            <a:schemeClr val="accent1"/>
+          </a:effectRef>
+          <a:fontRef idx="minor">
+            <a:schemeClr val="lt1"/>
+          </a:fontRef>
+        </p:style>
+        <p:txBody>
+          <a:bodyPr rtlCol="0" anchor="ctr"/>
+          <a:lstStyle/>
+          <a:p>
+            <a:pPr algn="ctr"/>
+            <a:endParaRPr kumimoji="1" lang="ja-JP" altLang="en-US"/>
+          </a:p>
+        </p:txBody>
+      </p:sp>
+      <p:cxnSp>
+        <p:nvCxnSpPr>
+          <p:cNvPr id="13" name="直線コネクタ 12">
+            <a:extLst>
+              <a:ext uri="{FF2B5EF4-FFF2-40B4-BE49-F238E27FC236}">
+                <a16:creationId xmlns:a16="http://schemas.microsoft.com/office/drawing/2014/main" id="{11C0904D-8FCC-4194-82D5-9E3934B25819}"/>
+              </a:ext>
+            </a:extLst>
+          </p:cNvPr>
+          <p:cNvCxnSpPr>
+            <a:cxnSpLocks/>
+            <a:stCxn id="8" idx="7"/>
+            <a:endCxn id="9" idx="3"/>
+          </p:cNvCxnSpPr>
+          <p:nvPr/>
+        </p:nvCxnSpPr>
+        <p:spPr>
+          <a:xfrm flipV="1">
+            <a:off x="1937531" y="2594731"/>
+            <a:ext cx="588418" cy="516410"/>
+          </a:xfrm>
+          <a:prstGeom prst="line">
+            <a:avLst/>
+          </a:prstGeom>
+          <a:ln w="57150">
+            <a:solidFill>
+              <a:schemeClr val="tx1"/>
+            </a:solidFill>
+            <a:headEnd type="none" w="med" len="med"/>
+            <a:tailEnd type="none" w="med" len="med"/>
+          </a:ln>
+        </p:spPr>
+        <p:style>
+          <a:lnRef idx="1">
+            <a:schemeClr val="accent1"/>
+          </a:lnRef>
+          <a:fillRef idx="0">
+            <a:schemeClr val="accent1"/>
+          </a:fillRef>
+          <a:effectRef idx="0">
+            <a:schemeClr val="accent1"/>
+          </a:effectRef>
+          <a:fontRef idx="minor">
+            <a:schemeClr val="tx1"/>
+          </a:fontRef>
+        </p:style>
+      </p:cxnSp>
+      <p:cxnSp>
+        <p:nvCxnSpPr>
+          <p:cNvPr id="14" name="直線コネクタ 13">
+            <a:extLst>
+              <a:ext uri="{FF2B5EF4-FFF2-40B4-BE49-F238E27FC236}">
+                <a16:creationId xmlns:a16="http://schemas.microsoft.com/office/drawing/2014/main" id="{13241DA8-BDBF-412E-93AB-422070DB5DCC}"/>
+              </a:ext>
+            </a:extLst>
+          </p:cNvPr>
+          <p:cNvCxnSpPr>
+            <a:cxnSpLocks/>
+            <a:stCxn id="8" idx="5"/>
+            <a:endCxn id="11" idx="1"/>
+          </p:cNvCxnSpPr>
+          <p:nvPr/>
+        </p:nvCxnSpPr>
+        <p:spPr>
+          <a:xfrm>
+            <a:off x="1937531" y="3314811"/>
+            <a:ext cx="588418" cy="516410"/>
+          </a:xfrm>
+          <a:prstGeom prst="line">
+            <a:avLst/>
+          </a:prstGeom>
+          <a:ln w="57150">
+            <a:solidFill>
+              <a:schemeClr val="tx1"/>
+            </a:solidFill>
+            <a:headEnd type="none" w="med" len="med"/>
+            <a:tailEnd type="none" w="med" len="med"/>
+          </a:ln>
+        </p:spPr>
+        <p:style>
+          <a:lnRef idx="1">
+            <a:schemeClr val="accent1"/>
+          </a:lnRef>
+          <a:fillRef idx="0">
+            <a:schemeClr val="accent1"/>
+          </a:fillRef>
+          <a:effectRef idx="0">
+            <a:schemeClr val="accent1"/>
+          </a:effectRef>
+          <a:fontRef idx="minor">
+            <a:schemeClr val="tx1"/>
+          </a:fontRef>
+        </p:style>
+      </p:cxnSp>
+      <p:cxnSp>
+        <p:nvCxnSpPr>
+          <p:cNvPr id="15" name="直線コネクタ 14">
+            <a:extLst>
+              <a:ext uri="{FF2B5EF4-FFF2-40B4-BE49-F238E27FC236}">
+                <a16:creationId xmlns:a16="http://schemas.microsoft.com/office/drawing/2014/main" id="{0810FE8D-6665-4B3D-A14D-EEF22E5C9915}"/>
+              </a:ext>
+            </a:extLst>
+          </p:cNvPr>
+          <p:cNvCxnSpPr>
+            <a:cxnSpLocks/>
+            <a:stCxn id="9" idx="6"/>
+            <a:endCxn id="10" idx="2"/>
+          </p:cNvCxnSpPr>
+          <p:nvPr/>
+        </p:nvCxnSpPr>
+        <p:spPr>
+          <a:xfrm>
+            <a:off x="2771800" y="2492896"/>
+            <a:ext cx="792088" cy="0"/>
+          </a:xfrm>
+          <a:prstGeom prst="line">
+            <a:avLst/>
+          </a:prstGeom>
+          <a:ln w="57150">
+            <a:solidFill>
+              <a:schemeClr val="tx1"/>
+            </a:solidFill>
+            <a:headEnd type="none" w="med" len="med"/>
+            <a:tailEnd type="none" w="med" len="med"/>
+          </a:ln>
+        </p:spPr>
+        <p:style>
+          <a:lnRef idx="1">
+            <a:schemeClr val="accent1"/>
+          </a:lnRef>
+          <a:fillRef idx="0">
+            <a:schemeClr val="accent1"/>
+          </a:fillRef>
+          <a:effectRef idx="0">
+            <a:schemeClr val="accent1"/>
+          </a:effectRef>
+          <a:fontRef idx="minor">
+            <a:schemeClr val="tx1"/>
+          </a:fontRef>
+        </p:style>
+      </p:cxnSp>
+      <p:cxnSp>
+        <p:nvCxnSpPr>
+          <p:cNvPr id="16" name="直線コネクタ 15">
+            <a:extLst>
+              <a:ext uri="{FF2B5EF4-FFF2-40B4-BE49-F238E27FC236}">
+                <a16:creationId xmlns:a16="http://schemas.microsoft.com/office/drawing/2014/main" id="{7C5473DE-2C68-4EC5-8E1B-E455C171C689}"/>
+              </a:ext>
+            </a:extLst>
+          </p:cNvPr>
+          <p:cNvCxnSpPr>
+            <a:cxnSpLocks/>
+            <a:stCxn id="11" idx="6"/>
+            <a:endCxn id="12" idx="2"/>
+          </p:cNvCxnSpPr>
+          <p:nvPr/>
+        </p:nvCxnSpPr>
+        <p:spPr>
+          <a:xfrm>
+            <a:off x="2771800" y="3933056"/>
+            <a:ext cx="792088" cy="0"/>
+          </a:xfrm>
+          <a:prstGeom prst="line">
+            <a:avLst/>
+          </a:prstGeom>
+          <a:ln w="57150">
+            <a:solidFill>
+              <a:schemeClr val="tx1"/>
+            </a:solidFill>
+            <a:headEnd type="none" w="med" len="med"/>
+            <a:tailEnd type="none" w="med" len="med"/>
+          </a:ln>
+        </p:spPr>
+        <p:style>
+          <a:lnRef idx="1">
+            <a:schemeClr val="accent1"/>
+          </a:lnRef>
+          <a:fillRef idx="0">
+            <a:schemeClr val="accent1"/>
+          </a:fillRef>
+          <a:effectRef idx="0">
+            <a:schemeClr val="accent1"/>
+          </a:effectRef>
+          <a:fontRef idx="minor">
+            <a:schemeClr val="tx1"/>
+          </a:fontRef>
+        </p:style>
+      </p:cxnSp>
+      <p:grpSp>
+        <p:nvGrpSpPr>
+          <p:cNvPr id="17" name="グループ化 16">
+            <a:extLst>
+              <a:ext uri="{FF2B5EF4-FFF2-40B4-BE49-F238E27FC236}">
+                <a16:creationId xmlns:a16="http://schemas.microsoft.com/office/drawing/2014/main" id="{64E3957B-1611-41DE-838C-EA5C49CD6629}"/>
+              </a:ext>
+            </a:extLst>
+          </p:cNvPr>
+          <p:cNvGrpSpPr/>
+          <p:nvPr/>
+        </p:nvGrpSpPr>
+        <p:grpSpPr>
+          <a:xfrm>
+            <a:off x="2339752" y="1916832"/>
+            <a:ext cx="504056" cy="378042"/>
+            <a:chOff x="2411760" y="4491118"/>
+            <a:chExt cx="504056" cy="378042"/>
+          </a:xfrm>
+        </p:grpSpPr>
+        <p:sp>
+          <p:nvSpPr>
+            <p:cNvPr id="18" name="正方形/長方形 17">
+              <a:extLst>
+                <a:ext uri="{FF2B5EF4-FFF2-40B4-BE49-F238E27FC236}">
+                  <a16:creationId xmlns:a16="http://schemas.microsoft.com/office/drawing/2014/main" id="{96094194-EEE8-4337-91A5-EB89487FCB5C}"/>
+                </a:ext>
+              </a:extLst>
+            </p:cNvPr>
+            <p:cNvSpPr/>
+            <p:nvPr/>
+          </p:nvSpPr>
+          <p:spPr>
+            <a:xfrm>
+              <a:off x="2411760" y="4743146"/>
+              <a:ext cx="504056" cy="126014"/>
+            </a:xfrm>
+            <a:prstGeom prst="rect">
+              <a:avLst/>
+            </a:prstGeom>
+            <a:solidFill>
+              <a:schemeClr val="accent1"/>
+            </a:solidFill>
+            <a:ln>
+              <a:noFill/>
+            </a:ln>
+          </p:spPr>
+          <p:txBody>
+            <a:bodyPr wrap="square" rtlCol="0" anchor="ctr">
+              <a:spAutoFit/>
+            </a:bodyPr>
+            <a:lstStyle/>
+            <a:p>
+              <a:pPr algn="ctr"/>
+              <a:endParaRPr kumimoji="1" lang="ja-JP" altLang="en-US" sz="2400" dirty="0"/>
+            </a:p>
+          </p:txBody>
+        </p:sp>
+        <p:sp>
+          <p:nvSpPr>
+            <p:cNvPr id="19" name="直角三角形 18">
+              <a:extLst>
+                <a:ext uri="{FF2B5EF4-FFF2-40B4-BE49-F238E27FC236}">
+                  <a16:creationId xmlns:a16="http://schemas.microsoft.com/office/drawing/2014/main" id="{F97F7F76-5565-43D2-B65B-AA7BC8B76716}"/>
+                </a:ext>
+              </a:extLst>
+            </p:cNvPr>
+            <p:cNvSpPr/>
+            <p:nvPr/>
+          </p:nvSpPr>
+          <p:spPr>
+            <a:xfrm rot="16200000">
+              <a:off x="2411760" y="4491118"/>
+              <a:ext cx="252028" cy="252028"/>
+            </a:xfrm>
+            <a:prstGeom prst="rtTriangle">
+              <a:avLst/>
+            </a:prstGeom>
+            <a:solidFill>
+              <a:schemeClr val="accent1"/>
+            </a:solidFill>
+            <a:ln>
+              <a:noFill/>
+            </a:ln>
+          </p:spPr>
+          <p:txBody>
+            <a:bodyPr wrap="square" rtlCol="0" anchor="ctr">
+              <a:spAutoFit/>
+            </a:bodyPr>
+            <a:lstStyle/>
+            <a:p>
+              <a:pPr algn="ctr"/>
+              <a:endParaRPr kumimoji="1" lang="ja-JP" altLang="en-US" sz="2400" dirty="0"/>
+            </a:p>
+          </p:txBody>
+        </p:sp>
+        <p:sp>
+          <p:nvSpPr>
+            <p:cNvPr id="20" name="直角三角形 19">
+              <a:extLst>
+                <a:ext uri="{FF2B5EF4-FFF2-40B4-BE49-F238E27FC236}">
+                  <a16:creationId xmlns:a16="http://schemas.microsoft.com/office/drawing/2014/main" id="{4C88F223-9912-45E7-BAE3-971044F8DB73}"/>
+                </a:ext>
+              </a:extLst>
+            </p:cNvPr>
+            <p:cNvSpPr/>
+            <p:nvPr/>
+          </p:nvSpPr>
+          <p:spPr>
+            <a:xfrm>
+              <a:off x="2663788" y="4491118"/>
+              <a:ext cx="252028" cy="252028"/>
+            </a:xfrm>
+            <a:prstGeom prst="rtTriangle">
+              <a:avLst/>
+            </a:prstGeom>
+            <a:solidFill>
+              <a:schemeClr val="accent1"/>
+            </a:solidFill>
+            <a:ln>
+              <a:noFill/>
+            </a:ln>
+          </p:spPr>
+          <p:txBody>
+            <a:bodyPr wrap="square" rtlCol="0" anchor="ctr">
+              <a:spAutoFit/>
+            </a:bodyPr>
+            <a:lstStyle/>
+            <a:p>
+              <a:pPr algn="ctr"/>
+              <a:endParaRPr kumimoji="1" lang="ja-JP" altLang="en-US" sz="2400" dirty="0"/>
+            </a:p>
+          </p:txBody>
+        </p:sp>
+      </p:grpSp>
+      <p:sp>
+        <p:nvSpPr>
+          <p:cNvPr id="21" name="直角三角形 20">
+            <a:extLst>
+              <a:ext uri="{FF2B5EF4-FFF2-40B4-BE49-F238E27FC236}">
+                <a16:creationId xmlns:a16="http://schemas.microsoft.com/office/drawing/2014/main" id="{58E512A8-0A45-433A-8314-67E996214B82}"/>
+              </a:ext>
+            </a:extLst>
+          </p:cNvPr>
+          <p:cNvSpPr/>
+          <p:nvPr/>
+        </p:nvSpPr>
+        <p:spPr>
+          <a:xfrm rot="5400000">
+            <a:off x="3491880" y="1907307"/>
+            <a:ext cx="252028" cy="252028"/>
+          </a:xfrm>
+          <a:prstGeom prst="rtTriangle">
+            <a:avLst/>
+          </a:prstGeom>
+          <a:solidFill>
+            <a:schemeClr val="accent3">
+              <a:lumMod val="60000"/>
+              <a:lumOff val="40000"/>
+            </a:schemeClr>
+          </a:solidFill>
+          <a:ln>
+            <a:noFill/>
+          </a:ln>
+        </p:spPr>
+        <p:txBody>
+          <a:bodyPr wrap="square" rtlCol="0" anchor="ctr">
+            <a:spAutoFit/>
+          </a:bodyPr>
+          <a:lstStyle/>
+          <a:p>
+            <a:pPr algn="ctr"/>
+            <a:endParaRPr kumimoji="1" lang="ja-JP" altLang="en-US" sz="2400" dirty="0"/>
+          </a:p>
+        </p:txBody>
+      </p:sp>
+      <p:grpSp>
+        <p:nvGrpSpPr>
+          <p:cNvPr id="22" name="グループ化 21">
+            <a:extLst>
+              <a:ext uri="{FF2B5EF4-FFF2-40B4-BE49-F238E27FC236}">
+                <a16:creationId xmlns:a16="http://schemas.microsoft.com/office/drawing/2014/main" id="{AA69B2C0-9267-4C7D-810B-E477BC0AEF72}"/>
+              </a:ext>
+            </a:extLst>
+          </p:cNvPr>
+          <p:cNvGrpSpPr/>
+          <p:nvPr/>
+        </p:nvGrpSpPr>
+        <p:grpSpPr>
+          <a:xfrm>
+            <a:off x="3491880" y="1916832"/>
+            <a:ext cx="504056" cy="378042"/>
+            <a:chOff x="2411760" y="4491118"/>
+            <a:chExt cx="504056" cy="378042"/>
+          </a:xfrm>
+        </p:grpSpPr>
+        <p:sp>
+          <p:nvSpPr>
+            <p:cNvPr id="23" name="正方形/長方形 22">
+              <a:extLst>
+                <a:ext uri="{FF2B5EF4-FFF2-40B4-BE49-F238E27FC236}">
+                  <a16:creationId xmlns:a16="http://schemas.microsoft.com/office/drawing/2014/main" id="{306B5FC6-63F7-45FD-8FC7-0BD4658B5624}"/>
+                </a:ext>
+              </a:extLst>
+            </p:cNvPr>
+            <p:cNvSpPr/>
+            <p:nvPr/>
+          </p:nvSpPr>
+          <p:spPr>
+            <a:xfrm>
+              <a:off x="2411760" y="4743146"/>
+              <a:ext cx="504056" cy="126014"/>
+            </a:xfrm>
+            <a:prstGeom prst="rect">
+              <a:avLst/>
+            </a:prstGeom>
+            <a:solidFill>
+              <a:schemeClr val="accent1"/>
+            </a:solidFill>
+            <a:ln>
+              <a:noFill/>
+            </a:ln>
+          </p:spPr>
+          <p:txBody>
+            <a:bodyPr wrap="square" rtlCol="0" anchor="ctr">
+              <a:spAutoFit/>
+            </a:bodyPr>
+            <a:lstStyle/>
+            <a:p>
+              <a:pPr algn="ctr"/>
+              <a:endParaRPr kumimoji="1" lang="ja-JP" altLang="en-US" sz="2400" dirty="0"/>
+            </a:p>
+          </p:txBody>
+        </p:sp>
+        <p:sp>
+          <p:nvSpPr>
+            <p:cNvPr id="24" name="直角三角形 23">
+              <a:extLst>
+                <a:ext uri="{FF2B5EF4-FFF2-40B4-BE49-F238E27FC236}">
+                  <a16:creationId xmlns:a16="http://schemas.microsoft.com/office/drawing/2014/main" id="{196FB1C2-7D3B-447A-A045-D7BD7FEE621F}"/>
+                </a:ext>
+              </a:extLst>
+            </p:cNvPr>
+            <p:cNvSpPr/>
+            <p:nvPr/>
+          </p:nvSpPr>
+          <p:spPr>
+            <a:xfrm rot="16200000">
+              <a:off x="2411760" y="4491118"/>
+              <a:ext cx="252028" cy="252028"/>
+            </a:xfrm>
+            <a:prstGeom prst="rtTriangle">
+              <a:avLst/>
+            </a:prstGeom>
+            <a:solidFill>
+              <a:schemeClr val="accent1"/>
+            </a:solidFill>
+            <a:ln>
+              <a:noFill/>
+            </a:ln>
+          </p:spPr>
+          <p:txBody>
+            <a:bodyPr wrap="square" rtlCol="0" anchor="ctr">
+              <a:spAutoFit/>
+            </a:bodyPr>
+            <a:lstStyle/>
+            <a:p>
+              <a:pPr algn="ctr"/>
+              <a:endParaRPr kumimoji="1" lang="ja-JP" altLang="en-US" sz="2400" dirty="0"/>
+            </a:p>
+          </p:txBody>
+        </p:sp>
+        <p:sp>
+          <p:nvSpPr>
+            <p:cNvPr id="25" name="直角三角形 24">
+              <a:extLst>
+                <a:ext uri="{FF2B5EF4-FFF2-40B4-BE49-F238E27FC236}">
+                  <a16:creationId xmlns:a16="http://schemas.microsoft.com/office/drawing/2014/main" id="{1AA0FD17-ABF1-4266-A664-C5BB4DBCEFAC}"/>
+                </a:ext>
+              </a:extLst>
+            </p:cNvPr>
+            <p:cNvSpPr/>
+            <p:nvPr/>
+          </p:nvSpPr>
+          <p:spPr>
+            <a:xfrm>
+              <a:off x="2663788" y="4491118"/>
+              <a:ext cx="252028" cy="252028"/>
+            </a:xfrm>
+            <a:prstGeom prst="rtTriangle">
+              <a:avLst/>
+            </a:prstGeom>
+            <a:solidFill>
+              <a:schemeClr val="accent1"/>
+            </a:solidFill>
+            <a:ln>
+              <a:noFill/>
+            </a:ln>
+          </p:spPr>
+          <p:txBody>
+            <a:bodyPr wrap="square" rtlCol="0" anchor="ctr">
+              <a:spAutoFit/>
+            </a:bodyPr>
+            <a:lstStyle/>
+            <a:p>
+              <a:pPr algn="ctr"/>
+              <a:endParaRPr kumimoji="1" lang="ja-JP" altLang="en-US" sz="2400" dirty="0"/>
+            </a:p>
+          </p:txBody>
+        </p:sp>
+      </p:grpSp>
+      <p:sp>
+        <p:nvSpPr>
+          <p:cNvPr id="26" name="正方形/長方形 25">
+            <a:extLst>
+              <a:ext uri="{FF2B5EF4-FFF2-40B4-BE49-F238E27FC236}">
+                <a16:creationId xmlns:a16="http://schemas.microsoft.com/office/drawing/2014/main" id="{870A3E62-0746-4960-A9DF-78CE1FD5EDDC}"/>
+              </a:ext>
+            </a:extLst>
+          </p:cNvPr>
+          <p:cNvSpPr/>
+          <p:nvPr/>
+        </p:nvSpPr>
+        <p:spPr>
+          <a:xfrm>
+            <a:off x="3493785" y="1776354"/>
+            <a:ext cx="252028" cy="126014"/>
+          </a:xfrm>
+          <a:prstGeom prst="rect">
+            <a:avLst/>
+          </a:prstGeom>
+          <a:solidFill>
+            <a:schemeClr val="accent3">
+              <a:lumMod val="60000"/>
+              <a:lumOff val="40000"/>
+            </a:schemeClr>
+          </a:solidFill>
+          <a:ln>
+            <a:noFill/>
+          </a:ln>
+        </p:spPr>
+        <p:txBody>
+          <a:bodyPr wrap="square" rtlCol="0" anchor="ctr">
+            <a:spAutoFit/>
+          </a:bodyPr>
+          <a:lstStyle/>
+          <a:p>
+            <a:pPr algn="ctr"/>
+            <a:endParaRPr kumimoji="1" lang="ja-JP" altLang="en-US" sz="2400" dirty="0"/>
+          </a:p>
+        </p:txBody>
+      </p:sp>
+      <p:grpSp>
+        <p:nvGrpSpPr>
+          <p:cNvPr id="27" name="グループ化 26">
+            <a:extLst>
+              <a:ext uri="{FF2B5EF4-FFF2-40B4-BE49-F238E27FC236}">
+                <a16:creationId xmlns:a16="http://schemas.microsoft.com/office/drawing/2014/main" id="{7075A4F8-F44A-4E46-851A-7C30635FEDA5}"/>
+              </a:ext>
+            </a:extLst>
+          </p:cNvPr>
+          <p:cNvGrpSpPr/>
+          <p:nvPr/>
+        </p:nvGrpSpPr>
+        <p:grpSpPr>
+          <a:xfrm>
+            <a:off x="2370651" y="4454292"/>
+            <a:ext cx="504056" cy="378042"/>
+            <a:chOff x="2411760" y="4491118"/>
+            <a:chExt cx="504056" cy="378042"/>
+          </a:xfrm>
+        </p:grpSpPr>
+        <p:sp>
+          <p:nvSpPr>
+            <p:cNvPr id="28" name="正方形/長方形 27">
+              <a:extLst>
+                <a:ext uri="{FF2B5EF4-FFF2-40B4-BE49-F238E27FC236}">
+                  <a16:creationId xmlns:a16="http://schemas.microsoft.com/office/drawing/2014/main" id="{53945DED-2857-4402-9ACA-BAB9CC7FBB2C}"/>
+                </a:ext>
+              </a:extLst>
+            </p:cNvPr>
+            <p:cNvSpPr/>
+            <p:nvPr/>
+          </p:nvSpPr>
+          <p:spPr>
+            <a:xfrm>
+              <a:off x="2411760" y="4743146"/>
+              <a:ext cx="504056" cy="126014"/>
+            </a:xfrm>
+            <a:prstGeom prst="rect">
+              <a:avLst/>
+            </a:prstGeom>
+            <a:solidFill>
+              <a:schemeClr val="accent1"/>
+            </a:solidFill>
+            <a:ln>
+              <a:noFill/>
+            </a:ln>
+          </p:spPr>
+          <p:txBody>
+            <a:bodyPr wrap="square" rtlCol="0" anchor="ctr">
+              <a:spAutoFit/>
+            </a:bodyPr>
+            <a:lstStyle/>
+            <a:p>
+              <a:pPr algn="ctr"/>
+              <a:endParaRPr kumimoji="1" lang="ja-JP" altLang="en-US" sz="2400" dirty="0"/>
+            </a:p>
+          </p:txBody>
+        </p:sp>
+        <p:sp>
+          <p:nvSpPr>
+            <p:cNvPr id="29" name="直角三角形 28">
+              <a:extLst>
+                <a:ext uri="{FF2B5EF4-FFF2-40B4-BE49-F238E27FC236}">
+                  <a16:creationId xmlns:a16="http://schemas.microsoft.com/office/drawing/2014/main" id="{8468681A-A42F-4FFE-BAE3-C48AE9C0B787}"/>
+                </a:ext>
+              </a:extLst>
+            </p:cNvPr>
+            <p:cNvSpPr/>
+            <p:nvPr/>
+          </p:nvSpPr>
+          <p:spPr>
+            <a:xfrm rot="16200000">
+              <a:off x="2411760" y="4491118"/>
+              <a:ext cx="252028" cy="252028"/>
+            </a:xfrm>
+            <a:prstGeom prst="rtTriangle">
+              <a:avLst/>
+            </a:prstGeom>
+            <a:solidFill>
+              <a:schemeClr val="accent1"/>
+            </a:solidFill>
+            <a:ln>
+              <a:noFill/>
+            </a:ln>
+          </p:spPr>
+          <p:txBody>
+            <a:bodyPr wrap="square" rtlCol="0" anchor="ctr">
+              <a:spAutoFit/>
+            </a:bodyPr>
+            <a:lstStyle/>
+            <a:p>
+              <a:pPr algn="ctr"/>
+              <a:endParaRPr kumimoji="1" lang="ja-JP" altLang="en-US" sz="2400" dirty="0"/>
+            </a:p>
+          </p:txBody>
+        </p:sp>
+        <p:sp>
+          <p:nvSpPr>
+            <p:cNvPr id="30" name="直角三角形 29">
+              <a:extLst>
+                <a:ext uri="{FF2B5EF4-FFF2-40B4-BE49-F238E27FC236}">
+                  <a16:creationId xmlns:a16="http://schemas.microsoft.com/office/drawing/2014/main" id="{92594EC7-9AF8-4BE6-919E-AC91013732E2}"/>
+                </a:ext>
+              </a:extLst>
+            </p:cNvPr>
+            <p:cNvSpPr/>
+            <p:nvPr/>
+          </p:nvSpPr>
+          <p:spPr>
+            <a:xfrm>
+              <a:off x="2663788" y="4491118"/>
+              <a:ext cx="252028" cy="252028"/>
+            </a:xfrm>
+            <a:prstGeom prst="rtTriangle">
+              <a:avLst/>
+            </a:prstGeom>
+            <a:solidFill>
+              <a:schemeClr val="accent1"/>
+            </a:solidFill>
+            <a:ln>
+              <a:noFill/>
+            </a:ln>
+          </p:spPr>
+          <p:txBody>
+            <a:bodyPr wrap="square" rtlCol="0" anchor="ctr">
+              <a:spAutoFit/>
+            </a:bodyPr>
+            <a:lstStyle/>
+            <a:p>
+              <a:pPr algn="ctr"/>
+              <a:endParaRPr kumimoji="1" lang="ja-JP" altLang="en-US" sz="2400" dirty="0"/>
+            </a:p>
+          </p:txBody>
+        </p:sp>
+      </p:grpSp>
+      <p:sp>
+        <p:nvSpPr>
+          <p:cNvPr id="31" name="直角三角形 30">
+            <a:extLst>
+              <a:ext uri="{FF2B5EF4-FFF2-40B4-BE49-F238E27FC236}">
+                <a16:creationId xmlns:a16="http://schemas.microsoft.com/office/drawing/2014/main" id="{996C3CEB-9268-4AFF-8ECA-40F15D72D777}"/>
+              </a:ext>
+            </a:extLst>
+          </p:cNvPr>
+          <p:cNvSpPr/>
+          <p:nvPr/>
+        </p:nvSpPr>
+        <p:spPr>
+          <a:xfrm rot="10800000">
+            <a:off x="2624098" y="4449518"/>
+            <a:ext cx="252028" cy="252028"/>
+          </a:xfrm>
+          <a:prstGeom prst="rtTriangle">
+            <a:avLst/>
+          </a:prstGeom>
+          <a:solidFill>
+            <a:schemeClr val="accent6">
+              <a:lumMod val="60000"/>
+              <a:lumOff val="40000"/>
+            </a:schemeClr>
+          </a:solidFill>
+          <a:ln>
+            <a:noFill/>
+          </a:ln>
+        </p:spPr>
+        <p:txBody>
+          <a:bodyPr wrap="square" rtlCol="0" anchor="ctr">
+            <a:spAutoFit/>
+          </a:bodyPr>
+          <a:lstStyle/>
+          <a:p>
+            <a:pPr algn="ctr"/>
+            <a:endParaRPr kumimoji="1" lang="ja-JP" altLang="en-US" sz="2400" dirty="0"/>
+          </a:p>
+        </p:txBody>
+      </p:sp>
+      <p:grpSp>
+        <p:nvGrpSpPr>
+          <p:cNvPr id="32" name="グループ化 31">
+            <a:extLst>
+              <a:ext uri="{FF2B5EF4-FFF2-40B4-BE49-F238E27FC236}">
+                <a16:creationId xmlns:a16="http://schemas.microsoft.com/office/drawing/2014/main" id="{DD3E1548-BFB9-4525-B1C2-447996933136}"/>
+              </a:ext>
+            </a:extLst>
+          </p:cNvPr>
+          <p:cNvGrpSpPr/>
+          <p:nvPr/>
+        </p:nvGrpSpPr>
+        <p:grpSpPr>
+          <a:xfrm>
+            <a:off x="3372137" y="4500557"/>
+            <a:ext cx="504056" cy="378042"/>
+            <a:chOff x="2411760" y="4491118"/>
+            <a:chExt cx="504056" cy="378042"/>
+          </a:xfrm>
+        </p:grpSpPr>
+        <p:sp>
+          <p:nvSpPr>
+            <p:cNvPr id="33" name="正方形/長方形 32">
+              <a:extLst>
+                <a:ext uri="{FF2B5EF4-FFF2-40B4-BE49-F238E27FC236}">
+                  <a16:creationId xmlns:a16="http://schemas.microsoft.com/office/drawing/2014/main" id="{E160F91C-0A2D-4EC9-94CE-2E2B764C932F}"/>
+                </a:ext>
+              </a:extLst>
+            </p:cNvPr>
+            <p:cNvSpPr/>
+            <p:nvPr/>
+          </p:nvSpPr>
+          <p:spPr>
+            <a:xfrm>
+              <a:off x="2411760" y="4743146"/>
+              <a:ext cx="504056" cy="126014"/>
+            </a:xfrm>
+            <a:prstGeom prst="rect">
+              <a:avLst/>
+            </a:prstGeom>
+            <a:solidFill>
+              <a:schemeClr val="accent1"/>
+            </a:solidFill>
+            <a:ln>
+              <a:noFill/>
+            </a:ln>
+          </p:spPr>
+          <p:txBody>
+            <a:bodyPr wrap="square" rtlCol="0" anchor="ctr">
+              <a:spAutoFit/>
+            </a:bodyPr>
+            <a:lstStyle/>
+            <a:p>
+              <a:pPr algn="ctr"/>
+              <a:endParaRPr kumimoji="1" lang="ja-JP" altLang="en-US" sz="2400" dirty="0"/>
+            </a:p>
+          </p:txBody>
+        </p:sp>
+        <p:sp>
+          <p:nvSpPr>
+            <p:cNvPr id="34" name="直角三角形 33">
+              <a:extLst>
+                <a:ext uri="{FF2B5EF4-FFF2-40B4-BE49-F238E27FC236}">
+                  <a16:creationId xmlns:a16="http://schemas.microsoft.com/office/drawing/2014/main" id="{A5F1B247-840D-4F59-954A-50D855F96883}"/>
+                </a:ext>
+              </a:extLst>
+            </p:cNvPr>
+            <p:cNvSpPr/>
+            <p:nvPr/>
+          </p:nvSpPr>
+          <p:spPr>
+            <a:xfrm rot="16200000">
+              <a:off x="2411760" y="4491118"/>
+              <a:ext cx="252028" cy="252028"/>
+            </a:xfrm>
+            <a:prstGeom prst="rtTriangle">
+              <a:avLst/>
+            </a:prstGeom>
+            <a:solidFill>
+              <a:schemeClr val="accent1"/>
+            </a:solidFill>
+            <a:ln>
+              <a:noFill/>
+            </a:ln>
+          </p:spPr>
+          <p:txBody>
+            <a:bodyPr wrap="square" rtlCol="0" anchor="ctr">
+              <a:spAutoFit/>
+            </a:bodyPr>
+            <a:lstStyle/>
+            <a:p>
+              <a:pPr algn="ctr"/>
+              <a:endParaRPr kumimoji="1" lang="ja-JP" altLang="en-US" sz="2400" dirty="0"/>
+            </a:p>
+          </p:txBody>
+        </p:sp>
+        <p:sp>
+          <p:nvSpPr>
+            <p:cNvPr id="35" name="直角三角形 34">
+              <a:extLst>
+                <a:ext uri="{FF2B5EF4-FFF2-40B4-BE49-F238E27FC236}">
+                  <a16:creationId xmlns:a16="http://schemas.microsoft.com/office/drawing/2014/main" id="{962DF8AC-3297-4ED3-A07D-608BEFB24AFD}"/>
+                </a:ext>
+              </a:extLst>
+            </p:cNvPr>
+            <p:cNvSpPr/>
+            <p:nvPr/>
+          </p:nvSpPr>
+          <p:spPr>
+            <a:xfrm>
+              <a:off x="2663788" y="4491118"/>
+              <a:ext cx="252028" cy="252028"/>
+            </a:xfrm>
+            <a:prstGeom prst="rtTriangle">
+              <a:avLst/>
+            </a:prstGeom>
+            <a:solidFill>
+              <a:schemeClr val="accent1"/>
+            </a:solidFill>
+            <a:ln>
+              <a:noFill/>
+            </a:ln>
+          </p:spPr>
+          <p:txBody>
+            <a:bodyPr wrap="square" rtlCol="0" anchor="ctr">
+              <a:spAutoFit/>
+            </a:bodyPr>
+            <a:lstStyle/>
+            <a:p>
+              <a:pPr algn="ctr"/>
+              <a:endParaRPr kumimoji="1" lang="ja-JP" altLang="en-US" sz="2400" dirty="0"/>
+            </a:p>
+          </p:txBody>
+        </p:sp>
+      </p:grpSp>
+      <p:sp>
+        <p:nvSpPr>
+          <p:cNvPr id="36" name="直角三角形 35">
+            <a:extLst>
+              <a:ext uri="{FF2B5EF4-FFF2-40B4-BE49-F238E27FC236}">
+                <a16:creationId xmlns:a16="http://schemas.microsoft.com/office/drawing/2014/main" id="{3DF1D602-E8E7-4354-B734-890AEB56DB5C}"/>
+              </a:ext>
+            </a:extLst>
+          </p:cNvPr>
+          <p:cNvSpPr/>
+          <p:nvPr/>
+        </p:nvSpPr>
+        <p:spPr>
+          <a:xfrm rot="10800000">
+            <a:off x="3621774" y="4491973"/>
+            <a:ext cx="252028" cy="252028"/>
+          </a:xfrm>
+          <a:prstGeom prst="rtTriangle">
+            <a:avLst/>
+          </a:prstGeom>
+          <a:solidFill>
+            <a:schemeClr val="accent6">
+              <a:lumMod val="60000"/>
+              <a:lumOff val="40000"/>
+            </a:schemeClr>
+          </a:solidFill>
+          <a:ln>
+            <a:noFill/>
+          </a:ln>
+        </p:spPr>
+        <p:txBody>
+          <a:bodyPr wrap="square" rtlCol="0" anchor="ctr">
+            <a:spAutoFit/>
+          </a:bodyPr>
+          <a:lstStyle/>
+          <a:p>
+            <a:pPr algn="ctr"/>
+            <a:endParaRPr kumimoji="1" lang="ja-JP" altLang="en-US" sz="2400" dirty="0"/>
+          </a:p>
+        </p:txBody>
+      </p:sp>
+      <p:sp>
+        <p:nvSpPr>
+          <p:cNvPr id="37" name="四角形: 1 つの角を切り取り 1 つの角を丸める 36">
+            <a:extLst>
+              <a:ext uri="{FF2B5EF4-FFF2-40B4-BE49-F238E27FC236}">
+                <a16:creationId xmlns:a16="http://schemas.microsoft.com/office/drawing/2014/main" id="{44DE09AD-C8B5-430A-9849-FF2C80BE37F6}"/>
+              </a:ext>
+            </a:extLst>
+          </p:cNvPr>
+          <p:cNvSpPr/>
+          <p:nvPr/>
+        </p:nvSpPr>
+        <p:spPr>
+          <a:xfrm>
+            <a:off x="5508104" y="2276872"/>
+            <a:ext cx="990600" cy="387191"/>
+          </a:xfrm>
+          <a:prstGeom prst="snipRoundRect">
+            <a:avLst/>
+          </a:prstGeom>
+          <a:solidFill>
+            <a:schemeClr val="accent3">
+              <a:lumMod val="20000"/>
+              <a:lumOff val="80000"/>
+            </a:schemeClr>
+          </a:solidFill>
+          <a:ln>
+            <a:solidFill>
+              <a:schemeClr val="tx1"/>
+            </a:solidFill>
+          </a:ln>
+        </p:spPr>
+        <p:txBody>
+          <a:bodyPr wrap="square" rtlCol="0" anchor="ctr">
+            <a:spAutoFit/>
+          </a:bodyPr>
+          <a:lstStyle/>
+          <a:p>
+            <a:pPr algn="ctr"/>
+            <a:r>
+              <a:rPr kumimoji="1" lang="en-US" altLang="ja-JP" dirty="0"/>
+              <a:t>master</a:t>
+            </a:r>
+            <a:endParaRPr kumimoji="1" lang="ja-JP" altLang="en-US" dirty="0"/>
+          </a:p>
+        </p:txBody>
+      </p:sp>
+      <p:sp>
+        <p:nvSpPr>
+          <p:cNvPr id="38" name="四角形: 1 つの角を切り取り 1 つの角を丸める 37">
+            <a:extLst>
+              <a:ext uri="{FF2B5EF4-FFF2-40B4-BE49-F238E27FC236}">
+                <a16:creationId xmlns:a16="http://schemas.microsoft.com/office/drawing/2014/main" id="{796B4DE0-C31B-4231-8117-672976CBA9AC}"/>
+              </a:ext>
+            </a:extLst>
+          </p:cNvPr>
+          <p:cNvSpPr/>
+          <p:nvPr/>
+        </p:nvSpPr>
+        <p:spPr>
+          <a:xfrm>
+            <a:off x="4407396" y="3735461"/>
+            <a:ext cx="990600" cy="387191"/>
+          </a:xfrm>
+          <a:prstGeom prst="snipRoundRect">
+            <a:avLst/>
+          </a:prstGeom>
+          <a:solidFill>
+            <a:schemeClr val="accent3">
+              <a:lumMod val="20000"/>
+              <a:lumOff val="80000"/>
+            </a:schemeClr>
+          </a:solidFill>
+          <a:ln>
+            <a:solidFill>
+              <a:schemeClr val="tx1"/>
+            </a:solidFill>
+          </a:ln>
+        </p:spPr>
+        <p:txBody>
+          <a:bodyPr wrap="square" rtlCol="0" anchor="ctr">
+            <a:spAutoFit/>
+          </a:bodyPr>
+          <a:lstStyle/>
+          <a:p>
+            <a:pPr algn="ctr"/>
+            <a:r>
+              <a:rPr lang="en-US" altLang="ja-JP" dirty="0"/>
+              <a:t>branch</a:t>
+            </a:r>
+            <a:endParaRPr kumimoji="1" lang="ja-JP" altLang="en-US" dirty="0"/>
+          </a:p>
+        </p:txBody>
+      </p:sp>
+      <p:cxnSp>
+        <p:nvCxnSpPr>
+          <p:cNvPr id="39" name="直線矢印コネクタ 38">
+            <a:extLst>
+              <a:ext uri="{FF2B5EF4-FFF2-40B4-BE49-F238E27FC236}">
+                <a16:creationId xmlns:a16="http://schemas.microsoft.com/office/drawing/2014/main" id="{2E0E9F72-364B-4E2B-97B2-4E0BB5948FE5}"/>
+              </a:ext>
+            </a:extLst>
+          </p:cNvPr>
+          <p:cNvCxnSpPr>
+            <a:cxnSpLocks/>
+            <a:stCxn id="37" idx="2"/>
+          </p:cNvCxnSpPr>
+          <p:nvPr/>
+        </p:nvCxnSpPr>
+        <p:spPr>
+          <a:xfrm flipH="1">
+            <a:off x="4975488" y="2470468"/>
+            <a:ext cx="532616" cy="4019"/>
+          </a:xfrm>
+          <a:prstGeom prst="straightConnector1">
+            <a:avLst/>
+          </a:prstGeom>
+          <a:ln w="9525">
+            <a:solidFill>
+              <a:schemeClr val="tx1"/>
+            </a:solidFill>
+            <a:headEnd type="none"/>
+            <a:tailEnd type="triangle"/>
+          </a:ln>
+          <a:effectLst/>
+        </p:spPr>
+        <p:style>
+          <a:lnRef idx="2">
+            <a:schemeClr val="accent1"/>
+          </a:lnRef>
+          <a:fillRef idx="0">
+            <a:schemeClr val="accent1"/>
+          </a:fillRef>
+          <a:effectRef idx="1">
+            <a:schemeClr val="accent1"/>
+          </a:effectRef>
+          <a:fontRef idx="minor">
+            <a:schemeClr val="tx1"/>
+          </a:fontRef>
+        </p:style>
+      </p:cxnSp>
+      <p:cxnSp>
+        <p:nvCxnSpPr>
+          <p:cNvPr id="40" name="直線矢印コネクタ 39">
+            <a:extLst>
+              <a:ext uri="{FF2B5EF4-FFF2-40B4-BE49-F238E27FC236}">
+                <a16:creationId xmlns:a16="http://schemas.microsoft.com/office/drawing/2014/main" id="{2EAB8661-3C22-474A-8F5B-93C3AA2CDE9C}"/>
+              </a:ext>
+            </a:extLst>
+          </p:cNvPr>
+          <p:cNvCxnSpPr>
+            <a:stCxn id="38" idx="2"/>
+            <a:endCxn id="12" idx="6"/>
+          </p:cNvCxnSpPr>
+          <p:nvPr/>
+        </p:nvCxnSpPr>
+        <p:spPr>
+          <a:xfrm flipH="1">
+            <a:off x="3851920" y="3929057"/>
+            <a:ext cx="555476" cy="3999"/>
+          </a:xfrm>
+          <a:prstGeom prst="straightConnector1">
+            <a:avLst/>
+          </a:prstGeom>
+          <a:ln w="9525">
+            <a:solidFill>
+              <a:schemeClr val="tx1"/>
+            </a:solidFill>
+            <a:headEnd type="none"/>
+            <a:tailEnd type="triangle"/>
+          </a:ln>
+          <a:effectLst/>
+        </p:spPr>
+        <p:style>
+          <a:lnRef idx="2">
+            <a:schemeClr val="accent1"/>
+          </a:lnRef>
+          <a:fillRef idx="0">
+            <a:schemeClr val="accent1"/>
+          </a:fillRef>
+          <a:effectRef idx="1">
+            <a:schemeClr val="accent1"/>
+          </a:effectRef>
+          <a:fontRef idx="minor">
+            <a:schemeClr val="tx1"/>
+          </a:fontRef>
+        </p:style>
+      </p:cxnSp>
+      <p:sp>
+        <p:nvSpPr>
+          <p:cNvPr id="41" name="正方形/長方形 40">
+            <a:extLst>
+              <a:ext uri="{FF2B5EF4-FFF2-40B4-BE49-F238E27FC236}">
+                <a16:creationId xmlns:a16="http://schemas.microsoft.com/office/drawing/2014/main" id="{11EE4A38-DD89-4B2B-8DCC-955DBB07B7D3}"/>
+              </a:ext>
+            </a:extLst>
+          </p:cNvPr>
+          <p:cNvSpPr/>
+          <p:nvPr/>
+        </p:nvSpPr>
+        <p:spPr>
+          <a:xfrm>
+            <a:off x="5523344" y="1556792"/>
+            <a:ext cx="960120" cy="369332"/>
+          </a:xfrm>
+          <a:prstGeom prst="rect">
+            <a:avLst/>
+          </a:prstGeom>
+          <a:ln>
+            <a:solidFill>
+              <a:schemeClr val="tx1"/>
+            </a:solidFill>
+          </a:ln>
+        </p:spPr>
+        <p:txBody>
+          <a:bodyPr wrap="square" rtlCol="0" anchor="ctr">
+            <a:spAutoFit/>
+          </a:bodyPr>
+          <a:lstStyle/>
+          <a:p>
+            <a:pPr algn="ctr"/>
+            <a:r>
+              <a:rPr kumimoji="1" lang="en-US" altLang="ja-JP" dirty="0"/>
+              <a:t>HEAD</a:t>
+            </a:r>
+            <a:endParaRPr kumimoji="1" lang="ja-JP" altLang="en-US" dirty="0"/>
+          </a:p>
+        </p:txBody>
+      </p:sp>
+      <p:cxnSp>
+        <p:nvCxnSpPr>
+          <p:cNvPr id="42" name="直線矢印コネクタ 41">
+            <a:extLst>
+              <a:ext uri="{FF2B5EF4-FFF2-40B4-BE49-F238E27FC236}">
+                <a16:creationId xmlns:a16="http://schemas.microsoft.com/office/drawing/2014/main" id="{C1989F29-BBCA-4EE5-8E86-833E62D0A431}"/>
+              </a:ext>
+            </a:extLst>
+          </p:cNvPr>
+          <p:cNvCxnSpPr>
+            <a:stCxn id="41" idx="2"/>
+            <a:endCxn id="37" idx="3"/>
+          </p:cNvCxnSpPr>
+          <p:nvPr/>
+        </p:nvCxnSpPr>
+        <p:spPr>
+          <a:xfrm>
+            <a:off x="6003404" y="1926124"/>
+            <a:ext cx="0" cy="350748"/>
+          </a:xfrm>
+          <a:prstGeom prst="straightConnector1">
+            <a:avLst/>
+          </a:prstGeom>
+          <a:ln w="9525">
+            <a:solidFill>
+              <a:schemeClr val="tx1"/>
+            </a:solidFill>
+            <a:headEnd type="none"/>
+            <a:tailEnd type="triangle"/>
+          </a:ln>
+          <a:effectLst/>
+        </p:spPr>
+        <p:style>
+          <a:lnRef idx="2">
+            <a:schemeClr val="accent1"/>
+          </a:lnRef>
+          <a:fillRef idx="0">
+            <a:schemeClr val="accent1"/>
+          </a:fillRef>
+          <a:effectRef idx="1">
+            <a:schemeClr val="accent1"/>
+          </a:effectRef>
+          <a:fontRef idx="minor">
+            <a:schemeClr val="tx1"/>
+          </a:fontRef>
+        </p:style>
+      </p:cxnSp>
+      <p:cxnSp>
+        <p:nvCxnSpPr>
+          <p:cNvPr id="46" name="直線コネクタ 45">
+            <a:extLst>
+              <a:ext uri="{FF2B5EF4-FFF2-40B4-BE49-F238E27FC236}">
+                <a16:creationId xmlns:a16="http://schemas.microsoft.com/office/drawing/2014/main" id="{CD5AA827-D78B-40A8-8900-3CA1866CD5B6}"/>
+              </a:ext>
+            </a:extLst>
+          </p:cNvPr>
+          <p:cNvCxnSpPr>
+            <a:cxnSpLocks/>
+            <a:endCxn id="45" idx="2"/>
+          </p:cNvCxnSpPr>
+          <p:nvPr/>
+        </p:nvCxnSpPr>
+        <p:spPr>
+          <a:xfrm>
+            <a:off x="3851920" y="2492896"/>
+            <a:ext cx="792088" cy="0"/>
+          </a:xfrm>
+          <a:prstGeom prst="line">
+            <a:avLst/>
+          </a:prstGeom>
+          <a:ln w="57150">
+            <a:solidFill>
+              <a:srgbClr val="FF0000"/>
+            </a:solidFill>
+            <a:headEnd type="none" w="med" len="med"/>
+            <a:tailEnd type="none" w="med" len="med"/>
+          </a:ln>
+        </p:spPr>
+        <p:style>
+          <a:lnRef idx="1">
+            <a:schemeClr val="accent1"/>
+          </a:lnRef>
+          <a:fillRef idx="0">
+            <a:schemeClr val="accent1"/>
+          </a:fillRef>
+          <a:effectRef idx="0">
+            <a:schemeClr val="accent1"/>
+          </a:effectRef>
+          <a:fontRef idx="minor">
+            <a:schemeClr val="tx1"/>
+          </a:fontRef>
+        </p:style>
+      </p:cxnSp>
+      <p:cxnSp>
+        <p:nvCxnSpPr>
+          <p:cNvPr id="47" name="直線コネクタ 46">
+            <a:extLst>
+              <a:ext uri="{FF2B5EF4-FFF2-40B4-BE49-F238E27FC236}">
+                <a16:creationId xmlns:a16="http://schemas.microsoft.com/office/drawing/2014/main" id="{934D77D1-5ACE-4AFF-8BF9-384DF2DC5432}"/>
+              </a:ext>
+            </a:extLst>
+          </p:cNvPr>
+          <p:cNvCxnSpPr>
+            <a:cxnSpLocks/>
+            <a:stCxn id="12" idx="7"/>
+            <a:endCxn id="45" idx="4"/>
+          </p:cNvCxnSpPr>
+          <p:nvPr/>
+        </p:nvCxnSpPr>
+        <p:spPr>
+          <a:xfrm flipV="1">
+            <a:off x="3809739" y="2636912"/>
+            <a:ext cx="978285" cy="1194309"/>
+          </a:xfrm>
+          <a:prstGeom prst="line">
+            <a:avLst/>
+          </a:prstGeom>
+          <a:ln w="57150">
+            <a:solidFill>
+              <a:srgbClr val="FF0000"/>
+            </a:solidFill>
+            <a:headEnd type="none" w="med" len="med"/>
+            <a:tailEnd type="none" w="med" len="med"/>
+          </a:ln>
+        </p:spPr>
+        <p:style>
+          <a:lnRef idx="1">
+            <a:schemeClr val="accent1"/>
+          </a:lnRef>
+          <a:fillRef idx="0">
+            <a:schemeClr val="accent1"/>
+          </a:fillRef>
+          <a:effectRef idx="0">
+            <a:schemeClr val="accent1"/>
+          </a:effectRef>
+          <a:fontRef idx="minor">
+            <a:schemeClr val="tx1"/>
+          </a:fontRef>
+        </p:style>
+      </p:cxnSp>
+      <p:sp>
+        <p:nvSpPr>
+          <p:cNvPr id="45" name="楕円 4">
+            <a:extLst>
+              <a:ext uri="{FF2B5EF4-FFF2-40B4-BE49-F238E27FC236}">
+                <a16:creationId xmlns:a16="http://schemas.microsoft.com/office/drawing/2014/main" id="{63101495-E688-45E7-81D5-A01339BA4902}"/>
+              </a:ext>
+            </a:extLst>
+          </p:cNvPr>
+          <p:cNvSpPr/>
+          <p:nvPr/>
+        </p:nvSpPr>
+        <p:spPr>
+          <a:xfrm>
+            <a:off x="4644008" y="2348880"/>
+            <a:ext cx="288032" cy="288032"/>
+          </a:xfrm>
+          <a:prstGeom prst="ellipse">
+            <a:avLst/>
+          </a:prstGeom>
+          <a:solidFill>
+            <a:srgbClr val="FF0000"/>
+          </a:solidFill>
+          <a:ln>
+            <a:solidFill>
+              <a:schemeClr val="tx1"/>
+            </a:solidFill>
+          </a:ln>
+        </p:spPr>
+        <p:style>
+          <a:lnRef idx="2">
+            <a:schemeClr val="accent1">
+              <a:shade val="50000"/>
+            </a:schemeClr>
+          </a:lnRef>
+          <a:fillRef idx="1">
+            <a:schemeClr val="accent1"/>
+          </a:fillRef>
+          <a:effectRef idx="0">
+            <a:schemeClr val="accent1"/>
+          </a:effectRef>
+          <a:fontRef idx="minor">
+            <a:schemeClr val="lt1"/>
+          </a:fontRef>
+        </p:style>
+        <p:txBody>
+          <a:bodyPr rtlCol="0" anchor="ctr"/>
+          <a:lstStyle/>
+          <a:p>
+            <a:pPr algn="ctr"/>
+            <a:endParaRPr kumimoji="1" lang="ja-JP" altLang="en-US"/>
+          </a:p>
+        </p:txBody>
+      </p:sp>
+      <p:sp>
+        <p:nvSpPr>
+          <p:cNvPr id="52" name="直角三角形 51">
+            <a:extLst>
+              <a:ext uri="{FF2B5EF4-FFF2-40B4-BE49-F238E27FC236}">
+                <a16:creationId xmlns:a16="http://schemas.microsoft.com/office/drawing/2014/main" id="{F3283A41-07C7-4C39-9FAD-4C9D5CF5413F}"/>
+              </a:ext>
+            </a:extLst>
+          </p:cNvPr>
+          <p:cNvSpPr/>
+          <p:nvPr/>
+        </p:nvSpPr>
+        <p:spPr>
+          <a:xfrm rot="5400000">
+            <a:off x="4572000" y="1917226"/>
+            <a:ext cx="252028" cy="252028"/>
+          </a:xfrm>
+          <a:prstGeom prst="rtTriangle">
+            <a:avLst/>
+          </a:prstGeom>
+          <a:solidFill>
+            <a:schemeClr val="accent3">
+              <a:lumMod val="60000"/>
+              <a:lumOff val="40000"/>
+            </a:schemeClr>
+          </a:solidFill>
+          <a:ln>
+            <a:noFill/>
+          </a:ln>
+        </p:spPr>
+        <p:txBody>
+          <a:bodyPr wrap="square" rtlCol="0" anchor="ctr">
+            <a:spAutoFit/>
+          </a:bodyPr>
+          <a:lstStyle/>
+          <a:p>
+            <a:pPr algn="ctr"/>
+            <a:endParaRPr kumimoji="1" lang="ja-JP" altLang="en-US" sz="2400" dirty="0"/>
+          </a:p>
+        </p:txBody>
+      </p:sp>
+      <p:grpSp>
+        <p:nvGrpSpPr>
+          <p:cNvPr id="53" name="グループ化 52">
+            <a:extLst>
+              <a:ext uri="{FF2B5EF4-FFF2-40B4-BE49-F238E27FC236}">
+                <a16:creationId xmlns:a16="http://schemas.microsoft.com/office/drawing/2014/main" id="{F99B7FE2-5FF6-4E09-87DB-2684AA2EBC6F}"/>
+              </a:ext>
+            </a:extLst>
+          </p:cNvPr>
+          <p:cNvGrpSpPr/>
+          <p:nvPr/>
+        </p:nvGrpSpPr>
+        <p:grpSpPr>
+          <a:xfrm>
+            <a:off x="4572000" y="1926357"/>
+            <a:ext cx="504056" cy="378042"/>
+            <a:chOff x="2411760" y="4491118"/>
+            <a:chExt cx="504056" cy="378042"/>
+          </a:xfrm>
+        </p:grpSpPr>
+        <p:sp>
+          <p:nvSpPr>
+            <p:cNvPr id="54" name="正方形/長方形 53">
+              <a:extLst>
+                <a:ext uri="{FF2B5EF4-FFF2-40B4-BE49-F238E27FC236}">
+                  <a16:creationId xmlns:a16="http://schemas.microsoft.com/office/drawing/2014/main" id="{4090AEBC-8DDA-4081-BC12-260885BA6659}"/>
+                </a:ext>
+              </a:extLst>
+            </p:cNvPr>
+            <p:cNvSpPr/>
+            <p:nvPr/>
+          </p:nvSpPr>
+          <p:spPr>
+            <a:xfrm>
+              <a:off x="2411760" y="4743146"/>
+              <a:ext cx="504056" cy="126014"/>
+            </a:xfrm>
+            <a:prstGeom prst="rect">
+              <a:avLst/>
+            </a:prstGeom>
+            <a:solidFill>
+              <a:schemeClr val="accent1"/>
+            </a:solidFill>
+            <a:ln>
+              <a:noFill/>
+            </a:ln>
+          </p:spPr>
+          <p:txBody>
+            <a:bodyPr wrap="square" rtlCol="0" anchor="ctr">
+              <a:spAutoFit/>
+            </a:bodyPr>
+            <a:lstStyle/>
+            <a:p>
+              <a:pPr algn="ctr"/>
+              <a:endParaRPr kumimoji="1" lang="ja-JP" altLang="en-US" sz="2400" dirty="0"/>
+            </a:p>
+          </p:txBody>
+        </p:sp>
+        <p:sp>
+          <p:nvSpPr>
+            <p:cNvPr id="55" name="直角三角形 54">
+              <a:extLst>
+                <a:ext uri="{FF2B5EF4-FFF2-40B4-BE49-F238E27FC236}">
+                  <a16:creationId xmlns:a16="http://schemas.microsoft.com/office/drawing/2014/main" id="{6718CD63-FBC5-456E-8B82-EDF3F2E93D30}"/>
+                </a:ext>
+              </a:extLst>
+            </p:cNvPr>
+            <p:cNvSpPr/>
+            <p:nvPr/>
+          </p:nvSpPr>
+          <p:spPr>
+            <a:xfrm rot="16200000">
+              <a:off x="2411760" y="4491118"/>
+              <a:ext cx="252028" cy="252028"/>
+            </a:xfrm>
+            <a:prstGeom prst="rtTriangle">
+              <a:avLst/>
+            </a:prstGeom>
+            <a:solidFill>
+              <a:schemeClr val="accent1"/>
+            </a:solidFill>
+            <a:ln>
+              <a:noFill/>
+            </a:ln>
+          </p:spPr>
+          <p:txBody>
+            <a:bodyPr wrap="square" rtlCol="0" anchor="ctr">
+              <a:spAutoFit/>
+            </a:bodyPr>
+            <a:lstStyle/>
+            <a:p>
+              <a:pPr algn="ctr"/>
+              <a:endParaRPr kumimoji="1" lang="ja-JP" altLang="en-US" sz="2400" dirty="0"/>
+            </a:p>
+          </p:txBody>
+        </p:sp>
+        <p:sp>
+          <p:nvSpPr>
+            <p:cNvPr id="56" name="直角三角形 55">
+              <a:extLst>
+                <a:ext uri="{FF2B5EF4-FFF2-40B4-BE49-F238E27FC236}">
+                  <a16:creationId xmlns:a16="http://schemas.microsoft.com/office/drawing/2014/main" id="{92504879-9F68-4653-B821-E57C96A316FD}"/>
+                </a:ext>
+              </a:extLst>
+            </p:cNvPr>
+            <p:cNvSpPr/>
+            <p:nvPr/>
+          </p:nvSpPr>
+          <p:spPr>
+            <a:xfrm>
+              <a:off x="2663788" y="4491118"/>
+              <a:ext cx="252028" cy="252028"/>
+            </a:xfrm>
+            <a:prstGeom prst="rtTriangle">
+              <a:avLst/>
+            </a:prstGeom>
+            <a:solidFill>
+              <a:schemeClr val="accent1"/>
+            </a:solidFill>
+            <a:ln>
+              <a:noFill/>
+            </a:ln>
+          </p:spPr>
+          <p:txBody>
+            <a:bodyPr wrap="square" rtlCol="0" anchor="ctr">
+              <a:spAutoFit/>
+            </a:bodyPr>
+            <a:lstStyle/>
+            <a:p>
+              <a:pPr algn="ctr"/>
+              <a:endParaRPr kumimoji="1" lang="ja-JP" altLang="en-US" sz="2400" dirty="0"/>
+            </a:p>
+          </p:txBody>
+        </p:sp>
+      </p:grpSp>
+      <p:sp>
+        <p:nvSpPr>
+          <p:cNvPr id="57" name="正方形/長方形 56">
+            <a:extLst>
+              <a:ext uri="{FF2B5EF4-FFF2-40B4-BE49-F238E27FC236}">
+                <a16:creationId xmlns:a16="http://schemas.microsoft.com/office/drawing/2014/main" id="{A2E3372E-2EBD-4BE4-B32D-F3109828A056}"/>
+              </a:ext>
+            </a:extLst>
+          </p:cNvPr>
+          <p:cNvSpPr/>
+          <p:nvPr/>
+        </p:nvSpPr>
+        <p:spPr>
+          <a:xfrm>
+            <a:off x="4572000" y="1783864"/>
+            <a:ext cx="252028" cy="126014"/>
+          </a:xfrm>
+          <a:prstGeom prst="rect">
+            <a:avLst/>
+          </a:prstGeom>
+          <a:solidFill>
+            <a:schemeClr val="accent3">
+              <a:lumMod val="60000"/>
+              <a:lumOff val="40000"/>
+            </a:schemeClr>
+          </a:solidFill>
+          <a:ln>
+            <a:noFill/>
+          </a:ln>
+        </p:spPr>
+        <p:txBody>
+          <a:bodyPr wrap="square" rtlCol="0" anchor="ctr">
+            <a:spAutoFit/>
+          </a:bodyPr>
+          <a:lstStyle/>
+          <a:p>
+            <a:pPr algn="ctr"/>
+            <a:endParaRPr kumimoji="1" lang="ja-JP" altLang="en-US" sz="2400" dirty="0"/>
+          </a:p>
+        </p:txBody>
+      </p:sp>
+      <p:sp>
+        <p:nvSpPr>
+          <p:cNvPr id="58" name="正方形/長方形 57">
+            <a:extLst>
+              <a:ext uri="{FF2B5EF4-FFF2-40B4-BE49-F238E27FC236}">
+                <a16:creationId xmlns:a16="http://schemas.microsoft.com/office/drawing/2014/main" id="{EC489303-DB04-41C9-8990-D05E6B0D98EE}"/>
+              </a:ext>
+            </a:extLst>
+          </p:cNvPr>
+          <p:cNvSpPr/>
+          <p:nvPr/>
+        </p:nvSpPr>
+        <p:spPr>
+          <a:xfrm>
+            <a:off x="4825742" y="1783864"/>
+            <a:ext cx="252028" cy="126014"/>
+          </a:xfrm>
+          <a:prstGeom prst="rect">
+            <a:avLst/>
+          </a:prstGeom>
+          <a:solidFill>
+            <a:schemeClr val="accent6">
+              <a:lumMod val="60000"/>
+              <a:lumOff val="40000"/>
+            </a:schemeClr>
+          </a:solidFill>
+          <a:ln>
+            <a:noFill/>
+          </a:ln>
+        </p:spPr>
+        <p:txBody>
+          <a:bodyPr wrap="square" rtlCol="0" anchor="ctr">
+            <a:spAutoFit/>
+          </a:bodyPr>
+          <a:lstStyle/>
+          <a:p>
+            <a:pPr algn="ctr"/>
+            <a:endParaRPr kumimoji="1" lang="ja-JP" altLang="en-US" sz="2400" dirty="0"/>
+          </a:p>
+        </p:txBody>
+      </p:sp>
+      <p:sp>
+        <p:nvSpPr>
+          <p:cNvPr id="59" name="直角三角形 58">
+            <a:extLst>
+              <a:ext uri="{FF2B5EF4-FFF2-40B4-BE49-F238E27FC236}">
+                <a16:creationId xmlns:a16="http://schemas.microsoft.com/office/drawing/2014/main" id="{0E148CCD-36FD-41F5-AA65-8C6AF42117E4}"/>
+              </a:ext>
+            </a:extLst>
+          </p:cNvPr>
+          <p:cNvSpPr/>
+          <p:nvPr/>
+        </p:nvSpPr>
+        <p:spPr>
+          <a:xfrm rot="10800000">
+            <a:off x="4825742" y="1917227"/>
+            <a:ext cx="252028" cy="252028"/>
+          </a:xfrm>
+          <a:prstGeom prst="rtTriangle">
+            <a:avLst/>
+          </a:prstGeom>
+          <a:solidFill>
+            <a:schemeClr val="accent6">
+              <a:lumMod val="60000"/>
+              <a:lumOff val="40000"/>
+            </a:schemeClr>
+          </a:solidFill>
+          <a:ln>
+            <a:noFill/>
+          </a:ln>
+        </p:spPr>
+        <p:txBody>
+          <a:bodyPr wrap="square" rtlCol="0" anchor="ctr">
+            <a:spAutoFit/>
+          </a:bodyPr>
+          <a:lstStyle/>
+          <a:p>
+            <a:pPr algn="ctr"/>
+            <a:endParaRPr kumimoji="1" lang="ja-JP" altLang="en-US" sz="2400" dirty="0"/>
+          </a:p>
+        </p:txBody>
+      </p:sp>
+    </p:spTree>
+    <p:extLst>
+      <p:ext uri="{BB962C8B-B14F-4D97-AF65-F5344CB8AC3E}">
+        <p14:creationId xmlns:p14="http://schemas.microsoft.com/office/powerpoint/2010/main" val="2678549876"/>
+      </p:ext>
+    </p:extLst>
+  </p:cSld>
+  <p:clrMapOvr>
+    <a:masterClrMapping/>
+  </p:clrMapOvr>
+</p:sld>
+</file>
+
+<file path=ppt/slides/slide4.xml><?xml version="1.0" encoding="utf-8"?>
+<p:sld xmlns:a="http://schemas.openxmlformats.org/drawingml/2006/main" xmlns:r="http://schemas.openxmlformats.org/officeDocument/2006/relationships" xmlns:p="http://schemas.openxmlformats.org/presentationml/2006/main">
+  <p:cSld>
+    <p:spTree>
+      <p:nvGrpSpPr>
+        <p:cNvPr id="1" name=""/>
+        <p:cNvGrpSpPr/>
+        <p:nvPr/>
+      </p:nvGrpSpPr>
+      <p:grpSpPr>
+        <a:xfrm>
+          <a:off x="0" y="0"/>
+          <a:ext cx="0" cy="0"/>
+          <a:chOff x="0" y="0"/>
+          <a:chExt cx="0" cy="0"/>
+        </a:xfrm>
+      </p:grpSpPr>
+      <p:sp>
+        <p:nvSpPr>
+          <p:cNvPr id="33" name="正方形/長方形 32">
+            <a:extLst>
+              <a:ext uri="{FF2B5EF4-FFF2-40B4-BE49-F238E27FC236}">
+                <a16:creationId xmlns:a16="http://schemas.microsoft.com/office/drawing/2014/main" id="{857E6BD2-100F-422B-B953-17F5C8C12FC9}"/>
+              </a:ext>
+            </a:extLst>
+          </p:cNvPr>
+          <p:cNvSpPr/>
+          <p:nvPr/>
+        </p:nvSpPr>
+        <p:spPr>
+          <a:xfrm>
+            <a:off x="858636" y="3132569"/>
+            <a:ext cx="252028" cy="126014"/>
+          </a:xfrm>
+          <a:prstGeom prst="rect">
+            <a:avLst/>
+          </a:prstGeom>
+          <a:solidFill>
+            <a:schemeClr val="accent6">
+              <a:lumMod val="60000"/>
+              <a:lumOff val="40000"/>
+            </a:schemeClr>
+          </a:solidFill>
+          <a:ln>
+            <a:noFill/>
+          </a:ln>
+        </p:spPr>
+        <p:txBody>
+          <a:bodyPr wrap="square" rtlCol="0" anchor="ctr">
+            <a:spAutoFit/>
+          </a:bodyPr>
+          <a:lstStyle/>
+          <a:p>
+            <a:pPr algn="ctr"/>
+            <a:endParaRPr kumimoji="1" lang="ja-JP" altLang="en-US" sz="2400" dirty="0"/>
+          </a:p>
+        </p:txBody>
+      </p:sp>
+      <p:sp>
+        <p:nvSpPr>
+          <p:cNvPr id="34" name="楕円 4">
+            <a:extLst>
+              <a:ext uri="{FF2B5EF4-FFF2-40B4-BE49-F238E27FC236}">
+                <a16:creationId xmlns:a16="http://schemas.microsoft.com/office/drawing/2014/main" id="{7A1E1951-7064-4A4D-AE69-2DFE8BE30C13}"/>
+              </a:ext>
+            </a:extLst>
+          </p:cNvPr>
+          <p:cNvSpPr/>
+          <p:nvPr/>
+        </p:nvSpPr>
+        <p:spPr>
+          <a:xfrm>
+            <a:off x="797757" y="1124744"/>
+            <a:ext cx="288032" cy="288032"/>
+          </a:xfrm>
+          <a:prstGeom prst="ellipse">
+            <a:avLst/>
+          </a:prstGeom>
+          <a:solidFill>
+            <a:srgbClr val="011893"/>
+          </a:solidFill>
+          <a:ln>
+            <a:solidFill>
+              <a:schemeClr val="tx1"/>
+            </a:solidFill>
+          </a:ln>
+        </p:spPr>
+        <p:style>
+          <a:lnRef idx="2">
+            <a:schemeClr val="accent1">
+              <a:shade val="50000"/>
+            </a:schemeClr>
+          </a:lnRef>
+          <a:fillRef idx="1">
+            <a:schemeClr val="accent1"/>
+          </a:fillRef>
+          <a:effectRef idx="0">
+            <a:schemeClr val="accent1"/>
+          </a:effectRef>
+          <a:fontRef idx="minor">
+            <a:schemeClr val="lt1"/>
+          </a:fontRef>
+        </p:style>
+        <p:txBody>
+          <a:bodyPr rtlCol="0" anchor="ctr"/>
+          <a:lstStyle/>
+          <a:p>
+            <a:pPr algn="ctr"/>
+            <a:endParaRPr kumimoji="1" lang="ja-JP" altLang="en-US"/>
+          </a:p>
+        </p:txBody>
+      </p:sp>
+      <p:sp>
+        <p:nvSpPr>
+          <p:cNvPr id="35" name="楕円 4">
+            <a:extLst>
+              <a:ext uri="{FF2B5EF4-FFF2-40B4-BE49-F238E27FC236}">
+                <a16:creationId xmlns:a16="http://schemas.microsoft.com/office/drawing/2014/main" id="{92569850-1F15-412B-AA55-34924ED326C7}"/>
+              </a:ext>
+            </a:extLst>
+          </p:cNvPr>
+          <p:cNvSpPr/>
+          <p:nvPr/>
+        </p:nvSpPr>
+        <p:spPr>
+          <a:xfrm>
+            <a:off x="797757" y="2564904"/>
+            <a:ext cx="288032" cy="288032"/>
+          </a:xfrm>
+          <a:prstGeom prst="ellipse">
+            <a:avLst/>
+          </a:prstGeom>
+          <a:solidFill>
+            <a:srgbClr val="011893"/>
+          </a:solidFill>
+          <a:ln>
+            <a:solidFill>
+              <a:schemeClr val="tx1"/>
+            </a:solidFill>
+          </a:ln>
+        </p:spPr>
+        <p:style>
+          <a:lnRef idx="2">
+            <a:schemeClr val="accent1">
+              <a:shade val="50000"/>
+            </a:schemeClr>
+          </a:lnRef>
+          <a:fillRef idx="1">
+            <a:schemeClr val="accent1"/>
+          </a:fillRef>
+          <a:effectRef idx="0">
+            <a:schemeClr val="accent1"/>
+          </a:effectRef>
+          <a:fontRef idx="minor">
+            <a:schemeClr val="lt1"/>
+          </a:fontRef>
+        </p:style>
+        <p:txBody>
+          <a:bodyPr rtlCol="0" anchor="ctr"/>
+          <a:lstStyle/>
+          <a:p>
+            <a:pPr algn="ctr"/>
+            <a:endParaRPr kumimoji="1" lang="ja-JP" altLang="en-US"/>
+          </a:p>
+        </p:txBody>
+      </p:sp>
+      <p:sp>
+        <p:nvSpPr>
+          <p:cNvPr id="36" name="直角三角形 35">
+            <a:extLst>
+              <a:ext uri="{FF2B5EF4-FFF2-40B4-BE49-F238E27FC236}">
+                <a16:creationId xmlns:a16="http://schemas.microsoft.com/office/drawing/2014/main" id="{D1772610-F27A-42FF-B4A5-660A63949C26}"/>
+              </a:ext>
+            </a:extLst>
+          </p:cNvPr>
+          <p:cNvSpPr/>
+          <p:nvPr/>
+        </p:nvSpPr>
+        <p:spPr>
+          <a:xfrm rot="5400000">
+            <a:off x="725749" y="611163"/>
+            <a:ext cx="252028" cy="252028"/>
+          </a:xfrm>
+          <a:prstGeom prst="rtTriangle">
+            <a:avLst/>
+          </a:prstGeom>
+          <a:solidFill>
+            <a:schemeClr val="accent3">
+              <a:lumMod val="60000"/>
+              <a:lumOff val="40000"/>
+            </a:schemeClr>
+          </a:solidFill>
+          <a:ln>
+            <a:noFill/>
+          </a:ln>
+        </p:spPr>
+        <p:txBody>
+          <a:bodyPr wrap="square" rtlCol="0" anchor="ctr">
+            <a:spAutoFit/>
+          </a:bodyPr>
+          <a:lstStyle/>
+          <a:p>
+            <a:pPr algn="ctr"/>
+            <a:endParaRPr kumimoji="1" lang="ja-JP" altLang="en-US" sz="2400" dirty="0"/>
+          </a:p>
+        </p:txBody>
+      </p:sp>
+      <p:grpSp>
+        <p:nvGrpSpPr>
+          <p:cNvPr id="37" name="グループ化 36">
+            <a:extLst>
+              <a:ext uri="{FF2B5EF4-FFF2-40B4-BE49-F238E27FC236}">
+                <a16:creationId xmlns:a16="http://schemas.microsoft.com/office/drawing/2014/main" id="{5E88AAE9-7D00-4B73-8F0D-987CF8193044}"/>
+              </a:ext>
+            </a:extLst>
+          </p:cNvPr>
+          <p:cNvGrpSpPr/>
+          <p:nvPr/>
+        </p:nvGrpSpPr>
+        <p:grpSpPr>
+          <a:xfrm>
+            <a:off x="725749" y="620688"/>
+            <a:ext cx="504056" cy="378042"/>
+            <a:chOff x="2411760" y="4491118"/>
+            <a:chExt cx="504056" cy="378042"/>
+          </a:xfrm>
+        </p:grpSpPr>
+        <p:sp>
+          <p:nvSpPr>
+            <p:cNvPr id="38" name="正方形/長方形 37">
+              <a:extLst>
+                <a:ext uri="{FF2B5EF4-FFF2-40B4-BE49-F238E27FC236}">
+                  <a16:creationId xmlns:a16="http://schemas.microsoft.com/office/drawing/2014/main" id="{22BBEA11-B9A5-475F-A5C8-654B7F323FBA}"/>
+                </a:ext>
+              </a:extLst>
+            </p:cNvPr>
+            <p:cNvSpPr/>
+            <p:nvPr/>
+          </p:nvSpPr>
+          <p:spPr>
+            <a:xfrm>
+              <a:off x="2411760" y="4743146"/>
+              <a:ext cx="504056" cy="126014"/>
+            </a:xfrm>
+            <a:prstGeom prst="rect">
+              <a:avLst/>
+            </a:prstGeom>
+            <a:solidFill>
+              <a:schemeClr val="accent1"/>
+            </a:solidFill>
+            <a:ln>
+              <a:noFill/>
+            </a:ln>
+          </p:spPr>
+          <p:txBody>
+            <a:bodyPr wrap="square" rtlCol="0" anchor="ctr">
+              <a:spAutoFit/>
+            </a:bodyPr>
+            <a:lstStyle/>
+            <a:p>
+              <a:pPr algn="ctr"/>
+              <a:endParaRPr kumimoji="1" lang="ja-JP" altLang="en-US" sz="2400" dirty="0"/>
+            </a:p>
+          </p:txBody>
+        </p:sp>
+        <p:sp>
+          <p:nvSpPr>
+            <p:cNvPr id="39" name="直角三角形 38">
+              <a:extLst>
+                <a:ext uri="{FF2B5EF4-FFF2-40B4-BE49-F238E27FC236}">
+                  <a16:creationId xmlns:a16="http://schemas.microsoft.com/office/drawing/2014/main" id="{195FD57D-EA8E-451C-AF5D-08123AADE579}"/>
+                </a:ext>
+              </a:extLst>
+            </p:cNvPr>
+            <p:cNvSpPr/>
+            <p:nvPr/>
+          </p:nvSpPr>
+          <p:spPr>
+            <a:xfrm rot="16200000">
+              <a:off x="2411760" y="4491118"/>
+              <a:ext cx="252028" cy="252028"/>
+            </a:xfrm>
+            <a:prstGeom prst="rtTriangle">
+              <a:avLst/>
+            </a:prstGeom>
+            <a:solidFill>
+              <a:schemeClr val="accent1"/>
+            </a:solidFill>
+            <a:ln>
+              <a:noFill/>
+            </a:ln>
+          </p:spPr>
+          <p:txBody>
+            <a:bodyPr wrap="square" rtlCol="0" anchor="ctr">
+              <a:spAutoFit/>
+            </a:bodyPr>
+            <a:lstStyle/>
+            <a:p>
+              <a:pPr algn="ctr"/>
+              <a:endParaRPr kumimoji="1" lang="ja-JP" altLang="en-US" sz="2400" dirty="0"/>
+            </a:p>
+          </p:txBody>
+        </p:sp>
+        <p:sp>
+          <p:nvSpPr>
+            <p:cNvPr id="40" name="直角三角形 39">
+              <a:extLst>
+                <a:ext uri="{FF2B5EF4-FFF2-40B4-BE49-F238E27FC236}">
+                  <a16:creationId xmlns:a16="http://schemas.microsoft.com/office/drawing/2014/main" id="{3D44E622-CFE3-41D2-BC18-1E112FB3E72C}"/>
+                </a:ext>
+              </a:extLst>
+            </p:cNvPr>
+            <p:cNvSpPr/>
+            <p:nvPr/>
+          </p:nvSpPr>
+          <p:spPr>
+            <a:xfrm>
+              <a:off x="2663788" y="4491118"/>
+              <a:ext cx="252028" cy="252028"/>
+            </a:xfrm>
+            <a:prstGeom prst="rtTriangle">
+              <a:avLst/>
+            </a:prstGeom>
+            <a:solidFill>
+              <a:schemeClr val="accent1"/>
+            </a:solidFill>
+            <a:ln>
+              <a:noFill/>
+            </a:ln>
+          </p:spPr>
+          <p:txBody>
+            <a:bodyPr wrap="square" rtlCol="0" anchor="ctr">
+              <a:spAutoFit/>
+            </a:bodyPr>
+            <a:lstStyle/>
+            <a:p>
+              <a:pPr algn="ctr"/>
+              <a:endParaRPr kumimoji="1" lang="ja-JP" altLang="en-US" sz="2400" dirty="0"/>
+            </a:p>
+          </p:txBody>
+        </p:sp>
+      </p:grpSp>
+      <p:sp>
+        <p:nvSpPr>
+          <p:cNvPr id="41" name="正方形/長方形 40">
+            <a:extLst>
+              <a:ext uri="{FF2B5EF4-FFF2-40B4-BE49-F238E27FC236}">
+                <a16:creationId xmlns:a16="http://schemas.microsoft.com/office/drawing/2014/main" id="{7CF79551-7B52-4A78-B99B-D38E1CE84820}"/>
+              </a:ext>
+            </a:extLst>
+          </p:cNvPr>
+          <p:cNvSpPr/>
+          <p:nvPr/>
+        </p:nvSpPr>
+        <p:spPr>
+          <a:xfrm>
+            <a:off x="727654" y="480210"/>
+            <a:ext cx="252028" cy="126014"/>
+          </a:xfrm>
+          <a:prstGeom prst="rect">
+            <a:avLst/>
+          </a:prstGeom>
+          <a:solidFill>
+            <a:schemeClr val="accent3">
+              <a:lumMod val="60000"/>
+              <a:lumOff val="40000"/>
+            </a:schemeClr>
+          </a:solidFill>
+          <a:ln>
+            <a:noFill/>
+          </a:ln>
+        </p:spPr>
+        <p:txBody>
+          <a:bodyPr wrap="square" rtlCol="0" anchor="ctr">
+            <a:spAutoFit/>
+          </a:bodyPr>
+          <a:lstStyle/>
+          <a:p>
+            <a:pPr algn="ctr"/>
+            <a:endParaRPr kumimoji="1" lang="ja-JP" altLang="en-US" sz="2400" dirty="0"/>
+          </a:p>
+        </p:txBody>
+      </p:sp>
+      <p:grpSp>
+        <p:nvGrpSpPr>
+          <p:cNvPr id="42" name="グループ化 41">
+            <a:extLst>
+              <a:ext uri="{FF2B5EF4-FFF2-40B4-BE49-F238E27FC236}">
+                <a16:creationId xmlns:a16="http://schemas.microsoft.com/office/drawing/2014/main" id="{AE2D8FDB-B99E-45B6-922C-E0A21807E0AE}"/>
+              </a:ext>
+            </a:extLst>
+          </p:cNvPr>
+          <p:cNvGrpSpPr/>
+          <p:nvPr/>
+        </p:nvGrpSpPr>
+        <p:grpSpPr>
+          <a:xfrm>
+            <a:off x="606006" y="3276421"/>
+            <a:ext cx="504056" cy="378042"/>
+            <a:chOff x="2411760" y="4491118"/>
+            <a:chExt cx="504056" cy="378042"/>
+          </a:xfrm>
+        </p:grpSpPr>
+        <p:sp>
+          <p:nvSpPr>
+            <p:cNvPr id="43" name="正方形/長方形 42">
+              <a:extLst>
+                <a:ext uri="{FF2B5EF4-FFF2-40B4-BE49-F238E27FC236}">
+                  <a16:creationId xmlns:a16="http://schemas.microsoft.com/office/drawing/2014/main" id="{61B83CBE-D88A-4A04-B3B2-82C057BE7F3F}"/>
+                </a:ext>
+              </a:extLst>
+            </p:cNvPr>
+            <p:cNvSpPr/>
+            <p:nvPr/>
+          </p:nvSpPr>
+          <p:spPr>
+            <a:xfrm>
+              <a:off x="2411760" y="4743146"/>
+              <a:ext cx="504056" cy="126014"/>
+            </a:xfrm>
+            <a:prstGeom prst="rect">
+              <a:avLst/>
+            </a:prstGeom>
+            <a:solidFill>
+              <a:schemeClr val="accent1"/>
+            </a:solidFill>
+            <a:ln>
+              <a:noFill/>
+            </a:ln>
+          </p:spPr>
+          <p:txBody>
+            <a:bodyPr wrap="square" rtlCol="0" anchor="ctr">
+              <a:spAutoFit/>
+            </a:bodyPr>
+            <a:lstStyle/>
+            <a:p>
+              <a:pPr algn="ctr"/>
+              <a:endParaRPr kumimoji="1" lang="ja-JP" altLang="en-US" sz="2400" dirty="0"/>
+            </a:p>
+          </p:txBody>
+        </p:sp>
+        <p:sp>
+          <p:nvSpPr>
+            <p:cNvPr id="44" name="直角三角形 43">
+              <a:extLst>
+                <a:ext uri="{FF2B5EF4-FFF2-40B4-BE49-F238E27FC236}">
+                  <a16:creationId xmlns:a16="http://schemas.microsoft.com/office/drawing/2014/main" id="{CDAD224D-F8F4-48FB-B866-F919A5049456}"/>
+                </a:ext>
+              </a:extLst>
+            </p:cNvPr>
+            <p:cNvSpPr/>
+            <p:nvPr/>
+          </p:nvSpPr>
+          <p:spPr>
+            <a:xfrm rot="16200000">
+              <a:off x="2411760" y="4491118"/>
+              <a:ext cx="252028" cy="252028"/>
+            </a:xfrm>
+            <a:prstGeom prst="rtTriangle">
+              <a:avLst/>
+            </a:prstGeom>
+            <a:solidFill>
+              <a:schemeClr val="accent1"/>
+            </a:solidFill>
+            <a:ln>
+              <a:noFill/>
+            </a:ln>
+          </p:spPr>
+          <p:txBody>
+            <a:bodyPr wrap="square" rtlCol="0" anchor="ctr">
+              <a:spAutoFit/>
+            </a:bodyPr>
+            <a:lstStyle/>
+            <a:p>
+              <a:pPr algn="ctr"/>
+              <a:endParaRPr kumimoji="1" lang="ja-JP" altLang="en-US" sz="2400" dirty="0"/>
+            </a:p>
+          </p:txBody>
+        </p:sp>
+        <p:sp>
+          <p:nvSpPr>
+            <p:cNvPr id="45" name="直角三角形 44">
+              <a:extLst>
+                <a:ext uri="{FF2B5EF4-FFF2-40B4-BE49-F238E27FC236}">
+                  <a16:creationId xmlns:a16="http://schemas.microsoft.com/office/drawing/2014/main" id="{9ACA2D5D-B476-47F6-8112-8F53A5298883}"/>
+                </a:ext>
+              </a:extLst>
+            </p:cNvPr>
+            <p:cNvSpPr/>
+            <p:nvPr/>
+          </p:nvSpPr>
+          <p:spPr>
+            <a:xfrm>
+              <a:off x="2663788" y="4491118"/>
+              <a:ext cx="252028" cy="252028"/>
+            </a:xfrm>
+            <a:prstGeom prst="rtTriangle">
+              <a:avLst/>
+            </a:prstGeom>
+            <a:solidFill>
+              <a:schemeClr val="accent1"/>
+            </a:solidFill>
+            <a:ln>
+              <a:noFill/>
+            </a:ln>
+          </p:spPr>
+          <p:txBody>
+            <a:bodyPr wrap="square" rtlCol="0" anchor="ctr">
+              <a:spAutoFit/>
+            </a:bodyPr>
+            <a:lstStyle/>
+            <a:p>
+              <a:pPr algn="ctr"/>
+              <a:endParaRPr kumimoji="1" lang="ja-JP" altLang="en-US" sz="2400" dirty="0"/>
+            </a:p>
+          </p:txBody>
+        </p:sp>
+      </p:grpSp>
+      <p:sp>
+        <p:nvSpPr>
+          <p:cNvPr id="46" name="直角三角形 45">
+            <a:extLst>
+              <a:ext uri="{FF2B5EF4-FFF2-40B4-BE49-F238E27FC236}">
+                <a16:creationId xmlns:a16="http://schemas.microsoft.com/office/drawing/2014/main" id="{F37F9D6C-F436-488A-9066-A7191883A506}"/>
+              </a:ext>
+            </a:extLst>
+          </p:cNvPr>
+          <p:cNvSpPr/>
+          <p:nvPr/>
+        </p:nvSpPr>
+        <p:spPr>
+          <a:xfrm rot="10800000">
+            <a:off x="855643" y="3267837"/>
+            <a:ext cx="252028" cy="252028"/>
+          </a:xfrm>
+          <a:prstGeom prst="rtTriangle">
+            <a:avLst/>
+          </a:prstGeom>
+          <a:solidFill>
+            <a:schemeClr val="accent6">
+              <a:lumMod val="60000"/>
+              <a:lumOff val="40000"/>
+            </a:schemeClr>
+          </a:solidFill>
+          <a:ln>
+            <a:noFill/>
+          </a:ln>
+        </p:spPr>
+        <p:txBody>
+          <a:bodyPr wrap="square" rtlCol="0" anchor="ctr">
+            <a:spAutoFit/>
+          </a:bodyPr>
+          <a:lstStyle/>
+          <a:p>
+            <a:pPr algn="ctr"/>
+            <a:endParaRPr kumimoji="1" lang="ja-JP" altLang="en-US" sz="2400" dirty="0"/>
+          </a:p>
+        </p:txBody>
+      </p:sp>
+      <p:sp>
+        <p:nvSpPr>
+          <p:cNvPr id="47" name="四角形: 1 つの角を切り取り 1 つの角を丸める 46">
+            <a:extLst>
+              <a:ext uri="{FF2B5EF4-FFF2-40B4-BE49-F238E27FC236}">
+                <a16:creationId xmlns:a16="http://schemas.microsoft.com/office/drawing/2014/main" id="{0D67472C-329E-4F92-B3E9-46A121A39E15}"/>
+              </a:ext>
+            </a:extLst>
+          </p:cNvPr>
+          <p:cNvSpPr/>
+          <p:nvPr/>
+        </p:nvSpPr>
+        <p:spPr>
+          <a:xfrm>
+            <a:off x="3851920" y="1772816"/>
+            <a:ext cx="990600" cy="387191"/>
+          </a:xfrm>
+          <a:prstGeom prst="snipRoundRect">
+            <a:avLst/>
+          </a:prstGeom>
+          <a:solidFill>
+            <a:schemeClr val="accent3">
+              <a:lumMod val="20000"/>
+              <a:lumOff val="80000"/>
+            </a:schemeClr>
+          </a:solidFill>
+          <a:ln>
+            <a:solidFill>
+              <a:schemeClr val="tx1"/>
+            </a:solidFill>
+          </a:ln>
+        </p:spPr>
+        <p:txBody>
+          <a:bodyPr wrap="square" rtlCol="0" anchor="ctr">
+            <a:spAutoFit/>
+          </a:bodyPr>
+          <a:lstStyle/>
+          <a:p>
+            <a:pPr algn="ctr"/>
+            <a:r>
+              <a:rPr kumimoji="1" lang="en-US" altLang="ja-JP" dirty="0"/>
+              <a:t>master</a:t>
+            </a:r>
+            <a:endParaRPr kumimoji="1" lang="ja-JP" altLang="en-US" dirty="0"/>
+          </a:p>
+        </p:txBody>
+      </p:sp>
+      <p:sp>
+        <p:nvSpPr>
+          <p:cNvPr id="48" name="四角形: 1 つの角を切り取り 1 つの角を丸める 47">
+            <a:extLst>
+              <a:ext uri="{FF2B5EF4-FFF2-40B4-BE49-F238E27FC236}">
+                <a16:creationId xmlns:a16="http://schemas.microsoft.com/office/drawing/2014/main" id="{4AD35ACC-B465-4EBC-81CE-0A1E4651D213}"/>
+              </a:ext>
+            </a:extLst>
+          </p:cNvPr>
+          <p:cNvSpPr/>
+          <p:nvPr/>
+        </p:nvSpPr>
+        <p:spPr>
+          <a:xfrm>
+            <a:off x="446473" y="1772816"/>
+            <a:ext cx="990600" cy="387191"/>
+          </a:xfrm>
+          <a:prstGeom prst="snipRoundRect">
+            <a:avLst/>
+          </a:prstGeom>
+          <a:solidFill>
+            <a:schemeClr val="accent3">
+              <a:lumMod val="20000"/>
+              <a:lumOff val="80000"/>
+            </a:schemeClr>
+          </a:solidFill>
+          <a:ln>
+            <a:solidFill>
+              <a:schemeClr val="tx1"/>
+            </a:solidFill>
+          </a:ln>
+        </p:spPr>
+        <p:txBody>
+          <a:bodyPr wrap="square" rtlCol="0" anchor="ctr">
+            <a:spAutoFit/>
+          </a:bodyPr>
+          <a:lstStyle/>
+          <a:p>
+            <a:pPr algn="ctr"/>
+            <a:r>
+              <a:rPr lang="en-US" altLang="ja-JP" dirty="0"/>
+              <a:t>branch</a:t>
+            </a:r>
+            <a:endParaRPr kumimoji="1" lang="ja-JP" altLang="en-US" dirty="0"/>
+          </a:p>
+        </p:txBody>
+      </p:sp>
+      <p:cxnSp>
+        <p:nvCxnSpPr>
+          <p:cNvPr id="49" name="直線矢印コネクタ 48">
+            <a:extLst>
+              <a:ext uri="{FF2B5EF4-FFF2-40B4-BE49-F238E27FC236}">
+                <a16:creationId xmlns:a16="http://schemas.microsoft.com/office/drawing/2014/main" id="{E3C86342-11A4-4586-B451-542FA9F8C53F}"/>
+              </a:ext>
+            </a:extLst>
+          </p:cNvPr>
+          <p:cNvCxnSpPr>
+            <a:cxnSpLocks/>
+            <a:stCxn id="47" idx="2"/>
+          </p:cNvCxnSpPr>
+          <p:nvPr/>
+        </p:nvCxnSpPr>
+        <p:spPr>
+          <a:xfrm flipH="1">
+            <a:off x="3319304" y="1966412"/>
+            <a:ext cx="532616" cy="4019"/>
+          </a:xfrm>
+          <a:prstGeom prst="straightConnector1">
+            <a:avLst/>
+          </a:prstGeom>
+          <a:ln w="9525">
+            <a:solidFill>
+              <a:schemeClr val="tx1"/>
+            </a:solidFill>
+            <a:headEnd type="none"/>
+            <a:tailEnd type="triangle"/>
+          </a:ln>
+          <a:effectLst/>
+        </p:spPr>
+        <p:style>
+          <a:lnRef idx="2">
+            <a:schemeClr val="accent1"/>
+          </a:lnRef>
+          <a:fillRef idx="0">
+            <a:schemeClr val="accent1"/>
+          </a:fillRef>
+          <a:effectRef idx="1">
+            <a:schemeClr val="accent1"/>
+          </a:effectRef>
+          <a:fontRef idx="minor">
+            <a:schemeClr val="tx1"/>
+          </a:fontRef>
+        </p:style>
+      </p:cxnSp>
+      <p:cxnSp>
+        <p:nvCxnSpPr>
+          <p:cNvPr id="50" name="直線矢印コネクタ 49">
+            <a:extLst>
+              <a:ext uri="{FF2B5EF4-FFF2-40B4-BE49-F238E27FC236}">
+                <a16:creationId xmlns:a16="http://schemas.microsoft.com/office/drawing/2014/main" id="{DCB0265A-F09D-466D-870B-C0F287AC9276}"/>
+              </a:ext>
+            </a:extLst>
+          </p:cNvPr>
+          <p:cNvCxnSpPr>
+            <a:cxnSpLocks/>
+            <a:stCxn id="48" idx="1"/>
+            <a:endCxn id="35" idx="0"/>
+          </p:cNvCxnSpPr>
+          <p:nvPr/>
+        </p:nvCxnSpPr>
+        <p:spPr>
+          <a:xfrm>
+            <a:off x="941773" y="2160007"/>
+            <a:ext cx="0" cy="404897"/>
+          </a:xfrm>
+          <a:prstGeom prst="straightConnector1">
+            <a:avLst/>
+          </a:prstGeom>
+          <a:ln w="9525">
+            <a:solidFill>
+              <a:schemeClr val="tx1"/>
+            </a:solidFill>
+            <a:headEnd type="none"/>
+            <a:tailEnd type="triangle"/>
+          </a:ln>
+          <a:effectLst/>
+        </p:spPr>
+        <p:style>
+          <a:lnRef idx="2">
+            <a:schemeClr val="accent1"/>
+          </a:lnRef>
+          <a:fillRef idx="0">
+            <a:schemeClr val="accent1"/>
+          </a:fillRef>
+          <a:effectRef idx="1">
+            <a:schemeClr val="accent1"/>
+          </a:effectRef>
+          <a:fontRef idx="minor">
+            <a:schemeClr val="tx1"/>
+          </a:fontRef>
+        </p:style>
+      </p:cxnSp>
+      <p:sp>
+        <p:nvSpPr>
+          <p:cNvPr id="51" name="正方形/長方形 50">
+            <a:extLst>
+              <a:ext uri="{FF2B5EF4-FFF2-40B4-BE49-F238E27FC236}">
+                <a16:creationId xmlns:a16="http://schemas.microsoft.com/office/drawing/2014/main" id="{9440FAC1-6851-42A3-AD72-697BFB4EEE57}"/>
+              </a:ext>
+            </a:extLst>
+          </p:cNvPr>
+          <p:cNvSpPr/>
+          <p:nvPr/>
+        </p:nvSpPr>
+        <p:spPr>
+          <a:xfrm>
+            <a:off x="3867160" y="1052736"/>
+            <a:ext cx="960120" cy="369332"/>
+          </a:xfrm>
+          <a:prstGeom prst="rect">
+            <a:avLst/>
+          </a:prstGeom>
+          <a:ln>
+            <a:solidFill>
+              <a:schemeClr val="tx1"/>
+            </a:solidFill>
+          </a:ln>
+        </p:spPr>
+        <p:txBody>
+          <a:bodyPr wrap="square" rtlCol="0" anchor="ctr">
+            <a:spAutoFit/>
+          </a:bodyPr>
+          <a:lstStyle/>
+          <a:p>
+            <a:pPr algn="ctr"/>
+            <a:r>
+              <a:rPr kumimoji="1" lang="en-US" altLang="ja-JP" dirty="0"/>
+              <a:t>HEAD</a:t>
+            </a:r>
+            <a:endParaRPr kumimoji="1" lang="ja-JP" altLang="en-US" dirty="0"/>
+          </a:p>
+        </p:txBody>
+      </p:sp>
+      <p:cxnSp>
+        <p:nvCxnSpPr>
+          <p:cNvPr id="52" name="直線矢印コネクタ 51">
+            <a:extLst>
+              <a:ext uri="{FF2B5EF4-FFF2-40B4-BE49-F238E27FC236}">
+                <a16:creationId xmlns:a16="http://schemas.microsoft.com/office/drawing/2014/main" id="{6990D5AC-5028-4952-9E13-916BBB6C3AAB}"/>
+              </a:ext>
+            </a:extLst>
+          </p:cNvPr>
+          <p:cNvCxnSpPr>
+            <a:stCxn id="51" idx="2"/>
+            <a:endCxn id="47" idx="3"/>
+          </p:cNvCxnSpPr>
+          <p:nvPr/>
+        </p:nvCxnSpPr>
+        <p:spPr>
+          <a:xfrm>
+            <a:off x="4347220" y="1422068"/>
+            <a:ext cx="0" cy="350748"/>
+          </a:xfrm>
+          <a:prstGeom prst="straightConnector1">
+            <a:avLst/>
+          </a:prstGeom>
+          <a:ln w="9525">
+            <a:solidFill>
+              <a:schemeClr val="tx1"/>
+            </a:solidFill>
+            <a:headEnd type="none"/>
+            <a:tailEnd type="triangle"/>
+          </a:ln>
+          <a:effectLst/>
+        </p:spPr>
+        <p:style>
+          <a:lnRef idx="2">
+            <a:schemeClr val="accent1"/>
+          </a:lnRef>
+          <a:fillRef idx="0">
+            <a:schemeClr val="accent1"/>
+          </a:fillRef>
+          <a:effectRef idx="1">
+            <a:schemeClr val="accent1"/>
+          </a:effectRef>
+          <a:fontRef idx="minor">
+            <a:schemeClr val="tx1"/>
+          </a:fontRef>
+        </p:style>
+      </p:cxnSp>
+      <p:cxnSp>
+        <p:nvCxnSpPr>
+          <p:cNvPr id="53" name="直線コネクタ 52">
+            <a:extLst>
+              <a:ext uri="{FF2B5EF4-FFF2-40B4-BE49-F238E27FC236}">
+                <a16:creationId xmlns:a16="http://schemas.microsoft.com/office/drawing/2014/main" id="{C907EE81-AB79-471B-95BB-F691C9C8444B}"/>
+              </a:ext>
+            </a:extLst>
+          </p:cNvPr>
+          <p:cNvCxnSpPr>
+            <a:cxnSpLocks/>
+            <a:stCxn id="34" idx="6"/>
+            <a:endCxn id="55" idx="1"/>
+          </p:cNvCxnSpPr>
+          <p:nvPr/>
+        </p:nvCxnSpPr>
+        <p:spPr>
+          <a:xfrm>
+            <a:off x="1085789" y="1268760"/>
+            <a:ext cx="1944216" cy="618245"/>
+          </a:xfrm>
+          <a:prstGeom prst="line">
+            <a:avLst/>
+          </a:prstGeom>
+          <a:ln w="57150">
+            <a:solidFill>
+              <a:srgbClr val="FF0000"/>
+            </a:solidFill>
+            <a:headEnd type="none" w="med" len="med"/>
+            <a:tailEnd type="none" w="med" len="med"/>
+          </a:ln>
+        </p:spPr>
+        <p:style>
+          <a:lnRef idx="1">
+            <a:schemeClr val="accent1"/>
+          </a:lnRef>
+          <a:fillRef idx="0">
+            <a:schemeClr val="accent1"/>
+          </a:fillRef>
+          <a:effectRef idx="0">
+            <a:schemeClr val="accent1"/>
+          </a:effectRef>
+          <a:fontRef idx="minor">
+            <a:schemeClr val="tx1"/>
+          </a:fontRef>
+        </p:style>
+      </p:cxnSp>
+      <p:cxnSp>
+        <p:nvCxnSpPr>
+          <p:cNvPr id="54" name="直線コネクタ 53">
+            <a:extLst>
+              <a:ext uri="{FF2B5EF4-FFF2-40B4-BE49-F238E27FC236}">
+                <a16:creationId xmlns:a16="http://schemas.microsoft.com/office/drawing/2014/main" id="{7D042079-6B14-498A-BFB0-53D60A6DA5B1}"/>
+              </a:ext>
+            </a:extLst>
+          </p:cNvPr>
+          <p:cNvCxnSpPr>
+            <a:cxnSpLocks/>
+            <a:stCxn id="35" idx="6"/>
+            <a:endCxn id="55" idx="3"/>
+          </p:cNvCxnSpPr>
+          <p:nvPr/>
+        </p:nvCxnSpPr>
+        <p:spPr>
+          <a:xfrm flipV="1">
+            <a:off x="1085789" y="2090675"/>
+            <a:ext cx="1944216" cy="618245"/>
+          </a:xfrm>
+          <a:prstGeom prst="line">
+            <a:avLst/>
+          </a:prstGeom>
+          <a:ln w="57150">
+            <a:solidFill>
+              <a:srgbClr val="FF0000"/>
+            </a:solidFill>
+            <a:headEnd type="none" w="med" len="med"/>
+            <a:tailEnd type="none" w="med" len="med"/>
+          </a:ln>
+        </p:spPr>
+        <p:style>
+          <a:lnRef idx="1">
+            <a:schemeClr val="accent1"/>
+          </a:lnRef>
+          <a:fillRef idx="0">
+            <a:schemeClr val="accent1"/>
+          </a:fillRef>
+          <a:effectRef idx="0">
+            <a:schemeClr val="accent1"/>
+          </a:effectRef>
+          <a:fontRef idx="minor">
+            <a:schemeClr val="tx1"/>
+          </a:fontRef>
+        </p:style>
+      </p:cxnSp>
+      <p:sp>
+        <p:nvSpPr>
+          <p:cNvPr id="55" name="楕円 4">
+            <a:extLst>
+              <a:ext uri="{FF2B5EF4-FFF2-40B4-BE49-F238E27FC236}">
+                <a16:creationId xmlns:a16="http://schemas.microsoft.com/office/drawing/2014/main" id="{73BFA427-8E01-45D5-90F9-46A0312D9DF3}"/>
+              </a:ext>
+            </a:extLst>
+          </p:cNvPr>
+          <p:cNvSpPr/>
+          <p:nvPr/>
+        </p:nvSpPr>
+        <p:spPr>
+          <a:xfrm>
+            <a:off x="2987824" y="1844824"/>
+            <a:ext cx="288032" cy="288032"/>
+          </a:xfrm>
+          <a:prstGeom prst="ellipse">
+            <a:avLst/>
+          </a:prstGeom>
+          <a:solidFill>
+            <a:srgbClr val="FF0000"/>
+          </a:solidFill>
+          <a:ln>
+            <a:solidFill>
+              <a:schemeClr val="tx1"/>
+            </a:solidFill>
+          </a:ln>
+        </p:spPr>
+        <p:style>
+          <a:lnRef idx="2">
+            <a:schemeClr val="accent1">
+              <a:shade val="50000"/>
+            </a:schemeClr>
+          </a:lnRef>
+          <a:fillRef idx="1">
+            <a:schemeClr val="accent1"/>
+          </a:fillRef>
+          <a:effectRef idx="0">
+            <a:schemeClr val="accent1"/>
+          </a:effectRef>
+          <a:fontRef idx="minor">
+            <a:schemeClr val="lt1"/>
+          </a:fontRef>
+        </p:style>
+        <p:txBody>
+          <a:bodyPr rtlCol="0" anchor="ctr"/>
+          <a:lstStyle/>
+          <a:p>
+            <a:pPr algn="ctr"/>
+            <a:endParaRPr kumimoji="1" lang="ja-JP" altLang="en-US"/>
+          </a:p>
+        </p:txBody>
+      </p:sp>
+      <p:sp>
+        <p:nvSpPr>
+          <p:cNvPr id="56" name="直角三角形 55">
+            <a:extLst>
+              <a:ext uri="{FF2B5EF4-FFF2-40B4-BE49-F238E27FC236}">
+                <a16:creationId xmlns:a16="http://schemas.microsoft.com/office/drawing/2014/main" id="{31481CD0-78EF-49EB-A8FF-BF49ADD2726E}"/>
+              </a:ext>
+            </a:extLst>
+          </p:cNvPr>
+          <p:cNvSpPr/>
+          <p:nvPr/>
+        </p:nvSpPr>
+        <p:spPr>
+          <a:xfrm rot="5400000">
+            <a:off x="2843808" y="620688"/>
+            <a:ext cx="252028" cy="252028"/>
+          </a:xfrm>
+          <a:prstGeom prst="rtTriangle">
+            <a:avLst/>
+          </a:prstGeom>
+          <a:solidFill>
+            <a:schemeClr val="accent3">
+              <a:lumMod val="60000"/>
+              <a:lumOff val="40000"/>
+            </a:schemeClr>
+          </a:solidFill>
+          <a:ln>
+            <a:noFill/>
+          </a:ln>
+        </p:spPr>
+        <p:txBody>
+          <a:bodyPr wrap="square" rtlCol="0" anchor="ctr">
+            <a:spAutoFit/>
+          </a:bodyPr>
+          <a:lstStyle/>
+          <a:p>
+            <a:pPr algn="ctr"/>
+            <a:endParaRPr kumimoji="1" lang="ja-JP" altLang="en-US" sz="2400" dirty="0"/>
+          </a:p>
+        </p:txBody>
+      </p:sp>
+      <p:grpSp>
+        <p:nvGrpSpPr>
+          <p:cNvPr id="57" name="グループ化 56">
+            <a:extLst>
+              <a:ext uri="{FF2B5EF4-FFF2-40B4-BE49-F238E27FC236}">
+                <a16:creationId xmlns:a16="http://schemas.microsoft.com/office/drawing/2014/main" id="{A3DE6BDE-AB12-4F01-BB52-2AFA99CE388A}"/>
+              </a:ext>
+            </a:extLst>
+          </p:cNvPr>
+          <p:cNvGrpSpPr/>
+          <p:nvPr/>
+        </p:nvGrpSpPr>
+        <p:grpSpPr>
+          <a:xfrm>
+            <a:off x="2843808" y="629819"/>
+            <a:ext cx="504056" cy="378042"/>
+            <a:chOff x="2411760" y="4491118"/>
+            <a:chExt cx="504056" cy="378042"/>
+          </a:xfrm>
+        </p:grpSpPr>
+        <p:sp>
+          <p:nvSpPr>
+            <p:cNvPr id="58" name="正方形/長方形 57">
+              <a:extLst>
+                <a:ext uri="{FF2B5EF4-FFF2-40B4-BE49-F238E27FC236}">
+                  <a16:creationId xmlns:a16="http://schemas.microsoft.com/office/drawing/2014/main" id="{BC3DE479-ABAB-4885-A2BC-3785EDABB862}"/>
+                </a:ext>
+              </a:extLst>
+            </p:cNvPr>
+            <p:cNvSpPr/>
+            <p:nvPr/>
+          </p:nvSpPr>
+          <p:spPr>
+            <a:xfrm>
+              <a:off x="2411760" y="4743146"/>
+              <a:ext cx="504056" cy="126014"/>
+            </a:xfrm>
+            <a:prstGeom prst="rect">
+              <a:avLst/>
+            </a:prstGeom>
+            <a:solidFill>
+              <a:schemeClr val="accent1"/>
+            </a:solidFill>
+            <a:ln>
+              <a:noFill/>
+            </a:ln>
+          </p:spPr>
+          <p:txBody>
+            <a:bodyPr wrap="square" rtlCol="0" anchor="ctr">
+              <a:spAutoFit/>
+            </a:bodyPr>
+            <a:lstStyle/>
+            <a:p>
+              <a:pPr algn="ctr"/>
+              <a:endParaRPr kumimoji="1" lang="ja-JP" altLang="en-US" sz="2400" dirty="0"/>
+            </a:p>
+          </p:txBody>
+        </p:sp>
+        <p:sp>
+          <p:nvSpPr>
+            <p:cNvPr id="59" name="直角三角形 58">
+              <a:extLst>
+                <a:ext uri="{FF2B5EF4-FFF2-40B4-BE49-F238E27FC236}">
+                  <a16:creationId xmlns:a16="http://schemas.microsoft.com/office/drawing/2014/main" id="{F47CEA44-D07C-4114-8259-39A9FE048ED3}"/>
+                </a:ext>
+              </a:extLst>
+            </p:cNvPr>
+            <p:cNvSpPr/>
+            <p:nvPr/>
+          </p:nvSpPr>
+          <p:spPr>
+            <a:xfrm rot="16200000">
+              <a:off x="2411760" y="4491118"/>
+              <a:ext cx="252028" cy="252028"/>
+            </a:xfrm>
+            <a:prstGeom prst="rtTriangle">
+              <a:avLst/>
+            </a:prstGeom>
+            <a:solidFill>
+              <a:schemeClr val="accent1"/>
+            </a:solidFill>
+            <a:ln>
+              <a:noFill/>
+            </a:ln>
+          </p:spPr>
+          <p:txBody>
+            <a:bodyPr wrap="square" rtlCol="0" anchor="ctr">
+              <a:spAutoFit/>
+            </a:bodyPr>
+            <a:lstStyle/>
+            <a:p>
+              <a:pPr algn="ctr"/>
+              <a:endParaRPr kumimoji="1" lang="ja-JP" altLang="en-US" sz="2400" dirty="0"/>
+            </a:p>
+          </p:txBody>
+        </p:sp>
+        <p:sp>
+          <p:nvSpPr>
+            <p:cNvPr id="60" name="直角三角形 59">
+              <a:extLst>
+                <a:ext uri="{FF2B5EF4-FFF2-40B4-BE49-F238E27FC236}">
+                  <a16:creationId xmlns:a16="http://schemas.microsoft.com/office/drawing/2014/main" id="{DC85171A-640C-4B95-BFC9-52844E58DAA8}"/>
+                </a:ext>
+              </a:extLst>
+            </p:cNvPr>
+            <p:cNvSpPr/>
+            <p:nvPr/>
+          </p:nvSpPr>
+          <p:spPr>
+            <a:xfrm>
+              <a:off x="2663788" y="4491118"/>
+              <a:ext cx="252028" cy="252028"/>
+            </a:xfrm>
+            <a:prstGeom prst="rtTriangle">
+              <a:avLst/>
+            </a:prstGeom>
+            <a:solidFill>
+              <a:schemeClr val="accent1"/>
+            </a:solidFill>
+            <a:ln>
+              <a:noFill/>
+            </a:ln>
+          </p:spPr>
+          <p:txBody>
+            <a:bodyPr wrap="square" rtlCol="0" anchor="ctr">
+              <a:spAutoFit/>
+            </a:bodyPr>
+            <a:lstStyle/>
+            <a:p>
+              <a:pPr algn="ctr"/>
+              <a:endParaRPr kumimoji="1" lang="ja-JP" altLang="en-US" sz="2400" dirty="0"/>
+            </a:p>
+          </p:txBody>
+        </p:sp>
+      </p:grpSp>
+      <p:sp>
+        <p:nvSpPr>
+          <p:cNvPr id="61" name="正方形/長方形 60">
+            <a:extLst>
+              <a:ext uri="{FF2B5EF4-FFF2-40B4-BE49-F238E27FC236}">
+                <a16:creationId xmlns:a16="http://schemas.microsoft.com/office/drawing/2014/main" id="{77AAB3CF-3886-4615-9C8F-AAFF1363EE33}"/>
+              </a:ext>
+            </a:extLst>
+          </p:cNvPr>
+          <p:cNvSpPr/>
+          <p:nvPr/>
+        </p:nvSpPr>
+        <p:spPr>
+          <a:xfrm>
+            <a:off x="2843808" y="487326"/>
+            <a:ext cx="252028" cy="126014"/>
+          </a:xfrm>
+          <a:prstGeom prst="rect">
+            <a:avLst/>
+          </a:prstGeom>
+          <a:solidFill>
+            <a:schemeClr val="accent3">
+              <a:lumMod val="60000"/>
+              <a:lumOff val="40000"/>
+            </a:schemeClr>
+          </a:solidFill>
+          <a:ln>
+            <a:noFill/>
+          </a:ln>
+        </p:spPr>
+        <p:txBody>
+          <a:bodyPr wrap="square" rtlCol="0" anchor="ctr">
+            <a:spAutoFit/>
+          </a:bodyPr>
+          <a:lstStyle/>
+          <a:p>
+            <a:pPr algn="ctr"/>
+            <a:endParaRPr kumimoji="1" lang="ja-JP" altLang="en-US" sz="2400" dirty="0"/>
+          </a:p>
+        </p:txBody>
+      </p:sp>
+      <p:sp>
+        <p:nvSpPr>
+          <p:cNvPr id="62" name="正方形/長方形 61">
+            <a:extLst>
+              <a:ext uri="{FF2B5EF4-FFF2-40B4-BE49-F238E27FC236}">
+                <a16:creationId xmlns:a16="http://schemas.microsoft.com/office/drawing/2014/main" id="{36469EC9-00AE-4F86-8598-C6A0CE9F498B}"/>
+              </a:ext>
+            </a:extLst>
+          </p:cNvPr>
+          <p:cNvSpPr/>
+          <p:nvPr/>
+        </p:nvSpPr>
+        <p:spPr>
+          <a:xfrm>
+            <a:off x="3097550" y="487326"/>
+            <a:ext cx="252028" cy="126014"/>
+          </a:xfrm>
+          <a:prstGeom prst="rect">
+            <a:avLst/>
+          </a:prstGeom>
+          <a:solidFill>
+            <a:schemeClr val="accent6">
+              <a:lumMod val="60000"/>
+              <a:lumOff val="40000"/>
+            </a:schemeClr>
+          </a:solidFill>
+          <a:ln>
+            <a:noFill/>
+          </a:ln>
+        </p:spPr>
+        <p:txBody>
+          <a:bodyPr wrap="square" rtlCol="0" anchor="ctr">
+            <a:spAutoFit/>
+          </a:bodyPr>
+          <a:lstStyle/>
+          <a:p>
+            <a:pPr algn="ctr"/>
+            <a:endParaRPr kumimoji="1" lang="ja-JP" altLang="en-US" sz="2400" dirty="0"/>
+          </a:p>
+        </p:txBody>
+      </p:sp>
+      <p:sp>
+        <p:nvSpPr>
+          <p:cNvPr id="63" name="直角三角形 62">
+            <a:extLst>
+              <a:ext uri="{FF2B5EF4-FFF2-40B4-BE49-F238E27FC236}">
+                <a16:creationId xmlns:a16="http://schemas.microsoft.com/office/drawing/2014/main" id="{5C99B84D-31FC-4822-8141-9B81EB6216DD}"/>
+              </a:ext>
+            </a:extLst>
+          </p:cNvPr>
+          <p:cNvSpPr/>
+          <p:nvPr/>
+        </p:nvSpPr>
+        <p:spPr>
+          <a:xfrm rot="10800000">
+            <a:off x="3097550" y="620689"/>
+            <a:ext cx="252028" cy="252028"/>
+          </a:xfrm>
+          <a:prstGeom prst="rtTriangle">
+            <a:avLst/>
+          </a:prstGeom>
+          <a:solidFill>
+            <a:schemeClr val="accent6">
+              <a:lumMod val="60000"/>
+              <a:lumOff val="40000"/>
+            </a:schemeClr>
+          </a:solidFill>
+          <a:ln>
+            <a:noFill/>
+          </a:ln>
+        </p:spPr>
+        <p:txBody>
+          <a:bodyPr wrap="square" rtlCol="0" anchor="ctr">
+            <a:spAutoFit/>
+          </a:bodyPr>
+          <a:lstStyle/>
+          <a:p>
+            <a:pPr algn="ctr"/>
+            <a:endParaRPr kumimoji="1" lang="ja-JP" altLang="en-US" sz="2400" dirty="0"/>
+          </a:p>
+        </p:txBody>
+      </p:sp>
+      <p:sp>
+        <p:nvSpPr>
+          <p:cNvPr id="80" name="直角三角形 79">
+            <a:extLst>
+              <a:ext uri="{FF2B5EF4-FFF2-40B4-BE49-F238E27FC236}">
+                <a16:creationId xmlns:a16="http://schemas.microsoft.com/office/drawing/2014/main" id="{79830E92-DBB2-4556-A5D6-7DB61D95E48D}"/>
+              </a:ext>
+            </a:extLst>
+          </p:cNvPr>
+          <p:cNvSpPr/>
+          <p:nvPr/>
+        </p:nvSpPr>
+        <p:spPr>
+          <a:xfrm rot="5400000">
+            <a:off x="2915816" y="3284984"/>
+            <a:ext cx="252028" cy="252028"/>
+          </a:xfrm>
+          <a:prstGeom prst="rtTriangle">
+            <a:avLst/>
+          </a:prstGeom>
+          <a:solidFill>
+            <a:schemeClr val="accent3">
+              <a:lumMod val="60000"/>
+              <a:lumOff val="40000"/>
+            </a:schemeClr>
+          </a:solidFill>
+          <a:ln>
+            <a:noFill/>
+          </a:ln>
+        </p:spPr>
+        <p:txBody>
+          <a:bodyPr wrap="square" rtlCol="0" anchor="ctr">
+            <a:spAutoFit/>
+          </a:bodyPr>
+          <a:lstStyle/>
+          <a:p>
+            <a:pPr algn="ctr"/>
+            <a:endParaRPr kumimoji="1" lang="ja-JP" altLang="en-US" sz="2400" dirty="0"/>
+          </a:p>
+        </p:txBody>
+      </p:sp>
+      <p:grpSp>
+        <p:nvGrpSpPr>
+          <p:cNvPr id="81" name="グループ化 80">
+            <a:extLst>
+              <a:ext uri="{FF2B5EF4-FFF2-40B4-BE49-F238E27FC236}">
+                <a16:creationId xmlns:a16="http://schemas.microsoft.com/office/drawing/2014/main" id="{A996287D-4A4E-4EB5-975A-0828937201B1}"/>
+              </a:ext>
+            </a:extLst>
+          </p:cNvPr>
+          <p:cNvGrpSpPr/>
+          <p:nvPr/>
+        </p:nvGrpSpPr>
+        <p:grpSpPr>
+          <a:xfrm>
+            <a:off x="2915816" y="3294115"/>
+            <a:ext cx="504056" cy="378042"/>
+            <a:chOff x="2411760" y="4491118"/>
+            <a:chExt cx="504056" cy="378042"/>
+          </a:xfrm>
+        </p:grpSpPr>
+        <p:sp>
+          <p:nvSpPr>
+            <p:cNvPr id="82" name="正方形/長方形 81">
+              <a:extLst>
+                <a:ext uri="{FF2B5EF4-FFF2-40B4-BE49-F238E27FC236}">
+                  <a16:creationId xmlns:a16="http://schemas.microsoft.com/office/drawing/2014/main" id="{E9DB2FC7-B566-41A8-9EBE-AB56637953DD}"/>
+                </a:ext>
+              </a:extLst>
+            </p:cNvPr>
+            <p:cNvSpPr/>
+            <p:nvPr/>
+          </p:nvSpPr>
+          <p:spPr>
+            <a:xfrm>
+              <a:off x="2411760" y="4743146"/>
+              <a:ext cx="504056" cy="126014"/>
+            </a:xfrm>
+            <a:prstGeom prst="rect">
+              <a:avLst/>
+            </a:prstGeom>
+            <a:solidFill>
+              <a:schemeClr val="accent1"/>
+            </a:solidFill>
+            <a:ln>
+              <a:noFill/>
+            </a:ln>
+          </p:spPr>
+          <p:txBody>
+            <a:bodyPr wrap="square" rtlCol="0" anchor="ctr">
+              <a:spAutoFit/>
+            </a:bodyPr>
+            <a:lstStyle/>
+            <a:p>
+              <a:pPr algn="ctr"/>
+              <a:endParaRPr kumimoji="1" lang="ja-JP" altLang="en-US" sz="2400" dirty="0"/>
+            </a:p>
+          </p:txBody>
+        </p:sp>
+        <p:sp>
+          <p:nvSpPr>
+            <p:cNvPr id="83" name="直角三角形 82">
+              <a:extLst>
+                <a:ext uri="{FF2B5EF4-FFF2-40B4-BE49-F238E27FC236}">
+                  <a16:creationId xmlns:a16="http://schemas.microsoft.com/office/drawing/2014/main" id="{ED1444DC-3AEA-4E87-8CB8-DE71B66BDCA6}"/>
+                </a:ext>
+              </a:extLst>
+            </p:cNvPr>
+            <p:cNvSpPr/>
+            <p:nvPr/>
+          </p:nvSpPr>
+          <p:spPr>
+            <a:xfrm rot="16200000">
+              <a:off x="2411760" y="4491118"/>
+              <a:ext cx="252028" cy="252028"/>
+            </a:xfrm>
+            <a:prstGeom prst="rtTriangle">
+              <a:avLst/>
+            </a:prstGeom>
+            <a:solidFill>
+              <a:schemeClr val="accent1"/>
+            </a:solidFill>
+            <a:ln>
+              <a:noFill/>
+            </a:ln>
+          </p:spPr>
+          <p:txBody>
+            <a:bodyPr wrap="square" rtlCol="0" anchor="ctr">
+              <a:spAutoFit/>
+            </a:bodyPr>
+            <a:lstStyle/>
+            <a:p>
+              <a:pPr algn="ctr"/>
+              <a:endParaRPr kumimoji="1" lang="ja-JP" altLang="en-US" sz="2400" dirty="0"/>
+            </a:p>
+          </p:txBody>
+        </p:sp>
+        <p:sp>
+          <p:nvSpPr>
+            <p:cNvPr id="84" name="直角三角形 83">
+              <a:extLst>
+                <a:ext uri="{FF2B5EF4-FFF2-40B4-BE49-F238E27FC236}">
+                  <a16:creationId xmlns:a16="http://schemas.microsoft.com/office/drawing/2014/main" id="{28E5272B-EF73-49CA-BAF2-99881EFD2475}"/>
+                </a:ext>
+              </a:extLst>
+            </p:cNvPr>
+            <p:cNvSpPr/>
+            <p:nvPr/>
+          </p:nvSpPr>
+          <p:spPr>
+            <a:xfrm>
+              <a:off x="2663788" y="4491118"/>
+              <a:ext cx="252028" cy="252028"/>
+            </a:xfrm>
+            <a:prstGeom prst="rtTriangle">
+              <a:avLst/>
+            </a:prstGeom>
+            <a:solidFill>
+              <a:schemeClr val="accent1"/>
+            </a:solidFill>
+            <a:ln>
+              <a:noFill/>
+            </a:ln>
+          </p:spPr>
+          <p:txBody>
+            <a:bodyPr wrap="square" rtlCol="0" anchor="ctr">
+              <a:spAutoFit/>
+            </a:bodyPr>
+            <a:lstStyle/>
+            <a:p>
+              <a:pPr algn="ctr"/>
+              <a:endParaRPr kumimoji="1" lang="ja-JP" altLang="en-US" sz="2400" dirty="0"/>
+            </a:p>
+          </p:txBody>
+        </p:sp>
+      </p:grpSp>
+      <p:sp>
+        <p:nvSpPr>
+          <p:cNvPr id="85" name="正方形/長方形 84">
+            <a:extLst>
+              <a:ext uri="{FF2B5EF4-FFF2-40B4-BE49-F238E27FC236}">
+                <a16:creationId xmlns:a16="http://schemas.microsoft.com/office/drawing/2014/main" id="{11BE7403-3503-46CC-B7C3-CAC184ED6081}"/>
+              </a:ext>
+            </a:extLst>
+          </p:cNvPr>
+          <p:cNvSpPr/>
+          <p:nvPr/>
+        </p:nvSpPr>
+        <p:spPr>
+          <a:xfrm>
+            <a:off x="2915816" y="3151622"/>
+            <a:ext cx="252028" cy="126014"/>
+          </a:xfrm>
+          <a:prstGeom prst="rect">
+            <a:avLst/>
+          </a:prstGeom>
+          <a:solidFill>
+            <a:schemeClr val="accent3">
+              <a:lumMod val="60000"/>
+              <a:lumOff val="40000"/>
+            </a:schemeClr>
+          </a:solidFill>
+          <a:ln>
+            <a:noFill/>
+          </a:ln>
+        </p:spPr>
+        <p:txBody>
+          <a:bodyPr wrap="square" rtlCol="0" anchor="ctr">
+            <a:spAutoFit/>
+          </a:bodyPr>
+          <a:lstStyle/>
+          <a:p>
+            <a:pPr algn="ctr"/>
+            <a:endParaRPr kumimoji="1" lang="ja-JP" altLang="en-US" sz="2400" dirty="0"/>
+          </a:p>
+        </p:txBody>
+      </p:sp>
+      <p:sp>
+        <p:nvSpPr>
+          <p:cNvPr id="86" name="正方形/長方形 85">
+            <a:extLst>
+              <a:ext uri="{FF2B5EF4-FFF2-40B4-BE49-F238E27FC236}">
+                <a16:creationId xmlns:a16="http://schemas.microsoft.com/office/drawing/2014/main" id="{BC9BBE99-0746-4EBE-B29F-D30D41EDCF79}"/>
+              </a:ext>
+            </a:extLst>
+          </p:cNvPr>
+          <p:cNvSpPr/>
+          <p:nvPr/>
+        </p:nvSpPr>
+        <p:spPr>
+          <a:xfrm>
+            <a:off x="3169558" y="3151622"/>
+            <a:ext cx="252028" cy="126014"/>
+          </a:xfrm>
+          <a:prstGeom prst="rect">
+            <a:avLst/>
+          </a:prstGeom>
+          <a:solidFill>
+            <a:schemeClr val="accent6">
+              <a:lumMod val="60000"/>
+              <a:lumOff val="40000"/>
+            </a:schemeClr>
+          </a:solidFill>
+          <a:ln>
+            <a:noFill/>
+          </a:ln>
+        </p:spPr>
+        <p:txBody>
+          <a:bodyPr wrap="square" rtlCol="0" anchor="ctr">
+            <a:spAutoFit/>
+          </a:bodyPr>
+          <a:lstStyle/>
+          <a:p>
+            <a:pPr algn="ctr"/>
+            <a:endParaRPr kumimoji="1" lang="ja-JP" altLang="en-US" sz="2400" dirty="0"/>
+          </a:p>
+        </p:txBody>
+      </p:sp>
+      <p:sp>
+        <p:nvSpPr>
+          <p:cNvPr id="87" name="直角三角形 86">
+            <a:extLst>
+              <a:ext uri="{FF2B5EF4-FFF2-40B4-BE49-F238E27FC236}">
+                <a16:creationId xmlns:a16="http://schemas.microsoft.com/office/drawing/2014/main" id="{46CB9D10-14AC-4AAF-9486-591045DF59B4}"/>
+              </a:ext>
+            </a:extLst>
+          </p:cNvPr>
+          <p:cNvSpPr/>
+          <p:nvPr/>
+        </p:nvSpPr>
+        <p:spPr>
+          <a:xfrm rot="10800000">
+            <a:off x="3169558" y="3284985"/>
+            <a:ext cx="252028" cy="252028"/>
+          </a:xfrm>
+          <a:prstGeom prst="rtTriangle">
+            <a:avLst/>
+          </a:prstGeom>
+          <a:solidFill>
+            <a:schemeClr val="accent6">
+              <a:lumMod val="60000"/>
+              <a:lumOff val="40000"/>
+            </a:schemeClr>
+          </a:solidFill>
+          <a:ln>
+            <a:noFill/>
+          </a:ln>
+        </p:spPr>
+        <p:txBody>
+          <a:bodyPr wrap="square" rtlCol="0" anchor="ctr">
+            <a:spAutoFit/>
+          </a:bodyPr>
+          <a:lstStyle/>
+          <a:p>
+            <a:pPr algn="ctr"/>
+            <a:endParaRPr kumimoji="1" lang="ja-JP" altLang="en-US" sz="2400" dirty="0"/>
+          </a:p>
+        </p:txBody>
+      </p:sp>
+      <p:sp>
+        <p:nvSpPr>
+          <p:cNvPr id="91" name="テキスト ボックス 90">
+            <a:extLst>
+              <a:ext uri="{FF2B5EF4-FFF2-40B4-BE49-F238E27FC236}">
+                <a16:creationId xmlns:a16="http://schemas.microsoft.com/office/drawing/2014/main" id="{C3DEEC08-BB93-4D7E-AB65-CED12B180CE5}"/>
+              </a:ext>
+            </a:extLst>
+          </p:cNvPr>
+          <p:cNvSpPr txBox="1"/>
+          <p:nvPr/>
+        </p:nvSpPr>
+        <p:spPr>
+          <a:xfrm>
+            <a:off x="2449478" y="3140969"/>
+            <a:ext cx="389850" cy="584775"/>
+          </a:xfrm>
+          <a:prstGeom prst="rect">
+            <a:avLst/>
+          </a:prstGeom>
+          <a:noFill/>
+        </p:spPr>
+        <p:txBody>
+          <a:bodyPr wrap="square" rtlCol="0">
+            <a:spAutoFit/>
+          </a:bodyPr>
+          <a:lstStyle/>
+          <a:p>
+            <a:r>
+              <a:rPr kumimoji="1" lang="en-US" altLang="ja-JP" sz="3200" dirty="0"/>
+              <a:t>=</a:t>
+            </a:r>
+            <a:endParaRPr kumimoji="1" lang="ja-JP" altLang="en-US" sz="3200" dirty="0"/>
+          </a:p>
+        </p:txBody>
+      </p:sp>
+      <p:sp>
+        <p:nvSpPr>
+          <p:cNvPr id="92" name="テキスト ボックス 91">
+            <a:extLst>
+              <a:ext uri="{FF2B5EF4-FFF2-40B4-BE49-F238E27FC236}">
+                <a16:creationId xmlns:a16="http://schemas.microsoft.com/office/drawing/2014/main" id="{000A80AD-DCC2-47CF-BF5E-3E190FD27FEB}"/>
+              </a:ext>
+            </a:extLst>
+          </p:cNvPr>
+          <p:cNvSpPr txBox="1"/>
+          <p:nvPr/>
+        </p:nvSpPr>
+        <p:spPr>
+          <a:xfrm>
+            <a:off x="1259632" y="3140968"/>
+            <a:ext cx="389850" cy="584775"/>
+          </a:xfrm>
+          <a:prstGeom prst="rect">
+            <a:avLst/>
+          </a:prstGeom>
+          <a:noFill/>
+        </p:spPr>
+        <p:txBody>
+          <a:bodyPr wrap="none" rtlCol="0">
+            <a:spAutoFit/>
+          </a:bodyPr>
+          <a:lstStyle/>
+          <a:p>
+            <a:r>
+              <a:rPr kumimoji="1" lang="en-US" altLang="ja-JP" sz="3200" dirty="0"/>
+              <a:t>+</a:t>
+            </a:r>
+            <a:endParaRPr kumimoji="1" lang="ja-JP" altLang="en-US" sz="3200" dirty="0"/>
+          </a:p>
+        </p:txBody>
+      </p:sp>
+      <p:sp>
+        <p:nvSpPr>
+          <p:cNvPr id="93" name="直角三角形 92">
+            <a:extLst>
+              <a:ext uri="{FF2B5EF4-FFF2-40B4-BE49-F238E27FC236}">
+                <a16:creationId xmlns:a16="http://schemas.microsoft.com/office/drawing/2014/main" id="{EC014134-7E38-4E49-835D-3D81A89B1A7B}"/>
+              </a:ext>
+            </a:extLst>
+          </p:cNvPr>
+          <p:cNvSpPr/>
+          <p:nvPr/>
+        </p:nvSpPr>
+        <p:spPr>
+          <a:xfrm rot="5400000">
+            <a:off x="1907704" y="3248980"/>
+            <a:ext cx="252028" cy="252028"/>
+          </a:xfrm>
+          <a:prstGeom prst="rtTriangle">
+            <a:avLst/>
+          </a:prstGeom>
+          <a:solidFill>
+            <a:schemeClr val="accent3">
+              <a:lumMod val="60000"/>
+              <a:lumOff val="40000"/>
+            </a:schemeClr>
+          </a:solidFill>
+          <a:ln>
+            <a:noFill/>
+          </a:ln>
+        </p:spPr>
+        <p:txBody>
+          <a:bodyPr wrap="square" rtlCol="0" anchor="ctr">
+            <a:spAutoFit/>
+          </a:bodyPr>
+          <a:lstStyle/>
+          <a:p>
+            <a:pPr algn="ctr"/>
+            <a:endParaRPr kumimoji="1" lang="ja-JP" altLang="en-US" sz="2400" dirty="0"/>
+          </a:p>
+        </p:txBody>
+      </p:sp>
+      <p:sp>
+        <p:nvSpPr>
+          <p:cNvPr id="94" name="正方形/長方形 93">
+            <a:extLst>
+              <a:ext uri="{FF2B5EF4-FFF2-40B4-BE49-F238E27FC236}">
+                <a16:creationId xmlns:a16="http://schemas.microsoft.com/office/drawing/2014/main" id="{8BA0730F-AA5A-4D3A-AD20-1578F95AF6BA}"/>
+              </a:ext>
+            </a:extLst>
+          </p:cNvPr>
+          <p:cNvSpPr/>
+          <p:nvPr/>
+        </p:nvSpPr>
+        <p:spPr>
+          <a:xfrm>
+            <a:off x="1907704" y="3115618"/>
+            <a:ext cx="252028" cy="126014"/>
+          </a:xfrm>
+          <a:prstGeom prst="rect">
+            <a:avLst/>
+          </a:prstGeom>
+          <a:solidFill>
+            <a:schemeClr val="accent3">
+              <a:lumMod val="60000"/>
+              <a:lumOff val="40000"/>
+            </a:schemeClr>
+          </a:solidFill>
+          <a:ln>
+            <a:noFill/>
+          </a:ln>
+        </p:spPr>
+        <p:txBody>
+          <a:bodyPr wrap="square" rtlCol="0" anchor="ctr">
+            <a:spAutoFit/>
+          </a:bodyPr>
+          <a:lstStyle/>
+          <a:p>
+            <a:pPr algn="ctr"/>
+            <a:endParaRPr kumimoji="1" lang="ja-JP" altLang="en-US" sz="2400" dirty="0"/>
+          </a:p>
+        </p:txBody>
+      </p:sp>
+      <p:sp>
+        <p:nvSpPr>
+          <p:cNvPr id="95" name="テキスト ボックス 94">
+            <a:extLst>
+              <a:ext uri="{FF2B5EF4-FFF2-40B4-BE49-F238E27FC236}">
+                <a16:creationId xmlns:a16="http://schemas.microsoft.com/office/drawing/2014/main" id="{53B3046D-F19E-4D27-A36C-C168D3B595E1}"/>
+              </a:ext>
+            </a:extLst>
+          </p:cNvPr>
+          <p:cNvSpPr txBox="1"/>
+          <p:nvPr/>
+        </p:nvSpPr>
+        <p:spPr>
+          <a:xfrm>
+            <a:off x="2411760" y="476672"/>
+            <a:ext cx="389850" cy="584775"/>
+          </a:xfrm>
+          <a:prstGeom prst="rect">
+            <a:avLst/>
+          </a:prstGeom>
+          <a:noFill/>
+        </p:spPr>
+        <p:txBody>
+          <a:bodyPr wrap="square" rtlCol="0">
+            <a:spAutoFit/>
+          </a:bodyPr>
+          <a:lstStyle/>
+          <a:p>
+            <a:r>
+              <a:rPr kumimoji="1" lang="en-US" altLang="ja-JP" sz="3200" dirty="0"/>
+              <a:t>=</a:t>
+            </a:r>
+            <a:endParaRPr kumimoji="1" lang="ja-JP" altLang="en-US" sz="3200" dirty="0"/>
+          </a:p>
+        </p:txBody>
+      </p:sp>
+      <p:sp>
+        <p:nvSpPr>
+          <p:cNvPr id="96" name="テキスト ボックス 95">
+            <a:extLst>
+              <a:ext uri="{FF2B5EF4-FFF2-40B4-BE49-F238E27FC236}">
+                <a16:creationId xmlns:a16="http://schemas.microsoft.com/office/drawing/2014/main" id="{10F61383-4FA7-47C6-91D6-23393222E28D}"/>
+              </a:ext>
+            </a:extLst>
+          </p:cNvPr>
+          <p:cNvSpPr txBox="1"/>
+          <p:nvPr/>
+        </p:nvSpPr>
+        <p:spPr>
+          <a:xfrm>
+            <a:off x="1221914" y="476671"/>
+            <a:ext cx="389850" cy="584775"/>
+          </a:xfrm>
+          <a:prstGeom prst="rect">
+            <a:avLst/>
+          </a:prstGeom>
+          <a:noFill/>
+        </p:spPr>
+        <p:txBody>
+          <a:bodyPr wrap="none" rtlCol="0">
+            <a:spAutoFit/>
+          </a:bodyPr>
+          <a:lstStyle/>
+          <a:p>
+            <a:r>
+              <a:rPr kumimoji="1" lang="en-US" altLang="ja-JP" sz="3200" dirty="0"/>
+              <a:t>+</a:t>
+            </a:r>
+            <a:endParaRPr kumimoji="1" lang="ja-JP" altLang="en-US" sz="3200" dirty="0"/>
+          </a:p>
+        </p:txBody>
+      </p:sp>
+      <p:sp>
+        <p:nvSpPr>
+          <p:cNvPr id="97" name="正方形/長方形 96">
+            <a:extLst>
+              <a:ext uri="{FF2B5EF4-FFF2-40B4-BE49-F238E27FC236}">
+                <a16:creationId xmlns:a16="http://schemas.microsoft.com/office/drawing/2014/main" id="{07778CB0-ABFA-4210-B80C-41623943A65F}"/>
+              </a:ext>
+            </a:extLst>
+          </p:cNvPr>
+          <p:cNvSpPr/>
+          <p:nvPr/>
+        </p:nvSpPr>
+        <p:spPr>
+          <a:xfrm>
+            <a:off x="1835696" y="487325"/>
+            <a:ext cx="252028" cy="126014"/>
+          </a:xfrm>
+          <a:prstGeom prst="rect">
+            <a:avLst/>
+          </a:prstGeom>
+          <a:solidFill>
+            <a:schemeClr val="accent6">
+              <a:lumMod val="60000"/>
+              <a:lumOff val="40000"/>
+            </a:schemeClr>
+          </a:solidFill>
+          <a:ln>
+            <a:noFill/>
+          </a:ln>
+        </p:spPr>
+        <p:txBody>
+          <a:bodyPr wrap="square" rtlCol="0" anchor="ctr">
+            <a:spAutoFit/>
+          </a:bodyPr>
+          <a:lstStyle/>
+          <a:p>
+            <a:pPr algn="ctr"/>
+            <a:endParaRPr kumimoji="1" lang="ja-JP" altLang="en-US" sz="2400" dirty="0"/>
+          </a:p>
+        </p:txBody>
+      </p:sp>
+      <p:sp>
+        <p:nvSpPr>
+          <p:cNvPr id="98" name="直角三角形 97">
+            <a:extLst>
+              <a:ext uri="{FF2B5EF4-FFF2-40B4-BE49-F238E27FC236}">
+                <a16:creationId xmlns:a16="http://schemas.microsoft.com/office/drawing/2014/main" id="{E0BE1318-E964-4744-9E66-00A40DF9214B}"/>
+              </a:ext>
+            </a:extLst>
+          </p:cNvPr>
+          <p:cNvSpPr/>
+          <p:nvPr/>
+        </p:nvSpPr>
+        <p:spPr>
+          <a:xfrm rot="10800000">
+            <a:off x="1835696" y="620688"/>
+            <a:ext cx="252028" cy="252028"/>
+          </a:xfrm>
+          <a:prstGeom prst="rtTriangle">
+            <a:avLst/>
+          </a:prstGeom>
+          <a:solidFill>
+            <a:schemeClr val="accent6">
+              <a:lumMod val="60000"/>
+              <a:lumOff val="40000"/>
+            </a:schemeClr>
+          </a:solidFill>
+          <a:ln>
+            <a:noFill/>
+          </a:ln>
+        </p:spPr>
+        <p:txBody>
+          <a:bodyPr wrap="square" rtlCol="0" anchor="ctr">
+            <a:spAutoFit/>
+          </a:bodyPr>
+          <a:lstStyle/>
+          <a:p>
+            <a:pPr algn="ctr"/>
+            <a:endParaRPr kumimoji="1" lang="ja-JP" altLang="en-US" sz="2400" dirty="0"/>
+          </a:p>
+        </p:txBody>
+      </p:sp>
+      <p:sp>
+        <p:nvSpPr>
+          <p:cNvPr id="100" name="四角形: 角を丸くする 99">
+            <a:extLst>
+              <a:ext uri="{FF2B5EF4-FFF2-40B4-BE49-F238E27FC236}">
+                <a16:creationId xmlns:a16="http://schemas.microsoft.com/office/drawing/2014/main" id="{2961B299-23F0-42B2-A565-6482222BF575}"/>
+              </a:ext>
+            </a:extLst>
+          </p:cNvPr>
+          <p:cNvSpPr/>
+          <p:nvPr/>
+        </p:nvSpPr>
+        <p:spPr>
+          <a:xfrm>
+            <a:off x="1259632" y="332656"/>
+            <a:ext cx="1080120" cy="792088"/>
+          </a:xfrm>
+          <a:prstGeom prst="roundRect">
+            <a:avLst/>
+          </a:prstGeom>
+          <a:ln>
+            <a:solidFill>
+              <a:schemeClr val="tx1"/>
+            </a:solidFill>
+            <a:prstDash val="dash"/>
+          </a:ln>
+        </p:spPr>
+        <p:txBody>
+          <a:bodyPr wrap="square" rtlCol="0" anchor="ctr">
+            <a:spAutoFit/>
+          </a:bodyPr>
+          <a:lstStyle/>
+          <a:p>
+            <a:pPr algn="ctr"/>
+            <a:endParaRPr kumimoji="1" lang="ja-JP" altLang="en-US" sz="2400" dirty="0"/>
+          </a:p>
+        </p:txBody>
+      </p:sp>
+      <p:cxnSp>
+        <p:nvCxnSpPr>
+          <p:cNvPr id="102" name="直線矢印コネクタ 101">
+            <a:extLst>
+              <a:ext uri="{FF2B5EF4-FFF2-40B4-BE49-F238E27FC236}">
+                <a16:creationId xmlns:a16="http://schemas.microsoft.com/office/drawing/2014/main" id="{E0DA2039-7887-45B7-9155-DD606B6C5F4D}"/>
+              </a:ext>
+            </a:extLst>
+          </p:cNvPr>
+          <p:cNvCxnSpPr>
+            <a:cxnSpLocks/>
+            <a:stCxn id="100" idx="2"/>
+          </p:cNvCxnSpPr>
+          <p:nvPr/>
+        </p:nvCxnSpPr>
+        <p:spPr>
+          <a:xfrm>
+            <a:off x="1799692" y="1124744"/>
+            <a:ext cx="0" cy="288032"/>
+          </a:xfrm>
+          <a:prstGeom prst="straightConnector1">
+            <a:avLst/>
+          </a:prstGeom>
+          <a:ln w="9525">
+            <a:solidFill>
+              <a:schemeClr val="tx1"/>
+            </a:solidFill>
+            <a:headEnd type="none"/>
+            <a:tailEnd type="triangle"/>
+          </a:ln>
+          <a:effectLst/>
+        </p:spPr>
+        <p:style>
+          <a:lnRef idx="2">
+            <a:schemeClr val="accent1"/>
+          </a:lnRef>
+          <a:fillRef idx="0">
+            <a:schemeClr val="accent1"/>
+          </a:fillRef>
+          <a:effectRef idx="1">
+            <a:schemeClr val="accent1"/>
+          </a:effectRef>
+          <a:fontRef idx="minor">
+            <a:schemeClr val="tx1"/>
+          </a:fontRef>
+        </p:style>
+      </p:cxnSp>
+      <p:sp>
+        <p:nvSpPr>
+          <p:cNvPr id="104" name="四角形: 角を丸くする 103">
+            <a:extLst>
+              <a:ext uri="{FF2B5EF4-FFF2-40B4-BE49-F238E27FC236}">
+                <a16:creationId xmlns:a16="http://schemas.microsoft.com/office/drawing/2014/main" id="{415E7149-B3ED-4AC3-B1AE-CF88C0FA58ED}"/>
+              </a:ext>
+            </a:extLst>
+          </p:cNvPr>
+          <p:cNvSpPr/>
+          <p:nvPr/>
+        </p:nvSpPr>
+        <p:spPr>
+          <a:xfrm>
+            <a:off x="1187624" y="2996952"/>
+            <a:ext cx="1080120" cy="792088"/>
+          </a:xfrm>
+          <a:prstGeom prst="roundRect">
+            <a:avLst/>
+          </a:prstGeom>
+          <a:ln>
+            <a:solidFill>
+              <a:schemeClr val="tx1"/>
+            </a:solidFill>
+            <a:prstDash val="dash"/>
+          </a:ln>
+        </p:spPr>
+        <p:txBody>
+          <a:bodyPr wrap="square" rtlCol="0" anchor="ctr">
+            <a:spAutoFit/>
+          </a:bodyPr>
+          <a:lstStyle/>
+          <a:p>
+            <a:pPr algn="ctr"/>
+            <a:endParaRPr kumimoji="1" lang="ja-JP" altLang="en-US" sz="2400" dirty="0"/>
+          </a:p>
+        </p:txBody>
+      </p:sp>
+      <p:cxnSp>
+        <p:nvCxnSpPr>
+          <p:cNvPr id="108" name="直線矢印コネクタ 107">
+            <a:extLst>
+              <a:ext uri="{FF2B5EF4-FFF2-40B4-BE49-F238E27FC236}">
+                <a16:creationId xmlns:a16="http://schemas.microsoft.com/office/drawing/2014/main" id="{A7470357-B36B-4007-9D57-3A3BFC2C37B4}"/>
+              </a:ext>
+            </a:extLst>
+          </p:cNvPr>
+          <p:cNvCxnSpPr/>
+          <p:nvPr/>
+        </p:nvCxnSpPr>
+        <p:spPr>
+          <a:xfrm flipV="1">
+            <a:off x="1763688" y="2708920"/>
+            <a:ext cx="0" cy="288032"/>
+          </a:xfrm>
+          <a:prstGeom prst="straightConnector1">
+            <a:avLst/>
+          </a:prstGeom>
+          <a:ln w="9525">
+            <a:solidFill>
+              <a:schemeClr val="tx1"/>
+            </a:solidFill>
+            <a:headEnd type="none"/>
+            <a:tailEnd type="triangle"/>
+          </a:ln>
+          <a:effectLst/>
+        </p:spPr>
+        <p:style>
+          <a:lnRef idx="2">
+            <a:schemeClr val="accent1"/>
+          </a:lnRef>
+          <a:fillRef idx="0">
+            <a:schemeClr val="accent1"/>
+          </a:fillRef>
+          <a:effectRef idx="1">
+            <a:schemeClr val="accent1"/>
+          </a:effectRef>
+          <a:fontRef idx="minor">
+            <a:schemeClr val="tx1"/>
+          </a:fontRef>
+        </p:style>
+      </p:cxnSp>
+    </p:spTree>
+    <p:extLst>
+      <p:ext uri="{BB962C8B-B14F-4D97-AF65-F5344CB8AC3E}">
+        <p14:creationId xmlns:p14="http://schemas.microsoft.com/office/powerpoint/2010/main" val="1966222589"/>
+      </p:ext>
+    </p:extLst>
+  </p:cSld>
+  <p:clrMapOvr>
+    <a:masterClrMapping/>
+  </p:clrMapOvr>
+</p:sld>
+</file>
+
+<file path=ppt/slides/slide5.xml><?xml version="1.0" encoding="utf-8"?>
+<p:sld xmlns:a="http://schemas.openxmlformats.org/drawingml/2006/main" xmlns:r="http://schemas.openxmlformats.org/officeDocument/2006/relationships" xmlns:p="http://schemas.openxmlformats.org/presentationml/2006/main">
+  <p:cSld>
+    <p:spTree>
+      <p:nvGrpSpPr>
+        <p:cNvPr id="1" name=""/>
+        <p:cNvGrpSpPr/>
+        <p:nvPr/>
+      </p:nvGrpSpPr>
+      <p:grpSpPr>
+        <a:xfrm>
+          <a:off x="0" y="0"/>
+          <a:ext cx="0" cy="0"/>
+          <a:chOff x="0" y="0"/>
+          <a:chExt cx="0" cy="0"/>
+        </a:xfrm>
+      </p:grpSpPr>
+      <p:sp>
+        <p:nvSpPr>
+          <p:cNvPr id="8" name="楕円 4">
+            <a:extLst>
+              <a:ext uri="{FF2B5EF4-FFF2-40B4-BE49-F238E27FC236}">
+                <a16:creationId xmlns:a16="http://schemas.microsoft.com/office/drawing/2014/main" id="{0911A7D5-3051-497A-BD1F-D8C8F97CB631}"/>
+              </a:ext>
+            </a:extLst>
+          </p:cNvPr>
+          <p:cNvSpPr/>
+          <p:nvPr/>
+        </p:nvSpPr>
+        <p:spPr>
+          <a:xfrm>
+            <a:off x="1547664" y="1124744"/>
+            <a:ext cx="288032" cy="288032"/>
+          </a:xfrm>
+          <a:prstGeom prst="ellipse">
+            <a:avLst/>
+          </a:prstGeom>
+          <a:solidFill>
+            <a:srgbClr val="011893"/>
+          </a:solidFill>
+          <a:ln>
+            <a:solidFill>
+              <a:schemeClr val="tx1"/>
+            </a:solidFill>
+          </a:ln>
+        </p:spPr>
+        <p:style>
+          <a:lnRef idx="2">
+            <a:schemeClr val="accent1">
+              <a:shade val="50000"/>
+            </a:schemeClr>
+          </a:lnRef>
+          <a:fillRef idx="1">
+            <a:schemeClr val="accent1"/>
+          </a:fillRef>
+          <a:effectRef idx="0">
+            <a:schemeClr val="accent1"/>
+          </a:effectRef>
+          <a:fontRef idx="minor">
+            <a:schemeClr val="lt1"/>
+          </a:fontRef>
+        </p:style>
+        <p:txBody>
+          <a:bodyPr rtlCol="0" anchor="ctr"/>
+          <a:lstStyle/>
+          <a:p>
+            <a:pPr algn="ctr"/>
+            <a:endParaRPr kumimoji="1" lang="ja-JP" altLang="en-US"/>
+          </a:p>
+        </p:txBody>
+      </p:sp>
+      <p:sp>
+        <p:nvSpPr>
+          <p:cNvPr id="9" name="楕円 4">
+            <a:extLst>
+              <a:ext uri="{FF2B5EF4-FFF2-40B4-BE49-F238E27FC236}">
+                <a16:creationId xmlns:a16="http://schemas.microsoft.com/office/drawing/2014/main" id="{2B02FA61-8279-4D89-A936-8B5CE0239013}"/>
+              </a:ext>
+            </a:extLst>
+          </p:cNvPr>
+          <p:cNvSpPr/>
+          <p:nvPr/>
+        </p:nvSpPr>
+        <p:spPr>
+          <a:xfrm>
+            <a:off x="2339752" y="404664"/>
+            <a:ext cx="288032" cy="288032"/>
+          </a:xfrm>
+          <a:prstGeom prst="ellipse">
+            <a:avLst/>
+          </a:prstGeom>
+          <a:solidFill>
+            <a:srgbClr val="011893"/>
+          </a:solidFill>
+          <a:ln>
+            <a:solidFill>
+              <a:schemeClr val="tx1"/>
+            </a:solidFill>
+          </a:ln>
+        </p:spPr>
+        <p:style>
+          <a:lnRef idx="2">
+            <a:schemeClr val="accent1">
+              <a:shade val="50000"/>
+            </a:schemeClr>
+          </a:lnRef>
+          <a:fillRef idx="1">
+            <a:schemeClr val="accent1"/>
+          </a:fillRef>
+          <a:effectRef idx="0">
+            <a:schemeClr val="accent1"/>
+          </a:effectRef>
+          <a:fontRef idx="minor">
+            <a:schemeClr val="lt1"/>
+          </a:fontRef>
+        </p:style>
+        <p:txBody>
+          <a:bodyPr rtlCol="0" anchor="ctr"/>
+          <a:lstStyle/>
+          <a:p>
+            <a:pPr algn="ctr"/>
+            <a:endParaRPr kumimoji="1" lang="ja-JP" altLang="en-US"/>
+          </a:p>
+        </p:txBody>
+      </p:sp>
+      <p:sp>
+        <p:nvSpPr>
+          <p:cNvPr id="10" name="楕円 4">
+            <a:extLst>
+              <a:ext uri="{FF2B5EF4-FFF2-40B4-BE49-F238E27FC236}">
+                <a16:creationId xmlns:a16="http://schemas.microsoft.com/office/drawing/2014/main" id="{F11F7243-A964-484B-AAA8-93C72B673450}"/>
+              </a:ext>
+            </a:extLst>
+          </p:cNvPr>
+          <p:cNvSpPr/>
+          <p:nvPr/>
+        </p:nvSpPr>
+        <p:spPr>
+          <a:xfrm>
+            <a:off x="3419872" y="404664"/>
+            <a:ext cx="288032" cy="288032"/>
+          </a:xfrm>
+          <a:prstGeom prst="ellipse">
+            <a:avLst/>
+          </a:prstGeom>
+          <a:solidFill>
+            <a:srgbClr val="011893"/>
+          </a:solidFill>
+          <a:ln>
+            <a:solidFill>
+              <a:schemeClr val="tx1"/>
+            </a:solidFill>
+          </a:ln>
+        </p:spPr>
+        <p:style>
+          <a:lnRef idx="2">
+            <a:schemeClr val="accent1">
+              <a:shade val="50000"/>
+            </a:schemeClr>
+          </a:lnRef>
+          <a:fillRef idx="1">
+            <a:schemeClr val="accent1"/>
+          </a:fillRef>
+          <a:effectRef idx="0">
+            <a:schemeClr val="accent1"/>
+          </a:effectRef>
+          <a:fontRef idx="minor">
+            <a:schemeClr val="lt1"/>
+          </a:fontRef>
+        </p:style>
+        <p:txBody>
+          <a:bodyPr rtlCol="0" anchor="ctr"/>
+          <a:lstStyle/>
+          <a:p>
+            <a:pPr algn="ctr"/>
+            <a:endParaRPr kumimoji="1" lang="ja-JP" altLang="en-US"/>
+          </a:p>
+        </p:txBody>
+      </p:sp>
+      <p:sp>
+        <p:nvSpPr>
+          <p:cNvPr id="11" name="楕円 4">
+            <a:extLst>
+              <a:ext uri="{FF2B5EF4-FFF2-40B4-BE49-F238E27FC236}">
+                <a16:creationId xmlns:a16="http://schemas.microsoft.com/office/drawing/2014/main" id="{CD460EB5-473C-4C38-8DD9-7A8897245775}"/>
+              </a:ext>
+            </a:extLst>
+          </p:cNvPr>
+          <p:cNvSpPr/>
+          <p:nvPr/>
+        </p:nvSpPr>
+        <p:spPr>
+          <a:xfrm>
+            <a:off x="2339752" y="1844824"/>
+            <a:ext cx="288032" cy="288032"/>
+          </a:xfrm>
+          <a:prstGeom prst="ellipse">
+            <a:avLst/>
+          </a:prstGeom>
+          <a:solidFill>
+            <a:srgbClr val="FFC000"/>
+          </a:solidFill>
+          <a:ln>
+            <a:solidFill>
+              <a:schemeClr val="tx1"/>
+            </a:solidFill>
+          </a:ln>
+        </p:spPr>
+        <p:style>
+          <a:lnRef idx="2">
+            <a:schemeClr val="accent1">
+              <a:shade val="50000"/>
+            </a:schemeClr>
+          </a:lnRef>
+          <a:fillRef idx="1">
+            <a:schemeClr val="accent1"/>
+          </a:fillRef>
+          <a:effectRef idx="0">
+            <a:schemeClr val="accent1"/>
+          </a:effectRef>
+          <a:fontRef idx="minor">
+            <a:schemeClr val="lt1"/>
+          </a:fontRef>
+        </p:style>
+        <p:txBody>
+          <a:bodyPr rtlCol="0" anchor="ctr"/>
+          <a:lstStyle/>
+          <a:p>
+            <a:pPr algn="ctr"/>
+            <a:endParaRPr kumimoji="1" lang="ja-JP" altLang="en-US"/>
+          </a:p>
+        </p:txBody>
+      </p:sp>
+      <p:sp>
+        <p:nvSpPr>
+          <p:cNvPr id="12" name="楕円 4">
+            <a:extLst>
+              <a:ext uri="{FF2B5EF4-FFF2-40B4-BE49-F238E27FC236}">
+                <a16:creationId xmlns:a16="http://schemas.microsoft.com/office/drawing/2014/main" id="{42643705-8257-4953-B336-6A3F42A4168A}"/>
+              </a:ext>
+            </a:extLst>
+          </p:cNvPr>
+          <p:cNvSpPr/>
+          <p:nvPr/>
+        </p:nvSpPr>
+        <p:spPr>
+          <a:xfrm>
+            <a:off x="3419872" y="1844824"/>
+            <a:ext cx="288032" cy="288032"/>
+          </a:xfrm>
+          <a:prstGeom prst="ellipse">
+            <a:avLst/>
+          </a:prstGeom>
+          <a:solidFill>
+            <a:srgbClr val="FFC000"/>
+          </a:solidFill>
+          <a:ln>
+            <a:solidFill>
+              <a:schemeClr val="tx1"/>
+            </a:solidFill>
+          </a:ln>
+        </p:spPr>
+        <p:style>
+          <a:lnRef idx="2">
+            <a:schemeClr val="accent1">
+              <a:shade val="50000"/>
+            </a:schemeClr>
+          </a:lnRef>
+          <a:fillRef idx="1">
+            <a:schemeClr val="accent1"/>
+          </a:fillRef>
+          <a:effectRef idx="0">
+            <a:schemeClr val="accent1"/>
+          </a:effectRef>
+          <a:fontRef idx="minor">
+            <a:schemeClr val="lt1"/>
+          </a:fontRef>
+        </p:style>
+        <p:txBody>
+          <a:bodyPr rtlCol="0" anchor="ctr"/>
+          <a:lstStyle/>
+          <a:p>
+            <a:pPr algn="ctr"/>
+            <a:endParaRPr kumimoji="1" lang="ja-JP" altLang="en-US"/>
+          </a:p>
+        </p:txBody>
+      </p:sp>
+      <p:cxnSp>
+        <p:nvCxnSpPr>
+          <p:cNvPr id="13" name="直線コネクタ 12">
+            <a:extLst>
+              <a:ext uri="{FF2B5EF4-FFF2-40B4-BE49-F238E27FC236}">
+                <a16:creationId xmlns:a16="http://schemas.microsoft.com/office/drawing/2014/main" id="{3D33939E-03B3-4879-9E3D-2D8CF89E046E}"/>
+              </a:ext>
+            </a:extLst>
+          </p:cNvPr>
+          <p:cNvCxnSpPr>
+            <a:cxnSpLocks/>
+            <a:stCxn id="8" idx="7"/>
+            <a:endCxn id="9" idx="3"/>
+          </p:cNvCxnSpPr>
+          <p:nvPr/>
+        </p:nvCxnSpPr>
+        <p:spPr>
+          <a:xfrm flipV="1">
+            <a:off x="1793515" y="650515"/>
+            <a:ext cx="588418" cy="516410"/>
+          </a:xfrm>
+          <a:prstGeom prst="line">
+            <a:avLst/>
+          </a:prstGeom>
+          <a:ln w="57150">
+            <a:solidFill>
+              <a:schemeClr val="tx1"/>
+            </a:solidFill>
+            <a:headEnd type="none" w="med" len="med"/>
+            <a:tailEnd type="none" w="med" len="med"/>
+          </a:ln>
+        </p:spPr>
+        <p:style>
+          <a:lnRef idx="1">
+            <a:schemeClr val="accent1"/>
+          </a:lnRef>
+          <a:fillRef idx="0">
+            <a:schemeClr val="accent1"/>
+          </a:fillRef>
+          <a:effectRef idx="0">
+            <a:schemeClr val="accent1"/>
+          </a:effectRef>
+          <a:fontRef idx="minor">
+            <a:schemeClr val="tx1"/>
+          </a:fontRef>
+        </p:style>
+      </p:cxnSp>
+      <p:cxnSp>
+        <p:nvCxnSpPr>
+          <p:cNvPr id="14" name="直線コネクタ 13">
+            <a:extLst>
+              <a:ext uri="{FF2B5EF4-FFF2-40B4-BE49-F238E27FC236}">
+                <a16:creationId xmlns:a16="http://schemas.microsoft.com/office/drawing/2014/main" id="{5C567689-866D-453D-B2E5-35C73C0B7ABC}"/>
+              </a:ext>
+            </a:extLst>
+          </p:cNvPr>
+          <p:cNvCxnSpPr>
+            <a:cxnSpLocks/>
+            <a:stCxn id="8" idx="5"/>
+            <a:endCxn id="11" idx="1"/>
+          </p:cNvCxnSpPr>
+          <p:nvPr/>
+        </p:nvCxnSpPr>
+        <p:spPr>
+          <a:xfrm>
+            <a:off x="1793515" y="1370595"/>
+            <a:ext cx="588418" cy="516410"/>
+          </a:xfrm>
+          <a:prstGeom prst="line">
+            <a:avLst/>
+          </a:prstGeom>
+          <a:ln w="57150">
+            <a:solidFill>
+              <a:schemeClr val="tx1"/>
+            </a:solidFill>
+            <a:headEnd type="none" w="med" len="med"/>
+            <a:tailEnd type="none" w="med" len="med"/>
+          </a:ln>
+        </p:spPr>
+        <p:style>
+          <a:lnRef idx="1">
+            <a:schemeClr val="accent1"/>
+          </a:lnRef>
+          <a:fillRef idx="0">
+            <a:schemeClr val="accent1"/>
+          </a:fillRef>
+          <a:effectRef idx="0">
+            <a:schemeClr val="accent1"/>
+          </a:effectRef>
+          <a:fontRef idx="minor">
+            <a:schemeClr val="tx1"/>
+          </a:fontRef>
+        </p:style>
+      </p:cxnSp>
+      <p:cxnSp>
+        <p:nvCxnSpPr>
+          <p:cNvPr id="15" name="直線コネクタ 14">
+            <a:extLst>
+              <a:ext uri="{FF2B5EF4-FFF2-40B4-BE49-F238E27FC236}">
+                <a16:creationId xmlns:a16="http://schemas.microsoft.com/office/drawing/2014/main" id="{4EBF2492-EE81-4E8D-8599-00CFC69CAC12}"/>
+              </a:ext>
+            </a:extLst>
+          </p:cNvPr>
+          <p:cNvCxnSpPr>
+            <a:cxnSpLocks/>
+            <a:stCxn id="9" idx="6"/>
+            <a:endCxn id="10" idx="2"/>
+          </p:cNvCxnSpPr>
+          <p:nvPr/>
+        </p:nvCxnSpPr>
+        <p:spPr>
+          <a:xfrm>
+            <a:off x="2627784" y="548680"/>
+            <a:ext cx="792088" cy="0"/>
+          </a:xfrm>
+          <a:prstGeom prst="line">
+            <a:avLst/>
+          </a:prstGeom>
+          <a:ln w="57150">
+            <a:solidFill>
+              <a:schemeClr val="tx1"/>
+            </a:solidFill>
+            <a:headEnd type="none" w="med" len="med"/>
+            <a:tailEnd type="none" w="med" len="med"/>
+          </a:ln>
+        </p:spPr>
+        <p:style>
+          <a:lnRef idx="1">
+            <a:schemeClr val="accent1"/>
+          </a:lnRef>
+          <a:fillRef idx="0">
+            <a:schemeClr val="accent1"/>
+          </a:fillRef>
+          <a:effectRef idx="0">
+            <a:schemeClr val="accent1"/>
+          </a:effectRef>
+          <a:fontRef idx="minor">
+            <a:schemeClr val="tx1"/>
+          </a:fontRef>
+        </p:style>
+      </p:cxnSp>
+      <p:cxnSp>
+        <p:nvCxnSpPr>
+          <p:cNvPr id="16" name="直線コネクタ 15">
+            <a:extLst>
+              <a:ext uri="{FF2B5EF4-FFF2-40B4-BE49-F238E27FC236}">
+                <a16:creationId xmlns:a16="http://schemas.microsoft.com/office/drawing/2014/main" id="{AC8344E0-387F-49D0-91EB-AA7AC637B235}"/>
+              </a:ext>
+            </a:extLst>
+          </p:cNvPr>
+          <p:cNvCxnSpPr>
+            <a:cxnSpLocks/>
+            <a:stCxn id="11" idx="6"/>
+            <a:endCxn id="12" idx="2"/>
+          </p:cNvCxnSpPr>
+          <p:nvPr/>
+        </p:nvCxnSpPr>
+        <p:spPr>
+          <a:xfrm>
+            <a:off x="2627784" y="1988840"/>
+            <a:ext cx="792088" cy="0"/>
+          </a:xfrm>
+          <a:prstGeom prst="line">
+            <a:avLst/>
+          </a:prstGeom>
+          <a:ln w="57150">
+            <a:solidFill>
+              <a:schemeClr val="tx1"/>
+            </a:solidFill>
+            <a:headEnd type="none" w="med" len="med"/>
+            <a:tailEnd type="none" w="med" len="med"/>
+          </a:ln>
+        </p:spPr>
+        <p:style>
+          <a:lnRef idx="1">
+            <a:schemeClr val="accent1"/>
+          </a:lnRef>
+          <a:fillRef idx="0">
+            <a:schemeClr val="accent1"/>
+          </a:fillRef>
+          <a:effectRef idx="0">
+            <a:schemeClr val="accent1"/>
+          </a:effectRef>
+          <a:fontRef idx="minor">
+            <a:schemeClr val="tx1"/>
+          </a:fontRef>
+        </p:style>
+      </p:cxnSp>
+      <p:sp>
+        <p:nvSpPr>
+          <p:cNvPr id="37" name="四角形: 1 つの角を切り取り 1 つの角を丸める 36">
+            <a:extLst>
+              <a:ext uri="{FF2B5EF4-FFF2-40B4-BE49-F238E27FC236}">
+                <a16:creationId xmlns:a16="http://schemas.microsoft.com/office/drawing/2014/main" id="{B8AB74F0-2F0F-4FE3-AA9C-BA879C6EEBB4}"/>
+              </a:ext>
+            </a:extLst>
+          </p:cNvPr>
+          <p:cNvSpPr/>
+          <p:nvPr/>
+        </p:nvSpPr>
+        <p:spPr>
+          <a:xfrm>
+            <a:off x="4240520" y="351065"/>
+            <a:ext cx="990600" cy="387191"/>
+          </a:xfrm>
+          <a:prstGeom prst="snipRoundRect">
+            <a:avLst/>
+          </a:prstGeom>
+          <a:solidFill>
+            <a:schemeClr val="accent3">
+              <a:lumMod val="20000"/>
+              <a:lumOff val="80000"/>
+            </a:schemeClr>
+          </a:solidFill>
+          <a:ln>
+            <a:solidFill>
+              <a:schemeClr val="tx1"/>
+            </a:solidFill>
+          </a:ln>
+        </p:spPr>
+        <p:txBody>
+          <a:bodyPr wrap="square" rtlCol="0" anchor="ctr">
+            <a:spAutoFit/>
+          </a:bodyPr>
+          <a:lstStyle/>
+          <a:p>
+            <a:pPr algn="ctr"/>
+            <a:r>
+              <a:rPr kumimoji="1" lang="en-US" altLang="ja-JP" dirty="0"/>
+              <a:t>master</a:t>
+            </a:r>
+            <a:endParaRPr kumimoji="1" lang="ja-JP" altLang="en-US" dirty="0"/>
+          </a:p>
+        </p:txBody>
+      </p:sp>
+      <p:sp>
+        <p:nvSpPr>
+          <p:cNvPr id="38" name="四角形: 1 つの角を切り取り 1 つの角を丸める 37">
+            <a:extLst>
+              <a:ext uri="{FF2B5EF4-FFF2-40B4-BE49-F238E27FC236}">
+                <a16:creationId xmlns:a16="http://schemas.microsoft.com/office/drawing/2014/main" id="{058515A1-37FB-4CFD-BDF1-BF1EAF24C2E6}"/>
+              </a:ext>
+            </a:extLst>
+          </p:cNvPr>
+          <p:cNvSpPr/>
+          <p:nvPr/>
+        </p:nvSpPr>
+        <p:spPr>
+          <a:xfrm>
+            <a:off x="4263380" y="1791245"/>
+            <a:ext cx="990600" cy="387191"/>
+          </a:xfrm>
+          <a:prstGeom prst="snipRoundRect">
+            <a:avLst/>
+          </a:prstGeom>
+          <a:solidFill>
+            <a:schemeClr val="accent3">
+              <a:lumMod val="20000"/>
+              <a:lumOff val="80000"/>
+            </a:schemeClr>
+          </a:solidFill>
+          <a:ln>
+            <a:solidFill>
+              <a:schemeClr val="tx1"/>
+            </a:solidFill>
+          </a:ln>
+        </p:spPr>
+        <p:txBody>
+          <a:bodyPr wrap="square" rtlCol="0" anchor="ctr">
+            <a:spAutoFit/>
+          </a:bodyPr>
+          <a:lstStyle/>
+          <a:p>
+            <a:pPr algn="ctr"/>
+            <a:r>
+              <a:rPr lang="en-US" altLang="ja-JP" dirty="0"/>
+              <a:t>branch</a:t>
+            </a:r>
+            <a:endParaRPr kumimoji="1" lang="ja-JP" altLang="en-US" dirty="0"/>
+          </a:p>
+        </p:txBody>
+      </p:sp>
+      <p:cxnSp>
+        <p:nvCxnSpPr>
+          <p:cNvPr id="39" name="直線矢印コネクタ 38">
+            <a:extLst>
+              <a:ext uri="{FF2B5EF4-FFF2-40B4-BE49-F238E27FC236}">
+                <a16:creationId xmlns:a16="http://schemas.microsoft.com/office/drawing/2014/main" id="{5452CABA-ABAF-40E0-838C-345F61749197}"/>
+              </a:ext>
+            </a:extLst>
+          </p:cNvPr>
+          <p:cNvCxnSpPr>
+            <a:stCxn id="37" idx="2"/>
+            <a:endCxn id="10" idx="6"/>
+          </p:cNvCxnSpPr>
+          <p:nvPr/>
+        </p:nvCxnSpPr>
+        <p:spPr>
+          <a:xfrm flipH="1">
+            <a:off x="3707904" y="544661"/>
+            <a:ext cx="532616" cy="4019"/>
+          </a:xfrm>
+          <a:prstGeom prst="straightConnector1">
+            <a:avLst/>
+          </a:prstGeom>
+          <a:ln w="9525">
+            <a:solidFill>
+              <a:schemeClr val="tx1"/>
+            </a:solidFill>
+            <a:headEnd type="none"/>
+            <a:tailEnd type="triangle"/>
+          </a:ln>
+          <a:effectLst/>
+        </p:spPr>
+        <p:style>
+          <a:lnRef idx="2">
+            <a:schemeClr val="accent1"/>
+          </a:lnRef>
+          <a:fillRef idx="0">
+            <a:schemeClr val="accent1"/>
+          </a:fillRef>
+          <a:effectRef idx="1">
+            <a:schemeClr val="accent1"/>
+          </a:effectRef>
+          <a:fontRef idx="minor">
+            <a:schemeClr val="tx1"/>
+          </a:fontRef>
+        </p:style>
+      </p:cxnSp>
+      <p:cxnSp>
+        <p:nvCxnSpPr>
+          <p:cNvPr id="40" name="直線矢印コネクタ 39">
+            <a:extLst>
+              <a:ext uri="{FF2B5EF4-FFF2-40B4-BE49-F238E27FC236}">
+                <a16:creationId xmlns:a16="http://schemas.microsoft.com/office/drawing/2014/main" id="{A5106F7E-BDD8-4DB1-9809-CE4E5D7F999D}"/>
+              </a:ext>
+            </a:extLst>
+          </p:cNvPr>
+          <p:cNvCxnSpPr>
+            <a:stCxn id="38" idx="2"/>
+            <a:endCxn id="12" idx="6"/>
+          </p:cNvCxnSpPr>
+          <p:nvPr/>
+        </p:nvCxnSpPr>
+        <p:spPr>
+          <a:xfrm flipH="1">
+            <a:off x="3707904" y="1984841"/>
+            <a:ext cx="555476" cy="3999"/>
+          </a:xfrm>
+          <a:prstGeom prst="straightConnector1">
+            <a:avLst/>
+          </a:prstGeom>
+          <a:ln w="9525">
+            <a:solidFill>
+              <a:schemeClr val="tx1"/>
+            </a:solidFill>
+            <a:headEnd type="none"/>
+            <a:tailEnd type="triangle"/>
+          </a:ln>
+          <a:effectLst/>
+        </p:spPr>
+        <p:style>
+          <a:lnRef idx="2">
+            <a:schemeClr val="accent1"/>
+          </a:lnRef>
+          <a:fillRef idx="0">
+            <a:schemeClr val="accent1"/>
+          </a:fillRef>
+          <a:effectRef idx="1">
+            <a:schemeClr val="accent1"/>
+          </a:effectRef>
+          <a:fontRef idx="minor">
+            <a:schemeClr val="tx1"/>
+          </a:fontRef>
+        </p:style>
+      </p:cxnSp>
+      <p:sp>
+        <p:nvSpPr>
+          <p:cNvPr id="43" name="正方形/長方形 42">
+            <a:extLst>
+              <a:ext uri="{FF2B5EF4-FFF2-40B4-BE49-F238E27FC236}">
+                <a16:creationId xmlns:a16="http://schemas.microsoft.com/office/drawing/2014/main" id="{C8995AA1-FA86-4AE3-A50F-F2D6DCB61F90}"/>
+              </a:ext>
+            </a:extLst>
+          </p:cNvPr>
+          <p:cNvSpPr/>
+          <p:nvPr/>
+        </p:nvSpPr>
+        <p:spPr>
+          <a:xfrm>
+            <a:off x="4283968" y="980728"/>
+            <a:ext cx="960120" cy="369332"/>
+          </a:xfrm>
+          <a:prstGeom prst="rect">
+            <a:avLst/>
+          </a:prstGeom>
+          <a:ln>
+            <a:solidFill>
+              <a:schemeClr val="tx1"/>
+            </a:solidFill>
+          </a:ln>
+        </p:spPr>
+        <p:txBody>
+          <a:bodyPr wrap="square" rtlCol="0" anchor="ctr">
+            <a:spAutoFit/>
+          </a:bodyPr>
+          <a:lstStyle/>
+          <a:p>
+            <a:pPr algn="ctr"/>
+            <a:r>
+              <a:rPr kumimoji="1" lang="en-US" altLang="ja-JP" dirty="0"/>
+              <a:t>HEAD</a:t>
+            </a:r>
+            <a:endParaRPr kumimoji="1" lang="ja-JP" altLang="en-US" dirty="0"/>
+          </a:p>
+        </p:txBody>
+      </p:sp>
+      <p:cxnSp>
+        <p:nvCxnSpPr>
+          <p:cNvPr id="44" name="直線矢印コネクタ 43">
+            <a:extLst>
+              <a:ext uri="{FF2B5EF4-FFF2-40B4-BE49-F238E27FC236}">
+                <a16:creationId xmlns:a16="http://schemas.microsoft.com/office/drawing/2014/main" id="{FB071A15-4188-414E-AEEA-DA8F4157FA48}"/>
+              </a:ext>
+            </a:extLst>
+          </p:cNvPr>
+          <p:cNvCxnSpPr>
+            <a:stCxn id="43" idx="2"/>
+          </p:cNvCxnSpPr>
+          <p:nvPr/>
+        </p:nvCxnSpPr>
+        <p:spPr>
+          <a:xfrm>
+            <a:off x="4764028" y="1350060"/>
+            <a:ext cx="0" cy="413147"/>
+          </a:xfrm>
+          <a:prstGeom prst="straightConnector1">
+            <a:avLst/>
+          </a:prstGeom>
+          <a:ln w="9525">
+            <a:solidFill>
+              <a:schemeClr val="tx1"/>
+            </a:solidFill>
+            <a:headEnd type="none"/>
+            <a:tailEnd type="triangle"/>
+          </a:ln>
+          <a:effectLst/>
+        </p:spPr>
+        <p:style>
+          <a:lnRef idx="2">
+            <a:schemeClr val="accent1"/>
+          </a:lnRef>
+          <a:fillRef idx="0">
+            <a:schemeClr val="accent1"/>
+          </a:fillRef>
+          <a:effectRef idx="1">
+            <a:schemeClr val="accent1"/>
+          </a:effectRef>
+          <a:fontRef idx="minor">
+            <a:schemeClr val="tx1"/>
+          </a:fontRef>
+        </p:style>
+      </p:cxnSp>
+      <p:sp>
+        <p:nvSpPr>
+          <p:cNvPr id="45" name="楕円 4">
+            <a:extLst>
+              <a:ext uri="{FF2B5EF4-FFF2-40B4-BE49-F238E27FC236}">
+                <a16:creationId xmlns:a16="http://schemas.microsoft.com/office/drawing/2014/main" id="{E5F81272-1CDC-43C2-9CF9-F283B6A3C041}"/>
+              </a:ext>
+            </a:extLst>
+          </p:cNvPr>
+          <p:cNvSpPr/>
+          <p:nvPr/>
+        </p:nvSpPr>
+        <p:spPr>
+          <a:xfrm>
+            <a:off x="1331640" y="5949280"/>
+            <a:ext cx="288032" cy="288032"/>
+          </a:xfrm>
+          <a:prstGeom prst="ellipse">
+            <a:avLst/>
+          </a:prstGeom>
+          <a:solidFill>
+            <a:srgbClr val="011893"/>
+          </a:solidFill>
+          <a:ln>
+            <a:solidFill>
+              <a:schemeClr val="tx1"/>
+            </a:solidFill>
+          </a:ln>
+        </p:spPr>
+        <p:style>
+          <a:lnRef idx="2">
+            <a:schemeClr val="accent1">
+              <a:shade val="50000"/>
+            </a:schemeClr>
+          </a:lnRef>
+          <a:fillRef idx="1">
+            <a:schemeClr val="accent1"/>
+          </a:fillRef>
+          <a:effectRef idx="0">
+            <a:schemeClr val="accent1"/>
+          </a:effectRef>
+          <a:fontRef idx="minor">
+            <a:schemeClr val="lt1"/>
+          </a:fontRef>
+        </p:style>
+        <p:txBody>
+          <a:bodyPr rtlCol="0" anchor="ctr"/>
+          <a:lstStyle/>
+          <a:p>
+            <a:pPr algn="ctr"/>
+            <a:endParaRPr kumimoji="1" lang="ja-JP" altLang="en-US"/>
+          </a:p>
+        </p:txBody>
+      </p:sp>
+      <p:sp>
+        <p:nvSpPr>
+          <p:cNvPr id="46" name="楕円 4">
+            <a:extLst>
+              <a:ext uri="{FF2B5EF4-FFF2-40B4-BE49-F238E27FC236}">
+                <a16:creationId xmlns:a16="http://schemas.microsoft.com/office/drawing/2014/main" id="{41FAD577-843D-4143-944B-BBA2F3124581}"/>
+              </a:ext>
+            </a:extLst>
+          </p:cNvPr>
+          <p:cNvSpPr/>
+          <p:nvPr/>
+        </p:nvSpPr>
+        <p:spPr>
+          <a:xfrm>
+            <a:off x="2123728" y="5229200"/>
+            <a:ext cx="288032" cy="288032"/>
+          </a:xfrm>
+          <a:prstGeom prst="ellipse">
+            <a:avLst/>
+          </a:prstGeom>
+          <a:solidFill>
+            <a:srgbClr val="011893"/>
+          </a:solidFill>
+          <a:ln>
+            <a:solidFill>
+              <a:schemeClr val="tx1"/>
+            </a:solidFill>
+          </a:ln>
+        </p:spPr>
+        <p:style>
+          <a:lnRef idx="2">
+            <a:schemeClr val="accent1">
+              <a:shade val="50000"/>
+            </a:schemeClr>
+          </a:lnRef>
+          <a:fillRef idx="1">
+            <a:schemeClr val="accent1"/>
+          </a:fillRef>
+          <a:effectRef idx="0">
+            <a:schemeClr val="accent1"/>
+          </a:effectRef>
+          <a:fontRef idx="minor">
+            <a:schemeClr val="lt1"/>
+          </a:fontRef>
+        </p:style>
+        <p:txBody>
+          <a:bodyPr rtlCol="0" anchor="ctr"/>
+          <a:lstStyle/>
+          <a:p>
+            <a:pPr algn="ctr"/>
+            <a:endParaRPr kumimoji="1" lang="ja-JP" altLang="en-US"/>
+          </a:p>
+        </p:txBody>
+      </p:sp>
+      <p:sp>
+        <p:nvSpPr>
+          <p:cNvPr id="47" name="楕円 4">
+            <a:extLst>
+              <a:ext uri="{FF2B5EF4-FFF2-40B4-BE49-F238E27FC236}">
+                <a16:creationId xmlns:a16="http://schemas.microsoft.com/office/drawing/2014/main" id="{43945F20-203A-4A09-961F-BEDCA850F214}"/>
+              </a:ext>
+            </a:extLst>
+          </p:cNvPr>
+          <p:cNvSpPr/>
+          <p:nvPr/>
+        </p:nvSpPr>
+        <p:spPr>
+          <a:xfrm>
+            <a:off x="3203848" y="5229200"/>
+            <a:ext cx="288032" cy="288032"/>
+          </a:xfrm>
+          <a:prstGeom prst="ellipse">
+            <a:avLst/>
+          </a:prstGeom>
+          <a:solidFill>
+            <a:srgbClr val="011893"/>
+          </a:solidFill>
+          <a:ln>
+            <a:solidFill>
+              <a:schemeClr val="tx1"/>
+            </a:solidFill>
+          </a:ln>
+        </p:spPr>
+        <p:style>
+          <a:lnRef idx="2">
+            <a:schemeClr val="accent1">
+              <a:shade val="50000"/>
+            </a:schemeClr>
+          </a:lnRef>
+          <a:fillRef idx="1">
+            <a:schemeClr val="accent1"/>
+          </a:fillRef>
+          <a:effectRef idx="0">
+            <a:schemeClr val="accent1"/>
+          </a:effectRef>
+          <a:fontRef idx="minor">
+            <a:schemeClr val="lt1"/>
+          </a:fontRef>
+        </p:style>
+        <p:txBody>
+          <a:bodyPr rtlCol="0" anchor="ctr"/>
+          <a:lstStyle/>
+          <a:p>
+            <a:pPr algn="ctr"/>
+            <a:endParaRPr kumimoji="1" lang="ja-JP" altLang="en-US"/>
+          </a:p>
+        </p:txBody>
+      </p:sp>
+      <p:cxnSp>
+        <p:nvCxnSpPr>
+          <p:cNvPr id="48" name="直線コネクタ 47">
+            <a:extLst>
+              <a:ext uri="{FF2B5EF4-FFF2-40B4-BE49-F238E27FC236}">
+                <a16:creationId xmlns:a16="http://schemas.microsoft.com/office/drawing/2014/main" id="{61587901-1107-443C-B74E-D98FB3BA4EA4}"/>
+              </a:ext>
+            </a:extLst>
+          </p:cNvPr>
+          <p:cNvCxnSpPr>
+            <a:cxnSpLocks/>
+            <a:stCxn id="45" idx="7"/>
+            <a:endCxn id="46" idx="3"/>
+          </p:cNvCxnSpPr>
+          <p:nvPr/>
+        </p:nvCxnSpPr>
+        <p:spPr>
+          <a:xfrm flipV="1">
+            <a:off x="1577491" y="5475051"/>
+            <a:ext cx="588418" cy="516410"/>
+          </a:xfrm>
+          <a:prstGeom prst="line">
+            <a:avLst/>
+          </a:prstGeom>
+          <a:ln w="57150">
+            <a:solidFill>
+              <a:schemeClr val="tx1"/>
+            </a:solidFill>
+            <a:headEnd type="none" w="med" len="med"/>
+            <a:tailEnd type="none" w="med" len="med"/>
+          </a:ln>
+        </p:spPr>
+        <p:style>
+          <a:lnRef idx="1">
+            <a:schemeClr val="accent1"/>
+          </a:lnRef>
+          <a:fillRef idx="0">
+            <a:schemeClr val="accent1"/>
+          </a:fillRef>
+          <a:effectRef idx="0">
+            <a:schemeClr val="accent1"/>
+          </a:effectRef>
+          <a:fontRef idx="minor">
+            <a:schemeClr val="tx1"/>
+          </a:fontRef>
+        </p:style>
+      </p:cxnSp>
+      <p:cxnSp>
+        <p:nvCxnSpPr>
+          <p:cNvPr id="49" name="直線コネクタ 48">
+            <a:extLst>
+              <a:ext uri="{FF2B5EF4-FFF2-40B4-BE49-F238E27FC236}">
+                <a16:creationId xmlns:a16="http://schemas.microsoft.com/office/drawing/2014/main" id="{62154137-2A1A-4E85-B65E-A5799CB685DA}"/>
+              </a:ext>
+            </a:extLst>
+          </p:cNvPr>
+          <p:cNvCxnSpPr>
+            <a:cxnSpLocks/>
+            <a:stCxn id="46" idx="6"/>
+            <a:endCxn id="47" idx="2"/>
+          </p:cNvCxnSpPr>
+          <p:nvPr/>
+        </p:nvCxnSpPr>
+        <p:spPr>
+          <a:xfrm>
+            <a:off x="2411760" y="5373216"/>
+            <a:ext cx="792088" cy="0"/>
+          </a:xfrm>
+          <a:prstGeom prst="line">
+            <a:avLst/>
+          </a:prstGeom>
+          <a:ln w="57150">
+            <a:solidFill>
+              <a:schemeClr val="tx1"/>
+            </a:solidFill>
+            <a:headEnd type="none" w="med" len="med"/>
+            <a:tailEnd type="none" w="med" len="med"/>
+          </a:ln>
+        </p:spPr>
+        <p:style>
+          <a:lnRef idx="1">
+            <a:schemeClr val="accent1"/>
+          </a:lnRef>
+          <a:fillRef idx="0">
+            <a:schemeClr val="accent1"/>
+          </a:fillRef>
+          <a:effectRef idx="0">
+            <a:schemeClr val="accent1"/>
+          </a:effectRef>
+          <a:fontRef idx="minor">
+            <a:schemeClr val="tx1"/>
+          </a:fontRef>
+        </p:style>
+      </p:cxnSp>
+      <p:sp>
+        <p:nvSpPr>
+          <p:cNvPr id="54" name="四角形: 1 つの角を切り取り 1 つの角を丸める 53">
+            <a:extLst>
+              <a:ext uri="{FF2B5EF4-FFF2-40B4-BE49-F238E27FC236}">
+                <a16:creationId xmlns:a16="http://schemas.microsoft.com/office/drawing/2014/main" id="{84DD802D-F6A3-4D4A-BF95-A2DB0E623472}"/>
+              </a:ext>
+            </a:extLst>
+          </p:cNvPr>
+          <p:cNvSpPr/>
+          <p:nvPr/>
+        </p:nvSpPr>
+        <p:spPr>
+          <a:xfrm>
+            <a:off x="2853299" y="4509120"/>
+            <a:ext cx="990600" cy="387191"/>
+          </a:xfrm>
+          <a:prstGeom prst="snipRoundRect">
+            <a:avLst/>
+          </a:prstGeom>
+          <a:solidFill>
+            <a:schemeClr val="accent3">
+              <a:lumMod val="20000"/>
+              <a:lumOff val="80000"/>
+            </a:schemeClr>
+          </a:solidFill>
+          <a:ln>
+            <a:solidFill>
+              <a:schemeClr val="tx1"/>
+            </a:solidFill>
+          </a:ln>
+        </p:spPr>
+        <p:txBody>
+          <a:bodyPr wrap="square" rtlCol="0" anchor="ctr">
+            <a:spAutoFit/>
+          </a:bodyPr>
+          <a:lstStyle/>
+          <a:p>
+            <a:pPr algn="ctr"/>
+            <a:r>
+              <a:rPr kumimoji="1" lang="en-US" altLang="ja-JP" dirty="0"/>
+              <a:t>master</a:t>
+            </a:r>
+            <a:endParaRPr kumimoji="1" lang="ja-JP" altLang="en-US" dirty="0"/>
+          </a:p>
+        </p:txBody>
+      </p:sp>
+      <p:cxnSp>
+        <p:nvCxnSpPr>
+          <p:cNvPr id="55" name="直線矢印コネクタ 54">
+            <a:extLst>
+              <a:ext uri="{FF2B5EF4-FFF2-40B4-BE49-F238E27FC236}">
+                <a16:creationId xmlns:a16="http://schemas.microsoft.com/office/drawing/2014/main" id="{693A97D3-8676-4E49-B772-6B137E2AAF0A}"/>
+              </a:ext>
+            </a:extLst>
+          </p:cNvPr>
+          <p:cNvCxnSpPr>
+            <a:cxnSpLocks/>
+            <a:stCxn id="54" idx="1"/>
+            <a:endCxn id="47" idx="0"/>
+          </p:cNvCxnSpPr>
+          <p:nvPr/>
+        </p:nvCxnSpPr>
+        <p:spPr>
+          <a:xfrm flipH="1">
+            <a:off x="3347864" y="4896311"/>
+            <a:ext cx="735" cy="332889"/>
+          </a:xfrm>
+          <a:prstGeom prst="straightConnector1">
+            <a:avLst/>
+          </a:prstGeom>
+          <a:ln w="9525">
+            <a:solidFill>
+              <a:schemeClr val="tx1"/>
+            </a:solidFill>
+            <a:headEnd type="none"/>
+            <a:tailEnd type="triangle"/>
+          </a:ln>
+          <a:effectLst/>
+        </p:spPr>
+        <p:style>
+          <a:lnRef idx="2">
+            <a:schemeClr val="accent1"/>
+          </a:lnRef>
+          <a:fillRef idx="0">
+            <a:schemeClr val="accent1"/>
+          </a:fillRef>
+          <a:effectRef idx="1">
+            <a:schemeClr val="accent1"/>
+          </a:effectRef>
+          <a:fontRef idx="minor">
+            <a:schemeClr val="tx1"/>
+          </a:fontRef>
+        </p:style>
+      </p:cxnSp>
+      <p:sp>
+        <p:nvSpPr>
+          <p:cNvPr id="60" name="楕円 4">
+            <a:extLst>
+              <a:ext uri="{FF2B5EF4-FFF2-40B4-BE49-F238E27FC236}">
+                <a16:creationId xmlns:a16="http://schemas.microsoft.com/office/drawing/2014/main" id="{677CF609-4869-4E21-A6D8-A838A0642AD8}"/>
+              </a:ext>
+            </a:extLst>
+          </p:cNvPr>
+          <p:cNvSpPr/>
+          <p:nvPr/>
+        </p:nvSpPr>
+        <p:spPr>
+          <a:xfrm>
+            <a:off x="4283968" y="5229200"/>
+            <a:ext cx="288032" cy="288032"/>
+          </a:xfrm>
+          <a:prstGeom prst="ellipse">
+            <a:avLst/>
+          </a:prstGeom>
+          <a:solidFill>
+            <a:srgbClr val="FFC000"/>
+          </a:solidFill>
+          <a:ln>
+            <a:solidFill>
+              <a:schemeClr val="tx1"/>
+            </a:solidFill>
+          </a:ln>
+        </p:spPr>
+        <p:style>
+          <a:lnRef idx="2">
+            <a:schemeClr val="accent1">
+              <a:shade val="50000"/>
+            </a:schemeClr>
+          </a:lnRef>
+          <a:fillRef idx="1">
+            <a:schemeClr val="accent1"/>
+          </a:fillRef>
+          <a:effectRef idx="0">
+            <a:schemeClr val="accent1"/>
+          </a:effectRef>
+          <a:fontRef idx="minor">
+            <a:schemeClr val="lt1"/>
+          </a:fontRef>
+        </p:style>
+        <p:txBody>
+          <a:bodyPr rtlCol="0" anchor="ctr"/>
+          <a:lstStyle/>
+          <a:p>
+            <a:pPr algn="ctr"/>
+            <a:endParaRPr kumimoji="1" lang="ja-JP" altLang="en-US"/>
+          </a:p>
+        </p:txBody>
+      </p:sp>
+      <p:cxnSp>
+        <p:nvCxnSpPr>
+          <p:cNvPr id="61" name="直線コネクタ 60">
+            <a:extLst>
+              <a:ext uri="{FF2B5EF4-FFF2-40B4-BE49-F238E27FC236}">
+                <a16:creationId xmlns:a16="http://schemas.microsoft.com/office/drawing/2014/main" id="{E4769C81-0C52-491D-BDF9-78FE125BF021}"/>
+              </a:ext>
+            </a:extLst>
+          </p:cNvPr>
+          <p:cNvCxnSpPr>
+            <a:cxnSpLocks/>
+            <a:endCxn id="60" idx="2"/>
+          </p:cNvCxnSpPr>
+          <p:nvPr/>
+        </p:nvCxnSpPr>
+        <p:spPr>
+          <a:xfrm>
+            <a:off x="3491880" y="5373216"/>
+            <a:ext cx="792088" cy="0"/>
+          </a:xfrm>
+          <a:prstGeom prst="line">
+            <a:avLst/>
+          </a:prstGeom>
+          <a:ln w="57150">
+            <a:solidFill>
+              <a:schemeClr val="tx1"/>
+            </a:solidFill>
+            <a:headEnd type="none" w="med" len="med"/>
+            <a:tailEnd type="none" w="med" len="med"/>
+          </a:ln>
+        </p:spPr>
+        <p:style>
+          <a:lnRef idx="1">
+            <a:schemeClr val="accent1"/>
+          </a:lnRef>
+          <a:fillRef idx="0">
+            <a:schemeClr val="accent1"/>
+          </a:fillRef>
+          <a:effectRef idx="0">
+            <a:schemeClr val="accent1"/>
+          </a:effectRef>
+          <a:fontRef idx="minor">
+            <a:schemeClr val="tx1"/>
+          </a:fontRef>
+        </p:style>
+      </p:cxnSp>
+      <p:sp>
+        <p:nvSpPr>
+          <p:cNvPr id="62" name="楕円 4">
+            <a:extLst>
+              <a:ext uri="{FF2B5EF4-FFF2-40B4-BE49-F238E27FC236}">
+                <a16:creationId xmlns:a16="http://schemas.microsoft.com/office/drawing/2014/main" id="{30670410-8B6B-454C-B769-7D4605F50E51}"/>
+              </a:ext>
+            </a:extLst>
+          </p:cNvPr>
+          <p:cNvSpPr/>
+          <p:nvPr/>
+        </p:nvSpPr>
+        <p:spPr>
+          <a:xfrm>
+            <a:off x="5364088" y="5229200"/>
+            <a:ext cx="288032" cy="288032"/>
+          </a:xfrm>
+          <a:prstGeom prst="ellipse">
+            <a:avLst/>
+          </a:prstGeom>
+          <a:solidFill>
+            <a:srgbClr val="FFC000"/>
+          </a:solidFill>
+          <a:ln>
+            <a:solidFill>
+              <a:schemeClr val="tx1"/>
+            </a:solidFill>
+          </a:ln>
+        </p:spPr>
+        <p:style>
+          <a:lnRef idx="2">
+            <a:schemeClr val="accent1">
+              <a:shade val="50000"/>
+            </a:schemeClr>
+          </a:lnRef>
+          <a:fillRef idx="1">
+            <a:schemeClr val="accent1"/>
+          </a:fillRef>
+          <a:effectRef idx="0">
+            <a:schemeClr val="accent1"/>
+          </a:effectRef>
+          <a:fontRef idx="minor">
+            <a:schemeClr val="lt1"/>
+          </a:fontRef>
+        </p:style>
+        <p:txBody>
+          <a:bodyPr rtlCol="0" anchor="ctr"/>
+          <a:lstStyle/>
+          <a:p>
+            <a:pPr algn="ctr"/>
+            <a:endParaRPr kumimoji="1" lang="ja-JP" altLang="en-US"/>
+          </a:p>
+        </p:txBody>
+      </p:sp>
+      <p:cxnSp>
+        <p:nvCxnSpPr>
+          <p:cNvPr id="63" name="直線コネクタ 62">
+            <a:extLst>
+              <a:ext uri="{FF2B5EF4-FFF2-40B4-BE49-F238E27FC236}">
+                <a16:creationId xmlns:a16="http://schemas.microsoft.com/office/drawing/2014/main" id="{9A577101-F0C3-4D1B-82DD-B3415A8ABDB0}"/>
+              </a:ext>
+            </a:extLst>
+          </p:cNvPr>
+          <p:cNvCxnSpPr>
+            <a:cxnSpLocks/>
+            <a:endCxn id="62" idx="2"/>
+          </p:cNvCxnSpPr>
+          <p:nvPr/>
+        </p:nvCxnSpPr>
+        <p:spPr>
+          <a:xfrm>
+            <a:off x="4572000" y="5373216"/>
+            <a:ext cx="792088" cy="0"/>
+          </a:xfrm>
+          <a:prstGeom prst="line">
+            <a:avLst/>
+          </a:prstGeom>
+          <a:ln w="57150">
+            <a:solidFill>
+              <a:schemeClr val="tx1"/>
+            </a:solidFill>
+            <a:headEnd type="none" w="med" len="med"/>
+            <a:tailEnd type="none" w="med" len="med"/>
+          </a:ln>
+        </p:spPr>
+        <p:style>
+          <a:lnRef idx="1">
+            <a:schemeClr val="accent1"/>
+          </a:lnRef>
+          <a:fillRef idx="0">
+            <a:schemeClr val="accent1"/>
+          </a:fillRef>
+          <a:effectRef idx="0">
+            <a:schemeClr val="accent1"/>
+          </a:effectRef>
+          <a:fontRef idx="minor">
+            <a:schemeClr val="tx1"/>
+          </a:fontRef>
+        </p:style>
+      </p:cxnSp>
+      <p:sp>
+        <p:nvSpPr>
+          <p:cNvPr id="64" name="四角形: 1 つの角を切り取り 1 つの角を丸める 63">
+            <a:extLst>
+              <a:ext uri="{FF2B5EF4-FFF2-40B4-BE49-F238E27FC236}">
+                <a16:creationId xmlns:a16="http://schemas.microsoft.com/office/drawing/2014/main" id="{29B04346-255E-403F-A36B-7366EDAA73F1}"/>
+              </a:ext>
+            </a:extLst>
+          </p:cNvPr>
+          <p:cNvSpPr/>
+          <p:nvPr/>
+        </p:nvSpPr>
+        <p:spPr>
+          <a:xfrm>
+            <a:off x="5012069" y="4485238"/>
+            <a:ext cx="990600" cy="387191"/>
+          </a:xfrm>
+          <a:prstGeom prst="snipRoundRect">
+            <a:avLst/>
+          </a:prstGeom>
+          <a:solidFill>
+            <a:schemeClr val="accent3">
+              <a:lumMod val="20000"/>
+              <a:lumOff val="80000"/>
+            </a:schemeClr>
+          </a:solidFill>
+          <a:ln>
+            <a:solidFill>
+              <a:schemeClr val="tx1"/>
+            </a:solidFill>
+          </a:ln>
+        </p:spPr>
+        <p:txBody>
+          <a:bodyPr wrap="square" rtlCol="0" anchor="ctr">
+            <a:spAutoFit/>
+          </a:bodyPr>
+          <a:lstStyle/>
+          <a:p>
+            <a:pPr algn="ctr"/>
+            <a:r>
+              <a:rPr lang="en-US" altLang="ja-JP" dirty="0"/>
+              <a:t>branch</a:t>
+            </a:r>
+            <a:endParaRPr kumimoji="1" lang="ja-JP" altLang="en-US" dirty="0"/>
+          </a:p>
+        </p:txBody>
+      </p:sp>
+      <p:cxnSp>
+        <p:nvCxnSpPr>
+          <p:cNvPr id="65" name="直線矢印コネクタ 64">
+            <a:extLst>
+              <a:ext uri="{FF2B5EF4-FFF2-40B4-BE49-F238E27FC236}">
+                <a16:creationId xmlns:a16="http://schemas.microsoft.com/office/drawing/2014/main" id="{0DEB8033-4925-4D52-80FA-032A6D420F7E}"/>
+              </a:ext>
+            </a:extLst>
+          </p:cNvPr>
+          <p:cNvCxnSpPr>
+            <a:cxnSpLocks/>
+            <a:stCxn id="64" idx="1"/>
+            <a:endCxn id="62" idx="0"/>
+          </p:cNvCxnSpPr>
+          <p:nvPr/>
+        </p:nvCxnSpPr>
+        <p:spPr>
+          <a:xfrm>
+            <a:off x="5507369" y="4872429"/>
+            <a:ext cx="735" cy="356771"/>
+          </a:xfrm>
+          <a:prstGeom prst="straightConnector1">
+            <a:avLst/>
+          </a:prstGeom>
+          <a:ln w="9525">
+            <a:solidFill>
+              <a:schemeClr val="tx1"/>
+            </a:solidFill>
+            <a:headEnd type="none"/>
+            <a:tailEnd type="triangle"/>
+          </a:ln>
+          <a:effectLst/>
+        </p:spPr>
+        <p:style>
+          <a:lnRef idx="2">
+            <a:schemeClr val="accent1"/>
+          </a:lnRef>
+          <a:fillRef idx="0">
+            <a:schemeClr val="accent1"/>
+          </a:fillRef>
+          <a:effectRef idx="1">
+            <a:schemeClr val="accent1"/>
+          </a:effectRef>
+          <a:fontRef idx="minor">
+            <a:schemeClr val="tx1"/>
+          </a:fontRef>
+        </p:style>
+      </p:cxnSp>
+      <p:sp>
+        <p:nvSpPr>
+          <p:cNvPr id="68" name="正方形/長方形 67">
+            <a:extLst>
+              <a:ext uri="{FF2B5EF4-FFF2-40B4-BE49-F238E27FC236}">
+                <a16:creationId xmlns:a16="http://schemas.microsoft.com/office/drawing/2014/main" id="{759FD3AC-4426-48A9-B06F-3FF4D74139C6}"/>
+              </a:ext>
+            </a:extLst>
+          </p:cNvPr>
+          <p:cNvSpPr/>
+          <p:nvPr/>
+        </p:nvSpPr>
+        <p:spPr>
+          <a:xfrm>
+            <a:off x="5028111" y="3701171"/>
+            <a:ext cx="960120" cy="369332"/>
+          </a:xfrm>
+          <a:prstGeom prst="rect">
+            <a:avLst/>
+          </a:prstGeom>
+          <a:ln>
+            <a:solidFill>
+              <a:schemeClr val="tx1"/>
+            </a:solidFill>
+          </a:ln>
+        </p:spPr>
+        <p:txBody>
+          <a:bodyPr wrap="square" rtlCol="0" anchor="ctr">
+            <a:spAutoFit/>
+          </a:bodyPr>
+          <a:lstStyle/>
+          <a:p>
+            <a:pPr algn="ctr"/>
+            <a:r>
+              <a:rPr kumimoji="1" lang="en-US" altLang="ja-JP" dirty="0"/>
+              <a:t>HEAD</a:t>
+            </a:r>
+            <a:endParaRPr kumimoji="1" lang="ja-JP" altLang="en-US" dirty="0"/>
+          </a:p>
+        </p:txBody>
+      </p:sp>
+      <p:cxnSp>
+        <p:nvCxnSpPr>
+          <p:cNvPr id="69" name="直線矢印コネクタ 68">
+            <a:extLst>
+              <a:ext uri="{FF2B5EF4-FFF2-40B4-BE49-F238E27FC236}">
+                <a16:creationId xmlns:a16="http://schemas.microsoft.com/office/drawing/2014/main" id="{548FF427-95CA-4F0D-A6AD-25FB8C9B9EDA}"/>
+              </a:ext>
+            </a:extLst>
+          </p:cNvPr>
+          <p:cNvCxnSpPr>
+            <a:cxnSpLocks/>
+            <a:stCxn id="68" idx="2"/>
+            <a:endCxn id="64" idx="3"/>
+          </p:cNvCxnSpPr>
+          <p:nvPr/>
+        </p:nvCxnSpPr>
+        <p:spPr>
+          <a:xfrm flipH="1">
+            <a:off x="5507369" y="4070503"/>
+            <a:ext cx="802" cy="414735"/>
+          </a:xfrm>
+          <a:prstGeom prst="straightConnector1">
+            <a:avLst/>
+          </a:prstGeom>
+          <a:ln w="9525">
+            <a:solidFill>
+              <a:schemeClr val="tx1"/>
+            </a:solidFill>
+            <a:headEnd type="none"/>
+            <a:tailEnd type="triangle"/>
+          </a:ln>
+          <a:effectLst/>
+        </p:spPr>
+        <p:style>
+          <a:lnRef idx="2">
+            <a:schemeClr val="accent1"/>
+          </a:lnRef>
+          <a:fillRef idx="0">
+            <a:schemeClr val="accent1"/>
+          </a:fillRef>
+          <a:effectRef idx="1">
+            <a:schemeClr val="accent1"/>
+          </a:effectRef>
+          <a:fontRef idx="minor">
+            <a:schemeClr val="tx1"/>
+          </a:fontRef>
+        </p:style>
+      </p:cxnSp>
+      <p:sp>
+        <p:nvSpPr>
+          <p:cNvPr id="74" name="テキスト ボックス 73">
+            <a:extLst>
+              <a:ext uri="{FF2B5EF4-FFF2-40B4-BE49-F238E27FC236}">
+                <a16:creationId xmlns:a16="http://schemas.microsoft.com/office/drawing/2014/main" id="{3B330684-8466-4D4B-86FC-2AFD7330AE5D}"/>
+              </a:ext>
+            </a:extLst>
+          </p:cNvPr>
+          <p:cNvSpPr txBox="1"/>
+          <p:nvPr/>
+        </p:nvSpPr>
+        <p:spPr>
+          <a:xfrm>
+            <a:off x="4139952" y="2636912"/>
+            <a:ext cx="3413114" cy="461665"/>
+          </a:xfrm>
+          <a:prstGeom prst="rect">
+            <a:avLst/>
+          </a:prstGeom>
+          <a:solidFill>
+            <a:schemeClr val="tx1"/>
+          </a:solidFill>
+        </p:spPr>
+        <p:txBody>
+          <a:bodyPr wrap="none" rtlCol="0">
+            <a:spAutoFit/>
+          </a:bodyPr>
+          <a:lstStyle/>
+          <a:p>
+            <a:r>
+              <a:rPr lang="en-US" altLang="ja-JP" sz="2400" dirty="0">
+                <a:solidFill>
+                  <a:schemeClr val="bg1"/>
+                </a:solidFill>
+                <a:latin typeface="Consolas" panose="020B0609020204030204" pitchFamily="49" charset="0"/>
+              </a:rPr>
+              <a:t>$ git </a:t>
+            </a:r>
+            <a:r>
+              <a:rPr lang="en-US" altLang="ja-JP" sz="2400">
+                <a:solidFill>
+                  <a:schemeClr val="bg1"/>
+                </a:solidFill>
+                <a:latin typeface="Consolas" panose="020B0609020204030204" pitchFamily="49" charset="0"/>
+              </a:rPr>
+              <a:t>rebase master</a:t>
+            </a:r>
+            <a:endParaRPr kumimoji="1" lang="ja-JP" altLang="en-US" sz="2400" dirty="0">
+              <a:solidFill>
+                <a:schemeClr val="bg1"/>
+              </a:solidFill>
+              <a:latin typeface="Consolas" panose="020B0609020204030204" pitchFamily="49" charset="0"/>
+            </a:endParaRPr>
+          </a:p>
+        </p:txBody>
+      </p:sp>
+      <p:sp>
+        <p:nvSpPr>
+          <p:cNvPr id="77" name="矢印: 下 76">
+            <a:extLst>
+              <a:ext uri="{FF2B5EF4-FFF2-40B4-BE49-F238E27FC236}">
+                <a16:creationId xmlns:a16="http://schemas.microsoft.com/office/drawing/2014/main" id="{2BE4CC32-5EFD-47F5-A26A-A53985DE3536}"/>
+              </a:ext>
+            </a:extLst>
+          </p:cNvPr>
+          <p:cNvSpPr/>
+          <p:nvPr/>
+        </p:nvSpPr>
+        <p:spPr>
+          <a:xfrm>
+            <a:off x="3131840" y="3068960"/>
+            <a:ext cx="576064" cy="474352"/>
+          </a:xfrm>
+          <a:prstGeom prst="downArrow">
+            <a:avLst/>
+          </a:prstGeom>
+          <a:solidFill>
+            <a:srgbClr val="FF0000"/>
+          </a:solidFill>
+          <a:ln>
+            <a:solidFill>
+              <a:schemeClr val="tx1"/>
+            </a:solidFill>
+          </a:ln>
+        </p:spPr>
+        <p:txBody>
+          <a:bodyPr wrap="square" rtlCol="0" anchor="ctr">
+            <a:spAutoFit/>
+          </a:bodyPr>
+          <a:lstStyle/>
+          <a:p>
+            <a:pPr algn="ctr"/>
+            <a:endParaRPr kumimoji="1" lang="ja-JP" altLang="en-US" sz="2400" dirty="0"/>
+          </a:p>
+        </p:txBody>
+      </p:sp>
+    </p:spTree>
+    <p:extLst>
+      <p:ext uri="{BB962C8B-B14F-4D97-AF65-F5344CB8AC3E}">
+        <p14:creationId xmlns:p14="http://schemas.microsoft.com/office/powerpoint/2010/main" val="4164375046"/>
       </p:ext>
     </p:extLst>
   </p:cSld>

--- a/articles/rebase_of_git/fig.pptx
+++ b/articles/rebase_of_git/fig.pptx
@@ -5,7 +5,7 @@
     <p:sldMasterId id="2147483648" r:id="rId1"/>
   </p:sldMasterIdLst>
   <p:notesMasterIdLst>
-    <p:notesMasterId r:id="rId7"/>
+    <p:notesMasterId r:id="rId9"/>
   </p:notesMasterIdLst>
   <p:sldIdLst>
     <p:sldId id="256" r:id="rId2"/>
@@ -13,6 +13,8 @@
     <p:sldId id="258" r:id="rId4"/>
     <p:sldId id="259" r:id="rId5"/>
     <p:sldId id="260" r:id="rId6"/>
+    <p:sldId id="261" r:id="rId7"/>
+    <p:sldId id="262" r:id="rId8"/>
   </p:sldIdLst>
   <p:sldSz cx="9144000" cy="6858000" type="screen4x3"/>
   <p:notesSz cx="6858000" cy="9144000"/>
@@ -9984,6 +9986,7630 @@
     <p:extLst>
       <p:ext uri="{BB962C8B-B14F-4D97-AF65-F5344CB8AC3E}">
         <p14:creationId xmlns:p14="http://schemas.microsoft.com/office/powerpoint/2010/main" val="4164375046"/>
+      </p:ext>
+    </p:extLst>
+  </p:cSld>
+  <p:clrMapOvr>
+    <a:masterClrMapping/>
+  </p:clrMapOvr>
+</p:sld>
+</file>
+
+<file path=ppt/slides/slide6.xml><?xml version="1.0" encoding="utf-8"?>
+<p:sld xmlns:a="http://schemas.openxmlformats.org/drawingml/2006/main" xmlns:r="http://schemas.openxmlformats.org/officeDocument/2006/relationships" xmlns:p="http://schemas.openxmlformats.org/presentationml/2006/main">
+  <p:cSld>
+    <p:spTree>
+      <p:nvGrpSpPr>
+        <p:cNvPr id="1" name=""/>
+        <p:cNvGrpSpPr/>
+        <p:nvPr/>
+      </p:nvGrpSpPr>
+      <p:grpSpPr>
+        <a:xfrm>
+          <a:off x="0" y="0"/>
+          <a:ext cx="0" cy="0"/>
+          <a:chOff x="0" y="0"/>
+          <a:chExt cx="0" cy="0"/>
+        </a:xfrm>
+      </p:grpSpPr>
+      <p:grpSp>
+        <p:nvGrpSpPr>
+          <p:cNvPr id="2" name="グループ化 1">
+            <a:extLst>
+              <a:ext uri="{FF2B5EF4-FFF2-40B4-BE49-F238E27FC236}">
+                <a16:creationId xmlns:a16="http://schemas.microsoft.com/office/drawing/2014/main" id="{50A470FF-F858-411B-8667-BD0E893CA4AD}"/>
+              </a:ext>
+            </a:extLst>
+          </p:cNvPr>
+          <p:cNvGrpSpPr/>
+          <p:nvPr/>
+        </p:nvGrpSpPr>
+        <p:grpSpPr>
+          <a:xfrm>
+            <a:off x="588585" y="1371945"/>
+            <a:ext cx="504056" cy="378042"/>
+            <a:chOff x="2411760" y="4491118"/>
+            <a:chExt cx="504056" cy="378042"/>
+          </a:xfrm>
+        </p:grpSpPr>
+        <p:sp>
+          <p:nvSpPr>
+            <p:cNvPr id="3" name="正方形/長方形 2">
+              <a:extLst>
+                <a:ext uri="{FF2B5EF4-FFF2-40B4-BE49-F238E27FC236}">
+                  <a16:creationId xmlns:a16="http://schemas.microsoft.com/office/drawing/2014/main" id="{54776EF2-96D4-41C2-A4EA-5A48B708502A}"/>
+                </a:ext>
+              </a:extLst>
+            </p:cNvPr>
+            <p:cNvSpPr/>
+            <p:nvPr/>
+          </p:nvSpPr>
+          <p:spPr>
+            <a:xfrm>
+              <a:off x="2411760" y="4743146"/>
+              <a:ext cx="504056" cy="126014"/>
+            </a:xfrm>
+            <a:prstGeom prst="rect">
+              <a:avLst/>
+            </a:prstGeom>
+            <a:solidFill>
+              <a:schemeClr val="accent1"/>
+            </a:solidFill>
+            <a:ln>
+              <a:noFill/>
+            </a:ln>
+          </p:spPr>
+          <p:txBody>
+            <a:bodyPr wrap="square" rtlCol="0" anchor="ctr">
+              <a:spAutoFit/>
+            </a:bodyPr>
+            <a:lstStyle/>
+            <a:p>
+              <a:pPr algn="ctr"/>
+              <a:endParaRPr kumimoji="1" lang="ja-JP" altLang="en-US" sz="2400" dirty="0"/>
+            </a:p>
+          </p:txBody>
+        </p:sp>
+        <p:sp>
+          <p:nvSpPr>
+            <p:cNvPr id="4" name="直角三角形 3">
+              <a:extLst>
+                <a:ext uri="{FF2B5EF4-FFF2-40B4-BE49-F238E27FC236}">
+                  <a16:creationId xmlns:a16="http://schemas.microsoft.com/office/drawing/2014/main" id="{7E9E865D-6742-44C1-84F4-05E6049B3759}"/>
+                </a:ext>
+              </a:extLst>
+            </p:cNvPr>
+            <p:cNvSpPr/>
+            <p:nvPr/>
+          </p:nvSpPr>
+          <p:spPr>
+            <a:xfrm rot="16200000">
+              <a:off x="2411760" y="4491118"/>
+              <a:ext cx="252028" cy="252028"/>
+            </a:xfrm>
+            <a:prstGeom prst="rtTriangle">
+              <a:avLst/>
+            </a:prstGeom>
+            <a:solidFill>
+              <a:schemeClr val="accent1"/>
+            </a:solidFill>
+            <a:ln>
+              <a:noFill/>
+            </a:ln>
+          </p:spPr>
+          <p:txBody>
+            <a:bodyPr wrap="square" rtlCol="0" anchor="ctr">
+              <a:spAutoFit/>
+            </a:bodyPr>
+            <a:lstStyle/>
+            <a:p>
+              <a:pPr algn="ctr"/>
+              <a:endParaRPr kumimoji="1" lang="ja-JP" altLang="en-US" sz="2400" dirty="0"/>
+            </a:p>
+          </p:txBody>
+        </p:sp>
+        <p:sp>
+          <p:nvSpPr>
+            <p:cNvPr id="5" name="直角三角形 4">
+              <a:extLst>
+                <a:ext uri="{FF2B5EF4-FFF2-40B4-BE49-F238E27FC236}">
+                  <a16:creationId xmlns:a16="http://schemas.microsoft.com/office/drawing/2014/main" id="{A6F671B3-8D6D-4543-90A6-5FB68BBBD26C}"/>
+                </a:ext>
+              </a:extLst>
+            </p:cNvPr>
+            <p:cNvSpPr/>
+            <p:nvPr/>
+          </p:nvSpPr>
+          <p:spPr>
+            <a:xfrm>
+              <a:off x="2663788" y="4491118"/>
+              <a:ext cx="252028" cy="252028"/>
+            </a:xfrm>
+            <a:prstGeom prst="rtTriangle">
+              <a:avLst/>
+            </a:prstGeom>
+            <a:solidFill>
+              <a:schemeClr val="accent1"/>
+            </a:solidFill>
+            <a:ln>
+              <a:noFill/>
+            </a:ln>
+          </p:spPr>
+          <p:txBody>
+            <a:bodyPr wrap="square" rtlCol="0" anchor="ctr">
+              <a:spAutoFit/>
+            </a:bodyPr>
+            <a:lstStyle/>
+            <a:p>
+              <a:pPr algn="ctr"/>
+              <a:endParaRPr kumimoji="1" lang="ja-JP" altLang="en-US" sz="2400" dirty="0"/>
+            </a:p>
+          </p:txBody>
+        </p:sp>
+      </p:grpSp>
+      <p:sp>
+        <p:nvSpPr>
+          <p:cNvPr id="6" name="直角三角形 5">
+            <a:extLst>
+              <a:ext uri="{FF2B5EF4-FFF2-40B4-BE49-F238E27FC236}">
+                <a16:creationId xmlns:a16="http://schemas.microsoft.com/office/drawing/2014/main" id="{F2789D9E-757A-47F4-9895-BFF6D236D6C0}"/>
+              </a:ext>
+            </a:extLst>
+          </p:cNvPr>
+          <p:cNvSpPr/>
+          <p:nvPr/>
+        </p:nvSpPr>
+        <p:spPr>
+          <a:xfrm rot="5400000">
+            <a:off x="1882824" y="282300"/>
+            <a:ext cx="252028" cy="252028"/>
+          </a:xfrm>
+          <a:prstGeom prst="rtTriangle">
+            <a:avLst/>
+          </a:prstGeom>
+          <a:solidFill>
+            <a:schemeClr val="accent3">
+              <a:lumMod val="60000"/>
+              <a:lumOff val="40000"/>
+            </a:schemeClr>
+          </a:solidFill>
+          <a:ln>
+            <a:noFill/>
+          </a:ln>
+        </p:spPr>
+        <p:txBody>
+          <a:bodyPr wrap="square" rtlCol="0" anchor="ctr">
+            <a:spAutoFit/>
+          </a:bodyPr>
+          <a:lstStyle/>
+          <a:p>
+            <a:pPr algn="ctr"/>
+            <a:endParaRPr kumimoji="1" lang="ja-JP" altLang="en-US" sz="2400" dirty="0"/>
+          </a:p>
+        </p:txBody>
+      </p:sp>
+      <p:sp>
+        <p:nvSpPr>
+          <p:cNvPr id="7" name="正方形/長方形 6">
+            <a:extLst>
+              <a:ext uri="{FF2B5EF4-FFF2-40B4-BE49-F238E27FC236}">
+                <a16:creationId xmlns:a16="http://schemas.microsoft.com/office/drawing/2014/main" id="{014B022A-9EB1-421F-9533-D390796AD04C}"/>
+              </a:ext>
+            </a:extLst>
+          </p:cNvPr>
+          <p:cNvSpPr/>
+          <p:nvPr/>
+        </p:nvSpPr>
+        <p:spPr>
+          <a:xfrm>
+            <a:off x="3169744" y="2731698"/>
+            <a:ext cx="252028" cy="126014"/>
+          </a:xfrm>
+          <a:prstGeom prst="rect">
+            <a:avLst/>
+          </a:prstGeom>
+          <a:solidFill>
+            <a:schemeClr val="accent6">
+              <a:lumMod val="60000"/>
+              <a:lumOff val="40000"/>
+            </a:schemeClr>
+          </a:solidFill>
+          <a:ln>
+            <a:noFill/>
+          </a:ln>
+        </p:spPr>
+        <p:txBody>
+          <a:bodyPr wrap="square" rtlCol="0" anchor="ctr">
+            <a:spAutoFit/>
+          </a:bodyPr>
+          <a:lstStyle/>
+          <a:p>
+            <a:pPr algn="ctr"/>
+            <a:endParaRPr kumimoji="1" lang="ja-JP" altLang="en-US" sz="2400" dirty="0"/>
+          </a:p>
+        </p:txBody>
+      </p:sp>
+      <p:sp>
+        <p:nvSpPr>
+          <p:cNvPr id="8" name="楕円 4">
+            <a:extLst>
+              <a:ext uri="{FF2B5EF4-FFF2-40B4-BE49-F238E27FC236}">
+                <a16:creationId xmlns:a16="http://schemas.microsoft.com/office/drawing/2014/main" id="{771554F5-D352-4A30-8B53-C28963B72F51}"/>
+              </a:ext>
+            </a:extLst>
+          </p:cNvPr>
+          <p:cNvSpPr/>
+          <p:nvPr/>
+        </p:nvSpPr>
+        <p:spPr>
+          <a:xfrm>
+            <a:off x="1236657" y="1443953"/>
+            <a:ext cx="288032" cy="288032"/>
+          </a:xfrm>
+          <a:prstGeom prst="ellipse">
+            <a:avLst/>
+          </a:prstGeom>
+          <a:solidFill>
+            <a:srgbClr val="011893"/>
+          </a:solidFill>
+          <a:ln>
+            <a:solidFill>
+              <a:schemeClr val="tx1"/>
+            </a:solidFill>
+          </a:ln>
+        </p:spPr>
+        <p:style>
+          <a:lnRef idx="2">
+            <a:schemeClr val="accent1">
+              <a:shade val="50000"/>
+            </a:schemeClr>
+          </a:lnRef>
+          <a:fillRef idx="1">
+            <a:schemeClr val="accent1"/>
+          </a:fillRef>
+          <a:effectRef idx="0">
+            <a:schemeClr val="accent1"/>
+          </a:effectRef>
+          <a:fontRef idx="minor">
+            <a:schemeClr val="lt1"/>
+          </a:fontRef>
+        </p:style>
+        <p:txBody>
+          <a:bodyPr rtlCol="0" anchor="ctr"/>
+          <a:lstStyle/>
+          <a:p>
+            <a:pPr algn="ctr"/>
+            <a:endParaRPr kumimoji="1" lang="ja-JP" altLang="en-US"/>
+          </a:p>
+        </p:txBody>
+      </p:sp>
+      <p:sp>
+        <p:nvSpPr>
+          <p:cNvPr id="9" name="楕円 4">
+            <a:extLst>
+              <a:ext uri="{FF2B5EF4-FFF2-40B4-BE49-F238E27FC236}">
+                <a16:creationId xmlns:a16="http://schemas.microsoft.com/office/drawing/2014/main" id="{48EC42BE-4B34-49C7-8BF1-EB2FCAD9FD11}"/>
+              </a:ext>
+            </a:extLst>
+          </p:cNvPr>
+          <p:cNvSpPr/>
+          <p:nvPr/>
+        </p:nvSpPr>
+        <p:spPr>
+          <a:xfrm>
+            <a:off x="2028745" y="723873"/>
+            <a:ext cx="288032" cy="288032"/>
+          </a:xfrm>
+          <a:prstGeom prst="ellipse">
+            <a:avLst/>
+          </a:prstGeom>
+          <a:solidFill>
+            <a:srgbClr val="011893"/>
+          </a:solidFill>
+          <a:ln>
+            <a:solidFill>
+              <a:schemeClr val="tx1"/>
+            </a:solidFill>
+          </a:ln>
+        </p:spPr>
+        <p:style>
+          <a:lnRef idx="2">
+            <a:schemeClr val="accent1">
+              <a:shade val="50000"/>
+            </a:schemeClr>
+          </a:lnRef>
+          <a:fillRef idx="1">
+            <a:schemeClr val="accent1"/>
+          </a:fillRef>
+          <a:effectRef idx="0">
+            <a:schemeClr val="accent1"/>
+          </a:effectRef>
+          <a:fontRef idx="minor">
+            <a:schemeClr val="lt1"/>
+          </a:fontRef>
+        </p:style>
+        <p:txBody>
+          <a:bodyPr rtlCol="0" anchor="ctr"/>
+          <a:lstStyle/>
+          <a:p>
+            <a:pPr algn="ctr"/>
+            <a:endParaRPr kumimoji="1" lang="ja-JP" altLang="en-US"/>
+          </a:p>
+        </p:txBody>
+      </p:sp>
+      <p:sp>
+        <p:nvSpPr>
+          <p:cNvPr id="10" name="楕円 4">
+            <a:extLst>
+              <a:ext uri="{FF2B5EF4-FFF2-40B4-BE49-F238E27FC236}">
+                <a16:creationId xmlns:a16="http://schemas.microsoft.com/office/drawing/2014/main" id="{9CA07A4B-FFE2-4C6B-8B3C-A92F4BBB5F9B}"/>
+              </a:ext>
+            </a:extLst>
+          </p:cNvPr>
+          <p:cNvSpPr/>
+          <p:nvPr/>
+        </p:nvSpPr>
+        <p:spPr>
+          <a:xfrm>
+            <a:off x="3108865" y="723873"/>
+            <a:ext cx="288032" cy="288032"/>
+          </a:xfrm>
+          <a:prstGeom prst="ellipse">
+            <a:avLst/>
+          </a:prstGeom>
+          <a:solidFill>
+            <a:srgbClr val="011893"/>
+          </a:solidFill>
+          <a:ln>
+            <a:solidFill>
+              <a:schemeClr val="tx1"/>
+            </a:solidFill>
+          </a:ln>
+        </p:spPr>
+        <p:style>
+          <a:lnRef idx="2">
+            <a:schemeClr val="accent1">
+              <a:shade val="50000"/>
+            </a:schemeClr>
+          </a:lnRef>
+          <a:fillRef idx="1">
+            <a:schemeClr val="accent1"/>
+          </a:fillRef>
+          <a:effectRef idx="0">
+            <a:schemeClr val="accent1"/>
+          </a:effectRef>
+          <a:fontRef idx="minor">
+            <a:schemeClr val="lt1"/>
+          </a:fontRef>
+        </p:style>
+        <p:txBody>
+          <a:bodyPr rtlCol="0" anchor="ctr"/>
+          <a:lstStyle/>
+          <a:p>
+            <a:pPr algn="ctr"/>
+            <a:endParaRPr kumimoji="1" lang="ja-JP" altLang="en-US"/>
+          </a:p>
+        </p:txBody>
+      </p:sp>
+      <p:sp>
+        <p:nvSpPr>
+          <p:cNvPr id="11" name="楕円 4">
+            <a:extLst>
+              <a:ext uri="{FF2B5EF4-FFF2-40B4-BE49-F238E27FC236}">
+                <a16:creationId xmlns:a16="http://schemas.microsoft.com/office/drawing/2014/main" id="{31F6B975-7BC3-4312-B1A5-BD5DADA456ED}"/>
+              </a:ext>
+            </a:extLst>
+          </p:cNvPr>
+          <p:cNvSpPr/>
+          <p:nvPr/>
+        </p:nvSpPr>
+        <p:spPr>
+          <a:xfrm>
+            <a:off x="2028745" y="2164033"/>
+            <a:ext cx="288032" cy="288032"/>
+          </a:xfrm>
+          <a:prstGeom prst="ellipse">
+            <a:avLst/>
+          </a:prstGeom>
+          <a:solidFill>
+            <a:srgbClr val="FFC000"/>
+          </a:solidFill>
+          <a:ln>
+            <a:solidFill>
+              <a:schemeClr val="tx1"/>
+            </a:solidFill>
+          </a:ln>
+        </p:spPr>
+        <p:style>
+          <a:lnRef idx="2">
+            <a:schemeClr val="accent1">
+              <a:shade val="50000"/>
+            </a:schemeClr>
+          </a:lnRef>
+          <a:fillRef idx="1">
+            <a:schemeClr val="accent1"/>
+          </a:fillRef>
+          <a:effectRef idx="0">
+            <a:schemeClr val="accent1"/>
+          </a:effectRef>
+          <a:fontRef idx="minor">
+            <a:schemeClr val="lt1"/>
+          </a:fontRef>
+        </p:style>
+        <p:txBody>
+          <a:bodyPr rtlCol="0" anchor="ctr"/>
+          <a:lstStyle/>
+          <a:p>
+            <a:pPr algn="ctr"/>
+            <a:endParaRPr kumimoji="1" lang="ja-JP" altLang="en-US"/>
+          </a:p>
+        </p:txBody>
+      </p:sp>
+      <p:sp>
+        <p:nvSpPr>
+          <p:cNvPr id="12" name="楕円 4">
+            <a:extLst>
+              <a:ext uri="{FF2B5EF4-FFF2-40B4-BE49-F238E27FC236}">
+                <a16:creationId xmlns:a16="http://schemas.microsoft.com/office/drawing/2014/main" id="{30221B84-2748-484E-89AC-B21B8DD7C74B}"/>
+              </a:ext>
+            </a:extLst>
+          </p:cNvPr>
+          <p:cNvSpPr/>
+          <p:nvPr/>
+        </p:nvSpPr>
+        <p:spPr>
+          <a:xfrm>
+            <a:off x="3108865" y="2164033"/>
+            <a:ext cx="288032" cy="288032"/>
+          </a:xfrm>
+          <a:prstGeom prst="ellipse">
+            <a:avLst/>
+          </a:prstGeom>
+          <a:solidFill>
+            <a:srgbClr val="FFC000"/>
+          </a:solidFill>
+          <a:ln>
+            <a:solidFill>
+              <a:schemeClr val="tx1"/>
+            </a:solidFill>
+          </a:ln>
+        </p:spPr>
+        <p:style>
+          <a:lnRef idx="2">
+            <a:schemeClr val="accent1">
+              <a:shade val="50000"/>
+            </a:schemeClr>
+          </a:lnRef>
+          <a:fillRef idx="1">
+            <a:schemeClr val="accent1"/>
+          </a:fillRef>
+          <a:effectRef idx="0">
+            <a:schemeClr val="accent1"/>
+          </a:effectRef>
+          <a:fontRef idx="minor">
+            <a:schemeClr val="lt1"/>
+          </a:fontRef>
+        </p:style>
+        <p:txBody>
+          <a:bodyPr rtlCol="0" anchor="ctr"/>
+          <a:lstStyle/>
+          <a:p>
+            <a:pPr algn="ctr"/>
+            <a:endParaRPr kumimoji="1" lang="ja-JP" altLang="en-US"/>
+          </a:p>
+        </p:txBody>
+      </p:sp>
+      <p:cxnSp>
+        <p:nvCxnSpPr>
+          <p:cNvPr id="13" name="直線コネクタ 12">
+            <a:extLst>
+              <a:ext uri="{FF2B5EF4-FFF2-40B4-BE49-F238E27FC236}">
+                <a16:creationId xmlns:a16="http://schemas.microsoft.com/office/drawing/2014/main" id="{359E6D0A-999E-4621-8409-EBC557A6FFB0}"/>
+              </a:ext>
+            </a:extLst>
+          </p:cNvPr>
+          <p:cNvCxnSpPr>
+            <a:cxnSpLocks/>
+            <a:stCxn id="8" idx="7"/>
+            <a:endCxn id="9" idx="3"/>
+          </p:cNvCxnSpPr>
+          <p:nvPr/>
+        </p:nvCxnSpPr>
+        <p:spPr>
+          <a:xfrm flipV="1">
+            <a:off x="1482508" y="969724"/>
+            <a:ext cx="588418" cy="516410"/>
+          </a:xfrm>
+          <a:prstGeom prst="line">
+            <a:avLst/>
+          </a:prstGeom>
+          <a:ln w="57150">
+            <a:solidFill>
+              <a:schemeClr val="tx1"/>
+            </a:solidFill>
+            <a:headEnd type="none" w="med" len="med"/>
+            <a:tailEnd type="none" w="med" len="med"/>
+          </a:ln>
+        </p:spPr>
+        <p:style>
+          <a:lnRef idx="1">
+            <a:schemeClr val="accent1"/>
+          </a:lnRef>
+          <a:fillRef idx="0">
+            <a:schemeClr val="accent1"/>
+          </a:fillRef>
+          <a:effectRef idx="0">
+            <a:schemeClr val="accent1"/>
+          </a:effectRef>
+          <a:fontRef idx="minor">
+            <a:schemeClr val="tx1"/>
+          </a:fontRef>
+        </p:style>
+      </p:cxnSp>
+      <p:cxnSp>
+        <p:nvCxnSpPr>
+          <p:cNvPr id="14" name="直線コネクタ 13">
+            <a:extLst>
+              <a:ext uri="{FF2B5EF4-FFF2-40B4-BE49-F238E27FC236}">
+                <a16:creationId xmlns:a16="http://schemas.microsoft.com/office/drawing/2014/main" id="{EBABC8D5-8817-4065-8130-3742710FB163}"/>
+              </a:ext>
+            </a:extLst>
+          </p:cNvPr>
+          <p:cNvCxnSpPr>
+            <a:cxnSpLocks/>
+            <a:stCxn id="8" idx="5"/>
+            <a:endCxn id="11" idx="1"/>
+          </p:cNvCxnSpPr>
+          <p:nvPr/>
+        </p:nvCxnSpPr>
+        <p:spPr>
+          <a:xfrm>
+            <a:off x="1482508" y="1689804"/>
+            <a:ext cx="588418" cy="516410"/>
+          </a:xfrm>
+          <a:prstGeom prst="line">
+            <a:avLst/>
+          </a:prstGeom>
+          <a:ln w="57150">
+            <a:solidFill>
+              <a:srgbClr val="00B050"/>
+            </a:solidFill>
+            <a:headEnd type="none" w="med" len="med"/>
+            <a:tailEnd type="none" w="med" len="med"/>
+          </a:ln>
+        </p:spPr>
+        <p:style>
+          <a:lnRef idx="1">
+            <a:schemeClr val="accent1"/>
+          </a:lnRef>
+          <a:fillRef idx="0">
+            <a:schemeClr val="accent1"/>
+          </a:fillRef>
+          <a:effectRef idx="0">
+            <a:schemeClr val="accent1"/>
+          </a:effectRef>
+          <a:fontRef idx="minor">
+            <a:schemeClr val="tx1"/>
+          </a:fontRef>
+        </p:style>
+      </p:cxnSp>
+      <p:cxnSp>
+        <p:nvCxnSpPr>
+          <p:cNvPr id="15" name="直線コネクタ 14">
+            <a:extLst>
+              <a:ext uri="{FF2B5EF4-FFF2-40B4-BE49-F238E27FC236}">
+                <a16:creationId xmlns:a16="http://schemas.microsoft.com/office/drawing/2014/main" id="{F7172EE6-2DA8-41AA-9983-6535EF9A3FBD}"/>
+              </a:ext>
+            </a:extLst>
+          </p:cNvPr>
+          <p:cNvCxnSpPr>
+            <a:cxnSpLocks/>
+            <a:stCxn id="9" idx="6"/>
+            <a:endCxn id="10" idx="2"/>
+          </p:cNvCxnSpPr>
+          <p:nvPr/>
+        </p:nvCxnSpPr>
+        <p:spPr>
+          <a:xfrm>
+            <a:off x="2316777" y="867889"/>
+            <a:ext cx="792088" cy="0"/>
+          </a:xfrm>
+          <a:prstGeom prst="line">
+            <a:avLst/>
+          </a:prstGeom>
+          <a:ln w="57150">
+            <a:solidFill>
+              <a:schemeClr val="tx1"/>
+            </a:solidFill>
+            <a:headEnd type="none" w="med" len="med"/>
+            <a:tailEnd type="none" w="med" len="med"/>
+          </a:ln>
+        </p:spPr>
+        <p:style>
+          <a:lnRef idx="1">
+            <a:schemeClr val="accent1"/>
+          </a:lnRef>
+          <a:fillRef idx="0">
+            <a:schemeClr val="accent1"/>
+          </a:fillRef>
+          <a:effectRef idx="0">
+            <a:schemeClr val="accent1"/>
+          </a:effectRef>
+          <a:fontRef idx="minor">
+            <a:schemeClr val="tx1"/>
+          </a:fontRef>
+        </p:style>
+      </p:cxnSp>
+      <p:cxnSp>
+        <p:nvCxnSpPr>
+          <p:cNvPr id="16" name="直線コネクタ 15">
+            <a:extLst>
+              <a:ext uri="{FF2B5EF4-FFF2-40B4-BE49-F238E27FC236}">
+                <a16:creationId xmlns:a16="http://schemas.microsoft.com/office/drawing/2014/main" id="{E7BA2F66-FA7E-4EA4-ACE2-6860BF839493}"/>
+              </a:ext>
+            </a:extLst>
+          </p:cNvPr>
+          <p:cNvCxnSpPr>
+            <a:cxnSpLocks/>
+            <a:stCxn id="11" idx="6"/>
+            <a:endCxn id="12" idx="2"/>
+          </p:cNvCxnSpPr>
+          <p:nvPr/>
+        </p:nvCxnSpPr>
+        <p:spPr>
+          <a:xfrm>
+            <a:off x="2316777" y="2308049"/>
+            <a:ext cx="792088" cy="0"/>
+          </a:xfrm>
+          <a:prstGeom prst="line">
+            <a:avLst/>
+          </a:prstGeom>
+          <a:ln w="57150">
+            <a:solidFill>
+              <a:srgbClr val="00B050"/>
+            </a:solidFill>
+            <a:headEnd type="none" w="med" len="med"/>
+            <a:tailEnd type="none" w="med" len="med"/>
+          </a:ln>
+        </p:spPr>
+        <p:style>
+          <a:lnRef idx="1">
+            <a:schemeClr val="accent1"/>
+          </a:lnRef>
+          <a:fillRef idx="0">
+            <a:schemeClr val="accent1"/>
+          </a:fillRef>
+          <a:effectRef idx="0">
+            <a:schemeClr val="accent1"/>
+          </a:effectRef>
+          <a:fontRef idx="minor">
+            <a:schemeClr val="tx1"/>
+          </a:fontRef>
+        </p:style>
+      </p:cxnSp>
+      <p:grpSp>
+        <p:nvGrpSpPr>
+          <p:cNvPr id="17" name="グループ化 16">
+            <a:extLst>
+              <a:ext uri="{FF2B5EF4-FFF2-40B4-BE49-F238E27FC236}">
+                <a16:creationId xmlns:a16="http://schemas.microsoft.com/office/drawing/2014/main" id="{728FAF29-7CCA-45AA-BD25-E827EC113F37}"/>
+              </a:ext>
+            </a:extLst>
+          </p:cNvPr>
+          <p:cNvGrpSpPr/>
+          <p:nvPr/>
+        </p:nvGrpSpPr>
+        <p:grpSpPr>
+          <a:xfrm>
+            <a:off x="1884729" y="291825"/>
+            <a:ext cx="504056" cy="378042"/>
+            <a:chOff x="2411760" y="4491118"/>
+            <a:chExt cx="504056" cy="378042"/>
+          </a:xfrm>
+        </p:grpSpPr>
+        <p:sp>
+          <p:nvSpPr>
+            <p:cNvPr id="18" name="正方形/長方形 17">
+              <a:extLst>
+                <a:ext uri="{FF2B5EF4-FFF2-40B4-BE49-F238E27FC236}">
+                  <a16:creationId xmlns:a16="http://schemas.microsoft.com/office/drawing/2014/main" id="{1E4D806B-9B26-4B3D-8936-036FD2758679}"/>
+                </a:ext>
+              </a:extLst>
+            </p:cNvPr>
+            <p:cNvSpPr/>
+            <p:nvPr/>
+          </p:nvSpPr>
+          <p:spPr>
+            <a:xfrm>
+              <a:off x="2411760" y="4743146"/>
+              <a:ext cx="504056" cy="126014"/>
+            </a:xfrm>
+            <a:prstGeom prst="rect">
+              <a:avLst/>
+            </a:prstGeom>
+            <a:solidFill>
+              <a:schemeClr val="accent1"/>
+            </a:solidFill>
+            <a:ln>
+              <a:noFill/>
+            </a:ln>
+          </p:spPr>
+          <p:txBody>
+            <a:bodyPr wrap="square" rtlCol="0" anchor="ctr">
+              <a:spAutoFit/>
+            </a:bodyPr>
+            <a:lstStyle/>
+            <a:p>
+              <a:pPr algn="ctr"/>
+              <a:endParaRPr kumimoji="1" lang="ja-JP" altLang="en-US" sz="2400" dirty="0"/>
+            </a:p>
+          </p:txBody>
+        </p:sp>
+        <p:sp>
+          <p:nvSpPr>
+            <p:cNvPr id="19" name="直角三角形 18">
+              <a:extLst>
+                <a:ext uri="{FF2B5EF4-FFF2-40B4-BE49-F238E27FC236}">
+                  <a16:creationId xmlns:a16="http://schemas.microsoft.com/office/drawing/2014/main" id="{9626C5F0-B5AF-4EDD-B812-C6BD1A1E1CCD}"/>
+                </a:ext>
+              </a:extLst>
+            </p:cNvPr>
+            <p:cNvSpPr/>
+            <p:nvPr/>
+          </p:nvSpPr>
+          <p:spPr>
+            <a:xfrm rot="16200000">
+              <a:off x="2411760" y="4491118"/>
+              <a:ext cx="252028" cy="252028"/>
+            </a:xfrm>
+            <a:prstGeom prst="rtTriangle">
+              <a:avLst/>
+            </a:prstGeom>
+            <a:solidFill>
+              <a:schemeClr val="accent1"/>
+            </a:solidFill>
+            <a:ln>
+              <a:noFill/>
+            </a:ln>
+          </p:spPr>
+          <p:txBody>
+            <a:bodyPr wrap="square" rtlCol="0" anchor="ctr">
+              <a:spAutoFit/>
+            </a:bodyPr>
+            <a:lstStyle/>
+            <a:p>
+              <a:pPr algn="ctr"/>
+              <a:endParaRPr kumimoji="1" lang="ja-JP" altLang="en-US" sz="2400" dirty="0"/>
+            </a:p>
+          </p:txBody>
+        </p:sp>
+        <p:sp>
+          <p:nvSpPr>
+            <p:cNvPr id="20" name="直角三角形 19">
+              <a:extLst>
+                <a:ext uri="{FF2B5EF4-FFF2-40B4-BE49-F238E27FC236}">
+                  <a16:creationId xmlns:a16="http://schemas.microsoft.com/office/drawing/2014/main" id="{D399FE04-1F9D-480A-A4A3-66605BD0EAC4}"/>
+                </a:ext>
+              </a:extLst>
+            </p:cNvPr>
+            <p:cNvSpPr/>
+            <p:nvPr/>
+          </p:nvSpPr>
+          <p:spPr>
+            <a:xfrm>
+              <a:off x="2663788" y="4491118"/>
+              <a:ext cx="252028" cy="252028"/>
+            </a:xfrm>
+            <a:prstGeom prst="rtTriangle">
+              <a:avLst/>
+            </a:prstGeom>
+            <a:solidFill>
+              <a:schemeClr val="accent1"/>
+            </a:solidFill>
+            <a:ln>
+              <a:noFill/>
+            </a:ln>
+          </p:spPr>
+          <p:txBody>
+            <a:bodyPr wrap="square" rtlCol="0" anchor="ctr">
+              <a:spAutoFit/>
+            </a:bodyPr>
+            <a:lstStyle/>
+            <a:p>
+              <a:pPr algn="ctr"/>
+              <a:endParaRPr kumimoji="1" lang="ja-JP" altLang="en-US" sz="2400" dirty="0"/>
+            </a:p>
+          </p:txBody>
+        </p:sp>
+      </p:grpSp>
+      <p:sp>
+        <p:nvSpPr>
+          <p:cNvPr id="21" name="直角三角形 20">
+            <a:extLst>
+              <a:ext uri="{FF2B5EF4-FFF2-40B4-BE49-F238E27FC236}">
+                <a16:creationId xmlns:a16="http://schemas.microsoft.com/office/drawing/2014/main" id="{D47DA906-4A7D-4C38-B08F-82B94916C901}"/>
+              </a:ext>
+            </a:extLst>
+          </p:cNvPr>
+          <p:cNvSpPr/>
+          <p:nvPr/>
+        </p:nvSpPr>
+        <p:spPr>
+          <a:xfrm rot="5400000">
+            <a:off x="3036857" y="282300"/>
+            <a:ext cx="252028" cy="252028"/>
+          </a:xfrm>
+          <a:prstGeom prst="rtTriangle">
+            <a:avLst/>
+          </a:prstGeom>
+          <a:solidFill>
+            <a:schemeClr val="accent3">
+              <a:lumMod val="60000"/>
+              <a:lumOff val="40000"/>
+            </a:schemeClr>
+          </a:solidFill>
+          <a:ln>
+            <a:noFill/>
+          </a:ln>
+        </p:spPr>
+        <p:txBody>
+          <a:bodyPr wrap="square" rtlCol="0" anchor="ctr">
+            <a:spAutoFit/>
+          </a:bodyPr>
+          <a:lstStyle/>
+          <a:p>
+            <a:pPr algn="ctr"/>
+            <a:endParaRPr kumimoji="1" lang="ja-JP" altLang="en-US" sz="2400" dirty="0"/>
+          </a:p>
+        </p:txBody>
+      </p:sp>
+      <p:grpSp>
+        <p:nvGrpSpPr>
+          <p:cNvPr id="22" name="グループ化 21">
+            <a:extLst>
+              <a:ext uri="{FF2B5EF4-FFF2-40B4-BE49-F238E27FC236}">
+                <a16:creationId xmlns:a16="http://schemas.microsoft.com/office/drawing/2014/main" id="{91368372-681E-4AA2-823F-F4E957B29506}"/>
+              </a:ext>
+            </a:extLst>
+          </p:cNvPr>
+          <p:cNvGrpSpPr/>
+          <p:nvPr/>
+        </p:nvGrpSpPr>
+        <p:grpSpPr>
+          <a:xfrm>
+            <a:off x="3036857" y="291825"/>
+            <a:ext cx="504056" cy="378042"/>
+            <a:chOff x="2411760" y="4491118"/>
+            <a:chExt cx="504056" cy="378042"/>
+          </a:xfrm>
+        </p:grpSpPr>
+        <p:sp>
+          <p:nvSpPr>
+            <p:cNvPr id="23" name="正方形/長方形 22">
+              <a:extLst>
+                <a:ext uri="{FF2B5EF4-FFF2-40B4-BE49-F238E27FC236}">
+                  <a16:creationId xmlns:a16="http://schemas.microsoft.com/office/drawing/2014/main" id="{623D2293-432F-4028-93CE-4AB649157120}"/>
+                </a:ext>
+              </a:extLst>
+            </p:cNvPr>
+            <p:cNvSpPr/>
+            <p:nvPr/>
+          </p:nvSpPr>
+          <p:spPr>
+            <a:xfrm>
+              <a:off x="2411760" y="4743146"/>
+              <a:ext cx="504056" cy="126014"/>
+            </a:xfrm>
+            <a:prstGeom prst="rect">
+              <a:avLst/>
+            </a:prstGeom>
+            <a:solidFill>
+              <a:schemeClr val="accent1"/>
+            </a:solidFill>
+            <a:ln>
+              <a:noFill/>
+            </a:ln>
+          </p:spPr>
+          <p:txBody>
+            <a:bodyPr wrap="square" rtlCol="0" anchor="ctr">
+              <a:spAutoFit/>
+            </a:bodyPr>
+            <a:lstStyle/>
+            <a:p>
+              <a:pPr algn="ctr"/>
+              <a:endParaRPr kumimoji="1" lang="ja-JP" altLang="en-US" sz="2400" dirty="0"/>
+            </a:p>
+          </p:txBody>
+        </p:sp>
+        <p:sp>
+          <p:nvSpPr>
+            <p:cNvPr id="24" name="直角三角形 23">
+              <a:extLst>
+                <a:ext uri="{FF2B5EF4-FFF2-40B4-BE49-F238E27FC236}">
+                  <a16:creationId xmlns:a16="http://schemas.microsoft.com/office/drawing/2014/main" id="{A9CEC488-415E-49D0-AD42-EEA506623823}"/>
+                </a:ext>
+              </a:extLst>
+            </p:cNvPr>
+            <p:cNvSpPr/>
+            <p:nvPr/>
+          </p:nvSpPr>
+          <p:spPr>
+            <a:xfrm rot="16200000">
+              <a:off x="2411760" y="4491118"/>
+              <a:ext cx="252028" cy="252028"/>
+            </a:xfrm>
+            <a:prstGeom prst="rtTriangle">
+              <a:avLst/>
+            </a:prstGeom>
+            <a:solidFill>
+              <a:schemeClr val="accent1"/>
+            </a:solidFill>
+            <a:ln>
+              <a:noFill/>
+            </a:ln>
+          </p:spPr>
+          <p:txBody>
+            <a:bodyPr wrap="square" rtlCol="0" anchor="ctr">
+              <a:spAutoFit/>
+            </a:bodyPr>
+            <a:lstStyle/>
+            <a:p>
+              <a:pPr algn="ctr"/>
+              <a:endParaRPr kumimoji="1" lang="ja-JP" altLang="en-US" sz="2400" dirty="0"/>
+            </a:p>
+          </p:txBody>
+        </p:sp>
+        <p:sp>
+          <p:nvSpPr>
+            <p:cNvPr id="25" name="直角三角形 24">
+              <a:extLst>
+                <a:ext uri="{FF2B5EF4-FFF2-40B4-BE49-F238E27FC236}">
+                  <a16:creationId xmlns:a16="http://schemas.microsoft.com/office/drawing/2014/main" id="{7E09B6C1-15E3-42CA-A10F-40DA288C68E4}"/>
+                </a:ext>
+              </a:extLst>
+            </p:cNvPr>
+            <p:cNvSpPr/>
+            <p:nvPr/>
+          </p:nvSpPr>
+          <p:spPr>
+            <a:xfrm>
+              <a:off x="2663788" y="4491118"/>
+              <a:ext cx="252028" cy="252028"/>
+            </a:xfrm>
+            <a:prstGeom prst="rtTriangle">
+              <a:avLst/>
+            </a:prstGeom>
+            <a:solidFill>
+              <a:schemeClr val="accent1"/>
+            </a:solidFill>
+            <a:ln>
+              <a:noFill/>
+            </a:ln>
+          </p:spPr>
+          <p:txBody>
+            <a:bodyPr wrap="square" rtlCol="0" anchor="ctr">
+              <a:spAutoFit/>
+            </a:bodyPr>
+            <a:lstStyle/>
+            <a:p>
+              <a:pPr algn="ctr"/>
+              <a:endParaRPr kumimoji="1" lang="ja-JP" altLang="en-US" sz="2400" dirty="0"/>
+            </a:p>
+          </p:txBody>
+        </p:sp>
+      </p:grpSp>
+      <p:sp>
+        <p:nvSpPr>
+          <p:cNvPr id="26" name="正方形/長方形 25">
+            <a:extLst>
+              <a:ext uri="{FF2B5EF4-FFF2-40B4-BE49-F238E27FC236}">
+                <a16:creationId xmlns:a16="http://schemas.microsoft.com/office/drawing/2014/main" id="{6F5803B4-CDAC-4CB7-8527-A0A64E8C95D5}"/>
+              </a:ext>
+            </a:extLst>
+          </p:cNvPr>
+          <p:cNvSpPr/>
+          <p:nvPr/>
+        </p:nvSpPr>
+        <p:spPr>
+          <a:xfrm>
+            <a:off x="3038762" y="151347"/>
+            <a:ext cx="252028" cy="126014"/>
+          </a:xfrm>
+          <a:prstGeom prst="rect">
+            <a:avLst/>
+          </a:prstGeom>
+          <a:solidFill>
+            <a:schemeClr val="accent3">
+              <a:lumMod val="60000"/>
+              <a:lumOff val="40000"/>
+            </a:schemeClr>
+          </a:solidFill>
+          <a:ln>
+            <a:noFill/>
+          </a:ln>
+        </p:spPr>
+        <p:txBody>
+          <a:bodyPr wrap="square" rtlCol="0" anchor="ctr">
+            <a:spAutoFit/>
+          </a:bodyPr>
+          <a:lstStyle/>
+          <a:p>
+            <a:pPr algn="ctr"/>
+            <a:endParaRPr kumimoji="1" lang="ja-JP" altLang="en-US" sz="2400" dirty="0"/>
+          </a:p>
+        </p:txBody>
+      </p:sp>
+      <p:grpSp>
+        <p:nvGrpSpPr>
+          <p:cNvPr id="27" name="グループ化 26">
+            <a:extLst>
+              <a:ext uri="{FF2B5EF4-FFF2-40B4-BE49-F238E27FC236}">
+                <a16:creationId xmlns:a16="http://schemas.microsoft.com/office/drawing/2014/main" id="{98309330-4EBB-4C53-A42E-95300CEE52E9}"/>
+              </a:ext>
+            </a:extLst>
+          </p:cNvPr>
+          <p:cNvGrpSpPr/>
+          <p:nvPr/>
+        </p:nvGrpSpPr>
+        <p:grpSpPr>
+          <a:xfrm>
+            <a:off x="1915628" y="2829285"/>
+            <a:ext cx="504056" cy="378042"/>
+            <a:chOff x="2411760" y="4491118"/>
+            <a:chExt cx="504056" cy="378042"/>
+          </a:xfrm>
+        </p:grpSpPr>
+        <p:sp>
+          <p:nvSpPr>
+            <p:cNvPr id="28" name="正方形/長方形 27">
+              <a:extLst>
+                <a:ext uri="{FF2B5EF4-FFF2-40B4-BE49-F238E27FC236}">
+                  <a16:creationId xmlns:a16="http://schemas.microsoft.com/office/drawing/2014/main" id="{79F7305A-AA93-4843-9340-4A29F104F105}"/>
+                </a:ext>
+              </a:extLst>
+            </p:cNvPr>
+            <p:cNvSpPr/>
+            <p:nvPr/>
+          </p:nvSpPr>
+          <p:spPr>
+            <a:xfrm>
+              <a:off x="2411760" y="4743146"/>
+              <a:ext cx="504056" cy="126014"/>
+            </a:xfrm>
+            <a:prstGeom prst="rect">
+              <a:avLst/>
+            </a:prstGeom>
+            <a:solidFill>
+              <a:schemeClr val="accent1"/>
+            </a:solidFill>
+            <a:ln>
+              <a:noFill/>
+            </a:ln>
+          </p:spPr>
+          <p:txBody>
+            <a:bodyPr wrap="square" rtlCol="0" anchor="ctr">
+              <a:spAutoFit/>
+            </a:bodyPr>
+            <a:lstStyle/>
+            <a:p>
+              <a:pPr algn="ctr"/>
+              <a:endParaRPr kumimoji="1" lang="ja-JP" altLang="en-US" sz="2400" dirty="0"/>
+            </a:p>
+          </p:txBody>
+        </p:sp>
+        <p:sp>
+          <p:nvSpPr>
+            <p:cNvPr id="29" name="直角三角形 28">
+              <a:extLst>
+                <a:ext uri="{FF2B5EF4-FFF2-40B4-BE49-F238E27FC236}">
+                  <a16:creationId xmlns:a16="http://schemas.microsoft.com/office/drawing/2014/main" id="{74F3BF8F-68AF-4741-8B4A-ABE0CCF56A60}"/>
+                </a:ext>
+              </a:extLst>
+            </p:cNvPr>
+            <p:cNvSpPr/>
+            <p:nvPr/>
+          </p:nvSpPr>
+          <p:spPr>
+            <a:xfrm rot="16200000">
+              <a:off x="2411760" y="4491118"/>
+              <a:ext cx="252028" cy="252028"/>
+            </a:xfrm>
+            <a:prstGeom prst="rtTriangle">
+              <a:avLst/>
+            </a:prstGeom>
+            <a:solidFill>
+              <a:schemeClr val="accent1"/>
+            </a:solidFill>
+            <a:ln>
+              <a:noFill/>
+            </a:ln>
+          </p:spPr>
+          <p:txBody>
+            <a:bodyPr wrap="square" rtlCol="0" anchor="ctr">
+              <a:spAutoFit/>
+            </a:bodyPr>
+            <a:lstStyle/>
+            <a:p>
+              <a:pPr algn="ctr"/>
+              <a:endParaRPr kumimoji="1" lang="ja-JP" altLang="en-US" sz="2400" dirty="0"/>
+            </a:p>
+          </p:txBody>
+        </p:sp>
+        <p:sp>
+          <p:nvSpPr>
+            <p:cNvPr id="30" name="直角三角形 29">
+              <a:extLst>
+                <a:ext uri="{FF2B5EF4-FFF2-40B4-BE49-F238E27FC236}">
+                  <a16:creationId xmlns:a16="http://schemas.microsoft.com/office/drawing/2014/main" id="{161AFA3B-AB17-45B6-8A98-BEE92FB6F3EF}"/>
+                </a:ext>
+              </a:extLst>
+            </p:cNvPr>
+            <p:cNvSpPr/>
+            <p:nvPr/>
+          </p:nvSpPr>
+          <p:spPr>
+            <a:xfrm>
+              <a:off x="2663788" y="4491118"/>
+              <a:ext cx="252028" cy="252028"/>
+            </a:xfrm>
+            <a:prstGeom prst="rtTriangle">
+              <a:avLst/>
+            </a:prstGeom>
+            <a:solidFill>
+              <a:schemeClr val="accent1"/>
+            </a:solidFill>
+            <a:ln>
+              <a:noFill/>
+            </a:ln>
+          </p:spPr>
+          <p:txBody>
+            <a:bodyPr wrap="square" rtlCol="0" anchor="ctr">
+              <a:spAutoFit/>
+            </a:bodyPr>
+            <a:lstStyle/>
+            <a:p>
+              <a:pPr algn="ctr"/>
+              <a:endParaRPr kumimoji="1" lang="ja-JP" altLang="en-US" sz="2400" dirty="0"/>
+            </a:p>
+          </p:txBody>
+        </p:sp>
+      </p:grpSp>
+      <p:sp>
+        <p:nvSpPr>
+          <p:cNvPr id="31" name="直角三角形 30">
+            <a:extLst>
+              <a:ext uri="{FF2B5EF4-FFF2-40B4-BE49-F238E27FC236}">
+                <a16:creationId xmlns:a16="http://schemas.microsoft.com/office/drawing/2014/main" id="{11AC4B25-508F-459A-A58C-55CCF613BCF4}"/>
+              </a:ext>
+            </a:extLst>
+          </p:cNvPr>
+          <p:cNvSpPr/>
+          <p:nvPr/>
+        </p:nvSpPr>
+        <p:spPr>
+          <a:xfrm rot="10800000">
+            <a:off x="2169075" y="2824511"/>
+            <a:ext cx="252028" cy="252028"/>
+          </a:xfrm>
+          <a:prstGeom prst="rtTriangle">
+            <a:avLst/>
+          </a:prstGeom>
+          <a:solidFill>
+            <a:schemeClr val="accent6">
+              <a:lumMod val="60000"/>
+              <a:lumOff val="40000"/>
+            </a:schemeClr>
+          </a:solidFill>
+          <a:ln>
+            <a:noFill/>
+          </a:ln>
+        </p:spPr>
+        <p:txBody>
+          <a:bodyPr wrap="square" rtlCol="0" anchor="ctr">
+            <a:spAutoFit/>
+          </a:bodyPr>
+          <a:lstStyle/>
+          <a:p>
+            <a:pPr algn="ctr"/>
+            <a:endParaRPr kumimoji="1" lang="ja-JP" altLang="en-US" sz="2400" dirty="0"/>
+          </a:p>
+        </p:txBody>
+      </p:sp>
+      <p:grpSp>
+        <p:nvGrpSpPr>
+          <p:cNvPr id="32" name="グループ化 31">
+            <a:extLst>
+              <a:ext uri="{FF2B5EF4-FFF2-40B4-BE49-F238E27FC236}">
+                <a16:creationId xmlns:a16="http://schemas.microsoft.com/office/drawing/2014/main" id="{6DB6DAB6-49DD-426F-B708-B25250DDCE1F}"/>
+              </a:ext>
+            </a:extLst>
+          </p:cNvPr>
+          <p:cNvGrpSpPr/>
+          <p:nvPr/>
+        </p:nvGrpSpPr>
+        <p:grpSpPr>
+          <a:xfrm>
+            <a:off x="2917114" y="2875550"/>
+            <a:ext cx="504056" cy="378042"/>
+            <a:chOff x="2411760" y="4491118"/>
+            <a:chExt cx="504056" cy="378042"/>
+          </a:xfrm>
+        </p:grpSpPr>
+        <p:sp>
+          <p:nvSpPr>
+            <p:cNvPr id="33" name="正方形/長方形 32">
+              <a:extLst>
+                <a:ext uri="{FF2B5EF4-FFF2-40B4-BE49-F238E27FC236}">
+                  <a16:creationId xmlns:a16="http://schemas.microsoft.com/office/drawing/2014/main" id="{698F241B-1A71-48DA-9D5A-28AA9FC1CE84}"/>
+                </a:ext>
+              </a:extLst>
+            </p:cNvPr>
+            <p:cNvSpPr/>
+            <p:nvPr/>
+          </p:nvSpPr>
+          <p:spPr>
+            <a:xfrm>
+              <a:off x="2411760" y="4743146"/>
+              <a:ext cx="504056" cy="126014"/>
+            </a:xfrm>
+            <a:prstGeom prst="rect">
+              <a:avLst/>
+            </a:prstGeom>
+            <a:solidFill>
+              <a:schemeClr val="accent1"/>
+            </a:solidFill>
+            <a:ln>
+              <a:noFill/>
+            </a:ln>
+          </p:spPr>
+          <p:txBody>
+            <a:bodyPr wrap="square" rtlCol="0" anchor="ctr">
+              <a:spAutoFit/>
+            </a:bodyPr>
+            <a:lstStyle/>
+            <a:p>
+              <a:pPr algn="ctr"/>
+              <a:endParaRPr kumimoji="1" lang="ja-JP" altLang="en-US" sz="2400" dirty="0"/>
+            </a:p>
+          </p:txBody>
+        </p:sp>
+        <p:sp>
+          <p:nvSpPr>
+            <p:cNvPr id="34" name="直角三角形 33">
+              <a:extLst>
+                <a:ext uri="{FF2B5EF4-FFF2-40B4-BE49-F238E27FC236}">
+                  <a16:creationId xmlns:a16="http://schemas.microsoft.com/office/drawing/2014/main" id="{D138DA9A-42CC-4A2D-A63D-B3BA40215C95}"/>
+                </a:ext>
+              </a:extLst>
+            </p:cNvPr>
+            <p:cNvSpPr/>
+            <p:nvPr/>
+          </p:nvSpPr>
+          <p:spPr>
+            <a:xfrm rot="16200000">
+              <a:off x="2411760" y="4491118"/>
+              <a:ext cx="252028" cy="252028"/>
+            </a:xfrm>
+            <a:prstGeom prst="rtTriangle">
+              <a:avLst/>
+            </a:prstGeom>
+            <a:solidFill>
+              <a:schemeClr val="accent1"/>
+            </a:solidFill>
+            <a:ln>
+              <a:noFill/>
+            </a:ln>
+          </p:spPr>
+          <p:txBody>
+            <a:bodyPr wrap="square" rtlCol="0" anchor="ctr">
+              <a:spAutoFit/>
+            </a:bodyPr>
+            <a:lstStyle/>
+            <a:p>
+              <a:pPr algn="ctr"/>
+              <a:endParaRPr kumimoji="1" lang="ja-JP" altLang="en-US" sz="2400" dirty="0"/>
+            </a:p>
+          </p:txBody>
+        </p:sp>
+        <p:sp>
+          <p:nvSpPr>
+            <p:cNvPr id="35" name="直角三角形 34">
+              <a:extLst>
+                <a:ext uri="{FF2B5EF4-FFF2-40B4-BE49-F238E27FC236}">
+                  <a16:creationId xmlns:a16="http://schemas.microsoft.com/office/drawing/2014/main" id="{349F1651-3D2D-4469-AA15-32AB7B53DE82}"/>
+                </a:ext>
+              </a:extLst>
+            </p:cNvPr>
+            <p:cNvSpPr/>
+            <p:nvPr/>
+          </p:nvSpPr>
+          <p:spPr>
+            <a:xfrm>
+              <a:off x="2663788" y="4491118"/>
+              <a:ext cx="252028" cy="252028"/>
+            </a:xfrm>
+            <a:prstGeom prst="rtTriangle">
+              <a:avLst/>
+            </a:prstGeom>
+            <a:solidFill>
+              <a:schemeClr val="accent1"/>
+            </a:solidFill>
+            <a:ln>
+              <a:noFill/>
+            </a:ln>
+          </p:spPr>
+          <p:txBody>
+            <a:bodyPr wrap="square" rtlCol="0" anchor="ctr">
+              <a:spAutoFit/>
+            </a:bodyPr>
+            <a:lstStyle/>
+            <a:p>
+              <a:pPr algn="ctr"/>
+              <a:endParaRPr kumimoji="1" lang="ja-JP" altLang="en-US" sz="2400" dirty="0"/>
+            </a:p>
+          </p:txBody>
+        </p:sp>
+      </p:grpSp>
+      <p:sp>
+        <p:nvSpPr>
+          <p:cNvPr id="36" name="直角三角形 35">
+            <a:extLst>
+              <a:ext uri="{FF2B5EF4-FFF2-40B4-BE49-F238E27FC236}">
+                <a16:creationId xmlns:a16="http://schemas.microsoft.com/office/drawing/2014/main" id="{39E5E115-20AD-417E-A6FE-A9218ADD4275}"/>
+              </a:ext>
+            </a:extLst>
+          </p:cNvPr>
+          <p:cNvSpPr/>
+          <p:nvPr/>
+        </p:nvSpPr>
+        <p:spPr>
+          <a:xfrm rot="10800000">
+            <a:off x="3166751" y="2866966"/>
+            <a:ext cx="252028" cy="252028"/>
+          </a:xfrm>
+          <a:prstGeom prst="rtTriangle">
+            <a:avLst/>
+          </a:prstGeom>
+          <a:solidFill>
+            <a:schemeClr val="accent6">
+              <a:lumMod val="60000"/>
+              <a:lumOff val="40000"/>
+            </a:schemeClr>
+          </a:solidFill>
+          <a:ln>
+            <a:noFill/>
+          </a:ln>
+        </p:spPr>
+        <p:txBody>
+          <a:bodyPr wrap="square" rtlCol="0" anchor="ctr">
+            <a:spAutoFit/>
+          </a:bodyPr>
+          <a:lstStyle/>
+          <a:p>
+            <a:pPr algn="ctr"/>
+            <a:endParaRPr kumimoji="1" lang="ja-JP" altLang="en-US" sz="2400" dirty="0"/>
+          </a:p>
+        </p:txBody>
+      </p:sp>
+      <p:sp>
+        <p:nvSpPr>
+          <p:cNvPr id="37" name="四角形: 1 つの角を切り取り 1 つの角を丸める 36">
+            <a:extLst>
+              <a:ext uri="{FF2B5EF4-FFF2-40B4-BE49-F238E27FC236}">
+                <a16:creationId xmlns:a16="http://schemas.microsoft.com/office/drawing/2014/main" id="{C92AD620-5941-464A-BC05-076ABC16BE2A}"/>
+              </a:ext>
+            </a:extLst>
+          </p:cNvPr>
+          <p:cNvSpPr/>
+          <p:nvPr/>
+        </p:nvSpPr>
+        <p:spPr>
+          <a:xfrm>
+            <a:off x="3929513" y="670274"/>
+            <a:ext cx="990600" cy="387191"/>
+          </a:xfrm>
+          <a:prstGeom prst="snipRoundRect">
+            <a:avLst/>
+          </a:prstGeom>
+          <a:solidFill>
+            <a:schemeClr val="accent3">
+              <a:lumMod val="20000"/>
+              <a:lumOff val="80000"/>
+            </a:schemeClr>
+          </a:solidFill>
+          <a:ln>
+            <a:solidFill>
+              <a:schemeClr val="tx1"/>
+            </a:solidFill>
+          </a:ln>
+        </p:spPr>
+        <p:txBody>
+          <a:bodyPr wrap="square" rtlCol="0" anchor="ctr">
+            <a:spAutoFit/>
+          </a:bodyPr>
+          <a:lstStyle/>
+          <a:p>
+            <a:pPr algn="ctr"/>
+            <a:r>
+              <a:rPr kumimoji="1" lang="en-US" altLang="ja-JP" dirty="0"/>
+              <a:t>master</a:t>
+            </a:r>
+            <a:endParaRPr kumimoji="1" lang="ja-JP" altLang="en-US" dirty="0"/>
+          </a:p>
+        </p:txBody>
+      </p:sp>
+      <p:sp>
+        <p:nvSpPr>
+          <p:cNvPr id="38" name="四角形: 1 つの角を切り取り 1 つの角を丸める 37">
+            <a:extLst>
+              <a:ext uri="{FF2B5EF4-FFF2-40B4-BE49-F238E27FC236}">
+                <a16:creationId xmlns:a16="http://schemas.microsoft.com/office/drawing/2014/main" id="{D599CE26-2D78-4710-868D-1FCBFE97B9BE}"/>
+              </a:ext>
+            </a:extLst>
+          </p:cNvPr>
+          <p:cNvSpPr/>
+          <p:nvPr/>
+        </p:nvSpPr>
+        <p:spPr>
+          <a:xfrm>
+            <a:off x="4040949" y="2098774"/>
+            <a:ext cx="990600" cy="387191"/>
+          </a:xfrm>
+          <a:prstGeom prst="snipRoundRect">
+            <a:avLst/>
+          </a:prstGeom>
+          <a:solidFill>
+            <a:schemeClr val="accent3">
+              <a:lumMod val="20000"/>
+              <a:lumOff val="80000"/>
+            </a:schemeClr>
+          </a:solidFill>
+          <a:ln>
+            <a:solidFill>
+              <a:schemeClr val="tx1"/>
+            </a:solidFill>
+          </a:ln>
+        </p:spPr>
+        <p:txBody>
+          <a:bodyPr wrap="square" rtlCol="0" anchor="ctr">
+            <a:spAutoFit/>
+          </a:bodyPr>
+          <a:lstStyle/>
+          <a:p>
+            <a:pPr algn="ctr"/>
+            <a:r>
+              <a:rPr lang="en-US" altLang="ja-JP" dirty="0"/>
+              <a:t>branch</a:t>
+            </a:r>
+            <a:endParaRPr kumimoji="1" lang="ja-JP" altLang="en-US" dirty="0"/>
+          </a:p>
+        </p:txBody>
+      </p:sp>
+      <p:cxnSp>
+        <p:nvCxnSpPr>
+          <p:cNvPr id="39" name="直線矢印コネクタ 38">
+            <a:extLst>
+              <a:ext uri="{FF2B5EF4-FFF2-40B4-BE49-F238E27FC236}">
+                <a16:creationId xmlns:a16="http://schemas.microsoft.com/office/drawing/2014/main" id="{3523DDB7-FFB9-47AF-83D7-C10D64D98B10}"/>
+              </a:ext>
+            </a:extLst>
+          </p:cNvPr>
+          <p:cNvCxnSpPr>
+            <a:stCxn id="37" idx="2"/>
+            <a:endCxn id="10" idx="6"/>
+          </p:cNvCxnSpPr>
+          <p:nvPr/>
+        </p:nvCxnSpPr>
+        <p:spPr>
+          <a:xfrm flipH="1">
+            <a:off x="3396897" y="863870"/>
+            <a:ext cx="532616" cy="4019"/>
+          </a:xfrm>
+          <a:prstGeom prst="straightConnector1">
+            <a:avLst/>
+          </a:prstGeom>
+          <a:ln w="9525">
+            <a:solidFill>
+              <a:schemeClr val="tx1"/>
+            </a:solidFill>
+            <a:headEnd type="none"/>
+            <a:tailEnd type="triangle"/>
+          </a:ln>
+          <a:effectLst/>
+        </p:spPr>
+        <p:style>
+          <a:lnRef idx="2">
+            <a:schemeClr val="accent1"/>
+          </a:lnRef>
+          <a:fillRef idx="0">
+            <a:schemeClr val="accent1"/>
+          </a:fillRef>
+          <a:effectRef idx="1">
+            <a:schemeClr val="accent1"/>
+          </a:effectRef>
+          <a:fontRef idx="minor">
+            <a:schemeClr val="tx1"/>
+          </a:fontRef>
+        </p:style>
+      </p:cxnSp>
+      <p:cxnSp>
+        <p:nvCxnSpPr>
+          <p:cNvPr id="40" name="直線矢印コネクタ 39">
+            <a:extLst>
+              <a:ext uri="{FF2B5EF4-FFF2-40B4-BE49-F238E27FC236}">
+                <a16:creationId xmlns:a16="http://schemas.microsoft.com/office/drawing/2014/main" id="{2FB613A8-9748-428A-8821-6232B4D33B80}"/>
+              </a:ext>
+            </a:extLst>
+          </p:cNvPr>
+          <p:cNvCxnSpPr>
+            <a:cxnSpLocks/>
+            <a:endCxn id="12" idx="6"/>
+          </p:cNvCxnSpPr>
+          <p:nvPr/>
+        </p:nvCxnSpPr>
+        <p:spPr>
+          <a:xfrm flipH="1" flipV="1">
+            <a:off x="3396897" y="2308049"/>
+            <a:ext cx="605608" cy="2014"/>
+          </a:xfrm>
+          <a:prstGeom prst="straightConnector1">
+            <a:avLst/>
+          </a:prstGeom>
+          <a:ln w="9525">
+            <a:solidFill>
+              <a:schemeClr val="tx1"/>
+            </a:solidFill>
+            <a:headEnd type="none"/>
+            <a:tailEnd type="triangle"/>
+          </a:ln>
+          <a:effectLst/>
+        </p:spPr>
+        <p:style>
+          <a:lnRef idx="2">
+            <a:schemeClr val="accent1"/>
+          </a:lnRef>
+          <a:fillRef idx="0">
+            <a:schemeClr val="accent1"/>
+          </a:fillRef>
+          <a:effectRef idx="1">
+            <a:schemeClr val="accent1"/>
+          </a:effectRef>
+          <a:fontRef idx="minor">
+            <a:schemeClr val="tx1"/>
+          </a:fontRef>
+        </p:style>
+      </p:cxnSp>
+      <p:sp>
+        <p:nvSpPr>
+          <p:cNvPr id="41" name="正方形/長方形 40">
+            <a:extLst>
+              <a:ext uri="{FF2B5EF4-FFF2-40B4-BE49-F238E27FC236}">
+                <a16:creationId xmlns:a16="http://schemas.microsoft.com/office/drawing/2014/main" id="{4DEE0BAF-1858-4306-9464-04E6E736016E}"/>
+              </a:ext>
+            </a:extLst>
+          </p:cNvPr>
+          <p:cNvSpPr/>
+          <p:nvPr/>
+        </p:nvSpPr>
+        <p:spPr>
+          <a:xfrm>
+            <a:off x="4055387" y="1353725"/>
+            <a:ext cx="960120" cy="369332"/>
+          </a:xfrm>
+          <a:prstGeom prst="rect">
+            <a:avLst/>
+          </a:prstGeom>
+          <a:ln>
+            <a:solidFill>
+              <a:schemeClr val="tx1"/>
+            </a:solidFill>
+          </a:ln>
+        </p:spPr>
+        <p:txBody>
+          <a:bodyPr wrap="square" rtlCol="0" anchor="ctr">
+            <a:spAutoFit/>
+          </a:bodyPr>
+          <a:lstStyle/>
+          <a:p>
+            <a:pPr algn="ctr"/>
+            <a:r>
+              <a:rPr kumimoji="1" lang="en-US" altLang="ja-JP" dirty="0"/>
+              <a:t>HEAD</a:t>
+            </a:r>
+            <a:endParaRPr kumimoji="1" lang="ja-JP" altLang="en-US" dirty="0"/>
+          </a:p>
+        </p:txBody>
+      </p:sp>
+      <p:cxnSp>
+        <p:nvCxnSpPr>
+          <p:cNvPr id="42" name="直線矢印コネクタ 41">
+            <a:extLst>
+              <a:ext uri="{FF2B5EF4-FFF2-40B4-BE49-F238E27FC236}">
+                <a16:creationId xmlns:a16="http://schemas.microsoft.com/office/drawing/2014/main" id="{BDBF5C97-7965-4CA8-A73E-4A2EC7635662}"/>
+              </a:ext>
+            </a:extLst>
+          </p:cNvPr>
+          <p:cNvCxnSpPr>
+            <a:cxnSpLocks/>
+            <a:stCxn id="41" idx="2"/>
+            <a:endCxn id="38" idx="3"/>
+          </p:cNvCxnSpPr>
+          <p:nvPr/>
+        </p:nvCxnSpPr>
+        <p:spPr>
+          <a:xfrm>
+            <a:off x="4535447" y="1723057"/>
+            <a:ext cx="802" cy="375717"/>
+          </a:xfrm>
+          <a:prstGeom prst="straightConnector1">
+            <a:avLst/>
+          </a:prstGeom>
+          <a:ln w="9525">
+            <a:solidFill>
+              <a:schemeClr val="tx1"/>
+            </a:solidFill>
+            <a:headEnd type="none"/>
+            <a:tailEnd type="triangle"/>
+          </a:ln>
+          <a:effectLst/>
+        </p:spPr>
+        <p:style>
+          <a:lnRef idx="2">
+            <a:schemeClr val="accent1"/>
+          </a:lnRef>
+          <a:fillRef idx="0">
+            <a:schemeClr val="accent1"/>
+          </a:fillRef>
+          <a:effectRef idx="1">
+            <a:schemeClr val="accent1"/>
+          </a:effectRef>
+          <a:fontRef idx="minor">
+            <a:schemeClr val="tx1"/>
+          </a:fontRef>
+        </p:style>
+      </p:cxnSp>
+      <p:sp>
+        <p:nvSpPr>
+          <p:cNvPr id="52" name="楕円 4">
+            <a:extLst>
+              <a:ext uri="{FF2B5EF4-FFF2-40B4-BE49-F238E27FC236}">
+                <a16:creationId xmlns:a16="http://schemas.microsoft.com/office/drawing/2014/main" id="{9CDD346B-911D-4C5B-957F-6666851125B8}"/>
+              </a:ext>
+            </a:extLst>
+          </p:cNvPr>
+          <p:cNvSpPr/>
+          <p:nvPr/>
+        </p:nvSpPr>
+        <p:spPr>
+          <a:xfrm>
+            <a:off x="2123728" y="5229200"/>
+            <a:ext cx="288032" cy="288032"/>
+          </a:xfrm>
+          <a:prstGeom prst="ellipse">
+            <a:avLst/>
+          </a:prstGeom>
+          <a:solidFill>
+            <a:srgbClr val="011893"/>
+          </a:solidFill>
+          <a:ln>
+            <a:solidFill>
+              <a:schemeClr val="tx1"/>
+            </a:solidFill>
+          </a:ln>
+        </p:spPr>
+        <p:style>
+          <a:lnRef idx="2">
+            <a:schemeClr val="accent1">
+              <a:shade val="50000"/>
+            </a:schemeClr>
+          </a:lnRef>
+          <a:fillRef idx="1">
+            <a:schemeClr val="accent1"/>
+          </a:fillRef>
+          <a:effectRef idx="0">
+            <a:schemeClr val="accent1"/>
+          </a:effectRef>
+          <a:fontRef idx="minor">
+            <a:schemeClr val="lt1"/>
+          </a:fontRef>
+        </p:style>
+        <p:txBody>
+          <a:bodyPr rtlCol="0" anchor="ctr"/>
+          <a:lstStyle/>
+          <a:p>
+            <a:pPr algn="ctr"/>
+            <a:endParaRPr kumimoji="1" lang="ja-JP" altLang="en-US"/>
+          </a:p>
+        </p:txBody>
+      </p:sp>
+      <p:sp>
+        <p:nvSpPr>
+          <p:cNvPr id="53" name="楕円 4">
+            <a:extLst>
+              <a:ext uri="{FF2B5EF4-FFF2-40B4-BE49-F238E27FC236}">
+                <a16:creationId xmlns:a16="http://schemas.microsoft.com/office/drawing/2014/main" id="{2DB8DD0D-6640-47A2-858E-FF1DC2C9D788}"/>
+              </a:ext>
+            </a:extLst>
+          </p:cNvPr>
+          <p:cNvSpPr/>
+          <p:nvPr/>
+        </p:nvSpPr>
+        <p:spPr>
+          <a:xfrm>
+            <a:off x="3203848" y="5229200"/>
+            <a:ext cx="288032" cy="288032"/>
+          </a:xfrm>
+          <a:prstGeom prst="ellipse">
+            <a:avLst/>
+          </a:prstGeom>
+          <a:solidFill>
+            <a:srgbClr val="011893"/>
+          </a:solidFill>
+          <a:ln>
+            <a:solidFill>
+              <a:schemeClr val="tx1"/>
+            </a:solidFill>
+          </a:ln>
+        </p:spPr>
+        <p:style>
+          <a:lnRef idx="2">
+            <a:schemeClr val="accent1">
+              <a:shade val="50000"/>
+            </a:schemeClr>
+          </a:lnRef>
+          <a:fillRef idx="1">
+            <a:schemeClr val="accent1"/>
+          </a:fillRef>
+          <a:effectRef idx="0">
+            <a:schemeClr val="accent1"/>
+          </a:effectRef>
+          <a:fontRef idx="minor">
+            <a:schemeClr val="lt1"/>
+          </a:fontRef>
+        </p:style>
+        <p:txBody>
+          <a:bodyPr rtlCol="0" anchor="ctr"/>
+          <a:lstStyle/>
+          <a:p>
+            <a:pPr algn="ctr"/>
+            <a:endParaRPr kumimoji="1" lang="ja-JP" altLang="en-US"/>
+          </a:p>
+        </p:txBody>
+      </p:sp>
+      <p:cxnSp>
+        <p:nvCxnSpPr>
+          <p:cNvPr id="55" name="直線コネクタ 54">
+            <a:extLst>
+              <a:ext uri="{FF2B5EF4-FFF2-40B4-BE49-F238E27FC236}">
+                <a16:creationId xmlns:a16="http://schemas.microsoft.com/office/drawing/2014/main" id="{DED0BFCF-6C38-4143-82C2-7CD612E27163}"/>
+              </a:ext>
+            </a:extLst>
+          </p:cNvPr>
+          <p:cNvCxnSpPr>
+            <a:cxnSpLocks/>
+            <a:stCxn id="52" idx="6"/>
+            <a:endCxn id="53" idx="2"/>
+          </p:cNvCxnSpPr>
+          <p:nvPr/>
+        </p:nvCxnSpPr>
+        <p:spPr>
+          <a:xfrm>
+            <a:off x="2411760" y="5373216"/>
+            <a:ext cx="792088" cy="0"/>
+          </a:xfrm>
+          <a:prstGeom prst="line">
+            <a:avLst/>
+          </a:prstGeom>
+          <a:ln w="57150">
+            <a:solidFill>
+              <a:schemeClr val="tx1"/>
+            </a:solidFill>
+            <a:headEnd type="none" w="med" len="med"/>
+            <a:tailEnd type="none" w="med" len="med"/>
+          </a:ln>
+        </p:spPr>
+        <p:style>
+          <a:lnRef idx="1">
+            <a:schemeClr val="accent1"/>
+          </a:lnRef>
+          <a:fillRef idx="0">
+            <a:schemeClr val="accent1"/>
+          </a:fillRef>
+          <a:effectRef idx="0">
+            <a:schemeClr val="accent1"/>
+          </a:effectRef>
+          <a:fontRef idx="minor">
+            <a:schemeClr val="tx1"/>
+          </a:fontRef>
+        </p:style>
+      </p:cxnSp>
+      <p:sp>
+        <p:nvSpPr>
+          <p:cNvPr id="56" name="四角形: 1 つの角を切り取り 1 つの角を丸める 55">
+            <a:extLst>
+              <a:ext uri="{FF2B5EF4-FFF2-40B4-BE49-F238E27FC236}">
+                <a16:creationId xmlns:a16="http://schemas.microsoft.com/office/drawing/2014/main" id="{531C9C95-3576-4F61-AADC-3075CAD93BEC}"/>
+              </a:ext>
+            </a:extLst>
+          </p:cNvPr>
+          <p:cNvSpPr/>
+          <p:nvPr/>
+        </p:nvSpPr>
+        <p:spPr>
+          <a:xfrm>
+            <a:off x="2853299" y="4509120"/>
+            <a:ext cx="990600" cy="387191"/>
+          </a:xfrm>
+          <a:prstGeom prst="snipRoundRect">
+            <a:avLst/>
+          </a:prstGeom>
+          <a:solidFill>
+            <a:schemeClr val="accent3">
+              <a:lumMod val="20000"/>
+              <a:lumOff val="80000"/>
+            </a:schemeClr>
+          </a:solidFill>
+          <a:ln>
+            <a:solidFill>
+              <a:schemeClr val="tx1"/>
+            </a:solidFill>
+          </a:ln>
+        </p:spPr>
+        <p:txBody>
+          <a:bodyPr wrap="square" rtlCol="0" anchor="ctr">
+            <a:spAutoFit/>
+          </a:bodyPr>
+          <a:lstStyle/>
+          <a:p>
+            <a:pPr algn="ctr"/>
+            <a:r>
+              <a:rPr kumimoji="1" lang="en-US" altLang="ja-JP" dirty="0"/>
+              <a:t>master</a:t>
+            </a:r>
+            <a:endParaRPr kumimoji="1" lang="ja-JP" altLang="en-US" dirty="0"/>
+          </a:p>
+        </p:txBody>
+      </p:sp>
+      <p:cxnSp>
+        <p:nvCxnSpPr>
+          <p:cNvPr id="57" name="直線矢印コネクタ 56">
+            <a:extLst>
+              <a:ext uri="{FF2B5EF4-FFF2-40B4-BE49-F238E27FC236}">
+                <a16:creationId xmlns:a16="http://schemas.microsoft.com/office/drawing/2014/main" id="{B985A3B2-801A-4B97-B555-2A6A5FB94B66}"/>
+              </a:ext>
+            </a:extLst>
+          </p:cNvPr>
+          <p:cNvCxnSpPr>
+            <a:cxnSpLocks/>
+            <a:stCxn id="56" idx="1"/>
+            <a:endCxn id="53" idx="0"/>
+          </p:cNvCxnSpPr>
+          <p:nvPr/>
+        </p:nvCxnSpPr>
+        <p:spPr>
+          <a:xfrm flipH="1">
+            <a:off x="3347864" y="4896311"/>
+            <a:ext cx="735" cy="332889"/>
+          </a:xfrm>
+          <a:prstGeom prst="straightConnector1">
+            <a:avLst/>
+          </a:prstGeom>
+          <a:ln w="9525">
+            <a:solidFill>
+              <a:schemeClr val="tx1"/>
+            </a:solidFill>
+            <a:headEnd type="none"/>
+            <a:tailEnd type="triangle"/>
+          </a:ln>
+          <a:effectLst/>
+        </p:spPr>
+        <p:style>
+          <a:lnRef idx="2">
+            <a:schemeClr val="accent1"/>
+          </a:lnRef>
+          <a:fillRef idx="0">
+            <a:schemeClr val="accent1"/>
+          </a:fillRef>
+          <a:effectRef idx="1">
+            <a:schemeClr val="accent1"/>
+          </a:effectRef>
+          <a:fontRef idx="minor">
+            <a:schemeClr val="tx1"/>
+          </a:fontRef>
+        </p:style>
+      </p:cxnSp>
+      <p:sp>
+        <p:nvSpPr>
+          <p:cNvPr id="58" name="楕円 4">
+            <a:extLst>
+              <a:ext uri="{FF2B5EF4-FFF2-40B4-BE49-F238E27FC236}">
+                <a16:creationId xmlns:a16="http://schemas.microsoft.com/office/drawing/2014/main" id="{54A10BA8-EA86-44C8-8AEF-90DE13E26622}"/>
+              </a:ext>
+            </a:extLst>
+          </p:cNvPr>
+          <p:cNvSpPr/>
+          <p:nvPr/>
+        </p:nvSpPr>
+        <p:spPr>
+          <a:xfrm>
+            <a:off x="4283968" y="5229200"/>
+            <a:ext cx="288032" cy="288032"/>
+          </a:xfrm>
+          <a:prstGeom prst="ellipse">
+            <a:avLst/>
+          </a:prstGeom>
+          <a:solidFill>
+            <a:srgbClr val="FFC000"/>
+          </a:solidFill>
+          <a:ln>
+            <a:solidFill>
+              <a:schemeClr val="tx1"/>
+            </a:solidFill>
+          </a:ln>
+        </p:spPr>
+        <p:style>
+          <a:lnRef idx="2">
+            <a:schemeClr val="accent1">
+              <a:shade val="50000"/>
+            </a:schemeClr>
+          </a:lnRef>
+          <a:fillRef idx="1">
+            <a:schemeClr val="accent1"/>
+          </a:fillRef>
+          <a:effectRef idx="0">
+            <a:schemeClr val="accent1"/>
+          </a:effectRef>
+          <a:fontRef idx="minor">
+            <a:schemeClr val="lt1"/>
+          </a:fontRef>
+        </p:style>
+        <p:txBody>
+          <a:bodyPr rtlCol="0" anchor="ctr"/>
+          <a:lstStyle/>
+          <a:p>
+            <a:pPr algn="ctr"/>
+            <a:endParaRPr kumimoji="1" lang="ja-JP" altLang="en-US"/>
+          </a:p>
+        </p:txBody>
+      </p:sp>
+      <p:cxnSp>
+        <p:nvCxnSpPr>
+          <p:cNvPr id="59" name="直線コネクタ 58">
+            <a:extLst>
+              <a:ext uri="{FF2B5EF4-FFF2-40B4-BE49-F238E27FC236}">
+                <a16:creationId xmlns:a16="http://schemas.microsoft.com/office/drawing/2014/main" id="{E51BED93-4B58-4525-AC4C-C5EBD3E3044D}"/>
+              </a:ext>
+            </a:extLst>
+          </p:cNvPr>
+          <p:cNvCxnSpPr>
+            <a:cxnSpLocks/>
+            <a:endCxn id="58" idx="2"/>
+          </p:cNvCxnSpPr>
+          <p:nvPr/>
+        </p:nvCxnSpPr>
+        <p:spPr>
+          <a:xfrm>
+            <a:off x="3491880" y="5373216"/>
+            <a:ext cx="792088" cy="0"/>
+          </a:xfrm>
+          <a:prstGeom prst="line">
+            <a:avLst/>
+          </a:prstGeom>
+          <a:ln w="57150">
+            <a:solidFill>
+              <a:srgbClr val="00B050"/>
+            </a:solidFill>
+            <a:headEnd type="none" w="med" len="med"/>
+            <a:tailEnd type="none" w="med" len="med"/>
+          </a:ln>
+        </p:spPr>
+        <p:style>
+          <a:lnRef idx="1">
+            <a:schemeClr val="accent1"/>
+          </a:lnRef>
+          <a:fillRef idx="0">
+            <a:schemeClr val="accent1"/>
+          </a:fillRef>
+          <a:effectRef idx="0">
+            <a:schemeClr val="accent1"/>
+          </a:effectRef>
+          <a:fontRef idx="minor">
+            <a:schemeClr val="tx1"/>
+          </a:fontRef>
+        </p:style>
+      </p:cxnSp>
+      <p:sp>
+        <p:nvSpPr>
+          <p:cNvPr id="60" name="楕円 4">
+            <a:extLst>
+              <a:ext uri="{FF2B5EF4-FFF2-40B4-BE49-F238E27FC236}">
+                <a16:creationId xmlns:a16="http://schemas.microsoft.com/office/drawing/2014/main" id="{78D3EDC9-2EBF-4535-8A20-7DEF089D99B4}"/>
+              </a:ext>
+            </a:extLst>
+          </p:cNvPr>
+          <p:cNvSpPr/>
+          <p:nvPr/>
+        </p:nvSpPr>
+        <p:spPr>
+          <a:xfrm>
+            <a:off x="5364088" y="5229200"/>
+            <a:ext cx="288032" cy="288032"/>
+          </a:xfrm>
+          <a:prstGeom prst="ellipse">
+            <a:avLst/>
+          </a:prstGeom>
+          <a:solidFill>
+            <a:srgbClr val="FFC000"/>
+          </a:solidFill>
+          <a:ln>
+            <a:solidFill>
+              <a:schemeClr val="tx1"/>
+            </a:solidFill>
+          </a:ln>
+        </p:spPr>
+        <p:style>
+          <a:lnRef idx="2">
+            <a:schemeClr val="accent1">
+              <a:shade val="50000"/>
+            </a:schemeClr>
+          </a:lnRef>
+          <a:fillRef idx="1">
+            <a:schemeClr val="accent1"/>
+          </a:fillRef>
+          <a:effectRef idx="0">
+            <a:schemeClr val="accent1"/>
+          </a:effectRef>
+          <a:fontRef idx="minor">
+            <a:schemeClr val="lt1"/>
+          </a:fontRef>
+        </p:style>
+        <p:txBody>
+          <a:bodyPr rtlCol="0" anchor="ctr"/>
+          <a:lstStyle/>
+          <a:p>
+            <a:pPr algn="ctr"/>
+            <a:endParaRPr kumimoji="1" lang="ja-JP" altLang="en-US"/>
+          </a:p>
+        </p:txBody>
+      </p:sp>
+      <p:cxnSp>
+        <p:nvCxnSpPr>
+          <p:cNvPr id="61" name="直線コネクタ 60">
+            <a:extLst>
+              <a:ext uri="{FF2B5EF4-FFF2-40B4-BE49-F238E27FC236}">
+                <a16:creationId xmlns:a16="http://schemas.microsoft.com/office/drawing/2014/main" id="{0AEF5343-88C9-4E9B-A4C3-9CEC60CF75F2}"/>
+              </a:ext>
+            </a:extLst>
+          </p:cNvPr>
+          <p:cNvCxnSpPr>
+            <a:cxnSpLocks/>
+            <a:endCxn id="60" idx="2"/>
+          </p:cNvCxnSpPr>
+          <p:nvPr/>
+        </p:nvCxnSpPr>
+        <p:spPr>
+          <a:xfrm>
+            <a:off x="4572000" y="5373216"/>
+            <a:ext cx="792088" cy="0"/>
+          </a:xfrm>
+          <a:prstGeom prst="line">
+            <a:avLst/>
+          </a:prstGeom>
+          <a:ln w="57150">
+            <a:solidFill>
+              <a:srgbClr val="00B050"/>
+            </a:solidFill>
+            <a:headEnd type="none" w="med" len="med"/>
+            <a:tailEnd type="none" w="med" len="med"/>
+          </a:ln>
+        </p:spPr>
+        <p:style>
+          <a:lnRef idx="1">
+            <a:schemeClr val="accent1"/>
+          </a:lnRef>
+          <a:fillRef idx="0">
+            <a:schemeClr val="accent1"/>
+          </a:fillRef>
+          <a:effectRef idx="0">
+            <a:schemeClr val="accent1"/>
+          </a:effectRef>
+          <a:fontRef idx="minor">
+            <a:schemeClr val="tx1"/>
+          </a:fontRef>
+        </p:style>
+      </p:cxnSp>
+      <p:sp>
+        <p:nvSpPr>
+          <p:cNvPr id="62" name="四角形: 1 つの角を切り取り 1 つの角を丸める 61">
+            <a:extLst>
+              <a:ext uri="{FF2B5EF4-FFF2-40B4-BE49-F238E27FC236}">
+                <a16:creationId xmlns:a16="http://schemas.microsoft.com/office/drawing/2014/main" id="{4B5B15A0-B3E4-4B3C-8D41-9F1639F4E01C}"/>
+              </a:ext>
+            </a:extLst>
+          </p:cNvPr>
+          <p:cNvSpPr/>
+          <p:nvPr/>
+        </p:nvSpPr>
+        <p:spPr>
+          <a:xfrm>
+            <a:off x="5012069" y="4485238"/>
+            <a:ext cx="990600" cy="387191"/>
+          </a:xfrm>
+          <a:prstGeom prst="snipRoundRect">
+            <a:avLst/>
+          </a:prstGeom>
+          <a:solidFill>
+            <a:schemeClr val="accent3">
+              <a:lumMod val="20000"/>
+              <a:lumOff val="80000"/>
+            </a:schemeClr>
+          </a:solidFill>
+          <a:ln>
+            <a:solidFill>
+              <a:schemeClr val="tx1"/>
+            </a:solidFill>
+          </a:ln>
+        </p:spPr>
+        <p:txBody>
+          <a:bodyPr wrap="square" rtlCol="0" anchor="ctr">
+            <a:spAutoFit/>
+          </a:bodyPr>
+          <a:lstStyle/>
+          <a:p>
+            <a:pPr algn="ctr"/>
+            <a:r>
+              <a:rPr lang="en-US" altLang="ja-JP" dirty="0"/>
+              <a:t>branch</a:t>
+            </a:r>
+            <a:endParaRPr kumimoji="1" lang="ja-JP" altLang="en-US" dirty="0"/>
+          </a:p>
+        </p:txBody>
+      </p:sp>
+      <p:cxnSp>
+        <p:nvCxnSpPr>
+          <p:cNvPr id="63" name="直線矢印コネクタ 62">
+            <a:extLst>
+              <a:ext uri="{FF2B5EF4-FFF2-40B4-BE49-F238E27FC236}">
+                <a16:creationId xmlns:a16="http://schemas.microsoft.com/office/drawing/2014/main" id="{E9BCB9D7-B3B5-4D76-BD0F-2DFA3137E7B8}"/>
+              </a:ext>
+            </a:extLst>
+          </p:cNvPr>
+          <p:cNvCxnSpPr>
+            <a:cxnSpLocks/>
+            <a:stCxn id="62" idx="1"/>
+            <a:endCxn id="60" idx="0"/>
+          </p:cNvCxnSpPr>
+          <p:nvPr/>
+        </p:nvCxnSpPr>
+        <p:spPr>
+          <a:xfrm>
+            <a:off x="5507369" y="4872429"/>
+            <a:ext cx="735" cy="356771"/>
+          </a:xfrm>
+          <a:prstGeom prst="straightConnector1">
+            <a:avLst/>
+          </a:prstGeom>
+          <a:ln w="9525">
+            <a:solidFill>
+              <a:schemeClr val="tx1"/>
+            </a:solidFill>
+            <a:headEnd type="none"/>
+            <a:tailEnd type="triangle"/>
+          </a:ln>
+          <a:effectLst/>
+        </p:spPr>
+        <p:style>
+          <a:lnRef idx="2">
+            <a:schemeClr val="accent1"/>
+          </a:lnRef>
+          <a:fillRef idx="0">
+            <a:schemeClr val="accent1"/>
+          </a:fillRef>
+          <a:effectRef idx="1">
+            <a:schemeClr val="accent1"/>
+          </a:effectRef>
+          <a:fontRef idx="minor">
+            <a:schemeClr val="tx1"/>
+          </a:fontRef>
+        </p:style>
+      </p:cxnSp>
+      <p:sp>
+        <p:nvSpPr>
+          <p:cNvPr id="64" name="正方形/長方形 63">
+            <a:extLst>
+              <a:ext uri="{FF2B5EF4-FFF2-40B4-BE49-F238E27FC236}">
+                <a16:creationId xmlns:a16="http://schemas.microsoft.com/office/drawing/2014/main" id="{3BD15E8D-9C4E-4C66-A751-3D6E3B2450BD}"/>
+              </a:ext>
+            </a:extLst>
+          </p:cNvPr>
+          <p:cNvSpPr/>
+          <p:nvPr/>
+        </p:nvSpPr>
+        <p:spPr>
+          <a:xfrm>
+            <a:off x="5028111" y="3701171"/>
+            <a:ext cx="960120" cy="369332"/>
+          </a:xfrm>
+          <a:prstGeom prst="rect">
+            <a:avLst/>
+          </a:prstGeom>
+          <a:ln>
+            <a:solidFill>
+              <a:schemeClr val="tx1"/>
+            </a:solidFill>
+          </a:ln>
+        </p:spPr>
+        <p:txBody>
+          <a:bodyPr wrap="square" rtlCol="0" anchor="ctr">
+            <a:spAutoFit/>
+          </a:bodyPr>
+          <a:lstStyle/>
+          <a:p>
+            <a:pPr algn="ctr"/>
+            <a:r>
+              <a:rPr kumimoji="1" lang="en-US" altLang="ja-JP" dirty="0"/>
+              <a:t>HEAD</a:t>
+            </a:r>
+            <a:endParaRPr kumimoji="1" lang="ja-JP" altLang="en-US" dirty="0"/>
+          </a:p>
+        </p:txBody>
+      </p:sp>
+      <p:cxnSp>
+        <p:nvCxnSpPr>
+          <p:cNvPr id="65" name="直線矢印コネクタ 64">
+            <a:extLst>
+              <a:ext uri="{FF2B5EF4-FFF2-40B4-BE49-F238E27FC236}">
+                <a16:creationId xmlns:a16="http://schemas.microsoft.com/office/drawing/2014/main" id="{D217F5B7-81E9-4B62-863F-F401DDFB231A}"/>
+              </a:ext>
+            </a:extLst>
+          </p:cNvPr>
+          <p:cNvCxnSpPr>
+            <a:cxnSpLocks/>
+            <a:stCxn id="64" idx="2"/>
+            <a:endCxn id="62" idx="3"/>
+          </p:cNvCxnSpPr>
+          <p:nvPr/>
+        </p:nvCxnSpPr>
+        <p:spPr>
+          <a:xfrm flipH="1">
+            <a:off x="5507369" y="4070503"/>
+            <a:ext cx="802" cy="414735"/>
+          </a:xfrm>
+          <a:prstGeom prst="straightConnector1">
+            <a:avLst/>
+          </a:prstGeom>
+          <a:ln w="9525">
+            <a:solidFill>
+              <a:schemeClr val="tx1"/>
+            </a:solidFill>
+            <a:headEnd type="none"/>
+            <a:tailEnd type="triangle"/>
+          </a:ln>
+          <a:effectLst/>
+        </p:spPr>
+        <p:style>
+          <a:lnRef idx="2">
+            <a:schemeClr val="accent1"/>
+          </a:lnRef>
+          <a:fillRef idx="0">
+            <a:schemeClr val="accent1"/>
+          </a:fillRef>
+          <a:effectRef idx="1">
+            <a:schemeClr val="accent1"/>
+          </a:effectRef>
+          <a:fontRef idx="minor">
+            <a:schemeClr val="tx1"/>
+          </a:fontRef>
+        </p:style>
+      </p:cxnSp>
+      <p:sp>
+        <p:nvSpPr>
+          <p:cNvPr id="67" name="楕円 4">
+            <a:extLst>
+              <a:ext uri="{FF2B5EF4-FFF2-40B4-BE49-F238E27FC236}">
+                <a16:creationId xmlns:a16="http://schemas.microsoft.com/office/drawing/2014/main" id="{D0360CB6-88AF-4283-9259-931DD5E1A47C}"/>
+              </a:ext>
+            </a:extLst>
+          </p:cNvPr>
+          <p:cNvSpPr/>
+          <p:nvPr/>
+        </p:nvSpPr>
+        <p:spPr>
+          <a:xfrm>
+            <a:off x="1043608" y="5229200"/>
+            <a:ext cx="288032" cy="288032"/>
+          </a:xfrm>
+          <a:prstGeom prst="ellipse">
+            <a:avLst/>
+          </a:prstGeom>
+          <a:solidFill>
+            <a:srgbClr val="011893"/>
+          </a:solidFill>
+          <a:ln>
+            <a:solidFill>
+              <a:schemeClr val="tx1"/>
+            </a:solidFill>
+          </a:ln>
+        </p:spPr>
+        <p:style>
+          <a:lnRef idx="2">
+            <a:schemeClr val="accent1">
+              <a:shade val="50000"/>
+            </a:schemeClr>
+          </a:lnRef>
+          <a:fillRef idx="1">
+            <a:schemeClr val="accent1"/>
+          </a:fillRef>
+          <a:effectRef idx="0">
+            <a:schemeClr val="accent1"/>
+          </a:effectRef>
+          <a:fontRef idx="minor">
+            <a:schemeClr val="lt1"/>
+          </a:fontRef>
+        </p:style>
+        <p:txBody>
+          <a:bodyPr rtlCol="0" anchor="ctr"/>
+          <a:lstStyle/>
+          <a:p>
+            <a:pPr algn="ctr"/>
+            <a:endParaRPr kumimoji="1" lang="ja-JP" altLang="en-US"/>
+          </a:p>
+        </p:txBody>
+      </p:sp>
+      <p:cxnSp>
+        <p:nvCxnSpPr>
+          <p:cNvPr id="68" name="直線コネクタ 67">
+            <a:extLst>
+              <a:ext uri="{FF2B5EF4-FFF2-40B4-BE49-F238E27FC236}">
+                <a16:creationId xmlns:a16="http://schemas.microsoft.com/office/drawing/2014/main" id="{6819A89B-1686-4A49-B4F2-1F7D436330E7}"/>
+              </a:ext>
+            </a:extLst>
+          </p:cNvPr>
+          <p:cNvCxnSpPr>
+            <a:cxnSpLocks/>
+            <a:stCxn id="67" idx="6"/>
+          </p:cNvCxnSpPr>
+          <p:nvPr/>
+        </p:nvCxnSpPr>
+        <p:spPr>
+          <a:xfrm>
+            <a:off x="1331640" y="5373216"/>
+            <a:ext cx="792088" cy="0"/>
+          </a:xfrm>
+          <a:prstGeom prst="line">
+            <a:avLst/>
+          </a:prstGeom>
+          <a:ln w="57150">
+            <a:solidFill>
+              <a:schemeClr val="tx1"/>
+            </a:solidFill>
+            <a:headEnd type="none" w="med" len="med"/>
+            <a:tailEnd type="none" w="med" len="med"/>
+          </a:ln>
+        </p:spPr>
+        <p:style>
+          <a:lnRef idx="1">
+            <a:schemeClr val="accent1"/>
+          </a:lnRef>
+          <a:fillRef idx="0">
+            <a:schemeClr val="accent1"/>
+          </a:fillRef>
+          <a:effectRef idx="0">
+            <a:schemeClr val="accent1"/>
+          </a:effectRef>
+          <a:fontRef idx="minor">
+            <a:schemeClr val="tx1"/>
+          </a:fontRef>
+        </p:style>
+      </p:cxnSp>
+      <p:grpSp>
+        <p:nvGrpSpPr>
+          <p:cNvPr id="69" name="グループ化 68">
+            <a:extLst>
+              <a:ext uri="{FF2B5EF4-FFF2-40B4-BE49-F238E27FC236}">
+                <a16:creationId xmlns:a16="http://schemas.microsoft.com/office/drawing/2014/main" id="{56D1C48F-BBD1-43CE-894D-193514D67E75}"/>
+              </a:ext>
+            </a:extLst>
+          </p:cNvPr>
+          <p:cNvGrpSpPr/>
+          <p:nvPr/>
+        </p:nvGrpSpPr>
+        <p:grpSpPr>
+          <a:xfrm>
+            <a:off x="899592" y="6021288"/>
+            <a:ext cx="504056" cy="378042"/>
+            <a:chOff x="2411760" y="4491118"/>
+            <a:chExt cx="504056" cy="378042"/>
+          </a:xfrm>
+        </p:grpSpPr>
+        <p:sp>
+          <p:nvSpPr>
+            <p:cNvPr id="70" name="正方形/長方形 69">
+              <a:extLst>
+                <a:ext uri="{FF2B5EF4-FFF2-40B4-BE49-F238E27FC236}">
+                  <a16:creationId xmlns:a16="http://schemas.microsoft.com/office/drawing/2014/main" id="{01B93C2D-985C-419A-AEA7-CF50A8291A54}"/>
+                </a:ext>
+              </a:extLst>
+            </p:cNvPr>
+            <p:cNvSpPr/>
+            <p:nvPr/>
+          </p:nvSpPr>
+          <p:spPr>
+            <a:xfrm>
+              <a:off x="2411760" y="4743146"/>
+              <a:ext cx="504056" cy="126014"/>
+            </a:xfrm>
+            <a:prstGeom prst="rect">
+              <a:avLst/>
+            </a:prstGeom>
+            <a:solidFill>
+              <a:schemeClr val="accent1"/>
+            </a:solidFill>
+            <a:ln>
+              <a:noFill/>
+            </a:ln>
+          </p:spPr>
+          <p:txBody>
+            <a:bodyPr wrap="square" rtlCol="0" anchor="ctr">
+              <a:spAutoFit/>
+            </a:bodyPr>
+            <a:lstStyle/>
+            <a:p>
+              <a:pPr algn="ctr"/>
+              <a:endParaRPr kumimoji="1" lang="ja-JP" altLang="en-US" sz="2400" dirty="0"/>
+            </a:p>
+          </p:txBody>
+        </p:sp>
+        <p:sp>
+          <p:nvSpPr>
+            <p:cNvPr id="71" name="直角三角形 70">
+              <a:extLst>
+                <a:ext uri="{FF2B5EF4-FFF2-40B4-BE49-F238E27FC236}">
+                  <a16:creationId xmlns:a16="http://schemas.microsoft.com/office/drawing/2014/main" id="{4B94A76C-E1AA-4354-A4CD-9AC96C0E3569}"/>
+                </a:ext>
+              </a:extLst>
+            </p:cNvPr>
+            <p:cNvSpPr/>
+            <p:nvPr/>
+          </p:nvSpPr>
+          <p:spPr>
+            <a:xfrm rot="16200000">
+              <a:off x="2411760" y="4491118"/>
+              <a:ext cx="252028" cy="252028"/>
+            </a:xfrm>
+            <a:prstGeom prst="rtTriangle">
+              <a:avLst/>
+            </a:prstGeom>
+            <a:solidFill>
+              <a:schemeClr val="accent1"/>
+            </a:solidFill>
+            <a:ln>
+              <a:noFill/>
+            </a:ln>
+          </p:spPr>
+          <p:txBody>
+            <a:bodyPr wrap="square" rtlCol="0" anchor="ctr">
+              <a:spAutoFit/>
+            </a:bodyPr>
+            <a:lstStyle/>
+            <a:p>
+              <a:pPr algn="ctr"/>
+              <a:endParaRPr kumimoji="1" lang="ja-JP" altLang="en-US" sz="2400" dirty="0"/>
+            </a:p>
+          </p:txBody>
+        </p:sp>
+        <p:sp>
+          <p:nvSpPr>
+            <p:cNvPr id="72" name="直角三角形 71">
+              <a:extLst>
+                <a:ext uri="{FF2B5EF4-FFF2-40B4-BE49-F238E27FC236}">
+                  <a16:creationId xmlns:a16="http://schemas.microsoft.com/office/drawing/2014/main" id="{FC52CE87-8BF4-4E97-AC20-FA14A1B44754}"/>
+                </a:ext>
+              </a:extLst>
+            </p:cNvPr>
+            <p:cNvSpPr/>
+            <p:nvPr/>
+          </p:nvSpPr>
+          <p:spPr>
+            <a:xfrm>
+              <a:off x="2663788" y="4491118"/>
+              <a:ext cx="252028" cy="252028"/>
+            </a:xfrm>
+            <a:prstGeom prst="rtTriangle">
+              <a:avLst/>
+            </a:prstGeom>
+            <a:solidFill>
+              <a:schemeClr val="accent1"/>
+            </a:solidFill>
+            <a:ln>
+              <a:noFill/>
+            </a:ln>
+          </p:spPr>
+          <p:txBody>
+            <a:bodyPr wrap="square" rtlCol="0" anchor="ctr">
+              <a:spAutoFit/>
+            </a:bodyPr>
+            <a:lstStyle/>
+            <a:p>
+              <a:pPr algn="ctr"/>
+              <a:endParaRPr kumimoji="1" lang="ja-JP" altLang="en-US" sz="2400" dirty="0"/>
+            </a:p>
+          </p:txBody>
+        </p:sp>
+      </p:grpSp>
+      <p:sp>
+        <p:nvSpPr>
+          <p:cNvPr id="73" name="テキスト ボックス 72">
+            <a:extLst>
+              <a:ext uri="{FF2B5EF4-FFF2-40B4-BE49-F238E27FC236}">
+                <a16:creationId xmlns:a16="http://schemas.microsoft.com/office/drawing/2014/main" id="{D2437A20-5B72-4043-B72B-CB92405EFBA1}"/>
+              </a:ext>
+            </a:extLst>
+          </p:cNvPr>
+          <p:cNvSpPr txBox="1"/>
+          <p:nvPr/>
+        </p:nvSpPr>
+        <p:spPr>
+          <a:xfrm>
+            <a:off x="1956737" y="2380057"/>
+            <a:ext cx="437940" cy="369332"/>
+          </a:xfrm>
+          <a:prstGeom prst="rect">
+            <a:avLst/>
+          </a:prstGeom>
+          <a:noFill/>
+        </p:spPr>
+        <p:txBody>
+          <a:bodyPr wrap="none" rtlCol="0">
+            <a:spAutoFit/>
+          </a:bodyPr>
+          <a:lstStyle/>
+          <a:p>
+            <a:r>
+              <a:rPr kumimoji="1" lang="en-US" altLang="ja-JP" dirty="0">
+                <a:latin typeface="Consolas" panose="020B0609020204030204" pitchFamily="49" charset="0"/>
+              </a:rPr>
+              <a:t>c1</a:t>
+            </a:r>
+            <a:endParaRPr kumimoji="1" lang="ja-JP" altLang="en-US" dirty="0">
+              <a:latin typeface="Consolas" panose="020B0609020204030204" pitchFamily="49" charset="0"/>
+            </a:endParaRPr>
+          </a:p>
+        </p:txBody>
+      </p:sp>
+      <p:sp>
+        <p:nvSpPr>
+          <p:cNvPr id="74" name="テキスト ボックス 73">
+            <a:extLst>
+              <a:ext uri="{FF2B5EF4-FFF2-40B4-BE49-F238E27FC236}">
+                <a16:creationId xmlns:a16="http://schemas.microsoft.com/office/drawing/2014/main" id="{BF807529-30B2-4C96-BDF3-916A7D2F744A}"/>
+              </a:ext>
+            </a:extLst>
+          </p:cNvPr>
+          <p:cNvSpPr txBox="1"/>
+          <p:nvPr/>
+        </p:nvSpPr>
+        <p:spPr>
+          <a:xfrm>
+            <a:off x="3036857" y="2380057"/>
+            <a:ext cx="437940" cy="369332"/>
+          </a:xfrm>
+          <a:prstGeom prst="rect">
+            <a:avLst/>
+          </a:prstGeom>
+          <a:noFill/>
+        </p:spPr>
+        <p:txBody>
+          <a:bodyPr wrap="none" rtlCol="0">
+            <a:spAutoFit/>
+          </a:bodyPr>
+          <a:lstStyle/>
+          <a:p>
+            <a:r>
+              <a:rPr kumimoji="1" lang="en-US" altLang="ja-JP" dirty="0">
+                <a:latin typeface="Consolas" panose="020B0609020204030204" pitchFamily="49" charset="0"/>
+              </a:rPr>
+              <a:t>c2</a:t>
+            </a:r>
+            <a:endParaRPr kumimoji="1" lang="ja-JP" altLang="en-US" dirty="0">
+              <a:latin typeface="Consolas" panose="020B0609020204030204" pitchFamily="49" charset="0"/>
+            </a:endParaRPr>
+          </a:p>
+        </p:txBody>
+      </p:sp>
+      <p:sp>
+        <p:nvSpPr>
+          <p:cNvPr id="75" name="直角三角形 74">
+            <a:extLst>
+              <a:ext uri="{FF2B5EF4-FFF2-40B4-BE49-F238E27FC236}">
+                <a16:creationId xmlns:a16="http://schemas.microsoft.com/office/drawing/2014/main" id="{444A8508-EC5E-4E5F-9DA6-D799A9A31086}"/>
+              </a:ext>
+            </a:extLst>
+          </p:cNvPr>
+          <p:cNvSpPr/>
+          <p:nvPr/>
+        </p:nvSpPr>
+        <p:spPr>
+          <a:xfrm rot="5400000">
+            <a:off x="1979712" y="6021288"/>
+            <a:ext cx="252028" cy="252028"/>
+          </a:xfrm>
+          <a:prstGeom prst="rtTriangle">
+            <a:avLst/>
+          </a:prstGeom>
+          <a:solidFill>
+            <a:schemeClr val="accent3">
+              <a:lumMod val="60000"/>
+              <a:lumOff val="40000"/>
+            </a:schemeClr>
+          </a:solidFill>
+          <a:ln>
+            <a:noFill/>
+          </a:ln>
+        </p:spPr>
+        <p:txBody>
+          <a:bodyPr wrap="square" rtlCol="0" anchor="ctr">
+            <a:spAutoFit/>
+          </a:bodyPr>
+          <a:lstStyle/>
+          <a:p>
+            <a:pPr algn="ctr"/>
+            <a:endParaRPr kumimoji="1" lang="ja-JP" altLang="en-US" sz="2400" dirty="0"/>
+          </a:p>
+        </p:txBody>
+      </p:sp>
+      <p:grpSp>
+        <p:nvGrpSpPr>
+          <p:cNvPr id="76" name="グループ化 75">
+            <a:extLst>
+              <a:ext uri="{FF2B5EF4-FFF2-40B4-BE49-F238E27FC236}">
+                <a16:creationId xmlns:a16="http://schemas.microsoft.com/office/drawing/2014/main" id="{6679997D-71E4-403B-B951-14F8845EE8F8}"/>
+              </a:ext>
+            </a:extLst>
+          </p:cNvPr>
+          <p:cNvGrpSpPr/>
+          <p:nvPr/>
+        </p:nvGrpSpPr>
+        <p:grpSpPr>
+          <a:xfrm>
+            <a:off x="1981617" y="6030813"/>
+            <a:ext cx="504056" cy="378042"/>
+            <a:chOff x="2411760" y="4491118"/>
+            <a:chExt cx="504056" cy="378042"/>
+          </a:xfrm>
+        </p:grpSpPr>
+        <p:sp>
+          <p:nvSpPr>
+            <p:cNvPr id="77" name="正方形/長方形 76">
+              <a:extLst>
+                <a:ext uri="{FF2B5EF4-FFF2-40B4-BE49-F238E27FC236}">
+                  <a16:creationId xmlns:a16="http://schemas.microsoft.com/office/drawing/2014/main" id="{0A17F0FE-172E-4A98-8ACE-C49F808ECCBB}"/>
+                </a:ext>
+              </a:extLst>
+            </p:cNvPr>
+            <p:cNvSpPr/>
+            <p:nvPr/>
+          </p:nvSpPr>
+          <p:spPr>
+            <a:xfrm>
+              <a:off x="2411760" y="4743146"/>
+              <a:ext cx="504056" cy="126014"/>
+            </a:xfrm>
+            <a:prstGeom prst="rect">
+              <a:avLst/>
+            </a:prstGeom>
+            <a:solidFill>
+              <a:schemeClr val="accent1"/>
+            </a:solidFill>
+            <a:ln>
+              <a:noFill/>
+            </a:ln>
+          </p:spPr>
+          <p:txBody>
+            <a:bodyPr wrap="square" rtlCol="0" anchor="ctr">
+              <a:spAutoFit/>
+            </a:bodyPr>
+            <a:lstStyle/>
+            <a:p>
+              <a:pPr algn="ctr"/>
+              <a:endParaRPr kumimoji="1" lang="ja-JP" altLang="en-US" sz="2400" dirty="0"/>
+            </a:p>
+          </p:txBody>
+        </p:sp>
+        <p:sp>
+          <p:nvSpPr>
+            <p:cNvPr id="78" name="直角三角形 77">
+              <a:extLst>
+                <a:ext uri="{FF2B5EF4-FFF2-40B4-BE49-F238E27FC236}">
+                  <a16:creationId xmlns:a16="http://schemas.microsoft.com/office/drawing/2014/main" id="{E1958729-5A48-4CEB-88D8-1B4AD7024B3A}"/>
+                </a:ext>
+              </a:extLst>
+            </p:cNvPr>
+            <p:cNvSpPr/>
+            <p:nvPr/>
+          </p:nvSpPr>
+          <p:spPr>
+            <a:xfrm rot="16200000">
+              <a:off x="2411760" y="4491118"/>
+              <a:ext cx="252028" cy="252028"/>
+            </a:xfrm>
+            <a:prstGeom prst="rtTriangle">
+              <a:avLst/>
+            </a:prstGeom>
+            <a:solidFill>
+              <a:schemeClr val="accent1"/>
+            </a:solidFill>
+            <a:ln>
+              <a:noFill/>
+            </a:ln>
+          </p:spPr>
+          <p:txBody>
+            <a:bodyPr wrap="square" rtlCol="0" anchor="ctr">
+              <a:spAutoFit/>
+            </a:bodyPr>
+            <a:lstStyle/>
+            <a:p>
+              <a:pPr algn="ctr"/>
+              <a:endParaRPr kumimoji="1" lang="ja-JP" altLang="en-US" sz="2400" dirty="0"/>
+            </a:p>
+          </p:txBody>
+        </p:sp>
+        <p:sp>
+          <p:nvSpPr>
+            <p:cNvPr id="79" name="直角三角形 78">
+              <a:extLst>
+                <a:ext uri="{FF2B5EF4-FFF2-40B4-BE49-F238E27FC236}">
+                  <a16:creationId xmlns:a16="http://schemas.microsoft.com/office/drawing/2014/main" id="{28630E1D-6EEE-4286-888A-8856D13872F8}"/>
+                </a:ext>
+              </a:extLst>
+            </p:cNvPr>
+            <p:cNvSpPr/>
+            <p:nvPr/>
+          </p:nvSpPr>
+          <p:spPr>
+            <a:xfrm>
+              <a:off x="2663788" y="4491118"/>
+              <a:ext cx="252028" cy="252028"/>
+            </a:xfrm>
+            <a:prstGeom prst="rtTriangle">
+              <a:avLst/>
+            </a:prstGeom>
+            <a:solidFill>
+              <a:schemeClr val="accent1"/>
+            </a:solidFill>
+            <a:ln>
+              <a:noFill/>
+            </a:ln>
+          </p:spPr>
+          <p:txBody>
+            <a:bodyPr wrap="square" rtlCol="0" anchor="ctr">
+              <a:spAutoFit/>
+            </a:bodyPr>
+            <a:lstStyle/>
+            <a:p>
+              <a:pPr algn="ctr"/>
+              <a:endParaRPr kumimoji="1" lang="ja-JP" altLang="en-US" sz="2400" dirty="0"/>
+            </a:p>
+          </p:txBody>
+        </p:sp>
+      </p:grpSp>
+      <p:sp>
+        <p:nvSpPr>
+          <p:cNvPr id="80" name="直角三角形 79">
+            <a:extLst>
+              <a:ext uri="{FF2B5EF4-FFF2-40B4-BE49-F238E27FC236}">
+                <a16:creationId xmlns:a16="http://schemas.microsoft.com/office/drawing/2014/main" id="{1EE168B8-3351-4807-8D99-CE8E3BD040AB}"/>
+              </a:ext>
+            </a:extLst>
+          </p:cNvPr>
+          <p:cNvSpPr/>
+          <p:nvPr/>
+        </p:nvSpPr>
+        <p:spPr>
+          <a:xfrm rot="5400000">
+            <a:off x="3133745" y="6021288"/>
+            <a:ext cx="252028" cy="252028"/>
+          </a:xfrm>
+          <a:prstGeom prst="rtTriangle">
+            <a:avLst/>
+          </a:prstGeom>
+          <a:solidFill>
+            <a:schemeClr val="accent3">
+              <a:lumMod val="60000"/>
+              <a:lumOff val="40000"/>
+            </a:schemeClr>
+          </a:solidFill>
+          <a:ln>
+            <a:noFill/>
+          </a:ln>
+        </p:spPr>
+        <p:txBody>
+          <a:bodyPr wrap="square" rtlCol="0" anchor="ctr">
+            <a:spAutoFit/>
+          </a:bodyPr>
+          <a:lstStyle/>
+          <a:p>
+            <a:pPr algn="ctr"/>
+            <a:endParaRPr kumimoji="1" lang="ja-JP" altLang="en-US" sz="2400" dirty="0"/>
+          </a:p>
+        </p:txBody>
+      </p:sp>
+      <p:grpSp>
+        <p:nvGrpSpPr>
+          <p:cNvPr id="81" name="グループ化 80">
+            <a:extLst>
+              <a:ext uri="{FF2B5EF4-FFF2-40B4-BE49-F238E27FC236}">
+                <a16:creationId xmlns:a16="http://schemas.microsoft.com/office/drawing/2014/main" id="{EC59D4C6-E90E-4C73-8F1D-B20FDDDF723F}"/>
+              </a:ext>
+            </a:extLst>
+          </p:cNvPr>
+          <p:cNvGrpSpPr/>
+          <p:nvPr/>
+        </p:nvGrpSpPr>
+        <p:grpSpPr>
+          <a:xfrm>
+            <a:off x="3133745" y="6030813"/>
+            <a:ext cx="504056" cy="378042"/>
+            <a:chOff x="2411760" y="4491118"/>
+            <a:chExt cx="504056" cy="378042"/>
+          </a:xfrm>
+        </p:grpSpPr>
+        <p:sp>
+          <p:nvSpPr>
+            <p:cNvPr id="82" name="正方形/長方形 81">
+              <a:extLst>
+                <a:ext uri="{FF2B5EF4-FFF2-40B4-BE49-F238E27FC236}">
+                  <a16:creationId xmlns:a16="http://schemas.microsoft.com/office/drawing/2014/main" id="{5A848517-E7F2-417C-89C9-27B9FA8947F4}"/>
+                </a:ext>
+              </a:extLst>
+            </p:cNvPr>
+            <p:cNvSpPr/>
+            <p:nvPr/>
+          </p:nvSpPr>
+          <p:spPr>
+            <a:xfrm>
+              <a:off x="2411760" y="4743146"/>
+              <a:ext cx="504056" cy="126014"/>
+            </a:xfrm>
+            <a:prstGeom prst="rect">
+              <a:avLst/>
+            </a:prstGeom>
+            <a:solidFill>
+              <a:schemeClr val="accent1"/>
+            </a:solidFill>
+            <a:ln>
+              <a:noFill/>
+            </a:ln>
+          </p:spPr>
+          <p:txBody>
+            <a:bodyPr wrap="square" rtlCol="0" anchor="ctr">
+              <a:spAutoFit/>
+            </a:bodyPr>
+            <a:lstStyle/>
+            <a:p>
+              <a:pPr algn="ctr"/>
+              <a:endParaRPr kumimoji="1" lang="ja-JP" altLang="en-US" sz="2400" dirty="0"/>
+            </a:p>
+          </p:txBody>
+        </p:sp>
+        <p:sp>
+          <p:nvSpPr>
+            <p:cNvPr id="83" name="直角三角形 82">
+              <a:extLst>
+                <a:ext uri="{FF2B5EF4-FFF2-40B4-BE49-F238E27FC236}">
+                  <a16:creationId xmlns:a16="http://schemas.microsoft.com/office/drawing/2014/main" id="{E707F558-3132-4A66-B037-6331EE11B7C5}"/>
+                </a:ext>
+              </a:extLst>
+            </p:cNvPr>
+            <p:cNvSpPr/>
+            <p:nvPr/>
+          </p:nvSpPr>
+          <p:spPr>
+            <a:xfrm rot="16200000">
+              <a:off x="2411760" y="4491118"/>
+              <a:ext cx="252028" cy="252028"/>
+            </a:xfrm>
+            <a:prstGeom prst="rtTriangle">
+              <a:avLst/>
+            </a:prstGeom>
+            <a:solidFill>
+              <a:schemeClr val="accent1"/>
+            </a:solidFill>
+            <a:ln>
+              <a:noFill/>
+            </a:ln>
+          </p:spPr>
+          <p:txBody>
+            <a:bodyPr wrap="square" rtlCol="0" anchor="ctr">
+              <a:spAutoFit/>
+            </a:bodyPr>
+            <a:lstStyle/>
+            <a:p>
+              <a:pPr algn="ctr"/>
+              <a:endParaRPr kumimoji="1" lang="ja-JP" altLang="en-US" sz="2400" dirty="0"/>
+            </a:p>
+          </p:txBody>
+        </p:sp>
+        <p:sp>
+          <p:nvSpPr>
+            <p:cNvPr id="84" name="直角三角形 83">
+              <a:extLst>
+                <a:ext uri="{FF2B5EF4-FFF2-40B4-BE49-F238E27FC236}">
+                  <a16:creationId xmlns:a16="http://schemas.microsoft.com/office/drawing/2014/main" id="{BA1B5DC1-9ED4-4EFC-BCE9-87D57E59D5DB}"/>
+                </a:ext>
+              </a:extLst>
+            </p:cNvPr>
+            <p:cNvSpPr/>
+            <p:nvPr/>
+          </p:nvSpPr>
+          <p:spPr>
+            <a:xfrm>
+              <a:off x="2663788" y="4491118"/>
+              <a:ext cx="252028" cy="252028"/>
+            </a:xfrm>
+            <a:prstGeom prst="rtTriangle">
+              <a:avLst/>
+            </a:prstGeom>
+            <a:solidFill>
+              <a:schemeClr val="accent1"/>
+            </a:solidFill>
+            <a:ln>
+              <a:noFill/>
+            </a:ln>
+          </p:spPr>
+          <p:txBody>
+            <a:bodyPr wrap="square" rtlCol="0" anchor="ctr">
+              <a:spAutoFit/>
+            </a:bodyPr>
+            <a:lstStyle/>
+            <a:p>
+              <a:pPr algn="ctr"/>
+              <a:endParaRPr kumimoji="1" lang="ja-JP" altLang="en-US" sz="2400" dirty="0"/>
+            </a:p>
+          </p:txBody>
+        </p:sp>
+      </p:grpSp>
+      <p:sp>
+        <p:nvSpPr>
+          <p:cNvPr id="85" name="正方形/長方形 84">
+            <a:extLst>
+              <a:ext uri="{FF2B5EF4-FFF2-40B4-BE49-F238E27FC236}">
+                <a16:creationId xmlns:a16="http://schemas.microsoft.com/office/drawing/2014/main" id="{AABC5898-49B6-429A-9225-4227E3C90FE8}"/>
+              </a:ext>
+            </a:extLst>
+          </p:cNvPr>
+          <p:cNvSpPr/>
+          <p:nvPr/>
+        </p:nvSpPr>
+        <p:spPr>
+          <a:xfrm>
+            <a:off x="3135650" y="5890335"/>
+            <a:ext cx="252028" cy="126014"/>
+          </a:xfrm>
+          <a:prstGeom prst="rect">
+            <a:avLst/>
+          </a:prstGeom>
+          <a:solidFill>
+            <a:schemeClr val="accent3">
+              <a:lumMod val="60000"/>
+              <a:lumOff val="40000"/>
+            </a:schemeClr>
+          </a:solidFill>
+          <a:ln>
+            <a:noFill/>
+          </a:ln>
+        </p:spPr>
+        <p:txBody>
+          <a:bodyPr wrap="square" rtlCol="0" anchor="ctr">
+            <a:spAutoFit/>
+          </a:bodyPr>
+          <a:lstStyle/>
+          <a:p>
+            <a:pPr algn="ctr"/>
+            <a:endParaRPr kumimoji="1" lang="ja-JP" altLang="en-US" sz="2400" dirty="0"/>
+          </a:p>
+        </p:txBody>
+      </p:sp>
+      <p:sp>
+        <p:nvSpPr>
+          <p:cNvPr id="93" name="テキスト ボックス 92">
+            <a:extLst>
+              <a:ext uri="{FF2B5EF4-FFF2-40B4-BE49-F238E27FC236}">
+                <a16:creationId xmlns:a16="http://schemas.microsoft.com/office/drawing/2014/main" id="{7397D5DC-A0B1-4BC6-9338-43713D508187}"/>
+              </a:ext>
+            </a:extLst>
+          </p:cNvPr>
+          <p:cNvSpPr txBox="1"/>
+          <p:nvPr/>
+        </p:nvSpPr>
+        <p:spPr>
+          <a:xfrm>
+            <a:off x="4211960" y="5517232"/>
+            <a:ext cx="564578" cy="369332"/>
+          </a:xfrm>
+          <a:prstGeom prst="rect">
+            <a:avLst/>
+          </a:prstGeom>
+          <a:noFill/>
+        </p:spPr>
+        <p:txBody>
+          <a:bodyPr wrap="none" rtlCol="0">
+            <a:spAutoFit/>
+          </a:bodyPr>
+          <a:lstStyle/>
+          <a:p>
+            <a:r>
+              <a:rPr lang="en-US" altLang="ja-JP" dirty="0">
+                <a:latin typeface="Consolas" panose="020B0609020204030204" pitchFamily="49" charset="0"/>
+              </a:rPr>
+              <a:t>c</a:t>
+            </a:r>
+            <a:r>
+              <a:rPr kumimoji="1" lang="en-US" altLang="ja-JP" dirty="0">
+                <a:latin typeface="Consolas" panose="020B0609020204030204" pitchFamily="49" charset="0"/>
+              </a:rPr>
+              <a:t>1’</a:t>
+            </a:r>
+            <a:endParaRPr kumimoji="1" lang="ja-JP" altLang="en-US" dirty="0">
+              <a:latin typeface="Consolas" panose="020B0609020204030204" pitchFamily="49" charset="0"/>
+            </a:endParaRPr>
+          </a:p>
+        </p:txBody>
+      </p:sp>
+      <p:sp>
+        <p:nvSpPr>
+          <p:cNvPr id="94" name="テキスト ボックス 93">
+            <a:extLst>
+              <a:ext uri="{FF2B5EF4-FFF2-40B4-BE49-F238E27FC236}">
+                <a16:creationId xmlns:a16="http://schemas.microsoft.com/office/drawing/2014/main" id="{D851679A-5932-420F-8BD9-030BD8971313}"/>
+              </a:ext>
+            </a:extLst>
+          </p:cNvPr>
+          <p:cNvSpPr txBox="1"/>
+          <p:nvPr/>
+        </p:nvSpPr>
+        <p:spPr>
+          <a:xfrm>
+            <a:off x="5292080" y="5517232"/>
+            <a:ext cx="564578" cy="369332"/>
+          </a:xfrm>
+          <a:prstGeom prst="rect">
+            <a:avLst/>
+          </a:prstGeom>
+          <a:noFill/>
+        </p:spPr>
+        <p:txBody>
+          <a:bodyPr wrap="none" rtlCol="0">
+            <a:spAutoFit/>
+          </a:bodyPr>
+          <a:lstStyle/>
+          <a:p>
+            <a:r>
+              <a:rPr lang="en-US" altLang="ja-JP" dirty="0">
+                <a:latin typeface="Consolas" panose="020B0609020204030204" pitchFamily="49" charset="0"/>
+              </a:rPr>
+              <a:t>c</a:t>
+            </a:r>
+            <a:r>
+              <a:rPr kumimoji="1" lang="en-US" altLang="ja-JP" dirty="0">
+                <a:latin typeface="Consolas" panose="020B0609020204030204" pitchFamily="49" charset="0"/>
+              </a:rPr>
+              <a:t>2’</a:t>
+            </a:r>
+            <a:endParaRPr kumimoji="1" lang="ja-JP" altLang="en-US" dirty="0">
+              <a:latin typeface="Consolas" panose="020B0609020204030204" pitchFamily="49" charset="0"/>
+            </a:endParaRPr>
+          </a:p>
+        </p:txBody>
+      </p:sp>
+      <p:sp>
+        <p:nvSpPr>
+          <p:cNvPr id="105" name="直角三角形 104">
+            <a:extLst>
+              <a:ext uri="{FF2B5EF4-FFF2-40B4-BE49-F238E27FC236}">
+                <a16:creationId xmlns:a16="http://schemas.microsoft.com/office/drawing/2014/main" id="{973EF553-6506-4F19-A39C-7D0029B36000}"/>
+              </a:ext>
+            </a:extLst>
+          </p:cNvPr>
+          <p:cNvSpPr/>
+          <p:nvPr/>
+        </p:nvSpPr>
+        <p:spPr>
+          <a:xfrm rot="5400000">
+            <a:off x="4170948" y="6048069"/>
+            <a:ext cx="252028" cy="252028"/>
+          </a:xfrm>
+          <a:prstGeom prst="rtTriangle">
+            <a:avLst/>
+          </a:prstGeom>
+          <a:solidFill>
+            <a:schemeClr val="accent3">
+              <a:lumMod val="60000"/>
+              <a:lumOff val="40000"/>
+            </a:schemeClr>
+          </a:solidFill>
+          <a:ln>
+            <a:noFill/>
+          </a:ln>
+        </p:spPr>
+        <p:txBody>
+          <a:bodyPr wrap="square" rtlCol="0" anchor="ctr">
+            <a:spAutoFit/>
+          </a:bodyPr>
+          <a:lstStyle/>
+          <a:p>
+            <a:pPr algn="ctr"/>
+            <a:endParaRPr kumimoji="1" lang="ja-JP" altLang="en-US" sz="2400" dirty="0"/>
+          </a:p>
+        </p:txBody>
+      </p:sp>
+      <p:grpSp>
+        <p:nvGrpSpPr>
+          <p:cNvPr id="106" name="グループ化 105">
+            <a:extLst>
+              <a:ext uri="{FF2B5EF4-FFF2-40B4-BE49-F238E27FC236}">
+                <a16:creationId xmlns:a16="http://schemas.microsoft.com/office/drawing/2014/main" id="{780E1409-6593-4844-B2E8-008B34A2B083}"/>
+              </a:ext>
+            </a:extLst>
+          </p:cNvPr>
+          <p:cNvGrpSpPr/>
+          <p:nvPr/>
+        </p:nvGrpSpPr>
+        <p:grpSpPr>
+          <a:xfrm>
+            <a:off x="4170948" y="6057200"/>
+            <a:ext cx="504056" cy="378042"/>
+            <a:chOff x="2411760" y="4491118"/>
+            <a:chExt cx="504056" cy="378042"/>
+          </a:xfrm>
+        </p:grpSpPr>
+        <p:sp>
+          <p:nvSpPr>
+            <p:cNvPr id="107" name="正方形/長方形 106">
+              <a:extLst>
+                <a:ext uri="{FF2B5EF4-FFF2-40B4-BE49-F238E27FC236}">
+                  <a16:creationId xmlns:a16="http://schemas.microsoft.com/office/drawing/2014/main" id="{6A668DB1-9CE9-4868-AC06-B07C4C92AF20}"/>
+                </a:ext>
+              </a:extLst>
+            </p:cNvPr>
+            <p:cNvSpPr/>
+            <p:nvPr/>
+          </p:nvSpPr>
+          <p:spPr>
+            <a:xfrm>
+              <a:off x="2411760" y="4743146"/>
+              <a:ext cx="504056" cy="126014"/>
+            </a:xfrm>
+            <a:prstGeom prst="rect">
+              <a:avLst/>
+            </a:prstGeom>
+            <a:solidFill>
+              <a:schemeClr val="accent1"/>
+            </a:solidFill>
+            <a:ln>
+              <a:noFill/>
+            </a:ln>
+          </p:spPr>
+          <p:txBody>
+            <a:bodyPr wrap="square" rtlCol="0" anchor="ctr">
+              <a:spAutoFit/>
+            </a:bodyPr>
+            <a:lstStyle/>
+            <a:p>
+              <a:pPr algn="ctr"/>
+              <a:endParaRPr kumimoji="1" lang="ja-JP" altLang="en-US" sz="2400" dirty="0"/>
+            </a:p>
+          </p:txBody>
+        </p:sp>
+        <p:sp>
+          <p:nvSpPr>
+            <p:cNvPr id="108" name="直角三角形 107">
+              <a:extLst>
+                <a:ext uri="{FF2B5EF4-FFF2-40B4-BE49-F238E27FC236}">
+                  <a16:creationId xmlns:a16="http://schemas.microsoft.com/office/drawing/2014/main" id="{CDDF0F44-C8BE-4E07-8196-E97234F6B56D}"/>
+                </a:ext>
+              </a:extLst>
+            </p:cNvPr>
+            <p:cNvSpPr/>
+            <p:nvPr/>
+          </p:nvSpPr>
+          <p:spPr>
+            <a:xfrm rot="16200000">
+              <a:off x="2411760" y="4491118"/>
+              <a:ext cx="252028" cy="252028"/>
+            </a:xfrm>
+            <a:prstGeom prst="rtTriangle">
+              <a:avLst/>
+            </a:prstGeom>
+            <a:solidFill>
+              <a:schemeClr val="accent1"/>
+            </a:solidFill>
+            <a:ln>
+              <a:noFill/>
+            </a:ln>
+          </p:spPr>
+          <p:txBody>
+            <a:bodyPr wrap="square" rtlCol="0" anchor="ctr">
+              <a:spAutoFit/>
+            </a:bodyPr>
+            <a:lstStyle/>
+            <a:p>
+              <a:pPr algn="ctr"/>
+              <a:endParaRPr kumimoji="1" lang="ja-JP" altLang="en-US" sz="2400" dirty="0"/>
+            </a:p>
+          </p:txBody>
+        </p:sp>
+        <p:sp>
+          <p:nvSpPr>
+            <p:cNvPr id="109" name="直角三角形 108">
+              <a:extLst>
+                <a:ext uri="{FF2B5EF4-FFF2-40B4-BE49-F238E27FC236}">
+                  <a16:creationId xmlns:a16="http://schemas.microsoft.com/office/drawing/2014/main" id="{612C9884-CB7D-4BF6-88BF-C0AFB41BEFA3}"/>
+                </a:ext>
+              </a:extLst>
+            </p:cNvPr>
+            <p:cNvSpPr/>
+            <p:nvPr/>
+          </p:nvSpPr>
+          <p:spPr>
+            <a:xfrm>
+              <a:off x="2663788" y="4491118"/>
+              <a:ext cx="252028" cy="252028"/>
+            </a:xfrm>
+            <a:prstGeom prst="rtTriangle">
+              <a:avLst/>
+            </a:prstGeom>
+            <a:solidFill>
+              <a:schemeClr val="accent1"/>
+            </a:solidFill>
+            <a:ln>
+              <a:noFill/>
+            </a:ln>
+          </p:spPr>
+          <p:txBody>
+            <a:bodyPr wrap="square" rtlCol="0" anchor="ctr">
+              <a:spAutoFit/>
+            </a:bodyPr>
+            <a:lstStyle/>
+            <a:p>
+              <a:pPr algn="ctr"/>
+              <a:endParaRPr kumimoji="1" lang="ja-JP" altLang="en-US" sz="2400" dirty="0"/>
+            </a:p>
+          </p:txBody>
+        </p:sp>
+      </p:grpSp>
+      <p:sp>
+        <p:nvSpPr>
+          <p:cNvPr id="110" name="正方形/長方形 109">
+            <a:extLst>
+              <a:ext uri="{FF2B5EF4-FFF2-40B4-BE49-F238E27FC236}">
+                <a16:creationId xmlns:a16="http://schemas.microsoft.com/office/drawing/2014/main" id="{9F5A9918-01CA-4769-B7DF-B2A6C539C93C}"/>
+              </a:ext>
+            </a:extLst>
+          </p:cNvPr>
+          <p:cNvSpPr/>
+          <p:nvPr/>
+        </p:nvSpPr>
+        <p:spPr>
+          <a:xfrm>
+            <a:off x="4170948" y="5914707"/>
+            <a:ext cx="252028" cy="126014"/>
+          </a:xfrm>
+          <a:prstGeom prst="rect">
+            <a:avLst/>
+          </a:prstGeom>
+          <a:solidFill>
+            <a:schemeClr val="accent3">
+              <a:lumMod val="60000"/>
+              <a:lumOff val="40000"/>
+            </a:schemeClr>
+          </a:solidFill>
+          <a:ln>
+            <a:noFill/>
+          </a:ln>
+        </p:spPr>
+        <p:txBody>
+          <a:bodyPr wrap="square" rtlCol="0" anchor="ctr">
+            <a:spAutoFit/>
+          </a:bodyPr>
+          <a:lstStyle/>
+          <a:p>
+            <a:pPr algn="ctr"/>
+            <a:endParaRPr kumimoji="1" lang="ja-JP" altLang="en-US" sz="2400" dirty="0"/>
+          </a:p>
+        </p:txBody>
+      </p:sp>
+      <p:sp>
+        <p:nvSpPr>
+          <p:cNvPr id="112" name="直角三角形 111">
+            <a:extLst>
+              <a:ext uri="{FF2B5EF4-FFF2-40B4-BE49-F238E27FC236}">
+                <a16:creationId xmlns:a16="http://schemas.microsoft.com/office/drawing/2014/main" id="{30311F60-CD57-4051-8D31-4862DC9EA25B}"/>
+              </a:ext>
+            </a:extLst>
+          </p:cNvPr>
+          <p:cNvSpPr/>
+          <p:nvPr/>
+        </p:nvSpPr>
+        <p:spPr>
+          <a:xfrm rot="10800000">
+            <a:off x="4424690" y="6048070"/>
+            <a:ext cx="252028" cy="252028"/>
+          </a:xfrm>
+          <a:prstGeom prst="rtTriangle">
+            <a:avLst/>
+          </a:prstGeom>
+          <a:solidFill>
+            <a:schemeClr val="accent6">
+              <a:lumMod val="60000"/>
+              <a:lumOff val="40000"/>
+            </a:schemeClr>
+          </a:solidFill>
+          <a:ln>
+            <a:noFill/>
+          </a:ln>
+        </p:spPr>
+        <p:txBody>
+          <a:bodyPr wrap="square" rtlCol="0" anchor="ctr">
+            <a:spAutoFit/>
+          </a:bodyPr>
+          <a:lstStyle/>
+          <a:p>
+            <a:pPr algn="ctr"/>
+            <a:endParaRPr kumimoji="1" lang="ja-JP" altLang="en-US" sz="2400" dirty="0"/>
+          </a:p>
+        </p:txBody>
+      </p:sp>
+      <p:sp>
+        <p:nvSpPr>
+          <p:cNvPr id="113" name="直角三角形 112">
+            <a:extLst>
+              <a:ext uri="{FF2B5EF4-FFF2-40B4-BE49-F238E27FC236}">
+                <a16:creationId xmlns:a16="http://schemas.microsoft.com/office/drawing/2014/main" id="{A3297893-610B-44CA-8C35-4C07158B30A9}"/>
+              </a:ext>
+            </a:extLst>
+          </p:cNvPr>
+          <p:cNvSpPr/>
+          <p:nvPr/>
+        </p:nvSpPr>
+        <p:spPr>
+          <a:xfrm rot="5400000">
+            <a:off x="5269832" y="6064111"/>
+            <a:ext cx="252028" cy="252028"/>
+          </a:xfrm>
+          <a:prstGeom prst="rtTriangle">
+            <a:avLst/>
+          </a:prstGeom>
+          <a:solidFill>
+            <a:schemeClr val="accent3">
+              <a:lumMod val="60000"/>
+              <a:lumOff val="40000"/>
+            </a:schemeClr>
+          </a:solidFill>
+          <a:ln>
+            <a:noFill/>
+          </a:ln>
+        </p:spPr>
+        <p:txBody>
+          <a:bodyPr wrap="square" rtlCol="0" anchor="ctr">
+            <a:spAutoFit/>
+          </a:bodyPr>
+          <a:lstStyle/>
+          <a:p>
+            <a:pPr algn="ctr"/>
+            <a:endParaRPr kumimoji="1" lang="ja-JP" altLang="en-US" sz="2400" dirty="0"/>
+          </a:p>
+        </p:txBody>
+      </p:sp>
+      <p:grpSp>
+        <p:nvGrpSpPr>
+          <p:cNvPr id="114" name="グループ化 113">
+            <a:extLst>
+              <a:ext uri="{FF2B5EF4-FFF2-40B4-BE49-F238E27FC236}">
+                <a16:creationId xmlns:a16="http://schemas.microsoft.com/office/drawing/2014/main" id="{319B6592-991F-4AFB-A987-2AC42426BB75}"/>
+              </a:ext>
+            </a:extLst>
+          </p:cNvPr>
+          <p:cNvGrpSpPr/>
+          <p:nvPr/>
+        </p:nvGrpSpPr>
+        <p:grpSpPr>
+          <a:xfrm>
+            <a:off x="5269832" y="6073242"/>
+            <a:ext cx="504056" cy="378042"/>
+            <a:chOff x="2411760" y="4491118"/>
+            <a:chExt cx="504056" cy="378042"/>
+          </a:xfrm>
+        </p:grpSpPr>
+        <p:sp>
+          <p:nvSpPr>
+            <p:cNvPr id="115" name="正方形/長方形 114">
+              <a:extLst>
+                <a:ext uri="{FF2B5EF4-FFF2-40B4-BE49-F238E27FC236}">
+                  <a16:creationId xmlns:a16="http://schemas.microsoft.com/office/drawing/2014/main" id="{E431C934-A909-47B3-A11E-592B4F648152}"/>
+                </a:ext>
+              </a:extLst>
+            </p:cNvPr>
+            <p:cNvSpPr/>
+            <p:nvPr/>
+          </p:nvSpPr>
+          <p:spPr>
+            <a:xfrm>
+              <a:off x="2411760" y="4743146"/>
+              <a:ext cx="504056" cy="126014"/>
+            </a:xfrm>
+            <a:prstGeom prst="rect">
+              <a:avLst/>
+            </a:prstGeom>
+            <a:solidFill>
+              <a:schemeClr val="accent1"/>
+            </a:solidFill>
+            <a:ln>
+              <a:noFill/>
+            </a:ln>
+          </p:spPr>
+          <p:txBody>
+            <a:bodyPr wrap="square" rtlCol="0" anchor="ctr">
+              <a:spAutoFit/>
+            </a:bodyPr>
+            <a:lstStyle/>
+            <a:p>
+              <a:pPr algn="ctr"/>
+              <a:endParaRPr kumimoji="1" lang="ja-JP" altLang="en-US" sz="2400" dirty="0"/>
+            </a:p>
+          </p:txBody>
+        </p:sp>
+        <p:sp>
+          <p:nvSpPr>
+            <p:cNvPr id="116" name="直角三角形 115">
+              <a:extLst>
+                <a:ext uri="{FF2B5EF4-FFF2-40B4-BE49-F238E27FC236}">
+                  <a16:creationId xmlns:a16="http://schemas.microsoft.com/office/drawing/2014/main" id="{5F758D5B-2CD9-4B3F-8BF8-683235B5E12B}"/>
+                </a:ext>
+              </a:extLst>
+            </p:cNvPr>
+            <p:cNvSpPr/>
+            <p:nvPr/>
+          </p:nvSpPr>
+          <p:spPr>
+            <a:xfrm rot="16200000">
+              <a:off x="2411760" y="4491118"/>
+              <a:ext cx="252028" cy="252028"/>
+            </a:xfrm>
+            <a:prstGeom prst="rtTriangle">
+              <a:avLst/>
+            </a:prstGeom>
+            <a:solidFill>
+              <a:schemeClr val="accent1"/>
+            </a:solidFill>
+            <a:ln>
+              <a:noFill/>
+            </a:ln>
+          </p:spPr>
+          <p:txBody>
+            <a:bodyPr wrap="square" rtlCol="0" anchor="ctr">
+              <a:spAutoFit/>
+            </a:bodyPr>
+            <a:lstStyle/>
+            <a:p>
+              <a:pPr algn="ctr"/>
+              <a:endParaRPr kumimoji="1" lang="ja-JP" altLang="en-US" sz="2400" dirty="0"/>
+            </a:p>
+          </p:txBody>
+        </p:sp>
+        <p:sp>
+          <p:nvSpPr>
+            <p:cNvPr id="117" name="直角三角形 116">
+              <a:extLst>
+                <a:ext uri="{FF2B5EF4-FFF2-40B4-BE49-F238E27FC236}">
+                  <a16:creationId xmlns:a16="http://schemas.microsoft.com/office/drawing/2014/main" id="{B714FA7A-1179-407F-866C-B131B40AAD0A}"/>
+                </a:ext>
+              </a:extLst>
+            </p:cNvPr>
+            <p:cNvSpPr/>
+            <p:nvPr/>
+          </p:nvSpPr>
+          <p:spPr>
+            <a:xfrm>
+              <a:off x="2663788" y="4491118"/>
+              <a:ext cx="252028" cy="252028"/>
+            </a:xfrm>
+            <a:prstGeom prst="rtTriangle">
+              <a:avLst/>
+            </a:prstGeom>
+            <a:solidFill>
+              <a:schemeClr val="accent1"/>
+            </a:solidFill>
+            <a:ln>
+              <a:noFill/>
+            </a:ln>
+          </p:spPr>
+          <p:txBody>
+            <a:bodyPr wrap="square" rtlCol="0" anchor="ctr">
+              <a:spAutoFit/>
+            </a:bodyPr>
+            <a:lstStyle/>
+            <a:p>
+              <a:pPr algn="ctr"/>
+              <a:endParaRPr kumimoji="1" lang="ja-JP" altLang="en-US" sz="2400" dirty="0"/>
+            </a:p>
+          </p:txBody>
+        </p:sp>
+      </p:grpSp>
+      <p:sp>
+        <p:nvSpPr>
+          <p:cNvPr id="118" name="正方形/長方形 117">
+            <a:extLst>
+              <a:ext uri="{FF2B5EF4-FFF2-40B4-BE49-F238E27FC236}">
+                <a16:creationId xmlns:a16="http://schemas.microsoft.com/office/drawing/2014/main" id="{DAAD1E64-65C2-4E4A-8FB1-1360A728467B}"/>
+              </a:ext>
+            </a:extLst>
+          </p:cNvPr>
+          <p:cNvSpPr/>
+          <p:nvPr/>
+        </p:nvSpPr>
+        <p:spPr>
+          <a:xfrm>
+            <a:off x="5269832" y="5930749"/>
+            <a:ext cx="252028" cy="126014"/>
+          </a:xfrm>
+          <a:prstGeom prst="rect">
+            <a:avLst/>
+          </a:prstGeom>
+          <a:solidFill>
+            <a:schemeClr val="accent3">
+              <a:lumMod val="60000"/>
+              <a:lumOff val="40000"/>
+            </a:schemeClr>
+          </a:solidFill>
+          <a:ln>
+            <a:noFill/>
+          </a:ln>
+        </p:spPr>
+        <p:txBody>
+          <a:bodyPr wrap="square" rtlCol="0" anchor="ctr">
+            <a:spAutoFit/>
+          </a:bodyPr>
+          <a:lstStyle/>
+          <a:p>
+            <a:pPr algn="ctr"/>
+            <a:endParaRPr kumimoji="1" lang="ja-JP" altLang="en-US" sz="2400" dirty="0"/>
+          </a:p>
+        </p:txBody>
+      </p:sp>
+      <p:sp>
+        <p:nvSpPr>
+          <p:cNvPr id="119" name="正方形/長方形 118">
+            <a:extLst>
+              <a:ext uri="{FF2B5EF4-FFF2-40B4-BE49-F238E27FC236}">
+                <a16:creationId xmlns:a16="http://schemas.microsoft.com/office/drawing/2014/main" id="{50EA23A9-1FD8-47D2-A479-C952163B2B3C}"/>
+              </a:ext>
+            </a:extLst>
+          </p:cNvPr>
+          <p:cNvSpPr/>
+          <p:nvPr/>
+        </p:nvSpPr>
+        <p:spPr>
+          <a:xfrm>
+            <a:off x="5523574" y="5930749"/>
+            <a:ext cx="252028" cy="126014"/>
+          </a:xfrm>
+          <a:prstGeom prst="rect">
+            <a:avLst/>
+          </a:prstGeom>
+          <a:solidFill>
+            <a:schemeClr val="accent6">
+              <a:lumMod val="60000"/>
+              <a:lumOff val="40000"/>
+            </a:schemeClr>
+          </a:solidFill>
+          <a:ln>
+            <a:noFill/>
+          </a:ln>
+        </p:spPr>
+        <p:txBody>
+          <a:bodyPr wrap="square" rtlCol="0" anchor="ctr">
+            <a:spAutoFit/>
+          </a:bodyPr>
+          <a:lstStyle/>
+          <a:p>
+            <a:pPr algn="ctr"/>
+            <a:endParaRPr kumimoji="1" lang="ja-JP" altLang="en-US" sz="2400" dirty="0"/>
+          </a:p>
+        </p:txBody>
+      </p:sp>
+      <p:sp>
+        <p:nvSpPr>
+          <p:cNvPr id="120" name="直角三角形 119">
+            <a:extLst>
+              <a:ext uri="{FF2B5EF4-FFF2-40B4-BE49-F238E27FC236}">
+                <a16:creationId xmlns:a16="http://schemas.microsoft.com/office/drawing/2014/main" id="{4BC4BD16-DF6E-4164-A7F8-D6423AC9FFC2}"/>
+              </a:ext>
+            </a:extLst>
+          </p:cNvPr>
+          <p:cNvSpPr/>
+          <p:nvPr/>
+        </p:nvSpPr>
+        <p:spPr>
+          <a:xfrm rot="10800000">
+            <a:off x="5523574" y="6064112"/>
+            <a:ext cx="252028" cy="252028"/>
+          </a:xfrm>
+          <a:prstGeom prst="rtTriangle">
+            <a:avLst/>
+          </a:prstGeom>
+          <a:solidFill>
+            <a:schemeClr val="accent6">
+              <a:lumMod val="60000"/>
+              <a:lumOff val="40000"/>
+            </a:schemeClr>
+          </a:solidFill>
+          <a:ln>
+            <a:noFill/>
+          </a:ln>
+        </p:spPr>
+        <p:txBody>
+          <a:bodyPr wrap="square" rtlCol="0" anchor="ctr">
+            <a:spAutoFit/>
+          </a:bodyPr>
+          <a:lstStyle/>
+          <a:p>
+            <a:pPr algn="ctr"/>
+            <a:endParaRPr kumimoji="1" lang="ja-JP" altLang="en-US" sz="2400" dirty="0"/>
+          </a:p>
+        </p:txBody>
+      </p:sp>
+      <p:sp>
+        <p:nvSpPr>
+          <p:cNvPr id="134" name="テキスト ボックス 133">
+            <a:extLst>
+              <a:ext uri="{FF2B5EF4-FFF2-40B4-BE49-F238E27FC236}">
+                <a16:creationId xmlns:a16="http://schemas.microsoft.com/office/drawing/2014/main" id="{BE46F21F-17FC-46C5-B5C8-F2D67188E33D}"/>
+              </a:ext>
+            </a:extLst>
+          </p:cNvPr>
+          <p:cNvSpPr txBox="1"/>
+          <p:nvPr/>
+        </p:nvSpPr>
+        <p:spPr>
+          <a:xfrm>
+            <a:off x="4901952" y="2965775"/>
+            <a:ext cx="3413114" cy="461665"/>
+          </a:xfrm>
+          <a:prstGeom prst="rect">
+            <a:avLst/>
+          </a:prstGeom>
+          <a:solidFill>
+            <a:schemeClr val="tx1"/>
+          </a:solidFill>
+        </p:spPr>
+        <p:txBody>
+          <a:bodyPr wrap="none" rtlCol="0">
+            <a:spAutoFit/>
+          </a:bodyPr>
+          <a:lstStyle/>
+          <a:p>
+            <a:r>
+              <a:rPr lang="en-US" altLang="ja-JP" sz="2400" dirty="0">
+                <a:solidFill>
+                  <a:schemeClr val="bg1"/>
+                </a:solidFill>
+                <a:latin typeface="Consolas" panose="020B0609020204030204" pitchFamily="49" charset="0"/>
+              </a:rPr>
+              <a:t>$ git rebase master</a:t>
+            </a:r>
+            <a:endParaRPr kumimoji="1" lang="ja-JP" altLang="en-US" sz="2400" dirty="0">
+              <a:solidFill>
+                <a:schemeClr val="bg1"/>
+              </a:solidFill>
+              <a:latin typeface="Consolas" panose="020B0609020204030204" pitchFamily="49" charset="0"/>
+            </a:endParaRPr>
+          </a:p>
+        </p:txBody>
+      </p:sp>
+      <p:sp>
+        <p:nvSpPr>
+          <p:cNvPr id="135" name="矢印: 下 134">
+            <a:extLst>
+              <a:ext uri="{FF2B5EF4-FFF2-40B4-BE49-F238E27FC236}">
+                <a16:creationId xmlns:a16="http://schemas.microsoft.com/office/drawing/2014/main" id="{1A4E3EA7-0852-433D-87F3-C10AF2C7EFF1}"/>
+              </a:ext>
+            </a:extLst>
+          </p:cNvPr>
+          <p:cNvSpPr/>
+          <p:nvPr/>
+        </p:nvSpPr>
+        <p:spPr>
+          <a:xfrm>
+            <a:off x="4054261" y="3068960"/>
+            <a:ext cx="576064" cy="474352"/>
+          </a:xfrm>
+          <a:prstGeom prst="downArrow">
+            <a:avLst/>
+          </a:prstGeom>
+          <a:solidFill>
+            <a:srgbClr val="FF0000"/>
+          </a:solidFill>
+          <a:ln>
+            <a:solidFill>
+              <a:schemeClr val="tx1"/>
+            </a:solidFill>
+          </a:ln>
+        </p:spPr>
+        <p:txBody>
+          <a:bodyPr wrap="square" rtlCol="0" anchor="ctr">
+            <a:spAutoFit/>
+          </a:bodyPr>
+          <a:lstStyle/>
+          <a:p>
+            <a:pPr algn="ctr"/>
+            <a:endParaRPr kumimoji="1" lang="ja-JP" altLang="en-US" sz="2400" dirty="0"/>
+          </a:p>
+        </p:txBody>
+      </p:sp>
+      <p:sp>
+        <p:nvSpPr>
+          <p:cNvPr id="136" name="直角三角形 135">
+            <a:extLst>
+              <a:ext uri="{FF2B5EF4-FFF2-40B4-BE49-F238E27FC236}">
+                <a16:creationId xmlns:a16="http://schemas.microsoft.com/office/drawing/2014/main" id="{F60267CC-7EB4-44B4-AC19-58DFDF71F35C}"/>
+              </a:ext>
+            </a:extLst>
+          </p:cNvPr>
+          <p:cNvSpPr/>
+          <p:nvPr/>
+        </p:nvSpPr>
+        <p:spPr>
+          <a:xfrm rot="10800000">
+            <a:off x="1952508" y="1557184"/>
+            <a:ext cx="252028" cy="252028"/>
+          </a:xfrm>
+          <a:prstGeom prst="rtTriangle">
+            <a:avLst/>
+          </a:prstGeom>
+          <a:solidFill>
+            <a:schemeClr val="accent6">
+              <a:lumMod val="60000"/>
+              <a:lumOff val="40000"/>
+            </a:schemeClr>
+          </a:solidFill>
+          <a:ln>
+            <a:noFill/>
+          </a:ln>
+        </p:spPr>
+        <p:txBody>
+          <a:bodyPr wrap="square" rtlCol="0" anchor="ctr">
+            <a:spAutoFit/>
+          </a:bodyPr>
+          <a:lstStyle/>
+          <a:p>
+            <a:pPr algn="ctr"/>
+            <a:endParaRPr kumimoji="1" lang="ja-JP" altLang="en-US" sz="2400" dirty="0"/>
+          </a:p>
+        </p:txBody>
+      </p:sp>
+      <p:sp>
+        <p:nvSpPr>
+          <p:cNvPr id="137" name="テキスト ボックス 136">
+            <a:extLst>
+              <a:ext uri="{FF2B5EF4-FFF2-40B4-BE49-F238E27FC236}">
+                <a16:creationId xmlns:a16="http://schemas.microsoft.com/office/drawing/2014/main" id="{6A589268-9062-49D9-9E07-A1A34CD1AD13}"/>
+              </a:ext>
+            </a:extLst>
+          </p:cNvPr>
+          <p:cNvSpPr txBox="1"/>
+          <p:nvPr/>
+        </p:nvSpPr>
+        <p:spPr>
+          <a:xfrm>
+            <a:off x="1636622" y="1392378"/>
+            <a:ext cx="389850" cy="584775"/>
+          </a:xfrm>
+          <a:prstGeom prst="rect">
+            <a:avLst/>
+          </a:prstGeom>
+          <a:noFill/>
+        </p:spPr>
+        <p:txBody>
+          <a:bodyPr wrap="none" rtlCol="0">
+            <a:spAutoFit/>
+          </a:bodyPr>
+          <a:lstStyle/>
+          <a:p>
+            <a:r>
+              <a:rPr kumimoji="1" lang="en-US" altLang="ja-JP" sz="3200" dirty="0"/>
+              <a:t>+</a:t>
+            </a:r>
+            <a:endParaRPr kumimoji="1" lang="ja-JP" altLang="en-US" sz="3200" dirty="0"/>
+          </a:p>
+        </p:txBody>
+      </p:sp>
+      <p:sp>
+        <p:nvSpPr>
+          <p:cNvPr id="139" name="テキスト ボックス 138">
+            <a:extLst>
+              <a:ext uri="{FF2B5EF4-FFF2-40B4-BE49-F238E27FC236}">
+                <a16:creationId xmlns:a16="http://schemas.microsoft.com/office/drawing/2014/main" id="{ECCE1250-5F1C-4806-A332-013CE6200E23}"/>
+              </a:ext>
+            </a:extLst>
+          </p:cNvPr>
+          <p:cNvSpPr txBox="1"/>
+          <p:nvPr/>
+        </p:nvSpPr>
+        <p:spPr>
+          <a:xfrm>
+            <a:off x="2374560" y="1689159"/>
+            <a:ext cx="389850" cy="584775"/>
+          </a:xfrm>
+          <a:prstGeom prst="rect">
+            <a:avLst/>
+          </a:prstGeom>
+          <a:noFill/>
+        </p:spPr>
+        <p:txBody>
+          <a:bodyPr wrap="none" rtlCol="0">
+            <a:spAutoFit/>
+          </a:bodyPr>
+          <a:lstStyle/>
+          <a:p>
+            <a:r>
+              <a:rPr kumimoji="1" lang="en-US" altLang="ja-JP" sz="3200" dirty="0"/>
+              <a:t>+</a:t>
+            </a:r>
+            <a:endParaRPr kumimoji="1" lang="ja-JP" altLang="en-US" sz="3200" dirty="0"/>
+          </a:p>
+        </p:txBody>
+      </p:sp>
+      <p:sp>
+        <p:nvSpPr>
+          <p:cNvPr id="140" name="正方形/長方形 139">
+            <a:extLst>
+              <a:ext uri="{FF2B5EF4-FFF2-40B4-BE49-F238E27FC236}">
+                <a16:creationId xmlns:a16="http://schemas.microsoft.com/office/drawing/2014/main" id="{762CAC45-AC2E-4A68-9B81-2FAE5795BC8E}"/>
+              </a:ext>
+            </a:extLst>
+          </p:cNvPr>
+          <p:cNvSpPr/>
+          <p:nvPr/>
+        </p:nvSpPr>
+        <p:spPr>
+          <a:xfrm>
+            <a:off x="2720565" y="1921571"/>
+            <a:ext cx="252028" cy="126014"/>
+          </a:xfrm>
+          <a:prstGeom prst="rect">
+            <a:avLst/>
+          </a:prstGeom>
+          <a:solidFill>
+            <a:schemeClr val="accent6">
+              <a:lumMod val="60000"/>
+              <a:lumOff val="40000"/>
+            </a:schemeClr>
+          </a:solidFill>
+          <a:ln>
+            <a:noFill/>
+          </a:ln>
+        </p:spPr>
+        <p:txBody>
+          <a:bodyPr wrap="square" rtlCol="0" anchor="ctr">
+            <a:spAutoFit/>
+          </a:bodyPr>
+          <a:lstStyle/>
+          <a:p>
+            <a:pPr algn="ctr"/>
+            <a:endParaRPr kumimoji="1" lang="ja-JP" altLang="en-US" sz="2400" dirty="0"/>
+          </a:p>
+        </p:txBody>
+      </p:sp>
+      <p:sp>
+        <p:nvSpPr>
+          <p:cNvPr id="141" name="四角形: 角を丸くする 140">
+            <a:extLst>
+              <a:ext uri="{FF2B5EF4-FFF2-40B4-BE49-F238E27FC236}">
+                <a16:creationId xmlns:a16="http://schemas.microsoft.com/office/drawing/2014/main" id="{A430A8A3-64F2-4CD9-8B9C-303AB4929C88}"/>
+              </a:ext>
+            </a:extLst>
+          </p:cNvPr>
+          <p:cNvSpPr/>
+          <p:nvPr/>
+        </p:nvSpPr>
+        <p:spPr>
+          <a:xfrm>
+            <a:off x="1692951" y="1376698"/>
+            <a:ext cx="657218" cy="476164"/>
+          </a:xfrm>
+          <a:prstGeom prst="roundRect">
+            <a:avLst/>
+          </a:prstGeom>
+          <a:ln>
+            <a:solidFill>
+              <a:schemeClr val="tx1"/>
+            </a:solidFill>
+            <a:prstDash val="dash"/>
+          </a:ln>
+        </p:spPr>
+        <p:txBody>
+          <a:bodyPr wrap="square" rtlCol="0" anchor="ctr">
+            <a:spAutoFit/>
+          </a:bodyPr>
+          <a:lstStyle/>
+          <a:p>
+            <a:pPr algn="ctr"/>
+            <a:endParaRPr kumimoji="1" lang="ja-JP" altLang="en-US" sz="2400" dirty="0"/>
+          </a:p>
+        </p:txBody>
+      </p:sp>
+      <p:sp>
+        <p:nvSpPr>
+          <p:cNvPr id="142" name="四角形: 角を丸くする 141">
+            <a:extLst>
+              <a:ext uri="{FF2B5EF4-FFF2-40B4-BE49-F238E27FC236}">
+                <a16:creationId xmlns:a16="http://schemas.microsoft.com/office/drawing/2014/main" id="{6C922829-251F-4BF6-86B1-CA471C372D0F}"/>
+              </a:ext>
+            </a:extLst>
+          </p:cNvPr>
+          <p:cNvSpPr/>
+          <p:nvPr/>
+        </p:nvSpPr>
+        <p:spPr>
+          <a:xfrm>
+            <a:off x="2438909" y="1737645"/>
+            <a:ext cx="657218" cy="476164"/>
+          </a:xfrm>
+          <a:prstGeom prst="roundRect">
+            <a:avLst/>
+          </a:prstGeom>
+          <a:ln>
+            <a:solidFill>
+              <a:schemeClr val="tx1"/>
+            </a:solidFill>
+            <a:prstDash val="dash"/>
+          </a:ln>
+        </p:spPr>
+        <p:txBody>
+          <a:bodyPr wrap="square" rtlCol="0" anchor="ctr">
+            <a:spAutoFit/>
+          </a:bodyPr>
+          <a:lstStyle/>
+          <a:p>
+            <a:pPr algn="ctr"/>
+            <a:endParaRPr kumimoji="1" lang="ja-JP" altLang="en-US" sz="2400" dirty="0"/>
+          </a:p>
+        </p:txBody>
+      </p:sp>
+      <p:sp>
+        <p:nvSpPr>
+          <p:cNvPr id="143" name="直角三角形 142">
+            <a:extLst>
+              <a:ext uri="{FF2B5EF4-FFF2-40B4-BE49-F238E27FC236}">
+                <a16:creationId xmlns:a16="http://schemas.microsoft.com/office/drawing/2014/main" id="{3FB38D33-4D2E-4A99-A2AC-B4E76C7C0CC7}"/>
+              </a:ext>
+            </a:extLst>
+          </p:cNvPr>
+          <p:cNvSpPr/>
+          <p:nvPr/>
+        </p:nvSpPr>
+        <p:spPr>
+          <a:xfrm rot="10800000">
+            <a:off x="3781308" y="5583752"/>
+            <a:ext cx="252028" cy="252028"/>
+          </a:xfrm>
+          <a:prstGeom prst="rtTriangle">
+            <a:avLst/>
+          </a:prstGeom>
+          <a:solidFill>
+            <a:schemeClr val="accent6">
+              <a:lumMod val="60000"/>
+              <a:lumOff val="40000"/>
+            </a:schemeClr>
+          </a:solidFill>
+          <a:ln>
+            <a:noFill/>
+          </a:ln>
+        </p:spPr>
+        <p:txBody>
+          <a:bodyPr wrap="square" rtlCol="0" anchor="ctr">
+            <a:spAutoFit/>
+          </a:bodyPr>
+          <a:lstStyle/>
+          <a:p>
+            <a:pPr algn="ctr"/>
+            <a:endParaRPr kumimoji="1" lang="ja-JP" altLang="en-US" sz="2400" dirty="0"/>
+          </a:p>
+        </p:txBody>
+      </p:sp>
+      <p:sp>
+        <p:nvSpPr>
+          <p:cNvPr id="144" name="テキスト ボックス 143">
+            <a:extLst>
+              <a:ext uri="{FF2B5EF4-FFF2-40B4-BE49-F238E27FC236}">
+                <a16:creationId xmlns:a16="http://schemas.microsoft.com/office/drawing/2014/main" id="{A3E47E87-7E04-49FA-84F8-5B78768F8E4E}"/>
+              </a:ext>
+            </a:extLst>
+          </p:cNvPr>
+          <p:cNvSpPr txBox="1"/>
+          <p:nvPr/>
+        </p:nvSpPr>
+        <p:spPr>
+          <a:xfrm>
+            <a:off x="3465422" y="5418946"/>
+            <a:ext cx="389850" cy="584775"/>
+          </a:xfrm>
+          <a:prstGeom prst="rect">
+            <a:avLst/>
+          </a:prstGeom>
+          <a:noFill/>
+        </p:spPr>
+        <p:txBody>
+          <a:bodyPr wrap="none" rtlCol="0">
+            <a:spAutoFit/>
+          </a:bodyPr>
+          <a:lstStyle/>
+          <a:p>
+            <a:r>
+              <a:rPr kumimoji="1" lang="en-US" altLang="ja-JP" sz="3200" dirty="0"/>
+              <a:t>+</a:t>
+            </a:r>
+            <a:endParaRPr kumimoji="1" lang="ja-JP" altLang="en-US" sz="3200" dirty="0"/>
+          </a:p>
+        </p:txBody>
+      </p:sp>
+      <p:sp>
+        <p:nvSpPr>
+          <p:cNvPr id="145" name="四角形: 角を丸くする 144">
+            <a:extLst>
+              <a:ext uri="{FF2B5EF4-FFF2-40B4-BE49-F238E27FC236}">
+                <a16:creationId xmlns:a16="http://schemas.microsoft.com/office/drawing/2014/main" id="{14B5C1FD-48D0-42DF-B519-4B342952AAD8}"/>
+              </a:ext>
+            </a:extLst>
+          </p:cNvPr>
+          <p:cNvSpPr/>
+          <p:nvPr/>
+        </p:nvSpPr>
+        <p:spPr>
+          <a:xfrm>
+            <a:off x="3521750" y="5462336"/>
+            <a:ext cx="681281" cy="417093"/>
+          </a:xfrm>
+          <a:prstGeom prst="roundRect">
+            <a:avLst/>
+          </a:prstGeom>
+          <a:ln>
+            <a:solidFill>
+              <a:schemeClr val="tx1"/>
+            </a:solidFill>
+            <a:prstDash val="dash"/>
+          </a:ln>
+        </p:spPr>
+        <p:txBody>
+          <a:bodyPr wrap="square" rtlCol="0" anchor="ctr">
+            <a:spAutoFit/>
+          </a:bodyPr>
+          <a:lstStyle/>
+          <a:p>
+            <a:pPr algn="ctr"/>
+            <a:endParaRPr kumimoji="1" lang="ja-JP" altLang="en-US" sz="2400" dirty="0"/>
+          </a:p>
+        </p:txBody>
+      </p:sp>
+      <p:sp>
+        <p:nvSpPr>
+          <p:cNvPr id="146" name="テキスト ボックス 145">
+            <a:extLst>
+              <a:ext uri="{FF2B5EF4-FFF2-40B4-BE49-F238E27FC236}">
+                <a16:creationId xmlns:a16="http://schemas.microsoft.com/office/drawing/2014/main" id="{5F21853B-7465-4A21-94B9-0FD0834379AD}"/>
+              </a:ext>
+            </a:extLst>
+          </p:cNvPr>
+          <p:cNvSpPr txBox="1"/>
+          <p:nvPr/>
+        </p:nvSpPr>
+        <p:spPr>
+          <a:xfrm>
+            <a:off x="4604413" y="5394885"/>
+            <a:ext cx="389850" cy="584775"/>
+          </a:xfrm>
+          <a:prstGeom prst="rect">
+            <a:avLst/>
+          </a:prstGeom>
+          <a:noFill/>
+        </p:spPr>
+        <p:txBody>
+          <a:bodyPr wrap="none" rtlCol="0">
+            <a:spAutoFit/>
+          </a:bodyPr>
+          <a:lstStyle/>
+          <a:p>
+            <a:r>
+              <a:rPr kumimoji="1" lang="en-US" altLang="ja-JP" sz="3200" dirty="0"/>
+              <a:t>+</a:t>
+            </a:r>
+            <a:endParaRPr kumimoji="1" lang="ja-JP" altLang="en-US" sz="3200" dirty="0"/>
+          </a:p>
+        </p:txBody>
+      </p:sp>
+      <p:sp>
+        <p:nvSpPr>
+          <p:cNvPr id="147" name="正方形/長方形 146">
+            <a:extLst>
+              <a:ext uri="{FF2B5EF4-FFF2-40B4-BE49-F238E27FC236}">
+                <a16:creationId xmlns:a16="http://schemas.microsoft.com/office/drawing/2014/main" id="{66AD5648-80ED-421E-B6E1-FC7EA1F24A48}"/>
+              </a:ext>
+            </a:extLst>
+          </p:cNvPr>
+          <p:cNvSpPr/>
+          <p:nvPr/>
+        </p:nvSpPr>
+        <p:spPr>
+          <a:xfrm>
+            <a:off x="4950418" y="5627297"/>
+            <a:ext cx="252028" cy="126014"/>
+          </a:xfrm>
+          <a:prstGeom prst="rect">
+            <a:avLst/>
+          </a:prstGeom>
+          <a:solidFill>
+            <a:schemeClr val="accent6">
+              <a:lumMod val="60000"/>
+              <a:lumOff val="40000"/>
+            </a:schemeClr>
+          </a:solidFill>
+          <a:ln>
+            <a:noFill/>
+          </a:ln>
+        </p:spPr>
+        <p:txBody>
+          <a:bodyPr wrap="square" rtlCol="0" anchor="ctr">
+            <a:spAutoFit/>
+          </a:bodyPr>
+          <a:lstStyle/>
+          <a:p>
+            <a:pPr algn="ctr"/>
+            <a:endParaRPr kumimoji="1" lang="ja-JP" altLang="en-US" sz="2400" dirty="0"/>
+          </a:p>
+        </p:txBody>
+      </p:sp>
+      <p:sp>
+        <p:nvSpPr>
+          <p:cNvPr id="148" name="四角形: 角を丸くする 147">
+            <a:extLst>
+              <a:ext uri="{FF2B5EF4-FFF2-40B4-BE49-F238E27FC236}">
+                <a16:creationId xmlns:a16="http://schemas.microsoft.com/office/drawing/2014/main" id="{8B2C4140-4E50-49AF-868C-393FECFA4D09}"/>
+              </a:ext>
+            </a:extLst>
+          </p:cNvPr>
+          <p:cNvSpPr/>
+          <p:nvPr/>
+        </p:nvSpPr>
+        <p:spPr>
+          <a:xfrm>
+            <a:off x="4668762" y="5459413"/>
+            <a:ext cx="681280" cy="420018"/>
+          </a:xfrm>
+          <a:prstGeom prst="roundRect">
+            <a:avLst/>
+          </a:prstGeom>
+          <a:ln>
+            <a:solidFill>
+              <a:schemeClr val="tx1"/>
+            </a:solidFill>
+            <a:prstDash val="dash"/>
+          </a:ln>
+        </p:spPr>
+        <p:txBody>
+          <a:bodyPr wrap="square" rtlCol="0" anchor="ctr">
+            <a:spAutoFit/>
+          </a:bodyPr>
+          <a:lstStyle/>
+          <a:p>
+            <a:pPr algn="ctr"/>
+            <a:endParaRPr kumimoji="1" lang="ja-JP" altLang="en-US" sz="2400" dirty="0"/>
+          </a:p>
+        </p:txBody>
+      </p:sp>
+    </p:spTree>
+    <p:extLst>
+      <p:ext uri="{BB962C8B-B14F-4D97-AF65-F5344CB8AC3E}">
+        <p14:creationId xmlns:p14="http://schemas.microsoft.com/office/powerpoint/2010/main" val="81181370"/>
+      </p:ext>
+    </p:extLst>
+  </p:cSld>
+  <p:clrMapOvr>
+    <a:masterClrMapping/>
+  </p:clrMapOvr>
+</p:sld>
+</file>
+
+<file path=ppt/slides/slide7.xml><?xml version="1.0" encoding="utf-8"?>
+<p:sld xmlns:a="http://schemas.openxmlformats.org/drawingml/2006/main" xmlns:r="http://schemas.openxmlformats.org/officeDocument/2006/relationships" xmlns:p="http://schemas.openxmlformats.org/presentationml/2006/main">
+  <p:cSld>
+    <p:spTree>
+      <p:nvGrpSpPr>
+        <p:cNvPr id="1" name=""/>
+        <p:cNvGrpSpPr/>
+        <p:nvPr/>
+      </p:nvGrpSpPr>
+      <p:grpSpPr>
+        <a:xfrm>
+          <a:off x="0" y="0"/>
+          <a:ext cx="0" cy="0"/>
+          <a:chOff x="0" y="0"/>
+          <a:chExt cx="0" cy="0"/>
+        </a:xfrm>
+      </p:grpSpPr>
+      <p:grpSp>
+        <p:nvGrpSpPr>
+          <p:cNvPr id="2" name="グループ化 1">
+            <a:extLst>
+              <a:ext uri="{FF2B5EF4-FFF2-40B4-BE49-F238E27FC236}">
+                <a16:creationId xmlns:a16="http://schemas.microsoft.com/office/drawing/2014/main" id="{1D514E04-42EC-4DDE-A154-A3EABD84A0FF}"/>
+              </a:ext>
+            </a:extLst>
+          </p:cNvPr>
+          <p:cNvGrpSpPr/>
+          <p:nvPr/>
+        </p:nvGrpSpPr>
+        <p:grpSpPr>
+          <a:xfrm>
+            <a:off x="588585" y="1371945"/>
+            <a:ext cx="504056" cy="378042"/>
+            <a:chOff x="2411760" y="4491118"/>
+            <a:chExt cx="504056" cy="378042"/>
+          </a:xfrm>
+        </p:grpSpPr>
+        <p:sp>
+          <p:nvSpPr>
+            <p:cNvPr id="3" name="正方形/長方形 2">
+              <a:extLst>
+                <a:ext uri="{FF2B5EF4-FFF2-40B4-BE49-F238E27FC236}">
+                  <a16:creationId xmlns:a16="http://schemas.microsoft.com/office/drawing/2014/main" id="{D11E0DE3-3932-481E-9C92-E6691357999D}"/>
+                </a:ext>
+              </a:extLst>
+            </p:cNvPr>
+            <p:cNvSpPr/>
+            <p:nvPr/>
+          </p:nvSpPr>
+          <p:spPr>
+            <a:xfrm>
+              <a:off x="2411760" y="4743146"/>
+              <a:ext cx="504056" cy="126014"/>
+            </a:xfrm>
+            <a:prstGeom prst="rect">
+              <a:avLst/>
+            </a:prstGeom>
+            <a:solidFill>
+              <a:schemeClr val="accent1"/>
+            </a:solidFill>
+            <a:ln>
+              <a:noFill/>
+            </a:ln>
+          </p:spPr>
+          <p:txBody>
+            <a:bodyPr wrap="square" rtlCol="0" anchor="ctr">
+              <a:spAutoFit/>
+            </a:bodyPr>
+            <a:lstStyle/>
+            <a:p>
+              <a:pPr algn="ctr"/>
+              <a:endParaRPr kumimoji="1" lang="ja-JP" altLang="en-US" sz="2400" dirty="0"/>
+            </a:p>
+          </p:txBody>
+        </p:sp>
+        <p:sp>
+          <p:nvSpPr>
+            <p:cNvPr id="4" name="直角三角形 3">
+              <a:extLst>
+                <a:ext uri="{FF2B5EF4-FFF2-40B4-BE49-F238E27FC236}">
+                  <a16:creationId xmlns:a16="http://schemas.microsoft.com/office/drawing/2014/main" id="{0564F7E0-4C01-4214-BAE1-6D74A0387251}"/>
+                </a:ext>
+              </a:extLst>
+            </p:cNvPr>
+            <p:cNvSpPr/>
+            <p:nvPr/>
+          </p:nvSpPr>
+          <p:spPr>
+            <a:xfrm rot="16200000">
+              <a:off x="2411760" y="4491118"/>
+              <a:ext cx="252028" cy="252028"/>
+            </a:xfrm>
+            <a:prstGeom prst="rtTriangle">
+              <a:avLst/>
+            </a:prstGeom>
+            <a:solidFill>
+              <a:schemeClr val="accent1"/>
+            </a:solidFill>
+            <a:ln>
+              <a:noFill/>
+            </a:ln>
+          </p:spPr>
+          <p:txBody>
+            <a:bodyPr wrap="square" rtlCol="0" anchor="ctr">
+              <a:spAutoFit/>
+            </a:bodyPr>
+            <a:lstStyle/>
+            <a:p>
+              <a:pPr algn="ctr"/>
+              <a:endParaRPr kumimoji="1" lang="ja-JP" altLang="en-US" sz="2400" dirty="0"/>
+            </a:p>
+          </p:txBody>
+        </p:sp>
+        <p:sp>
+          <p:nvSpPr>
+            <p:cNvPr id="5" name="直角三角形 4">
+              <a:extLst>
+                <a:ext uri="{FF2B5EF4-FFF2-40B4-BE49-F238E27FC236}">
+                  <a16:creationId xmlns:a16="http://schemas.microsoft.com/office/drawing/2014/main" id="{B112BC31-CAC0-4A7D-B826-FFD18951D8F2}"/>
+                </a:ext>
+              </a:extLst>
+            </p:cNvPr>
+            <p:cNvSpPr/>
+            <p:nvPr/>
+          </p:nvSpPr>
+          <p:spPr>
+            <a:xfrm>
+              <a:off x="2663788" y="4491118"/>
+              <a:ext cx="252028" cy="252028"/>
+            </a:xfrm>
+            <a:prstGeom prst="rtTriangle">
+              <a:avLst/>
+            </a:prstGeom>
+            <a:solidFill>
+              <a:schemeClr val="accent1"/>
+            </a:solidFill>
+            <a:ln>
+              <a:noFill/>
+            </a:ln>
+          </p:spPr>
+          <p:txBody>
+            <a:bodyPr wrap="square" rtlCol="0" anchor="ctr">
+              <a:spAutoFit/>
+            </a:bodyPr>
+            <a:lstStyle/>
+            <a:p>
+              <a:pPr algn="ctr"/>
+              <a:endParaRPr kumimoji="1" lang="ja-JP" altLang="en-US" sz="2400" dirty="0"/>
+            </a:p>
+          </p:txBody>
+        </p:sp>
+      </p:grpSp>
+      <p:sp>
+        <p:nvSpPr>
+          <p:cNvPr id="6" name="直角三角形 5">
+            <a:extLst>
+              <a:ext uri="{FF2B5EF4-FFF2-40B4-BE49-F238E27FC236}">
+                <a16:creationId xmlns:a16="http://schemas.microsoft.com/office/drawing/2014/main" id="{563F1F87-B229-4336-B04A-F35A45552526}"/>
+              </a:ext>
+            </a:extLst>
+          </p:cNvPr>
+          <p:cNvSpPr/>
+          <p:nvPr/>
+        </p:nvSpPr>
+        <p:spPr>
+          <a:xfrm rot="5400000">
+            <a:off x="1882824" y="282300"/>
+            <a:ext cx="252028" cy="252028"/>
+          </a:xfrm>
+          <a:prstGeom prst="rtTriangle">
+            <a:avLst/>
+          </a:prstGeom>
+          <a:solidFill>
+            <a:schemeClr val="accent3">
+              <a:lumMod val="60000"/>
+              <a:lumOff val="40000"/>
+            </a:schemeClr>
+          </a:solidFill>
+          <a:ln>
+            <a:noFill/>
+          </a:ln>
+        </p:spPr>
+        <p:txBody>
+          <a:bodyPr wrap="square" rtlCol="0" anchor="ctr">
+            <a:spAutoFit/>
+          </a:bodyPr>
+          <a:lstStyle/>
+          <a:p>
+            <a:pPr algn="ctr"/>
+            <a:endParaRPr kumimoji="1" lang="ja-JP" altLang="en-US" sz="2400" dirty="0"/>
+          </a:p>
+        </p:txBody>
+      </p:sp>
+      <p:sp>
+        <p:nvSpPr>
+          <p:cNvPr id="7" name="正方形/長方形 6">
+            <a:extLst>
+              <a:ext uri="{FF2B5EF4-FFF2-40B4-BE49-F238E27FC236}">
+                <a16:creationId xmlns:a16="http://schemas.microsoft.com/office/drawing/2014/main" id="{330AC1D1-4160-42E2-ABCC-AE1F02533FD5}"/>
+              </a:ext>
+            </a:extLst>
+          </p:cNvPr>
+          <p:cNvSpPr/>
+          <p:nvPr/>
+        </p:nvSpPr>
+        <p:spPr>
+          <a:xfrm>
+            <a:off x="3169744" y="2731698"/>
+            <a:ext cx="252028" cy="126014"/>
+          </a:xfrm>
+          <a:prstGeom prst="rect">
+            <a:avLst/>
+          </a:prstGeom>
+          <a:solidFill>
+            <a:schemeClr val="accent6">
+              <a:lumMod val="60000"/>
+              <a:lumOff val="40000"/>
+            </a:schemeClr>
+          </a:solidFill>
+          <a:ln>
+            <a:noFill/>
+          </a:ln>
+        </p:spPr>
+        <p:txBody>
+          <a:bodyPr wrap="square" rtlCol="0" anchor="ctr">
+            <a:spAutoFit/>
+          </a:bodyPr>
+          <a:lstStyle/>
+          <a:p>
+            <a:pPr algn="ctr"/>
+            <a:endParaRPr kumimoji="1" lang="ja-JP" altLang="en-US" sz="2400" dirty="0"/>
+          </a:p>
+        </p:txBody>
+      </p:sp>
+      <p:sp>
+        <p:nvSpPr>
+          <p:cNvPr id="8" name="楕円 4">
+            <a:extLst>
+              <a:ext uri="{FF2B5EF4-FFF2-40B4-BE49-F238E27FC236}">
+                <a16:creationId xmlns:a16="http://schemas.microsoft.com/office/drawing/2014/main" id="{805B48FB-B194-465C-B1D7-20964E795CBA}"/>
+              </a:ext>
+            </a:extLst>
+          </p:cNvPr>
+          <p:cNvSpPr/>
+          <p:nvPr/>
+        </p:nvSpPr>
+        <p:spPr>
+          <a:xfrm>
+            <a:off x="1236657" y="1443953"/>
+            <a:ext cx="288032" cy="288032"/>
+          </a:xfrm>
+          <a:prstGeom prst="ellipse">
+            <a:avLst/>
+          </a:prstGeom>
+          <a:solidFill>
+            <a:srgbClr val="011893"/>
+          </a:solidFill>
+          <a:ln>
+            <a:solidFill>
+              <a:schemeClr val="tx1"/>
+            </a:solidFill>
+          </a:ln>
+        </p:spPr>
+        <p:style>
+          <a:lnRef idx="2">
+            <a:schemeClr val="accent1">
+              <a:shade val="50000"/>
+            </a:schemeClr>
+          </a:lnRef>
+          <a:fillRef idx="1">
+            <a:schemeClr val="accent1"/>
+          </a:fillRef>
+          <a:effectRef idx="0">
+            <a:schemeClr val="accent1"/>
+          </a:effectRef>
+          <a:fontRef idx="minor">
+            <a:schemeClr val="lt1"/>
+          </a:fontRef>
+        </p:style>
+        <p:txBody>
+          <a:bodyPr rtlCol="0" anchor="ctr"/>
+          <a:lstStyle/>
+          <a:p>
+            <a:pPr algn="ctr"/>
+            <a:endParaRPr kumimoji="1" lang="ja-JP" altLang="en-US"/>
+          </a:p>
+        </p:txBody>
+      </p:sp>
+      <p:sp>
+        <p:nvSpPr>
+          <p:cNvPr id="9" name="楕円 4">
+            <a:extLst>
+              <a:ext uri="{FF2B5EF4-FFF2-40B4-BE49-F238E27FC236}">
+                <a16:creationId xmlns:a16="http://schemas.microsoft.com/office/drawing/2014/main" id="{B1D4E8A7-4C00-42BC-B7B3-020B815E2878}"/>
+              </a:ext>
+            </a:extLst>
+          </p:cNvPr>
+          <p:cNvSpPr/>
+          <p:nvPr/>
+        </p:nvSpPr>
+        <p:spPr>
+          <a:xfrm>
+            <a:off x="2028745" y="723873"/>
+            <a:ext cx="288032" cy="288032"/>
+          </a:xfrm>
+          <a:prstGeom prst="ellipse">
+            <a:avLst/>
+          </a:prstGeom>
+          <a:solidFill>
+            <a:srgbClr val="011893"/>
+          </a:solidFill>
+          <a:ln>
+            <a:solidFill>
+              <a:schemeClr val="tx1"/>
+            </a:solidFill>
+          </a:ln>
+        </p:spPr>
+        <p:style>
+          <a:lnRef idx="2">
+            <a:schemeClr val="accent1">
+              <a:shade val="50000"/>
+            </a:schemeClr>
+          </a:lnRef>
+          <a:fillRef idx="1">
+            <a:schemeClr val="accent1"/>
+          </a:fillRef>
+          <a:effectRef idx="0">
+            <a:schemeClr val="accent1"/>
+          </a:effectRef>
+          <a:fontRef idx="minor">
+            <a:schemeClr val="lt1"/>
+          </a:fontRef>
+        </p:style>
+        <p:txBody>
+          <a:bodyPr rtlCol="0" anchor="ctr"/>
+          <a:lstStyle/>
+          <a:p>
+            <a:pPr algn="ctr"/>
+            <a:endParaRPr kumimoji="1" lang="ja-JP" altLang="en-US"/>
+          </a:p>
+        </p:txBody>
+      </p:sp>
+      <p:sp>
+        <p:nvSpPr>
+          <p:cNvPr id="10" name="楕円 4">
+            <a:extLst>
+              <a:ext uri="{FF2B5EF4-FFF2-40B4-BE49-F238E27FC236}">
+                <a16:creationId xmlns:a16="http://schemas.microsoft.com/office/drawing/2014/main" id="{91047D93-4128-4AF0-9EAE-A4CB39B3732A}"/>
+              </a:ext>
+            </a:extLst>
+          </p:cNvPr>
+          <p:cNvSpPr/>
+          <p:nvPr/>
+        </p:nvSpPr>
+        <p:spPr>
+          <a:xfrm>
+            <a:off x="3108865" y="723873"/>
+            <a:ext cx="288032" cy="288032"/>
+          </a:xfrm>
+          <a:prstGeom prst="ellipse">
+            <a:avLst/>
+          </a:prstGeom>
+          <a:solidFill>
+            <a:srgbClr val="011893"/>
+          </a:solidFill>
+          <a:ln>
+            <a:solidFill>
+              <a:schemeClr val="tx1"/>
+            </a:solidFill>
+          </a:ln>
+        </p:spPr>
+        <p:style>
+          <a:lnRef idx="2">
+            <a:schemeClr val="accent1">
+              <a:shade val="50000"/>
+            </a:schemeClr>
+          </a:lnRef>
+          <a:fillRef idx="1">
+            <a:schemeClr val="accent1"/>
+          </a:fillRef>
+          <a:effectRef idx="0">
+            <a:schemeClr val="accent1"/>
+          </a:effectRef>
+          <a:fontRef idx="minor">
+            <a:schemeClr val="lt1"/>
+          </a:fontRef>
+        </p:style>
+        <p:txBody>
+          <a:bodyPr rtlCol="0" anchor="ctr"/>
+          <a:lstStyle/>
+          <a:p>
+            <a:pPr algn="ctr"/>
+            <a:endParaRPr kumimoji="1" lang="ja-JP" altLang="en-US"/>
+          </a:p>
+        </p:txBody>
+      </p:sp>
+      <p:sp>
+        <p:nvSpPr>
+          <p:cNvPr id="11" name="楕円 4">
+            <a:extLst>
+              <a:ext uri="{FF2B5EF4-FFF2-40B4-BE49-F238E27FC236}">
+                <a16:creationId xmlns:a16="http://schemas.microsoft.com/office/drawing/2014/main" id="{2EAE2A14-1922-4FC2-AE41-A51051BEFB22}"/>
+              </a:ext>
+            </a:extLst>
+          </p:cNvPr>
+          <p:cNvSpPr/>
+          <p:nvPr/>
+        </p:nvSpPr>
+        <p:spPr>
+          <a:xfrm>
+            <a:off x="2028745" y="2164033"/>
+            <a:ext cx="288032" cy="288032"/>
+          </a:xfrm>
+          <a:prstGeom prst="ellipse">
+            <a:avLst/>
+          </a:prstGeom>
+          <a:solidFill>
+            <a:srgbClr val="FFC000"/>
+          </a:solidFill>
+          <a:ln>
+            <a:solidFill>
+              <a:schemeClr val="tx1"/>
+            </a:solidFill>
+          </a:ln>
+        </p:spPr>
+        <p:style>
+          <a:lnRef idx="2">
+            <a:schemeClr val="accent1">
+              <a:shade val="50000"/>
+            </a:schemeClr>
+          </a:lnRef>
+          <a:fillRef idx="1">
+            <a:schemeClr val="accent1"/>
+          </a:fillRef>
+          <a:effectRef idx="0">
+            <a:schemeClr val="accent1"/>
+          </a:effectRef>
+          <a:fontRef idx="minor">
+            <a:schemeClr val="lt1"/>
+          </a:fontRef>
+        </p:style>
+        <p:txBody>
+          <a:bodyPr rtlCol="0" anchor="ctr"/>
+          <a:lstStyle/>
+          <a:p>
+            <a:pPr algn="ctr"/>
+            <a:endParaRPr kumimoji="1" lang="ja-JP" altLang="en-US"/>
+          </a:p>
+        </p:txBody>
+      </p:sp>
+      <p:sp>
+        <p:nvSpPr>
+          <p:cNvPr id="12" name="楕円 4">
+            <a:extLst>
+              <a:ext uri="{FF2B5EF4-FFF2-40B4-BE49-F238E27FC236}">
+                <a16:creationId xmlns:a16="http://schemas.microsoft.com/office/drawing/2014/main" id="{5F462D78-5A84-48A8-B91B-A499C58C7E04}"/>
+              </a:ext>
+            </a:extLst>
+          </p:cNvPr>
+          <p:cNvSpPr/>
+          <p:nvPr/>
+        </p:nvSpPr>
+        <p:spPr>
+          <a:xfrm>
+            <a:off x="3108865" y="2164033"/>
+            <a:ext cx="288032" cy="288032"/>
+          </a:xfrm>
+          <a:prstGeom prst="ellipse">
+            <a:avLst/>
+          </a:prstGeom>
+          <a:solidFill>
+            <a:srgbClr val="FFC000"/>
+          </a:solidFill>
+          <a:ln>
+            <a:solidFill>
+              <a:schemeClr val="tx1"/>
+            </a:solidFill>
+          </a:ln>
+        </p:spPr>
+        <p:style>
+          <a:lnRef idx="2">
+            <a:schemeClr val="accent1">
+              <a:shade val="50000"/>
+            </a:schemeClr>
+          </a:lnRef>
+          <a:fillRef idx="1">
+            <a:schemeClr val="accent1"/>
+          </a:fillRef>
+          <a:effectRef idx="0">
+            <a:schemeClr val="accent1"/>
+          </a:effectRef>
+          <a:fontRef idx="minor">
+            <a:schemeClr val="lt1"/>
+          </a:fontRef>
+        </p:style>
+        <p:txBody>
+          <a:bodyPr rtlCol="0" anchor="ctr"/>
+          <a:lstStyle/>
+          <a:p>
+            <a:pPr algn="ctr"/>
+            <a:endParaRPr kumimoji="1" lang="ja-JP" altLang="en-US"/>
+          </a:p>
+        </p:txBody>
+      </p:sp>
+      <p:cxnSp>
+        <p:nvCxnSpPr>
+          <p:cNvPr id="13" name="直線コネクタ 12">
+            <a:extLst>
+              <a:ext uri="{FF2B5EF4-FFF2-40B4-BE49-F238E27FC236}">
+                <a16:creationId xmlns:a16="http://schemas.microsoft.com/office/drawing/2014/main" id="{942F00A7-8F39-4E29-B042-900829AE0236}"/>
+              </a:ext>
+            </a:extLst>
+          </p:cNvPr>
+          <p:cNvCxnSpPr>
+            <a:cxnSpLocks/>
+            <a:stCxn id="8" idx="7"/>
+            <a:endCxn id="9" idx="3"/>
+          </p:cNvCxnSpPr>
+          <p:nvPr/>
+        </p:nvCxnSpPr>
+        <p:spPr>
+          <a:xfrm flipV="1">
+            <a:off x="1482508" y="969724"/>
+            <a:ext cx="588418" cy="516410"/>
+          </a:xfrm>
+          <a:prstGeom prst="line">
+            <a:avLst/>
+          </a:prstGeom>
+          <a:ln w="57150">
+            <a:solidFill>
+              <a:schemeClr val="tx1"/>
+            </a:solidFill>
+            <a:headEnd type="none" w="med" len="med"/>
+            <a:tailEnd type="none" w="med" len="med"/>
+          </a:ln>
+        </p:spPr>
+        <p:style>
+          <a:lnRef idx="1">
+            <a:schemeClr val="accent1"/>
+          </a:lnRef>
+          <a:fillRef idx="0">
+            <a:schemeClr val="accent1"/>
+          </a:fillRef>
+          <a:effectRef idx="0">
+            <a:schemeClr val="accent1"/>
+          </a:effectRef>
+          <a:fontRef idx="minor">
+            <a:schemeClr val="tx1"/>
+          </a:fontRef>
+        </p:style>
+      </p:cxnSp>
+      <p:cxnSp>
+        <p:nvCxnSpPr>
+          <p:cNvPr id="14" name="直線コネクタ 13">
+            <a:extLst>
+              <a:ext uri="{FF2B5EF4-FFF2-40B4-BE49-F238E27FC236}">
+                <a16:creationId xmlns:a16="http://schemas.microsoft.com/office/drawing/2014/main" id="{D5052B79-ECBB-4EBA-961E-FF772564174C}"/>
+              </a:ext>
+            </a:extLst>
+          </p:cNvPr>
+          <p:cNvCxnSpPr>
+            <a:cxnSpLocks/>
+            <a:stCxn id="8" idx="5"/>
+            <a:endCxn id="11" idx="1"/>
+          </p:cNvCxnSpPr>
+          <p:nvPr/>
+        </p:nvCxnSpPr>
+        <p:spPr>
+          <a:xfrm>
+            <a:off x="1482508" y="1689804"/>
+            <a:ext cx="588418" cy="516410"/>
+          </a:xfrm>
+          <a:prstGeom prst="line">
+            <a:avLst/>
+          </a:prstGeom>
+          <a:ln w="57150">
+            <a:solidFill>
+              <a:srgbClr val="00B050"/>
+            </a:solidFill>
+            <a:headEnd type="none" w="med" len="med"/>
+            <a:tailEnd type="none" w="med" len="med"/>
+          </a:ln>
+        </p:spPr>
+        <p:style>
+          <a:lnRef idx="1">
+            <a:schemeClr val="accent1"/>
+          </a:lnRef>
+          <a:fillRef idx="0">
+            <a:schemeClr val="accent1"/>
+          </a:fillRef>
+          <a:effectRef idx="0">
+            <a:schemeClr val="accent1"/>
+          </a:effectRef>
+          <a:fontRef idx="minor">
+            <a:schemeClr val="tx1"/>
+          </a:fontRef>
+        </p:style>
+      </p:cxnSp>
+      <p:cxnSp>
+        <p:nvCxnSpPr>
+          <p:cNvPr id="15" name="直線コネクタ 14">
+            <a:extLst>
+              <a:ext uri="{FF2B5EF4-FFF2-40B4-BE49-F238E27FC236}">
+                <a16:creationId xmlns:a16="http://schemas.microsoft.com/office/drawing/2014/main" id="{5E1DC55D-D4EB-4CCC-B8F3-549BA71C57CD}"/>
+              </a:ext>
+            </a:extLst>
+          </p:cNvPr>
+          <p:cNvCxnSpPr>
+            <a:cxnSpLocks/>
+            <a:stCxn id="9" idx="6"/>
+            <a:endCxn id="10" idx="2"/>
+          </p:cNvCxnSpPr>
+          <p:nvPr/>
+        </p:nvCxnSpPr>
+        <p:spPr>
+          <a:xfrm>
+            <a:off x="2316777" y="867889"/>
+            <a:ext cx="792088" cy="0"/>
+          </a:xfrm>
+          <a:prstGeom prst="line">
+            <a:avLst/>
+          </a:prstGeom>
+          <a:ln w="57150">
+            <a:solidFill>
+              <a:schemeClr val="tx1"/>
+            </a:solidFill>
+            <a:headEnd type="none" w="med" len="med"/>
+            <a:tailEnd type="none" w="med" len="med"/>
+          </a:ln>
+        </p:spPr>
+        <p:style>
+          <a:lnRef idx="1">
+            <a:schemeClr val="accent1"/>
+          </a:lnRef>
+          <a:fillRef idx="0">
+            <a:schemeClr val="accent1"/>
+          </a:fillRef>
+          <a:effectRef idx="0">
+            <a:schemeClr val="accent1"/>
+          </a:effectRef>
+          <a:fontRef idx="minor">
+            <a:schemeClr val="tx1"/>
+          </a:fontRef>
+        </p:style>
+      </p:cxnSp>
+      <p:cxnSp>
+        <p:nvCxnSpPr>
+          <p:cNvPr id="16" name="直線コネクタ 15">
+            <a:extLst>
+              <a:ext uri="{FF2B5EF4-FFF2-40B4-BE49-F238E27FC236}">
+                <a16:creationId xmlns:a16="http://schemas.microsoft.com/office/drawing/2014/main" id="{24E031CE-44BA-44ED-972C-283CE8867891}"/>
+              </a:ext>
+            </a:extLst>
+          </p:cNvPr>
+          <p:cNvCxnSpPr>
+            <a:cxnSpLocks/>
+            <a:stCxn id="11" idx="6"/>
+            <a:endCxn id="12" idx="2"/>
+          </p:cNvCxnSpPr>
+          <p:nvPr/>
+        </p:nvCxnSpPr>
+        <p:spPr>
+          <a:xfrm>
+            <a:off x="2316777" y="2308049"/>
+            <a:ext cx="792088" cy="0"/>
+          </a:xfrm>
+          <a:prstGeom prst="line">
+            <a:avLst/>
+          </a:prstGeom>
+          <a:ln w="57150">
+            <a:solidFill>
+              <a:srgbClr val="00B050"/>
+            </a:solidFill>
+            <a:headEnd type="none" w="med" len="med"/>
+            <a:tailEnd type="none" w="med" len="med"/>
+          </a:ln>
+        </p:spPr>
+        <p:style>
+          <a:lnRef idx="1">
+            <a:schemeClr val="accent1"/>
+          </a:lnRef>
+          <a:fillRef idx="0">
+            <a:schemeClr val="accent1"/>
+          </a:fillRef>
+          <a:effectRef idx="0">
+            <a:schemeClr val="accent1"/>
+          </a:effectRef>
+          <a:fontRef idx="minor">
+            <a:schemeClr val="tx1"/>
+          </a:fontRef>
+        </p:style>
+      </p:cxnSp>
+      <p:grpSp>
+        <p:nvGrpSpPr>
+          <p:cNvPr id="17" name="グループ化 16">
+            <a:extLst>
+              <a:ext uri="{FF2B5EF4-FFF2-40B4-BE49-F238E27FC236}">
+                <a16:creationId xmlns:a16="http://schemas.microsoft.com/office/drawing/2014/main" id="{C1936C0C-5B66-4F80-9C88-286CD44D3F6D}"/>
+              </a:ext>
+            </a:extLst>
+          </p:cNvPr>
+          <p:cNvGrpSpPr/>
+          <p:nvPr/>
+        </p:nvGrpSpPr>
+        <p:grpSpPr>
+          <a:xfrm>
+            <a:off x="1884729" y="291825"/>
+            <a:ext cx="504056" cy="378042"/>
+            <a:chOff x="2411760" y="4491118"/>
+            <a:chExt cx="504056" cy="378042"/>
+          </a:xfrm>
+        </p:grpSpPr>
+        <p:sp>
+          <p:nvSpPr>
+            <p:cNvPr id="18" name="正方形/長方形 17">
+              <a:extLst>
+                <a:ext uri="{FF2B5EF4-FFF2-40B4-BE49-F238E27FC236}">
+                  <a16:creationId xmlns:a16="http://schemas.microsoft.com/office/drawing/2014/main" id="{88051A13-D830-430E-BA09-08ECCA493463}"/>
+                </a:ext>
+              </a:extLst>
+            </p:cNvPr>
+            <p:cNvSpPr/>
+            <p:nvPr/>
+          </p:nvSpPr>
+          <p:spPr>
+            <a:xfrm>
+              <a:off x="2411760" y="4743146"/>
+              <a:ext cx="504056" cy="126014"/>
+            </a:xfrm>
+            <a:prstGeom prst="rect">
+              <a:avLst/>
+            </a:prstGeom>
+            <a:solidFill>
+              <a:schemeClr val="accent1"/>
+            </a:solidFill>
+            <a:ln>
+              <a:noFill/>
+            </a:ln>
+          </p:spPr>
+          <p:txBody>
+            <a:bodyPr wrap="square" rtlCol="0" anchor="ctr">
+              <a:spAutoFit/>
+            </a:bodyPr>
+            <a:lstStyle/>
+            <a:p>
+              <a:pPr algn="ctr"/>
+              <a:endParaRPr kumimoji="1" lang="ja-JP" altLang="en-US" sz="2400" dirty="0"/>
+            </a:p>
+          </p:txBody>
+        </p:sp>
+        <p:sp>
+          <p:nvSpPr>
+            <p:cNvPr id="19" name="直角三角形 18">
+              <a:extLst>
+                <a:ext uri="{FF2B5EF4-FFF2-40B4-BE49-F238E27FC236}">
+                  <a16:creationId xmlns:a16="http://schemas.microsoft.com/office/drawing/2014/main" id="{540C9968-27C5-421F-B3D8-57FF133E32D7}"/>
+                </a:ext>
+              </a:extLst>
+            </p:cNvPr>
+            <p:cNvSpPr/>
+            <p:nvPr/>
+          </p:nvSpPr>
+          <p:spPr>
+            <a:xfrm rot="16200000">
+              <a:off x="2411760" y="4491118"/>
+              <a:ext cx="252028" cy="252028"/>
+            </a:xfrm>
+            <a:prstGeom prst="rtTriangle">
+              <a:avLst/>
+            </a:prstGeom>
+            <a:solidFill>
+              <a:schemeClr val="accent1"/>
+            </a:solidFill>
+            <a:ln>
+              <a:noFill/>
+            </a:ln>
+          </p:spPr>
+          <p:txBody>
+            <a:bodyPr wrap="square" rtlCol="0" anchor="ctr">
+              <a:spAutoFit/>
+            </a:bodyPr>
+            <a:lstStyle/>
+            <a:p>
+              <a:pPr algn="ctr"/>
+              <a:endParaRPr kumimoji="1" lang="ja-JP" altLang="en-US" sz="2400" dirty="0"/>
+            </a:p>
+          </p:txBody>
+        </p:sp>
+        <p:sp>
+          <p:nvSpPr>
+            <p:cNvPr id="20" name="直角三角形 19">
+              <a:extLst>
+                <a:ext uri="{FF2B5EF4-FFF2-40B4-BE49-F238E27FC236}">
+                  <a16:creationId xmlns:a16="http://schemas.microsoft.com/office/drawing/2014/main" id="{4616EDC8-7C99-46C1-A6C1-248E36C3A649}"/>
+                </a:ext>
+              </a:extLst>
+            </p:cNvPr>
+            <p:cNvSpPr/>
+            <p:nvPr/>
+          </p:nvSpPr>
+          <p:spPr>
+            <a:xfrm>
+              <a:off x="2663788" y="4491118"/>
+              <a:ext cx="252028" cy="252028"/>
+            </a:xfrm>
+            <a:prstGeom prst="rtTriangle">
+              <a:avLst/>
+            </a:prstGeom>
+            <a:solidFill>
+              <a:schemeClr val="accent1"/>
+            </a:solidFill>
+            <a:ln>
+              <a:noFill/>
+            </a:ln>
+          </p:spPr>
+          <p:txBody>
+            <a:bodyPr wrap="square" rtlCol="0" anchor="ctr">
+              <a:spAutoFit/>
+            </a:bodyPr>
+            <a:lstStyle/>
+            <a:p>
+              <a:pPr algn="ctr"/>
+              <a:endParaRPr kumimoji="1" lang="ja-JP" altLang="en-US" sz="2400" dirty="0"/>
+            </a:p>
+          </p:txBody>
+        </p:sp>
+      </p:grpSp>
+      <p:sp>
+        <p:nvSpPr>
+          <p:cNvPr id="21" name="直角三角形 20">
+            <a:extLst>
+              <a:ext uri="{FF2B5EF4-FFF2-40B4-BE49-F238E27FC236}">
+                <a16:creationId xmlns:a16="http://schemas.microsoft.com/office/drawing/2014/main" id="{985B0614-F913-4331-B32A-13C9CF4CDFEB}"/>
+              </a:ext>
+            </a:extLst>
+          </p:cNvPr>
+          <p:cNvSpPr/>
+          <p:nvPr/>
+        </p:nvSpPr>
+        <p:spPr>
+          <a:xfrm rot="5400000">
+            <a:off x="3036857" y="282300"/>
+            <a:ext cx="252028" cy="252028"/>
+          </a:xfrm>
+          <a:prstGeom prst="rtTriangle">
+            <a:avLst/>
+          </a:prstGeom>
+          <a:solidFill>
+            <a:schemeClr val="accent3">
+              <a:lumMod val="60000"/>
+              <a:lumOff val="40000"/>
+            </a:schemeClr>
+          </a:solidFill>
+          <a:ln>
+            <a:noFill/>
+          </a:ln>
+        </p:spPr>
+        <p:txBody>
+          <a:bodyPr wrap="square" rtlCol="0" anchor="ctr">
+            <a:spAutoFit/>
+          </a:bodyPr>
+          <a:lstStyle/>
+          <a:p>
+            <a:pPr algn="ctr"/>
+            <a:endParaRPr kumimoji="1" lang="ja-JP" altLang="en-US" sz="2400" dirty="0"/>
+          </a:p>
+        </p:txBody>
+      </p:sp>
+      <p:grpSp>
+        <p:nvGrpSpPr>
+          <p:cNvPr id="22" name="グループ化 21">
+            <a:extLst>
+              <a:ext uri="{FF2B5EF4-FFF2-40B4-BE49-F238E27FC236}">
+                <a16:creationId xmlns:a16="http://schemas.microsoft.com/office/drawing/2014/main" id="{ACC9B47E-29FF-433C-B420-FC00CAD74F29}"/>
+              </a:ext>
+            </a:extLst>
+          </p:cNvPr>
+          <p:cNvGrpSpPr/>
+          <p:nvPr/>
+        </p:nvGrpSpPr>
+        <p:grpSpPr>
+          <a:xfrm>
+            <a:off x="3036857" y="291825"/>
+            <a:ext cx="504056" cy="378042"/>
+            <a:chOff x="2411760" y="4491118"/>
+            <a:chExt cx="504056" cy="378042"/>
+          </a:xfrm>
+        </p:grpSpPr>
+        <p:sp>
+          <p:nvSpPr>
+            <p:cNvPr id="23" name="正方形/長方形 22">
+              <a:extLst>
+                <a:ext uri="{FF2B5EF4-FFF2-40B4-BE49-F238E27FC236}">
+                  <a16:creationId xmlns:a16="http://schemas.microsoft.com/office/drawing/2014/main" id="{B4A1FEF9-24B2-4BD2-A848-10A81FC0AD02}"/>
+                </a:ext>
+              </a:extLst>
+            </p:cNvPr>
+            <p:cNvSpPr/>
+            <p:nvPr/>
+          </p:nvSpPr>
+          <p:spPr>
+            <a:xfrm>
+              <a:off x="2411760" y="4743146"/>
+              <a:ext cx="504056" cy="126014"/>
+            </a:xfrm>
+            <a:prstGeom prst="rect">
+              <a:avLst/>
+            </a:prstGeom>
+            <a:solidFill>
+              <a:schemeClr val="accent1"/>
+            </a:solidFill>
+            <a:ln>
+              <a:noFill/>
+            </a:ln>
+          </p:spPr>
+          <p:txBody>
+            <a:bodyPr wrap="square" rtlCol="0" anchor="ctr">
+              <a:spAutoFit/>
+            </a:bodyPr>
+            <a:lstStyle/>
+            <a:p>
+              <a:pPr algn="ctr"/>
+              <a:endParaRPr kumimoji="1" lang="ja-JP" altLang="en-US" sz="2400" dirty="0"/>
+            </a:p>
+          </p:txBody>
+        </p:sp>
+        <p:sp>
+          <p:nvSpPr>
+            <p:cNvPr id="24" name="直角三角形 23">
+              <a:extLst>
+                <a:ext uri="{FF2B5EF4-FFF2-40B4-BE49-F238E27FC236}">
+                  <a16:creationId xmlns:a16="http://schemas.microsoft.com/office/drawing/2014/main" id="{0F7BA9DE-FE26-4C80-98CE-9E29D6EB1649}"/>
+                </a:ext>
+              </a:extLst>
+            </p:cNvPr>
+            <p:cNvSpPr/>
+            <p:nvPr/>
+          </p:nvSpPr>
+          <p:spPr>
+            <a:xfrm rot="16200000">
+              <a:off x="2411760" y="4491118"/>
+              <a:ext cx="252028" cy="252028"/>
+            </a:xfrm>
+            <a:prstGeom prst="rtTriangle">
+              <a:avLst/>
+            </a:prstGeom>
+            <a:solidFill>
+              <a:schemeClr val="accent1"/>
+            </a:solidFill>
+            <a:ln>
+              <a:noFill/>
+            </a:ln>
+          </p:spPr>
+          <p:txBody>
+            <a:bodyPr wrap="square" rtlCol="0" anchor="ctr">
+              <a:spAutoFit/>
+            </a:bodyPr>
+            <a:lstStyle/>
+            <a:p>
+              <a:pPr algn="ctr"/>
+              <a:endParaRPr kumimoji="1" lang="ja-JP" altLang="en-US" sz="2400" dirty="0"/>
+            </a:p>
+          </p:txBody>
+        </p:sp>
+        <p:sp>
+          <p:nvSpPr>
+            <p:cNvPr id="25" name="直角三角形 24">
+              <a:extLst>
+                <a:ext uri="{FF2B5EF4-FFF2-40B4-BE49-F238E27FC236}">
+                  <a16:creationId xmlns:a16="http://schemas.microsoft.com/office/drawing/2014/main" id="{533728B8-4353-44E1-8A73-A889A01B59CC}"/>
+                </a:ext>
+              </a:extLst>
+            </p:cNvPr>
+            <p:cNvSpPr/>
+            <p:nvPr/>
+          </p:nvSpPr>
+          <p:spPr>
+            <a:xfrm>
+              <a:off x="2663788" y="4491118"/>
+              <a:ext cx="252028" cy="252028"/>
+            </a:xfrm>
+            <a:prstGeom prst="rtTriangle">
+              <a:avLst/>
+            </a:prstGeom>
+            <a:solidFill>
+              <a:schemeClr val="accent1"/>
+            </a:solidFill>
+            <a:ln>
+              <a:noFill/>
+            </a:ln>
+          </p:spPr>
+          <p:txBody>
+            <a:bodyPr wrap="square" rtlCol="0" anchor="ctr">
+              <a:spAutoFit/>
+            </a:bodyPr>
+            <a:lstStyle/>
+            <a:p>
+              <a:pPr algn="ctr"/>
+              <a:endParaRPr kumimoji="1" lang="ja-JP" altLang="en-US" sz="2400" dirty="0"/>
+            </a:p>
+          </p:txBody>
+        </p:sp>
+      </p:grpSp>
+      <p:sp>
+        <p:nvSpPr>
+          <p:cNvPr id="26" name="正方形/長方形 25">
+            <a:extLst>
+              <a:ext uri="{FF2B5EF4-FFF2-40B4-BE49-F238E27FC236}">
+                <a16:creationId xmlns:a16="http://schemas.microsoft.com/office/drawing/2014/main" id="{8980F17F-399A-47EB-A65C-58E57AB66483}"/>
+              </a:ext>
+            </a:extLst>
+          </p:cNvPr>
+          <p:cNvSpPr/>
+          <p:nvPr/>
+        </p:nvSpPr>
+        <p:spPr>
+          <a:xfrm>
+            <a:off x="3038762" y="151347"/>
+            <a:ext cx="252028" cy="126014"/>
+          </a:xfrm>
+          <a:prstGeom prst="rect">
+            <a:avLst/>
+          </a:prstGeom>
+          <a:solidFill>
+            <a:schemeClr val="accent3">
+              <a:lumMod val="60000"/>
+              <a:lumOff val="40000"/>
+            </a:schemeClr>
+          </a:solidFill>
+          <a:ln>
+            <a:noFill/>
+          </a:ln>
+        </p:spPr>
+        <p:txBody>
+          <a:bodyPr wrap="square" rtlCol="0" anchor="ctr">
+            <a:spAutoFit/>
+          </a:bodyPr>
+          <a:lstStyle/>
+          <a:p>
+            <a:pPr algn="ctr"/>
+            <a:endParaRPr kumimoji="1" lang="ja-JP" altLang="en-US" sz="2400" dirty="0"/>
+          </a:p>
+        </p:txBody>
+      </p:sp>
+      <p:grpSp>
+        <p:nvGrpSpPr>
+          <p:cNvPr id="27" name="グループ化 26">
+            <a:extLst>
+              <a:ext uri="{FF2B5EF4-FFF2-40B4-BE49-F238E27FC236}">
+                <a16:creationId xmlns:a16="http://schemas.microsoft.com/office/drawing/2014/main" id="{49D4E544-66A6-4AE1-9CE3-F068DE916B3C}"/>
+              </a:ext>
+            </a:extLst>
+          </p:cNvPr>
+          <p:cNvGrpSpPr/>
+          <p:nvPr/>
+        </p:nvGrpSpPr>
+        <p:grpSpPr>
+          <a:xfrm>
+            <a:off x="1915628" y="2829285"/>
+            <a:ext cx="504056" cy="378042"/>
+            <a:chOff x="2411760" y="4491118"/>
+            <a:chExt cx="504056" cy="378042"/>
+          </a:xfrm>
+        </p:grpSpPr>
+        <p:sp>
+          <p:nvSpPr>
+            <p:cNvPr id="28" name="正方形/長方形 27">
+              <a:extLst>
+                <a:ext uri="{FF2B5EF4-FFF2-40B4-BE49-F238E27FC236}">
+                  <a16:creationId xmlns:a16="http://schemas.microsoft.com/office/drawing/2014/main" id="{8206E3C0-472C-45F1-8156-DBB5AF59F272}"/>
+                </a:ext>
+              </a:extLst>
+            </p:cNvPr>
+            <p:cNvSpPr/>
+            <p:nvPr/>
+          </p:nvSpPr>
+          <p:spPr>
+            <a:xfrm>
+              <a:off x="2411760" y="4743146"/>
+              <a:ext cx="504056" cy="126014"/>
+            </a:xfrm>
+            <a:prstGeom prst="rect">
+              <a:avLst/>
+            </a:prstGeom>
+            <a:solidFill>
+              <a:schemeClr val="accent1"/>
+            </a:solidFill>
+            <a:ln>
+              <a:noFill/>
+            </a:ln>
+          </p:spPr>
+          <p:txBody>
+            <a:bodyPr wrap="square" rtlCol="0" anchor="ctr">
+              <a:spAutoFit/>
+            </a:bodyPr>
+            <a:lstStyle/>
+            <a:p>
+              <a:pPr algn="ctr"/>
+              <a:endParaRPr kumimoji="1" lang="ja-JP" altLang="en-US" sz="2400" dirty="0"/>
+            </a:p>
+          </p:txBody>
+        </p:sp>
+        <p:sp>
+          <p:nvSpPr>
+            <p:cNvPr id="29" name="直角三角形 28">
+              <a:extLst>
+                <a:ext uri="{FF2B5EF4-FFF2-40B4-BE49-F238E27FC236}">
+                  <a16:creationId xmlns:a16="http://schemas.microsoft.com/office/drawing/2014/main" id="{2952D2EF-5834-44CF-A75B-2BD931CC0161}"/>
+                </a:ext>
+              </a:extLst>
+            </p:cNvPr>
+            <p:cNvSpPr/>
+            <p:nvPr/>
+          </p:nvSpPr>
+          <p:spPr>
+            <a:xfrm rot="16200000">
+              <a:off x="2411760" y="4491118"/>
+              <a:ext cx="252028" cy="252028"/>
+            </a:xfrm>
+            <a:prstGeom prst="rtTriangle">
+              <a:avLst/>
+            </a:prstGeom>
+            <a:solidFill>
+              <a:schemeClr val="accent1"/>
+            </a:solidFill>
+            <a:ln>
+              <a:noFill/>
+            </a:ln>
+          </p:spPr>
+          <p:txBody>
+            <a:bodyPr wrap="square" rtlCol="0" anchor="ctr">
+              <a:spAutoFit/>
+            </a:bodyPr>
+            <a:lstStyle/>
+            <a:p>
+              <a:pPr algn="ctr"/>
+              <a:endParaRPr kumimoji="1" lang="ja-JP" altLang="en-US" sz="2400" dirty="0"/>
+            </a:p>
+          </p:txBody>
+        </p:sp>
+        <p:sp>
+          <p:nvSpPr>
+            <p:cNvPr id="30" name="直角三角形 29">
+              <a:extLst>
+                <a:ext uri="{FF2B5EF4-FFF2-40B4-BE49-F238E27FC236}">
+                  <a16:creationId xmlns:a16="http://schemas.microsoft.com/office/drawing/2014/main" id="{E80FA4B5-21AB-40F3-A5BB-C73DC702CB72}"/>
+                </a:ext>
+              </a:extLst>
+            </p:cNvPr>
+            <p:cNvSpPr/>
+            <p:nvPr/>
+          </p:nvSpPr>
+          <p:spPr>
+            <a:xfrm>
+              <a:off x="2663788" y="4491118"/>
+              <a:ext cx="252028" cy="252028"/>
+            </a:xfrm>
+            <a:prstGeom prst="rtTriangle">
+              <a:avLst/>
+            </a:prstGeom>
+            <a:solidFill>
+              <a:schemeClr val="accent1"/>
+            </a:solidFill>
+            <a:ln>
+              <a:noFill/>
+            </a:ln>
+          </p:spPr>
+          <p:txBody>
+            <a:bodyPr wrap="square" rtlCol="0" anchor="ctr">
+              <a:spAutoFit/>
+            </a:bodyPr>
+            <a:lstStyle/>
+            <a:p>
+              <a:pPr algn="ctr"/>
+              <a:endParaRPr kumimoji="1" lang="ja-JP" altLang="en-US" sz="2400" dirty="0"/>
+            </a:p>
+          </p:txBody>
+        </p:sp>
+      </p:grpSp>
+      <p:sp>
+        <p:nvSpPr>
+          <p:cNvPr id="31" name="直角三角形 30">
+            <a:extLst>
+              <a:ext uri="{FF2B5EF4-FFF2-40B4-BE49-F238E27FC236}">
+                <a16:creationId xmlns:a16="http://schemas.microsoft.com/office/drawing/2014/main" id="{04DC0F55-1969-43C3-8B04-8622969068FF}"/>
+              </a:ext>
+            </a:extLst>
+          </p:cNvPr>
+          <p:cNvSpPr/>
+          <p:nvPr/>
+        </p:nvSpPr>
+        <p:spPr>
+          <a:xfrm rot="10800000">
+            <a:off x="2169075" y="2824511"/>
+            <a:ext cx="252028" cy="252028"/>
+          </a:xfrm>
+          <a:prstGeom prst="rtTriangle">
+            <a:avLst/>
+          </a:prstGeom>
+          <a:solidFill>
+            <a:schemeClr val="accent6">
+              <a:lumMod val="60000"/>
+              <a:lumOff val="40000"/>
+            </a:schemeClr>
+          </a:solidFill>
+          <a:ln>
+            <a:noFill/>
+          </a:ln>
+        </p:spPr>
+        <p:txBody>
+          <a:bodyPr wrap="square" rtlCol="0" anchor="ctr">
+            <a:spAutoFit/>
+          </a:bodyPr>
+          <a:lstStyle/>
+          <a:p>
+            <a:pPr algn="ctr"/>
+            <a:endParaRPr kumimoji="1" lang="ja-JP" altLang="en-US" sz="2400" dirty="0"/>
+          </a:p>
+        </p:txBody>
+      </p:sp>
+      <p:grpSp>
+        <p:nvGrpSpPr>
+          <p:cNvPr id="32" name="グループ化 31">
+            <a:extLst>
+              <a:ext uri="{FF2B5EF4-FFF2-40B4-BE49-F238E27FC236}">
+                <a16:creationId xmlns:a16="http://schemas.microsoft.com/office/drawing/2014/main" id="{F224312D-2902-41BF-96BE-9A7A5B7FF383}"/>
+              </a:ext>
+            </a:extLst>
+          </p:cNvPr>
+          <p:cNvGrpSpPr/>
+          <p:nvPr/>
+        </p:nvGrpSpPr>
+        <p:grpSpPr>
+          <a:xfrm>
+            <a:off x="2917114" y="2875550"/>
+            <a:ext cx="504056" cy="378042"/>
+            <a:chOff x="2411760" y="4491118"/>
+            <a:chExt cx="504056" cy="378042"/>
+          </a:xfrm>
+        </p:grpSpPr>
+        <p:sp>
+          <p:nvSpPr>
+            <p:cNvPr id="33" name="正方形/長方形 32">
+              <a:extLst>
+                <a:ext uri="{FF2B5EF4-FFF2-40B4-BE49-F238E27FC236}">
+                  <a16:creationId xmlns:a16="http://schemas.microsoft.com/office/drawing/2014/main" id="{0A0D29B9-56A4-495A-B6B3-87E1F1DDF46D}"/>
+                </a:ext>
+              </a:extLst>
+            </p:cNvPr>
+            <p:cNvSpPr/>
+            <p:nvPr/>
+          </p:nvSpPr>
+          <p:spPr>
+            <a:xfrm>
+              <a:off x="2411760" y="4743146"/>
+              <a:ext cx="504056" cy="126014"/>
+            </a:xfrm>
+            <a:prstGeom prst="rect">
+              <a:avLst/>
+            </a:prstGeom>
+            <a:solidFill>
+              <a:schemeClr val="accent1"/>
+            </a:solidFill>
+            <a:ln>
+              <a:noFill/>
+            </a:ln>
+          </p:spPr>
+          <p:txBody>
+            <a:bodyPr wrap="square" rtlCol="0" anchor="ctr">
+              <a:spAutoFit/>
+            </a:bodyPr>
+            <a:lstStyle/>
+            <a:p>
+              <a:pPr algn="ctr"/>
+              <a:endParaRPr kumimoji="1" lang="ja-JP" altLang="en-US" sz="2400" dirty="0"/>
+            </a:p>
+          </p:txBody>
+        </p:sp>
+        <p:sp>
+          <p:nvSpPr>
+            <p:cNvPr id="34" name="直角三角形 33">
+              <a:extLst>
+                <a:ext uri="{FF2B5EF4-FFF2-40B4-BE49-F238E27FC236}">
+                  <a16:creationId xmlns:a16="http://schemas.microsoft.com/office/drawing/2014/main" id="{758B894C-2E7E-4FC6-A8A7-BE96502E5E9E}"/>
+                </a:ext>
+              </a:extLst>
+            </p:cNvPr>
+            <p:cNvSpPr/>
+            <p:nvPr/>
+          </p:nvSpPr>
+          <p:spPr>
+            <a:xfrm rot="16200000">
+              <a:off x="2411760" y="4491118"/>
+              <a:ext cx="252028" cy="252028"/>
+            </a:xfrm>
+            <a:prstGeom prst="rtTriangle">
+              <a:avLst/>
+            </a:prstGeom>
+            <a:solidFill>
+              <a:schemeClr val="accent1"/>
+            </a:solidFill>
+            <a:ln>
+              <a:noFill/>
+            </a:ln>
+          </p:spPr>
+          <p:txBody>
+            <a:bodyPr wrap="square" rtlCol="0" anchor="ctr">
+              <a:spAutoFit/>
+            </a:bodyPr>
+            <a:lstStyle/>
+            <a:p>
+              <a:pPr algn="ctr"/>
+              <a:endParaRPr kumimoji="1" lang="ja-JP" altLang="en-US" sz="2400" dirty="0"/>
+            </a:p>
+          </p:txBody>
+        </p:sp>
+        <p:sp>
+          <p:nvSpPr>
+            <p:cNvPr id="35" name="直角三角形 34">
+              <a:extLst>
+                <a:ext uri="{FF2B5EF4-FFF2-40B4-BE49-F238E27FC236}">
+                  <a16:creationId xmlns:a16="http://schemas.microsoft.com/office/drawing/2014/main" id="{225B1D46-367F-45E7-BA1F-AF26F428A5CD}"/>
+                </a:ext>
+              </a:extLst>
+            </p:cNvPr>
+            <p:cNvSpPr/>
+            <p:nvPr/>
+          </p:nvSpPr>
+          <p:spPr>
+            <a:xfrm>
+              <a:off x="2663788" y="4491118"/>
+              <a:ext cx="252028" cy="252028"/>
+            </a:xfrm>
+            <a:prstGeom prst="rtTriangle">
+              <a:avLst/>
+            </a:prstGeom>
+            <a:solidFill>
+              <a:schemeClr val="accent1"/>
+            </a:solidFill>
+            <a:ln>
+              <a:noFill/>
+            </a:ln>
+          </p:spPr>
+          <p:txBody>
+            <a:bodyPr wrap="square" rtlCol="0" anchor="ctr">
+              <a:spAutoFit/>
+            </a:bodyPr>
+            <a:lstStyle/>
+            <a:p>
+              <a:pPr algn="ctr"/>
+              <a:endParaRPr kumimoji="1" lang="ja-JP" altLang="en-US" sz="2400" dirty="0"/>
+            </a:p>
+          </p:txBody>
+        </p:sp>
+      </p:grpSp>
+      <p:sp>
+        <p:nvSpPr>
+          <p:cNvPr id="36" name="直角三角形 35">
+            <a:extLst>
+              <a:ext uri="{FF2B5EF4-FFF2-40B4-BE49-F238E27FC236}">
+                <a16:creationId xmlns:a16="http://schemas.microsoft.com/office/drawing/2014/main" id="{74A6B962-0B29-4507-82F8-AAA2EC63CC3F}"/>
+              </a:ext>
+            </a:extLst>
+          </p:cNvPr>
+          <p:cNvSpPr/>
+          <p:nvPr/>
+        </p:nvSpPr>
+        <p:spPr>
+          <a:xfrm rot="10800000">
+            <a:off x="3166751" y="2866966"/>
+            <a:ext cx="252028" cy="252028"/>
+          </a:xfrm>
+          <a:prstGeom prst="rtTriangle">
+            <a:avLst/>
+          </a:prstGeom>
+          <a:solidFill>
+            <a:schemeClr val="accent6">
+              <a:lumMod val="60000"/>
+              <a:lumOff val="40000"/>
+            </a:schemeClr>
+          </a:solidFill>
+          <a:ln>
+            <a:noFill/>
+          </a:ln>
+        </p:spPr>
+        <p:txBody>
+          <a:bodyPr wrap="square" rtlCol="0" anchor="ctr">
+            <a:spAutoFit/>
+          </a:bodyPr>
+          <a:lstStyle/>
+          <a:p>
+            <a:pPr algn="ctr"/>
+            <a:endParaRPr kumimoji="1" lang="ja-JP" altLang="en-US" sz="2400" dirty="0"/>
+          </a:p>
+        </p:txBody>
+      </p:sp>
+      <p:sp>
+        <p:nvSpPr>
+          <p:cNvPr id="37" name="四角形: 1 つの角を切り取り 1 つの角を丸める 36">
+            <a:extLst>
+              <a:ext uri="{FF2B5EF4-FFF2-40B4-BE49-F238E27FC236}">
+                <a16:creationId xmlns:a16="http://schemas.microsoft.com/office/drawing/2014/main" id="{F793A0B6-DFD3-43FC-9FD7-2E272C27AF97}"/>
+              </a:ext>
+            </a:extLst>
+          </p:cNvPr>
+          <p:cNvSpPr/>
+          <p:nvPr/>
+        </p:nvSpPr>
+        <p:spPr>
+          <a:xfrm>
+            <a:off x="3929513" y="670274"/>
+            <a:ext cx="990600" cy="387191"/>
+          </a:xfrm>
+          <a:prstGeom prst="snipRoundRect">
+            <a:avLst/>
+          </a:prstGeom>
+          <a:solidFill>
+            <a:schemeClr val="accent3">
+              <a:lumMod val="20000"/>
+              <a:lumOff val="80000"/>
+            </a:schemeClr>
+          </a:solidFill>
+          <a:ln>
+            <a:solidFill>
+              <a:schemeClr val="tx1"/>
+            </a:solidFill>
+          </a:ln>
+        </p:spPr>
+        <p:txBody>
+          <a:bodyPr wrap="square" rtlCol="0" anchor="ctr">
+            <a:spAutoFit/>
+          </a:bodyPr>
+          <a:lstStyle/>
+          <a:p>
+            <a:pPr algn="ctr"/>
+            <a:r>
+              <a:rPr kumimoji="1" lang="en-US" altLang="ja-JP" dirty="0"/>
+              <a:t>master</a:t>
+            </a:r>
+            <a:endParaRPr kumimoji="1" lang="ja-JP" altLang="en-US" dirty="0"/>
+          </a:p>
+        </p:txBody>
+      </p:sp>
+      <p:sp>
+        <p:nvSpPr>
+          <p:cNvPr id="38" name="四角形: 1 つの角を切り取り 1 つの角を丸める 37">
+            <a:extLst>
+              <a:ext uri="{FF2B5EF4-FFF2-40B4-BE49-F238E27FC236}">
+                <a16:creationId xmlns:a16="http://schemas.microsoft.com/office/drawing/2014/main" id="{0530E202-E01F-48C8-8370-AB2900F4D3F6}"/>
+              </a:ext>
+            </a:extLst>
+          </p:cNvPr>
+          <p:cNvSpPr/>
+          <p:nvPr/>
+        </p:nvSpPr>
+        <p:spPr>
+          <a:xfrm>
+            <a:off x="4040949" y="2098774"/>
+            <a:ext cx="990600" cy="387191"/>
+          </a:xfrm>
+          <a:prstGeom prst="snipRoundRect">
+            <a:avLst/>
+          </a:prstGeom>
+          <a:solidFill>
+            <a:schemeClr val="accent3">
+              <a:lumMod val="20000"/>
+              <a:lumOff val="80000"/>
+            </a:schemeClr>
+          </a:solidFill>
+          <a:ln>
+            <a:solidFill>
+              <a:schemeClr val="tx1"/>
+            </a:solidFill>
+          </a:ln>
+        </p:spPr>
+        <p:txBody>
+          <a:bodyPr wrap="square" rtlCol="0" anchor="ctr">
+            <a:spAutoFit/>
+          </a:bodyPr>
+          <a:lstStyle/>
+          <a:p>
+            <a:pPr algn="ctr"/>
+            <a:r>
+              <a:rPr lang="en-US" altLang="ja-JP" dirty="0"/>
+              <a:t>branch</a:t>
+            </a:r>
+            <a:endParaRPr kumimoji="1" lang="ja-JP" altLang="en-US" dirty="0"/>
+          </a:p>
+        </p:txBody>
+      </p:sp>
+      <p:cxnSp>
+        <p:nvCxnSpPr>
+          <p:cNvPr id="39" name="直線矢印コネクタ 38">
+            <a:extLst>
+              <a:ext uri="{FF2B5EF4-FFF2-40B4-BE49-F238E27FC236}">
+                <a16:creationId xmlns:a16="http://schemas.microsoft.com/office/drawing/2014/main" id="{2215DA04-7FBC-4BBA-AC42-3E5316FF5FA0}"/>
+              </a:ext>
+            </a:extLst>
+          </p:cNvPr>
+          <p:cNvCxnSpPr>
+            <a:stCxn id="37" idx="2"/>
+            <a:endCxn id="10" idx="6"/>
+          </p:cNvCxnSpPr>
+          <p:nvPr/>
+        </p:nvCxnSpPr>
+        <p:spPr>
+          <a:xfrm flipH="1">
+            <a:off x="3396897" y="863870"/>
+            <a:ext cx="532616" cy="4019"/>
+          </a:xfrm>
+          <a:prstGeom prst="straightConnector1">
+            <a:avLst/>
+          </a:prstGeom>
+          <a:ln w="9525">
+            <a:solidFill>
+              <a:schemeClr val="tx1"/>
+            </a:solidFill>
+            <a:headEnd type="none"/>
+            <a:tailEnd type="triangle"/>
+          </a:ln>
+          <a:effectLst/>
+        </p:spPr>
+        <p:style>
+          <a:lnRef idx="2">
+            <a:schemeClr val="accent1"/>
+          </a:lnRef>
+          <a:fillRef idx="0">
+            <a:schemeClr val="accent1"/>
+          </a:fillRef>
+          <a:effectRef idx="1">
+            <a:schemeClr val="accent1"/>
+          </a:effectRef>
+          <a:fontRef idx="minor">
+            <a:schemeClr val="tx1"/>
+          </a:fontRef>
+        </p:style>
+      </p:cxnSp>
+      <p:cxnSp>
+        <p:nvCxnSpPr>
+          <p:cNvPr id="40" name="直線矢印コネクタ 39">
+            <a:extLst>
+              <a:ext uri="{FF2B5EF4-FFF2-40B4-BE49-F238E27FC236}">
+                <a16:creationId xmlns:a16="http://schemas.microsoft.com/office/drawing/2014/main" id="{21179A2E-52AC-4B4B-8229-33D11D9F374E}"/>
+              </a:ext>
+            </a:extLst>
+          </p:cNvPr>
+          <p:cNvCxnSpPr>
+            <a:cxnSpLocks/>
+            <a:endCxn id="12" idx="6"/>
+          </p:cNvCxnSpPr>
+          <p:nvPr/>
+        </p:nvCxnSpPr>
+        <p:spPr>
+          <a:xfrm flipH="1" flipV="1">
+            <a:off x="3396897" y="2308049"/>
+            <a:ext cx="605608" cy="2014"/>
+          </a:xfrm>
+          <a:prstGeom prst="straightConnector1">
+            <a:avLst/>
+          </a:prstGeom>
+          <a:ln w="9525">
+            <a:solidFill>
+              <a:schemeClr val="tx1"/>
+            </a:solidFill>
+            <a:headEnd type="none"/>
+            <a:tailEnd type="triangle"/>
+          </a:ln>
+          <a:effectLst/>
+        </p:spPr>
+        <p:style>
+          <a:lnRef idx="2">
+            <a:schemeClr val="accent1"/>
+          </a:lnRef>
+          <a:fillRef idx="0">
+            <a:schemeClr val="accent1"/>
+          </a:fillRef>
+          <a:effectRef idx="1">
+            <a:schemeClr val="accent1"/>
+          </a:effectRef>
+          <a:fontRef idx="minor">
+            <a:schemeClr val="tx1"/>
+          </a:fontRef>
+        </p:style>
+      </p:cxnSp>
+      <p:sp>
+        <p:nvSpPr>
+          <p:cNvPr id="41" name="正方形/長方形 40">
+            <a:extLst>
+              <a:ext uri="{FF2B5EF4-FFF2-40B4-BE49-F238E27FC236}">
+                <a16:creationId xmlns:a16="http://schemas.microsoft.com/office/drawing/2014/main" id="{389ED1FD-8FA1-4B71-8895-C743CAF21343}"/>
+              </a:ext>
+            </a:extLst>
+          </p:cNvPr>
+          <p:cNvSpPr/>
+          <p:nvPr/>
+        </p:nvSpPr>
+        <p:spPr>
+          <a:xfrm>
+            <a:off x="4055387" y="1353725"/>
+            <a:ext cx="960120" cy="369332"/>
+          </a:xfrm>
+          <a:prstGeom prst="rect">
+            <a:avLst/>
+          </a:prstGeom>
+          <a:ln>
+            <a:solidFill>
+              <a:schemeClr val="tx1"/>
+            </a:solidFill>
+          </a:ln>
+        </p:spPr>
+        <p:txBody>
+          <a:bodyPr wrap="square" rtlCol="0" anchor="ctr">
+            <a:spAutoFit/>
+          </a:bodyPr>
+          <a:lstStyle/>
+          <a:p>
+            <a:pPr algn="ctr"/>
+            <a:r>
+              <a:rPr kumimoji="1" lang="en-US" altLang="ja-JP" dirty="0"/>
+              <a:t>HEAD</a:t>
+            </a:r>
+            <a:endParaRPr kumimoji="1" lang="ja-JP" altLang="en-US" dirty="0"/>
+          </a:p>
+        </p:txBody>
+      </p:sp>
+      <p:cxnSp>
+        <p:nvCxnSpPr>
+          <p:cNvPr id="42" name="直線矢印コネクタ 41">
+            <a:extLst>
+              <a:ext uri="{FF2B5EF4-FFF2-40B4-BE49-F238E27FC236}">
+                <a16:creationId xmlns:a16="http://schemas.microsoft.com/office/drawing/2014/main" id="{E80303E1-6140-4E72-BEAF-EA7BD6C29F8A}"/>
+              </a:ext>
+            </a:extLst>
+          </p:cNvPr>
+          <p:cNvCxnSpPr>
+            <a:cxnSpLocks/>
+            <a:stCxn id="41" idx="2"/>
+            <a:endCxn id="38" idx="3"/>
+          </p:cNvCxnSpPr>
+          <p:nvPr/>
+        </p:nvCxnSpPr>
+        <p:spPr>
+          <a:xfrm>
+            <a:off x="4535447" y="1723057"/>
+            <a:ext cx="802" cy="375717"/>
+          </a:xfrm>
+          <a:prstGeom prst="straightConnector1">
+            <a:avLst/>
+          </a:prstGeom>
+          <a:ln w="9525">
+            <a:solidFill>
+              <a:schemeClr val="tx1"/>
+            </a:solidFill>
+            <a:headEnd type="none"/>
+            <a:tailEnd type="triangle"/>
+          </a:ln>
+          <a:effectLst/>
+        </p:spPr>
+        <p:style>
+          <a:lnRef idx="2">
+            <a:schemeClr val="accent1"/>
+          </a:lnRef>
+          <a:fillRef idx="0">
+            <a:schemeClr val="accent1"/>
+          </a:fillRef>
+          <a:effectRef idx="1">
+            <a:schemeClr val="accent1"/>
+          </a:effectRef>
+          <a:fontRef idx="minor">
+            <a:schemeClr val="tx1"/>
+          </a:fontRef>
+        </p:style>
+      </p:cxnSp>
+      <p:sp>
+        <p:nvSpPr>
+          <p:cNvPr id="43" name="テキスト ボックス 42">
+            <a:extLst>
+              <a:ext uri="{FF2B5EF4-FFF2-40B4-BE49-F238E27FC236}">
+                <a16:creationId xmlns:a16="http://schemas.microsoft.com/office/drawing/2014/main" id="{1A15C910-0B6E-4E62-BB83-B604AF131F6B}"/>
+              </a:ext>
+            </a:extLst>
+          </p:cNvPr>
+          <p:cNvSpPr txBox="1"/>
+          <p:nvPr/>
+        </p:nvSpPr>
+        <p:spPr>
+          <a:xfrm>
+            <a:off x="1956737" y="2380057"/>
+            <a:ext cx="437940" cy="369332"/>
+          </a:xfrm>
+          <a:prstGeom prst="rect">
+            <a:avLst/>
+          </a:prstGeom>
+          <a:noFill/>
+        </p:spPr>
+        <p:txBody>
+          <a:bodyPr wrap="none" rtlCol="0">
+            <a:spAutoFit/>
+          </a:bodyPr>
+          <a:lstStyle/>
+          <a:p>
+            <a:r>
+              <a:rPr kumimoji="1" lang="en-US" altLang="ja-JP" dirty="0">
+                <a:latin typeface="Consolas" panose="020B0609020204030204" pitchFamily="49" charset="0"/>
+              </a:rPr>
+              <a:t>c1</a:t>
+            </a:r>
+            <a:endParaRPr kumimoji="1" lang="ja-JP" altLang="en-US" dirty="0">
+              <a:latin typeface="Consolas" panose="020B0609020204030204" pitchFamily="49" charset="0"/>
+            </a:endParaRPr>
+          </a:p>
+        </p:txBody>
+      </p:sp>
+      <p:sp>
+        <p:nvSpPr>
+          <p:cNvPr id="44" name="テキスト ボックス 43">
+            <a:extLst>
+              <a:ext uri="{FF2B5EF4-FFF2-40B4-BE49-F238E27FC236}">
+                <a16:creationId xmlns:a16="http://schemas.microsoft.com/office/drawing/2014/main" id="{3E75C57E-5D54-4829-A6DE-C3B14F0B0062}"/>
+              </a:ext>
+            </a:extLst>
+          </p:cNvPr>
+          <p:cNvSpPr txBox="1"/>
+          <p:nvPr/>
+        </p:nvSpPr>
+        <p:spPr>
+          <a:xfrm>
+            <a:off x="3036857" y="2380057"/>
+            <a:ext cx="437940" cy="369332"/>
+          </a:xfrm>
+          <a:prstGeom prst="rect">
+            <a:avLst/>
+          </a:prstGeom>
+          <a:noFill/>
+        </p:spPr>
+        <p:txBody>
+          <a:bodyPr wrap="none" rtlCol="0">
+            <a:spAutoFit/>
+          </a:bodyPr>
+          <a:lstStyle/>
+          <a:p>
+            <a:r>
+              <a:rPr kumimoji="1" lang="en-US" altLang="ja-JP" dirty="0">
+                <a:latin typeface="Consolas" panose="020B0609020204030204" pitchFamily="49" charset="0"/>
+              </a:rPr>
+              <a:t>c2</a:t>
+            </a:r>
+            <a:endParaRPr kumimoji="1" lang="ja-JP" altLang="en-US" dirty="0">
+              <a:latin typeface="Consolas" panose="020B0609020204030204" pitchFamily="49" charset="0"/>
+            </a:endParaRPr>
+          </a:p>
+        </p:txBody>
+      </p:sp>
+      <p:sp>
+        <p:nvSpPr>
+          <p:cNvPr id="45" name="テキスト ボックス 44">
+            <a:extLst>
+              <a:ext uri="{FF2B5EF4-FFF2-40B4-BE49-F238E27FC236}">
+                <a16:creationId xmlns:a16="http://schemas.microsoft.com/office/drawing/2014/main" id="{F2E42E81-97CD-421A-AF9D-942BF1A9C3A5}"/>
+              </a:ext>
+            </a:extLst>
+          </p:cNvPr>
+          <p:cNvSpPr txBox="1"/>
+          <p:nvPr/>
+        </p:nvSpPr>
+        <p:spPr>
+          <a:xfrm>
+            <a:off x="4797678" y="2981817"/>
+            <a:ext cx="3922869" cy="461665"/>
+          </a:xfrm>
+          <a:prstGeom prst="rect">
+            <a:avLst/>
+          </a:prstGeom>
+          <a:solidFill>
+            <a:schemeClr val="tx1"/>
+          </a:solidFill>
+        </p:spPr>
+        <p:txBody>
+          <a:bodyPr wrap="none" rtlCol="0">
+            <a:spAutoFit/>
+          </a:bodyPr>
+          <a:lstStyle/>
+          <a:p>
+            <a:r>
+              <a:rPr lang="en-US" altLang="ja-JP" sz="2400" dirty="0">
+                <a:solidFill>
+                  <a:schemeClr val="bg1"/>
+                </a:solidFill>
+                <a:latin typeface="Consolas" panose="020B0609020204030204" pitchFamily="49" charset="0"/>
+              </a:rPr>
+              <a:t>$ git rebase -i master</a:t>
+            </a:r>
+            <a:endParaRPr kumimoji="1" lang="ja-JP" altLang="en-US" sz="2400" dirty="0">
+              <a:solidFill>
+                <a:schemeClr val="bg1"/>
+              </a:solidFill>
+              <a:latin typeface="Consolas" panose="020B0609020204030204" pitchFamily="49" charset="0"/>
+            </a:endParaRPr>
+          </a:p>
+        </p:txBody>
+      </p:sp>
+      <p:sp>
+        <p:nvSpPr>
+          <p:cNvPr id="46" name="矢印: 下 45">
+            <a:extLst>
+              <a:ext uri="{FF2B5EF4-FFF2-40B4-BE49-F238E27FC236}">
+                <a16:creationId xmlns:a16="http://schemas.microsoft.com/office/drawing/2014/main" id="{D380CD0D-2632-4303-A87D-14521E505316}"/>
+              </a:ext>
+            </a:extLst>
+          </p:cNvPr>
+          <p:cNvSpPr/>
+          <p:nvPr/>
+        </p:nvSpPr>
+        <p:spPr>
+          <a:xfrm>
+            <a:off x="4054261" y="3068960"/>
+            <a:ext cx="576064" cy="474352"/>
+          </a:xfrm>
+          <a:prstGeom prst="downArrow">
+            <a:avLst/>
+          </a:prstGeom>
+          <a:solidFill>
+            <a:srgbClr val="FF0000"/>
+          </a:solidFill>
+          <a:ln>
+            <a:solidFill>
+              <a:schemeClr val="tx1"/>
+            </a:solidFill>
+          </a:ln>
+        </p:spPr>
+        <p:txBody>
+          <a:bodyPr wrap="square" rtlCol="0" anchor="ctr">
+            <a:spAutoFit/>
+          </a:bodyPr>
+          <a:lstStyle/>
+          <a:p>
+            <a:pPr algn="ctr"/>
+            <a:endParaRPr kumimoji="1" lang="ja-JP" altLang="en-US" sz="2400" dirty="0"/>
+          </a:p>
+        </p:txBody>
+      </p:sp>
+      <p:sp>
+        <p:nvSpPr>
+          <p:cNvPr id="47" name="直角三角形 46">
+            <a:extLst>
+              <a:ext uri="{FF2B5EF4-FFF2-40B4-BE49-F238E27FC236}">
+                <a16:creationId xmlns:a16="http://schemas.microsoft.com/office/drawing/2014/main" id="{B1FC11D2-816E-46F8-977B-60FBED31B978}"/>
+              </a:ext>
+            </a:extLst>
+          </p:cNvPr>
+          <p:cNvSpPr/>
+          <p:nvPr/>
+        </p:nvSpPr>
+        <p:spPr>
+          <a:xfrm rot="10800000">
+            <a:off x="1952508" y="1557184"/>
+            <a:ext cx="252028" cy="252028"/>
+          </a:xfrm>
+          <a:prstGeom prst="rtTriangle">
+            <a:avLst/>
+          </a:prstGeom>
+          <a:solidFill>
+            <a:schemeClr val="accent6">
+              <a:lumMod val="60000"/>
+              <a:lumOff val="40000"/>
+            </a:schemeClr>
+          </a:solidFill>
+          <a:ln>
+            <a:noFill/>
+          </a:ln>
+        </p:spPr>
+        <p:txBody>
+          <a:bodyPr wrap="square" rtlCol="0" anchor="ctr">
+            <a:spAutoFit/>
+          </a:bodyPr>
+          <a:lstStyle/>
+          <a:p>
+            <a:pPr algn="ctr"/>
+            <a:endParaRPr kumimoji="1" lang="ja-JP" altLang="en-US" sz="2400" dirty="0"/>
+          </a:p>
+        </p:txBody>
+      </p:sp>
+      <p:sp>
+        <p:nvSpPr>
+          <p:cNvPr id="48" name="テキスト ボックス 47">
+            <a:extLst>
+              <a:ext uri="{FF2B5EF4-FFF2-40B4-BE49-F238E27FC236}">
+                <a16:creationId xmlns:a16="http://schemas.microsoft.com/office/drawing/2014/main" id="{47119C1D-606C-499D-8B58-ACB1DC24AD24}"/>
+              </a:ext>
+            </a:extLst>
+          </p:cNvPr>
+          <p:cNvSpPr txBox="1"/>
+          <p:nvPr/>
+        </p:nvSpPr>
+        <p:spPr>
+          <a:xfrm>
+            <a:off x="1636622" y="1392378"/>
+            <a:ext cx="389850" cy="584775"/>
+          </a:xfrm>
+          <a:prstGeom prst="rect">
+            <a:avLst/>
+          </a:prstGeom>
+          <a:noFill/>
+        </p:spPr>
+        <p:txBody>
+          <a:bodyPr wrap="none" rtlCol="0">
+            <a:spAutoFit/>
+          </a:bodyPr>
+          <a:lstStyle/>
+          <a:p>
+            <a:r>
+              <a:rPr kumimoji="1" lang="en-US" altLang="ja-JP" sz="3200" dirty="0"/>
+              <a:t>+</a:t>
+            </a:r>
+            <a:endParaRPr kumimoji="1" lang="ja-JP" altLang="en-US" sz="3200" dirty="0"/>
+          </a:p>
+        </p:txBody>
+      </p:sp>
+      <p:sp>
+        <p:nvSpPr>
+          <p:cNvPr id="49" name="テキスト ボックス 48">
+            <a:extLst>
+              <a:ext uri="{FF2B5EF4-FFF2-40B4-BE49-F238E27FC236}">
+                <a16:creationId xmlns:a16="http://schemas.microsoft.com/office/drawing/2014/main" id="{D3CA012D-1067-4AA4-B9BA-A136C51D9288}"/>
+              </a:ext>
+            </a:extLst>
+          </p:cNvPr>
+          <p:cNvSpPr txBox="1"/>
+          <p:nvPr/>
+        </p:nvSpPr>
+        <p:spPr>
+          <a:xfrm>
+            <a:off x="2374560" y="1689159"/>
+            <a:ext cx="389850" cy="584775"/>
+          </a:xfrm>
+          <a:prstGeom prst="rect">
+            <a:avLst/>
+          </a:prstGeom>
+          <a:noFill/>
+        </p:spPr>
+        <p:txBody>
+          <a:bodyPr wrap="none" rtlCol="0">
+            <a:spAutoFit/>
+          </a:bodyPr>
+          <a:lstStyle/>
+          <a:p>
+            <a:r>
+              <a:rPr kumimoji="1" lang="en-US" altLang="ja-JP" sz="3200" dirty="0"/>
+              <a:t>+</a:t>
+            </a:r>
+            <a:endParaRPr kumimoji="1" lang="ja-JP" altLang="en-US" sz="3200" dirty="0"/>
+          </a:p>
+        </p:txBody>
+      </p:sp>
+      <p:sp>
+        <p:nvSpPr>
+          <p:cNvPr id="50" name="正方形/長方形 49">
+            <a:extLst>
+              <a:ext uri="{FF2B5EF4-FFF2-40B4-BE49-F238E27FC236}">
+                <a16:creationId xmlns:a16="http://schemas.microsoft.com/office/drawing/2014/main" id="{F13D759C-05A4-4C13-90AF-E23FE4643C76}"/>
+              </a:ext>
+            </a:extLst>
+          </p:cNvPr>
+          <p:cNvSpPr/>
+          <p:nvPr/>
+        </p:nvSpPr>
+        <p:spPr>
+          <a:xfrm>
+            <a:off x="2720565" y="1921571"/>
+            <a:ext cx="252028" cy="126014"/>
+          </a:xfrm>
+          <a:prstGeom prst="rect">
+            <a:avLst/>
+          </a:prstGeom>
+          <a:solidFill>
+            <a:schemeClr val="accent6">
+              <a:lumMod val="60000"/>
+              <a:lumOff val="40000"/>
+            </a:schemeClr>
+          </a:solidFill>
+          <a:ln>
+            <a:noFill/>
+          </a:ln>
+        </p:spPr>
+        <p:txBody>
+          <a:bodyPr wrap="square" rtlCol="0" anchor="ctr">
+            <a:spAutoFit/>
+          </a:bodyPr>
+          <a:lstStyle/>
+          <a:p>
+            <a:pPr algn="ctr"/>
+            <a:endParaRPr kumimoji="1" lang="ja-JP" altLang="en-US" sz="2400" dirty="0"/>
+          </a:p>
+        </p:txBody>
+      </p:sp>
+      <p:sp>
+        <p:nvSpPr>
+          <p:cNvPr id="51" name="四角形: 角を丸くする 50">
+            <a:extLst>
+              <a:ext uri="{FF2B5EF4-FFF2-40B4-BE49-F238E27FC236}">
+                <a16:creationId xmlns:a16="http://schemas.microsoft.com/office/drawing/2014/main" id="{2F40F6B1-4D56-457A-B138-7C0919BB3A04}"/>
+              </a:ext>
+            </a:extLst>
+          </p:cNvPr>
+          <p:cNvSpPr/>
+          <p:nvPr/>
+        </p:nvSpPr>
+        <p:spPr>
+          <a:xfrm>
+            <a:off x="1692951" y="1376698"/>
+            <a:ext cx="657218" cy="476164"/>
+          </a:xfrm>
+          <a:prstGeom prst="roundRect">
+            <a:avLst/>
+          </a:prstGeom>
+          <a:ln>
+            <a:solidFill>
+              <a:schemeClr val="tx1"/>
+            </a:solidFill>
+            <a:prstDash val="dash"/>
+          </a:ln>
+        </p:spPr>
+        <p:txBody>
+          <a:bodyPr wrap="square" rtlCol="0" anchor="ctr">
+            <a:spAutoFit/>
+          </a:bodyPr>
+          <a:lstStyle/>
+          <a:p>
+            <a:pPr algn="ctr"/>
+            <a:endParaRPr kumimoji="1" lang="ja-JP" altLang="en-US" sz="2400" dirty="0"/>
+          </a:p>
+        </p:txBody>
+      </p:sp>
+      <p:sp>
+        <p:nvSpPr>
+          <p:cNvPr id="52" name="四角形: 角を丸くする 51">
+            <a:extLst>
+              <a:ext uri="{FF2B5EF4-FFF2-40B4-BE49-F238E27FC236}">
+                <a16:creationId xmlns:a16="http://schemas.microsoft.com/office/drawing/2014/main" id="{3AF8B303-F42F-427F-AA8E-5363A5A6C98E}"/>
+              </a:ext>
+            </a:extLst>
+          </p:cNvPr>
+          <p:cNvSpPr/>
+          <p:nvPr/>
+        </p:nvSpPr>
+        <p:spPr>
+          <a:xfrm>
+            <a:off x="2438909" y="1737645"/>
+            <a:ext cx="657218" cy="476164"/>
+          </a:xfrm>
+          <a:prstGeom prst="roundRect">
+            <a:avLst/>
+          </a:prstGeom>
+          <a:ln>
+            <a:solidFill>
+              <a:schemeClr val="tx1"/>
+            </a:solidFill>
+            <a:prstDash val="dash"/>
+          </a:ln>
+        </p:spPr>
+        <p:txBody>
+          <a:bodyPr wrap="square" rtlCol="0" anchor="ctr">
+            <a:spAutoFit/>
+          </a:bodyPr>
+          <a:lstStyle/>
+          <a:p>
+            <a:pPr algn="ctr"/>
+            <a:endParaRPr kumimoji="1" lang="ja-JP" altLang="en-US" sz="2400" dirty="0"/>
+          </a:p>
+        </p:txBody>
+      </p:sp>
+      <p:sp>
+        <p:nvSpPr>
+          <p:cNvPr id="53" name="テキスト ボックス 52">
+            <a:extLst>
+              <a:ext uri="{FF2B5EF4-FFF2-40B4-BE49-F238E27FC236}">
+                <a16:creationId xmlns:a16="http://schemas.microsoft.com/office/drawing/2014/main" id="{E8812A08-3316-4C7D-B116-D379B1C5D15E}"/>
+              </a:ext>
+            </a:extLst>
+          </p:cNvPr>
+          <p:cNvSpPr txBox="1"/>
+          <p:nvPr/>
+        </p:nvSpPr>
+        <p:spPr>
+          <a:xfrm>
+            <a:off x="593557" y="3994484"/>
+            <a:ext cx="2563522" cy="461665"/>
+          </a:xfrm>
+          <a:prstGeom prst="rect">
+            <a:avLst/>
+          </a:prstGeom>
+          <a:noFill/>
+        </p:spPr>
+        <p:txBody>
+          <a:bodyPr wrap="none" rtlCol="0">
+            <a:spAutoFit/>
+          </a:bodyPr>
+          <a:lstStyle/>
+          <a:p>
+            <a:r>
+              <a:rPr kumimoji="1" lang="en-US" altLang="ja-JP" sz="2400" dirty="0">
+                <a:latin typeface="Consolas" panose="020B0609020204030204" pitchFamily="49" charset="0"/>
+              </a:rPr>
+              <a:t>pick     c1   </a:t>
+            </a:r>
+            <a:endParaRPr kumimoji="1" lang="ja-JP" altLang="en-US" sz="2400" dirty="0">
+              <a:latin typeface="Consolas" panose="020B0609020204030204" pitchFamily="49" charset="0"/>
+            </a:endParaRPr>
+          </a:p>
+        </p:txBody>
+      </p:sp>
+      <p:sp>
+        <p:nvSpPr>
+          <p:cNvPr id="54" name="テキスト ボックス 53">
+            <a:extLst>
+              <a:ext uri="{FF2B5EF4-FFF2-40B4-BE49-F238E27FC236}">
+                <a16:creationId xmlns:a16="http://schemas.microsoft.com/office/drawing/2014/main" id="{A628B827-B77D-4C44-9DB3-7D1EFB502C1F}"/>
+              </a:ext>
+            </a:extLst>
+          </p:cNvPr>
+          <p:cNvSpPr txBox="1"/>
+          <p:nvPr/>
+        </p:nvSpPr>
+        <p:spPr>
+          <a:xfrm>
+            <a:off x="593557" y="4604084"/>
+            <a:ext cx="2563522" cy="461665"/>
+          </a:xfrm>
+          <a:prstGeom prst="rect">
+            <a:avLst/>
+          </a:prstGeom>
+          <a:noFill/>
+        </p:spPr>
+        <p:txBody>
+          <a:bodyPr wrap="none" rtlCol="0">
+            <a:spAutoFit/>
+          </a:bodyPr>
+          <a:lstStyle/>
+          <a:p>
+            <a:r>
+              <a:rPr kumimoji="1" lang="en-US" altLang="ja-JP" sz="2400" dirty="0">
+                <a:latin typeface="Consolas" panose="020B0609020204030204" pitchFamily="49" charset="0"/>
+              </a:rPr>
+              <a:t>pick     c2   </a:t>
+            </a:r>
+            <a:endParaRPr kumimoji="1" lang="ja-JP" altLang="en-US" sz="2400" dirty="0">
+              <a:latin typeface="Consolas" panose="020B0609020204030204" pitchFamily="49" charset="0"/>
+            </a:endParaRPr>
+          </a:p>
+        </p:txBody>
+      </p:sp>
+      <p:sp>
+        <p:nvSpPr>
+          <p:cNvPr id="55" name="直角三角形 54">
+            <a:extLst>
+              <a:ext uri="{FF2B5EF4-FFF2-40B4-BE49-F238E27FC236}">
+                <a16:creationId xmlns:a16="http://schemas.microsoft.com/office/drawing/2014/main" id="{1626CC85-5E60-438C-8C06-B6C058382A82}"/>
+              </a:ext>
+            </a:extLst>
+          </p:cNvPr>
+          <p:cNvSpPr/>
+          <p:nvPr/>
+        </p:nvSpPr>
+        <p:spPr>
+          <a:xfrm rot="10800000">
+            <a:off x="3596824" y="4099857"/>
+            <a:ext cx="252028" cy="252028"/>
+          </a:xfrm>
+          <a:prstGeom prst="rtTriangle">
+            <a:avLst/>
+          </a:prstGeom>
+          <a:solidFill>
+            <a:schemeClr val="accent6">
+              <a:lumMod val="60000"/>
+              <a:lumOff val="40000"/>
+            </a:schemeClr>
+          </a:solidFill>
+          <a:ln>
+            <a:noFill/>
+          </a:ln>
+        </p:spPr>
+        <p:txBody>
+          <a:bodyPr wrap="square" rtlCol="0" anchor="ctr">
+            <a:spAutoFit/>
+          </a:bodyPr>
+          <a:lstStyle/>
+          <a:p>
+            <a:pPr algn="ctr"/>
+            <a:endParaRPr kumimoji="1" lang="ja-JP" altLang="en-US" sz="2400" dirty="0"/>
+          </a:p>
+        </p:txBody>
+      </p:sp>
+      <p:sp>
+        <p:nvSpPr>
+          <p:cNvPr id="56" name="テキスト ボックス 55">
+            <a:extLst>
+              <a:ext uri="{FF2B5EF4-FFF2-40B4-BE49-F238E27FC236}">
+                <a16:creationId xmlns:a16="http://schemas.microsoft.com/office/drawing/2014/main" id="{D8EF3CD8-BB0F-4805-816B-0FC7C4C103D8}"/>
+              </a:ext>
+            </a:extLst>
+          </p:cNvPr>
+          <p:cNvSpPr txBox="1"/>
+          <p:nvPr/>
+        </p:nvSpPr>
+        <p:spPr>
+          <a:xfrm>
+            <a:off x="3224791" y="3935051"/>
+            <a:ext cx="389850" cy="584775"/>
+          </a:xfrm>
+          <a:prstGeom prst="rect">
+            <a:avLst/>
+          </a:prstGeom>
+          <a:noFill/>
+        </p:spPr>
+        <p:txBody>
+          <a:bodyPr wrap="none" rtlCol="0">
+            <a:spAutoFit/>
+          </a:bodyPr>
+          <a:lstStyle/>
+          <a:p>
+            <a:r>
+              <a:rPr kumimoji="1" lang="en-US" altLang="ja-JP" sz="3200" dirty="0"/>
+              <a:t>+</a:t>
+            </a:r>
+            <a:endParaRPr kumimoji="1" lang="ja-JP" altLang="en-US" sz="3200" dirty="0"/>
+          </a:p>
+        </p:txBody>
+      </p:sp>
+      <p:sp>
+        <p:nvSpPr>
+          <p:cNvPr id="57" name="テキスト ボックス 56">
+            <a:extLst>
+              <a:ext uri="{FF2B5EF4-FFF2-40B4-BE49-F238E27FC236}">
+                <a16:creationId xmlns:a16="http://schemas.microsoft.com/office/drawing/2014/main" id="{06FC2E89-A517-4570-B1C5-1E4A4077DD68}"/>
+              </a:ext>
+            </a:extLst>
+          </p:cNvPr>
+          <p:cNvSpPr txBox="1"/>
+          <p:nvPr/>
+        </p:nvSpPr>
+        <p:spPr>
+          <a:xfrm>
+            <a:off x="3216771" y="4576737"/>
+            <a:ext cx="389850" cy="584775"/>
+          </a:xfrm>
+          <a:prstGeom prst="rect">
+            <a:avLst/>
+          </a:prstGeom>
+          <a:noFill/>
+        </p:spPr>
+        <p:txBody>
+          <a:bodyPr wrap="none" rtlCol="0">
+            <a:spAutoFit/>
+          </a:bodyPr>
+          <a:lstStyle/>
+          <a:p>
+            <a:r>
+              <a:rPr kumimoji="1" lang="en-US" altLang="ja-JP" sz="3200" dirty="0"/>
+              <a:t>+</a:t>
+            </a:r>
+            <a:endParaRPr kumimoji="1" lang="ja-JP" altLang="en-US" sz="3200" dirty="0"/>
+          </a:p>
+        </p:txBody>
+      </p:sp>
+      <p:sp>
+        <p:nvSpPr>
+          <p:cNvPr id="58" name="正方形/長方形 57">
+            <a:extLst>
+              <a:ext uri="{FF2B5EF4-FFF2-40B4-BE49-F238E27FC236}">
+                <a16:creationId xmlns:a16="http://schemas.microsoft.com/office/drawing/2014/main" id="{A95C49BC-D583-4FB3-B762-D40B78759978}"/>
+              </a:ext>
+            </a:extLst>
+          </p:cNvPr>
+          <p:cNvSpPr/>
+          <p:nvPr/>
+        </p:nvSpPr>
+        <p:spPr>
+          <a:xfrm>
+            <a:off x="3618923" y="4809149"/>
+            <a:ext cx="252028" cy="126014"/>
+          </a:xfrm>
+          <a:prstGeom prst="rect">
+            <a:avLst/>
+          </a:prstGeom>
+          <a:solidFill>
+            <a:schemeClr val="accent6">
+              <a:lumMod val="60000"/>
+              <a:lumOff val="40000"/>
+            </a:schemeClr>
+          </a:solidFill>
+          <a:ln>
+            <a:noFill/>
+          </a:ln>
+        </p:spPr>
+        <p:txBody>
+          <a:bodyPr wrap="square" rtlCol="0" anchor="ctr">
+            <a:spAutoFit/>
+          </a:bodyPr>
+          <a:lstStyle/>
+          <a:p>
+            <a:pPr algn="ctr"/>
+            <a:endParaRPr kumimoji="1" lang="ja-JP" altLang="en-US" sz="2400" dirty="0"/>
+          </a:p>
+        </p:txBody>
+      </p:sp>
+      <p:sp>
+        <p:nvSpPr>
+          <p:cNvPr id="59" name="四角形: 角を丸くする 58">
+            <a:extLst>
+              <a:ext uri="{FF2B5EF4-FFF2-40B4-BE49-F238E27FC236}">
+                <a16:creationId xmlns:a16="http://schemas.microsoft.com/office/drawing/2014/main" id="{4987FCD3-7DDB-4705-A9DC-57C43C2D8ED5}"/>
+              </a:ext>
+            </a:extLst>
+          </p:cNvPr>
+          <p:cNvSpPr/>
+          <p:nvPr/>
+        </p:nvSpPr>
+        <p:spPr>
+          <a:xfrm>
+            <a:off x="545940" y="3871244"/>
+            <a:ext cx="3625008" cy="1358481"/>
+          </a:xfrm>
+          <a:prstGeom prst="roundRect">
+            <a:avLst/>
+          </a:prstGeom>
+          <a:ln>
+            <a:solidFill>
+              <a:schemeClr val="tx1"/>
+            </a:solidFill>
+            <a:prstDash val="dash"/>
+          </a:ln>
+        </p:spPr>
+        <p:txBody>
+          <a:bodyPr wrap="square" rtlCol="0" anchor="ctr">
+            <a:spAutoFit/>
+          </a:bodyPr>
+          <a:lstStyle/>
+          <a:p>
+            <a:pPr algn="ctr"/>
+            <a:endParaRPr kumimoji="1" lang="ja-JP" altLang="en-US" sz="2400" dirty="0"/>
+          </a:p>
+        </p:txBody>
+      </p:sp>
+      <p:sp>
+        <p:nvSpPr>
+          <p:cNvPr id="60" name="テキスト ボックス 59">
+            <a:extLst>
+              <a:ext uri="{FF2B5EF4-FFF2-40B4-BE49-F238E27FC236}">
+                <a16:creationId xmlns:a16="http://schemas.microsoft.com/office/drawing/2014/main" id="{56A58CC7-2CA9-4EC7-9751-001428390780}"/>
+              </a:ext>
+            </a:extLst>
+          </p:cNvPr>
+          <p:cNvSpPr txBox="1"/>
+          <p:nvPr/>
+        </p:nvSpPr>
+        <p:spPr>
+          <a:xfrm>
+            <a:off x="601578" y="5494421"/>
+            <a:ext cx="2563522" cy="461665"/>
+          </a:xfrm>
+          <a:prstGeom prst="rect">
+            <a:avLst/>
+          </a:prstGeom>
+          <a:noFill/>
+        </p:spPr>
+        <p:txBody>
+          <a:bodyPr wrap="none" rtlCol="0">
+            <a:spAutoFit/>
+          </a:bodyPr>
+          <a:lstStyle/>
+          <a:p>
+            <a:r>
+              <a:rPr kumimoji="1" lang="en-US" altLang="ja-JP" sz="2400" dirty="0">
+                <a:latin typeface="Consolas" panose="020B0609020204030204" pitchFamily="49" charset="0"/>
+              </a:rPr>
+              <a:t>pick     c1   </a:t>
+            </a:r>
+            <a:endParaRPr kumimoji="1" lang="ja-JP" altLang="en-US" sz="2400" dirty="0">
+              <a:latin typeface="Consolas" panose="020B0609020204030204" pitchFamily="49" charset="0"/>
+            </a:endParaRPr>
+          </a:p>
+        </p:txBody>
+      </p:sp>
+      <p:sp>
+        <p:nvSpPr>
+          <p:cNvPr id="61" name="テキスト ボックス 60">
+            <a:extLst>
+              <a:ext uri="{FF2B5EF4-FFF2-40B4-BE49-F238E27FC236}">
+                <a16:creationId xmlns:a16="http://schemas.microsoft.com/office/drawing/2014/main" id="{C2C7F880-E233-4240-B9B8-86D39EAA70EC}"/>
+              </a:ext>
+            </a:extLst>
+          </p:cNvPr>
+          <p:cNvSpPr txBox="1"/>
+          <p:nvPr/>
+        </p:nvSpPr>
+        <p:spPr>
+          <a:xfrm>
+            <a:off x="601578" y="6104021"/>
+            <a:ext cx="2563522" cy="461665"/>
+          </a:xfrm>
+          <a:prstGeom prst="rect">
+            <a:avLst/>
+          </a:prstGeom>
+          <a:noFill/>
+        </p:spPr>
+        <p:txBody>
+          <a:bodyPr wrap="none" rtlCol="0">
+            <a:spAutoFit/>
+          </a:bodyPr>
+          <a:lstStyle/>
+          <a:p>
+            <a:r>
+              <a:rPr kumimoji="1" lang="en-US" altLang="ja-JP" sz="2400" dirty="0">
+                <a:latin typeface="Consolas" panose="020B0609020204030204" pitchFamily="49" charset="0"/>
+              </a:rPr>
+              <a:t>squash   c2   </a:t>
+            </a:r>
+            <a:endParaRPr kumimoji="1" lang="ja-JP" altLang="en-US" sz="2400" dirty="0">
+              <a:latin typeface="Consolas" panose="020B0609020204030204" pitchFamily="49" charset="0"/>
+            </a:endParaRPr>
+          </a:p>
+        </p:txBody>
+      </p:sp>
+      <p:sp>
+        <p:nvSpPr>
+          <p:cNvPr id="62" name="直角三角形 61">
+            <a:extLst>
+              <a:ext uri="{FF2B5EF4-FFF2-40B4-BE49-F238E27FC236}">
+                <a16:creationId xmlns:a16="http://schemas.microsoft.com/office/drawing/2014/main" id="{F026055E-EE74-4F49-A41D-1A312CF87DD1}"/>
+              </a:ext>
+            </a:extLst>
+          </p:cNvPr>
+          <p:cNvSpPr/>
+          <p:nvPr/>
+        </p:nvSpPr>
+        <p:spPr>
+          <a:xfrm rot="10800000">
+            <a:off x="3604845" y="5599794"/>
+            <a:ext cx="252028" cy="252028"/>
+          </a:xfrm>
+          <a:prstGeom prst="rtTriangle">
+            <a:avLst/>
+          </a:prstGeom>
+          <a:solidFill>
+            <a:schemeClr val="accent6">
+              <a:lumMod val="60000"/>
+              <a:lumOff val="40000"/>
+            </a:schemeClr>
+          </a:solidFill>
+          <a:ln>
+            <a:noFill/>
+          </a:ln>
+        </p:spPr>
+        <p:txBody>
+          <a:bodyPr wrap="square" rtlCol="0" anchor="ctr">
+            <a:spAutoFit/>
+          </a:bodyPr>
+          <a:lstStyle/>
+          <a:p>
+            <a:pPr algn="ctr"/>
+            <a:endParaRPr kumimoji="1" lang="ja-JP" altLang="en-US" sz="2400" dirty="0"/>
+          </a:p>
+        </p:txBody>
+      </p:sp>
+      <p:sp>
+        <p:nvSpPr>
+          <p:cNvPr id="63" name="テキスト ボックス 62">
+            <a:extLst>
+              <a:ext uri="{FF2B5EF4-FFF2-40B4-BE49-F238E27FC236}">
+                <a16:creationId xmlns:a16="http://schemas.microsoft.com/office/drawing/2014/main" id="{C0B12766-8DD1-42BF-83C9-B84E95744F78}"/>
+              </a:ext>
+            </a:extLst>
+          </p:cNvPr>
+          <p:cNvSpPr txBox="1"/>
+          <p:nvPr/>
+        </p:nvSpPr>
+        <p:spPr>
+          <a:xfrm>
+            <a:off x="3232812" y="5434988"/>
+            <a:ext cx="389850" cy="584775"/>
+          </a:xfrm>
+          <a:prstGeom prst="rect">
+            <a:avLst/>
+          </a:prstGeom>
+          <a:noFill/>
+        </p:spPr>
+        <p:txBody>
+          <a:bodyPr wrap="none" rtlCol="0">
+            <a:spAutoFit/>
+          </a:bodyPr>
+          <a:lstStyle/>
+          <a:p>
+            <a:r>
+              <a:rPr kumimoji="1" lang="en-US" altLang="ja-JP" sz="3200" dirty="0"/>
+              <a:t>+</a:t>
+            </a:r>
+            <a:endParaRPr kumimoji="1" lang="ja-JP" altLang="en-US" sz="3200" dirty="0"/>
+          </a:p>
+        </p:txBody>
+      </p:sp>
+      <p:sp>
+        <p:nvSpPr>
+          <p:cNvPr id="64" name="テキスト ボックス 63">
+            <a:extLst>
+              <a:ext uri="{FF2B5EF4-FFF2-40B4-BE49-F238E27FC236}">
+                <a16:creationId xmlns:a16="http://schemas.microsoft.com/office/drawing/2014/main" id="{909FE8A9-308A-4022-9354-AA5238C8F537}"/>
+              </a:ext>
+            </a:extLst>
+          </p:cNvPr>
+          <p:cNvSpPr txBox="1"/>
+          <p:nvPr/>
+        </p:nvSpPr>
+        <p:spPr>
+          <a:xfrm>
+            <a:off x="3224792" y="6076674"/>
+            <a:ext cx="389850" cy="584775"/>
+          </a:xfrm>
+          <a:prstGeom prst="rect">
+            <a:avLst/>
+          </a:prstGeom>
+          <a:noFill/>
+        </p:spPr>
+        <p:txBody>
+          <a:bodyPr wrap="none" rtlCol="0">
+            <a:spAutoFit/>
+          </a:bodyPr>
+          <a:lstStyle/>
+          <a:p>
+            <a:r>
+              <a:rPr kumimoji="1" lang="en-US" altLang="ja-JP" sz="3200" dirty="0"/>
+              <a:t>+</a:t>
+            </a:r>
+            <a:endParaRPr kumimoji="1" lang="ja-JP" altLang="en-US" sz="3200" dirty="0"/>
+          </a:p>
+        </p:txBody>
+      </p:sp>
+      <p:sp>
+        <p:nvSpPr>
+          <p:cNvPr id="65" name="正方形/長方形 64">
+            <a:extLst>
+              <a:ext uri="{FF2B5EF4-FFF2-40B4-BE49-F238E27FC236}">
+                <a16:creationId xmlns:a16="http://schemas.microsoft.com/office/drawing/2014/main" id="{E659F362-18BE-49B1-AD82-CD552BA31070}"/>
+              </a:ext>
+            </a:extLst>
+          </p:cNvPr>
+          <p:cNvSpPr/>
+          <p:nvPr/>
+        </p:nvSpPr>
+        <p:spPr>
+          <a:xfrm>
+            <a:off x="3626944" y="6309086"/>
+            <a:ext cx="252028" cy="126014"/>
+          </a:xfrm>
+          <a:prstGeom prst="rect">
+            <a:avLst/>
+          </a:prstGeom>
+          <a:solidFill>
+            <a:schemeClr val="accent6">
+              <a:lumMod val="60000"/>
+              <a:lumOff val="40000"/>
+            </a:schemeClr>
+          </a:solidFill>
+          <a:ln>
+            <a:noFill/>
+          </a:ln>
+        </p:spPr>
+        <p:txBody>
+          <a:bodyPr wrap="square" rtlCol="0" anchor="ctr">
+            <a:spAutoFit/>
+          </a:bodyPr>
+          <a:lstStyle/>
+          <a:p>
+            <a:pPr algn="ctr"/>
+            <a:endParaRPr kumimoji="1" lang="ja-JP" altLang="en-US" sz="2400" dirty="0"/>
+          </a:p>
+        </p:txBody>
+      </p:sp>
+      <p:sp>
+        <p:nvSpPr>
+          <p:cNvPr id="66" name="四角形: 角を丸くする 65">
+            <a:extLst>
+              <a:ext uri="{FF2B5EF4-FFF2-40B4-BE49-F238E27FC236}">
+                <a16:creationId xmlns:a16="http://schemas.microsoft.com/office/drawing/2014/main" id="{935C1F0B-C08F-45F7-9497-87B938DF1AC4}"/>
+              </a:ext>
+            </a:extLst>
+          </p:cNvPr>
+          <p:cNvSpPr/>
+          <p:nvPr/>
+        </p:nvSpPr>
+        <p:spPr>
+          <a:xfrm>
+            <a:off x="553961" y="5371181"/>
+            <a:ext cx="3625008" cy="1358481"/>
+          </a:xfrm>
+          <a:prstGeom prst="roundRect">
+            <a:avLst/>
+          </a:prstGeom>
+          <a:ln>
+            <a:solidFill>
+              <a:schemeClr val="tx1"/>
+            </a:solidFill>
+            <a:prstDash val="dash"/>
+          </a:ln>
+        </p:spPr>
+        <p:txBody>
+          <a:bodyPr wrap="square" rtlCol="0" anchor="ctr">
+            <a:spAutoFit/>
+          </a:bodyPr>
+          <a:lstStyle/>
+          <a:p>
+            <a:pPr algn="ctr"/>
+            <a:endParaRPr kumimoji="1" lang="ja-JP" altLang="en-US" sz="2400" dirty="0"/>
+          </a:p>
+        </p:txBody>
+      </p:sp>
+      <p:sp>
+        <p:nvSpPr>
+          <p:cNvPr id="67" name="楕円 4">
+            <a:extLst>
+              <a:ext uri="{FF2B5EF4-FFF2-40B4-BE49-F238E27FC236}">
+                <a16:creationId xmlns:a16="http://schemas.microsoft.com/office/drawing/2014/main" id="{4C453660-12D4-45FA-A5C9-1B1AAA663A0C}"/>
+              </a:ext>
+            </a:extLst>
+          </p:cNvPr>
+          <p:cNvSpPr/>
+          <p:nvPr/>
+        </p:nvSpPr>
+        <p:spPr>
+          <a:xfrm>
+            <a:off x="5975103" y="4361802"/>
+            <a:ext cx="288032" cy="288032"/>
+          </a:xfrm>
+          <a:prstGeom prst="ellipse">
+            <a:avLst/>
+          </a:prstGeom>
+          <a:solidFill>
+            <a:srgbClr val="FFC000"/>
+          </a:solidFill>
+          <a:ln>
+            <a:solidFill>
+              <a:schemeClr val="tx1"/>
+            </a:solidFill>
+          </a:ln>
+        </p:spPr>
+        <p:style>
+          <a:lnRef idx="2">
+            <a:schemeClr val="accent1">
+              <a:shade val="50000"/>
+            </a:schemeClr>
+          </a:lnRef>
+          <a:fillRef idx="1">
+            <a:schemeClr val="accent1"/>
+          </a:fillRef>
+          <a:effectRef idx="0">
+            <a:schemeClr val="accent1"/>
+          </a:effectRef>
+          <a:fontRef idx="minor">
+            <a:schemeClr val="lt1"/>
+          </a:fontRef>
+        </p:style>
+        <p:txBody>
+          <a:bodyPr rtlCol="0" anchor="ctr"/>
+          <a:lstStyle/>
+          <a:p>
+            <a:pPr algn="ctr"/>
+            <a:endParaRPr kumimoji="1" lang="ja-JP" altLang="en-US"/>
+          </a:p>
+        </p:txBody>
+      </p:sp>
+      <p:sp>
+        <p:nvSpPr>
+          <p:cNvPr id="68" name="楕円 4">
+            <a:extLst>
+              <a:ext uri="{FF2B5EF4-FFF2-40B4-BE49-F238E27FC236}">
+                <a16:creationId xmlns:a16="http://schemas.microsoft.com/office/drawing/2014/main" id="{2F159DA9-B45E-42C1-8AD3-A00C4B905B2F}"/>
+              </a:ext>
+            </a:extLst>
+          </p:cNvPr>
+          <p:cNvSpPr/>
+          <p:nvPr/>
+        </p:nvSpPr>
+        <p:spPr>
+          <a:xfrm>
+            <a:off x="7055223" y="4361802"/>
+            <a:ext cx="288032" cy="288032"/>
+          </a:xfrm>
+          <a:prstGeom prst="ellipse">
+            <a:avLst/>
+          </a:prstGeom>
+          <a:solidFill>
+            <a:srgbClr val="FFC000"/>
+          </a:solidFill>
+          <a:ln>
+            <a:solidFill>
+              <a:schemeClr val="tx1"/>
+            </a:solidFill>
+          </a:ln>
+        </p:spPr>
+        <p:style>
+          <a:lnRef idx="2">
+            <a:schemeClr val="accent1">
+              <a:shade val="50000"/>
+            </a:schemeClr>
+          </a:lnRef>
+          <a:fillRef idx="1">
+            <a:schemeClr val="accent1"/>
+          </a:fillRef>
+          <a:effectRef idx="0">
+            <a:schemeClr val="accent1"/>
+          </a:effectRef>
+          <a:fontRef idx="minor">
+            <a:schemeClr val="lt1"/>
+          </a:fontRef>
+        </p:style>
+        <p:txBody>
+          <a:bodyPr rtlCol="0" anchor="ctr"/>
+          <a:lstStyle/>
+          <a:p>
+            <a:pPr algn="ctr"/>
+            <a:endParaRPr kumimoji="1" lang="ja-JP" altLang="en-US"/>
+          </a:p>
+        </p:txBody>
+      </p:sp>
+      <p:cxnSp>
+        <p:nvCxnSpPr>
+          <p:cNvPr id="69" name="直線コネクタ 68">
+            <a:extLst>
+              <a:ext uri="{FF2B5EF4-FFF2-40B4-BE49-F238E27FC236}">
+                <a16:creationId xmlns:a16="http://schemas.microsoft.com/office/drawing/2014/main" id="{A2C6943F-5A7C-4C54-A501-FF4B24CAF5FD}"/>
+              </a:ext>
+            </a:extLst>
+          </p:cNvPr>
+          <p:cNvCxnSpPr>
+            <a:cxnSpLocks/>
+            <a:endCxn id="67" idx="2"/>
+          </p:cNvCxnSpPr>
+          <p:nvPr/>
+        </p:nvCxnSpPr>
+        <p:spPr>
+          <a:xfrm>
+            <a:off x="5181601" y="4505818"/>
+            <a:ext cx="793502" cy="0"/>
+          </a:xfrm>
+          <a:prstGeom prst="line">
+            <a:avLst/>
+          </a:prstGeom>
+          <a:ln w="57150">
+            <a:solidFill>
+              <a:srgbClr val="00B050"/>
+            </a:solidFill>
+            <a:headEnd type="none" w="med" len="med"/>
+            <a:tailEnd type="none" w="med" len="med"/>
+          </a:ln>
+        </p:spPr>
+        <p:style>
+          <a:lnRef idx="1">
+            <a:schemeClr val="accent1"/>
+          </a:lnRef>
+          <a:fillRef idx="0">
+            <a:schemeClr val="accent1"/>
+          </a:fillRef>
+          <a:effectRef idx="0">
+            <a:schemeClr val="accent1"/>
+          </a:effectRef>
+          <a:fontRef idx="minor">
+            <a:schemeClr val="tx1"/>
+          </a:fontRef>
+        </p:style>
+      </p:cxnSp>
+      <p:cxnSp>
+        <p:nvCxnSpPr>
+          <p:cNvPr id="70" name="直線コネクタ 69">
+            <a:extLst>
+              <a:ext uri="{FF2B5EF4-FFF2-40B4-BE49-F238E27FC236}">
+                <a16:creationId xmlns:a16="http://schemas.microsoft.com/office/drawing/2014/main" id="{2B507F5D-1877-4E40-A127-07C9926EF105}"/>
+              </a:ext>
+            </a:extLst>
+          </p:cNvPr>
+          <p:cNvCxnSpPr>
+            <a:cxnSpLocks/>
+            <a:stCxn id="67" idx="6"/>
+            <a:endCxn id="68" idx="2"/>
+          </p:cNvCxnSpPr>
+          <p:nvPr/>
+        </p:nvCxnSpPr>
+        <p:spPr>
+          <a:xfrm>
+            <a:off x="6263135" y="4505818"/>
+            <a:ext cx="792088" cy="0"/>
+          </a:xfrm>
+          <a:prstGeom prst="line">
+            <a:avLst/>
+          </a:prstGeom>
+          <a:ln w="57150">
+            <a:solidFill>
+              <a:srgbClr val="00B050"/>
+            </a:solidFill>
+            <a:headEnd type="none" w="med" len="med"/>
+            <a:tailEnd type="none" w="med" len="med"/>
+          </a:ln>
+        </p:spPr>
+        <p:style>
+          <a:lnRef idx="1">
+            <a:schemeClr val="accent1"/>
+          </a:lnRef>
+          <a:fillRef idx="0">
+            <a:schemeClr val="accent1"/>
+          </a:fillRef>
+          <a:effectRef idx="0">
+            <a:schemeClr val="accent1"/>
+          </a:effectRef>
+          <a:fontRef idx="minor">
+            <a:schemeClr val="tx1"/>
+          </a:fontRef>
+        </p:style>
+      </p:cxnSp>
+      <p:sp>
+        <p:nvSpPr>
+          <p:cNvPr id="71" name="テキスト ボックス 70">
+            <a:extLst>
+              <a:ext uri="{FF2B5EF4-FFF2-40B4-BE49-F238E27FC236}">
+                <a16:creationId xmlns:a16="http://schemas.microsoft.com/office/drawing/2014/main" id="{175D86C8-31FF-431D-9D24-2DECA539C7BC}"/>
+              </a:ext>
+            </a:extLst>
+          </p:cNvPr>
+          <p:cNvSpPr txBox="1"/>
+          <p:nvPr/>
+        </p:nvSpPr>
+        <p:spPr>
+          <a:xfrm>
+            <a:off x="5903095" y="4577826"/>
+            <a:ext cx="564578" cy="369332"/>
+          </a:xfrm>
+          <a:prstGeom prst="rect">
+            <a:avLst/>
+          </a:prstGeom>
+          <a:noFill/>
+        </p:spPr>
+        <p:txBody>
+          <a:bodyPr wrap="none" rtlCol="0">
+            <a:spAutoFit/>
+          </a:bodyPr>
+          <a:lstStyle/>
+          <a:p>
+            <a:r>
+              <a:rPr kumimoji="1" lang="en-US" altLang="ja-JP" dirty="0">
+                <a:latin typeface="Consolas" panose="020B0609020204030204" pitchFamily="49" charset="0"/>
+              </a:rPr>
+              <a:t>c1’</a:t>
+            </a:r>
+            <a:endParaRPr kumimoji="1" lang="ja-JP" altLang="en-US" dirty="0">
+              <a:latin typeface="Consolas" panose="020B0609020204030204" pitchFamily="49" charset="0"/>
+            </a:endParaRPr>
+          </a:p>
+        </p:txBody>
+      </p:sp>
+      <p:sp>
+        <p:nvSpPr>
+          <p:cNvPr id="72" name="テキスト ボックス 71">
+            <a:extLst>
+              <a:ext uri="{FF2B5EF4-FFF2-40B4-BE49-F238E27FC236}">
+                <a16:creationId xmlns:a16="http://schemas.microsoft.com/office/drawing/2014/main" id="{59FA70FE-B3FD-4959-AE0D-2D1A7A42EE52}"/>
+              </a:ext>
+            </a:extLst>
+          </p:cNvPr>
+          <p:cNvSpPr txBox="1"/>
+          <p:nvPr/>
+        </p:nvSpPr>
+        <p:spPr>
+          <a:xfrm>
+            <a:off x="6983215" y="4577826"/>
+            <a:ext cx="564578" cy="369332"/>
+          </a:xfrm>
+          <a:prstGeom prst="rect">
+            <a:avLst/>
+          </a:prstGeom>
+          <a:noFill/>
+        </p:spPr>
+        <p:txBody>
+          <a:bodyPr wrap="none" rtlCol="0">
+            <a:spAutoFit/>
+          </a:bodyPr>
+          <a:lstStyle/>
+          <a:p>
+            <a:r>
+              <a:rPr kumimoji="1" lang="en-US" altLang="ja-JP" dirty="0">
+                <a:latin typeface="Consolas" panose="020B0609020204030204" pitchFamily="49" charset="0"/>
+              </a:rPr>
+              <a:t>c2’</a:t>
+            </a:r>
+            <a:endParaRPr kumimoji="1" lang="ja-JP" altLang="en-US" dirty="0">
+              <a:latin typeface="Consolas" panose="020B0609020204030204" pitchFamily="49" charset="0"/>
+            </a:endParaRPr>
+          </a:p>
+        </p:txBody>
+      </p:sp>
+      <p:sp>
+        <p:nvSpPr>
+          <p:cNvPr id="81" name="直角三角形 80">
+            <a:extLst>
+              <a:ext uri="{FF2B5EF4-FFF2-40B4-BE49-F238E27FC236}">
+                <a16:creationId xmlns:a16="http://schemas.microsoft.com/office/drawing/2014/main" id="{FE243F75-4102-4642-94FA-36D19F2F2691}"/>
+              </a:ext>
+            </a:extLst>
+          </p:cNvPr>
+          <p:cNvSpPr/>
+          <p:nvPr/>
+        </p:nvSpPr>
+        <p:spPr>
+          <a:xfrm rot="10800000">
+            <a:off x="5497813" y="4075794"/>
+            <a:ext cx="252028" cy="252028"/>
+          </a:xfrm>
+          <a:prstGeom prst="rtTriangle">
+            <a:avLst/>
+          </a:prstGeom>
+          <a:solidFill>
+            <a:schemeClr val="accent6">
+              <a:lumMod val="60000"/>
+              <a:lumOff val="40000"/>
+            </a:schemeClr>
+          </a:solidFill>
+          <a:ln>
+            <a:noFill/>
+          </a:ln>
+        </p:spPr>
+        <p:txBody>
+          <a:bodyPr wrap="square" rtlCol="0" anchor="ctr">
+            <a:spAutoFit/>
+          </a:bodyPr>
+          <a:lstStyle/>
+          <a:p>
+            <a:pPr algn="ctr"/>
+            <a:endParaRPr kumimoji="1" lang="ja-JP" altLang="en-US" sz="2400" dirty="0"/>
+          </a:p>
+        </p:txBody>
+      </p:sp>
+      <p:sp>
+        <p:nvSpPr>
+          <p:cNvPr id="82" name="テキスト ボックス 81">
+            <a:extLst>
+              <a:ext uri="{FF2B5EF4-FFF2-40B4-BE49-F238E27FC236}">
+                <a16:creationId xmlns:a16="http://schemas.microsoft.com/office/drawing/2014/main" id="{E7EAC0DF-F820-4F05-9FB1-6B1D6B6FCA56}"/>
+              </a:ext>
+            </a:extLst>
+          </p:cNvPr>
+          <p:cNvSpPr txBox="1"/>
+          <p:nvPr/>
+        </p:nvSpPr>
+        <p:spPr>
+          <a:xfrm>
+            <a:off x="5181927" y="3910988"/>
+            <a:ext cx="389850" cy="584775"/>
+          </a:xfrm>
+          <a:prstGeom prst="rect">
+            <a:avLst/>
+          </a:prstGeom>
+          <a:noFill/>
+        </p:spPr>
+        <p:txBody>
+          <a:bodyPr wrap="none" rtlCol="0">
+            <a:spAutoFit/>
+          </a:bodyPr>
+          <a:lstStyle/>
+          <a:p>
+            <a:r>
+              <a:rPr kumimoji="1" lang="en-US" altLang="ja-JP" sz="3200" dirty="0"/>
+              <a:t>+</a:t>
+            </a:r>
+            <a:endParaRPr kumimoji="1" lang="ja-JP" altLang="en-US" sz="3200" dirty="0"/>
+          </a:p>
+        </p:txBody>
+      </p:sp>
+      <p:sp>
+        <p:nvSpPr>
+          <p:cNvPr id="83" name="四角形: 角を丸くする 82">
+            <a:extLst>
+              <a:ext uri="{FF2B5EF4-FFF2-40B4-BE49-F238E27FC236}">
+                <a16:creationId xmlns:a16="http://schemas.microsoft.com/office/drawing/2014/main" id="{6B71C36B-8994-4B92-8C5D-3CDBB4042E5B}"/>
+              </a:ext>
+            </a:extLst>
+          </p:cNvPr>
+          <p:cNvSpPr/>
+          <p:nvPr/>
+        </p:nvSpPr>
+        <p:spPr>
+          <a:xfrm>
+            <a:off x="5238256" y="3895308"/>
+            <a:ext cx="657218" cy="476164"/>
+          </a:xfrm>
+          <a:prstGeom prst="roundRect">
+            <a:avLst/>
+          </a:prstGeom>
+          <a:ln>
+            <a:solidFill>
+              <a:schemeClr val="tx1"/>
+            </a:solidFill>
+            <a:prstDash val="dash"/>
+          </a:ln>
+        </p:spPr>
+        <p:txBody>
+          <a:bodyPr wrap="square" rtlCol="0" anchor="ctr">
+            <a:spAutoFit/>
+          </a:bodyPr>
+          <a:lstStyle/>
+          <a:p>
+            <a:pPr algn="ctr"/>
+            <a:endParaRPr kumimoji="1" lang="ja-JP" altLang="en-US" sz="2400" dirty="0"/>
+          </a:p>
+        </p:txBody>
+      </p:sp>
+      <p:sp>
+        <p:nvSpPr>
+          <p:cNvPr id="84" name="正方形/長方形 83">
+            <a:extLst>
+              <a:ext uri="{FF2B5EF4-FFF2-40B4-BE49-F238E27FC236}">
+                <a16:creationId xmlns:a16="http://schemas.microsoft.com/office/drawing/2014/main" id="{CEBEA499-D12A-41EB-A02E-4DEA122D26D0}"/>
+              </a:ext>
+            </a:extLst>
+          </p:cNvPr>
+          <p:cNvSpPr/>
+          <p:nvPr/>
+        </p:nvSpPr>
+        <p:spPr>
+          <a:xfrm>
+            <a:off x="6674944" y="4095276"/>
+            <a:ext cx="252028" cy="126014"/>
+          </a:xfrm>
+          <a:prstGeom prst="rect">
+            <a:avLst/>
+          </a:prstGeom>
+          <a:solidFill>
+            <a:schemeClr val="accent6">
+              <a:lumMod val="60000"/>
+              <a:lumOff val="40000"/>
+            </a:schemeClr>
+          </a:solidFill>
+          <a:ln>
+            <a:noFill/>
+          </a:ln>
+        </p:spPr>
+        <p:txBody>
+          <a:bodyPr wrap="square" rtlCol="0" anchor="ctr">
+            <a:spAutoFit/>
+          </a:bodyPr>
+          <a:lstStyle/>
+          <a:p>
+            <a:pPr algn="ctr"/>
+            <a:endParaRPr kumimoji="1" lang="ja-JP" altLang="en-US" sz="2400" dirty="0"/>
+          </a:p>
+        </p:txBody>
+      </p:sp>
+      <p:sp>
+        <p:nvSpPr>
+          <p:cNvPr id="85" name="四角形: 角を丸くする 84">
+            <a:extLst>
+              <a:ext uri="{FF2B5EF4-FFF2-40B4-BE49-F238E27FC236}">
+                <a16:creationId xmlns:a16="http://schemas.microsoft.com/office/drawing/2014/main" id="{45DC3D4B-62B0-41AB-83BE-8B7A12A5F86B}"/>
+              </a:ext>
+            </a:extLst>
+          </p:cNvPr>
+          <p:cNvSpPr/>
+          <p:nvPr/>
+        </p:nvSpPr>
+        <p:spPr>
+          <a:xfrm>
+            <a:off x="6393288" y="3911350"/>
+            <a:ext cx="657218" cy="476164"/>
+          </a:xfrm>
+          <a:prstGeom prst="roundRect">
+            <a:avLst/>
+          </a:prstGeom>
+          <a:ln>
+            <a:solidFill>
+              <a:schemeClr val="tx1"/>
+            </a:solidFill>
+            <a:prstDash val="dash"/>
+          </a:ln>
+        </p:spPr>
+        <p:txBody>
+          <a:bodyPr wrap="square" rtlCol="0" anchor="ctr">
+            <a:spAutoFit/>
+          </a:bodyPr>
+          <a:lstStyle/>
+          <a:p>
+            <a:pPr algn="ctr"/>
+            <a:endParaRPr kumimoji="1" lang="ja-JP" altLang="en-US" sz="2400" dirty="0"/>
+          </a:p>
+        </p:txBody>
+      </p:sp>
+      <p:sp>
+        <p:nvSpPr>
+          <p:cNvPr id="87" name="楕円 4">
+            <a:extLst>
+              <a:ext uri="{FF2B5EF4-FFF2-40B4-BE49-F238E27FC236}">
+                <a16:creationId xmlns:a16="http://schemas.microsoft.com/office/drawing/2014/main" id="{34945AC3-F326-4F58-89C0-0F8ED4FC066A}"/>
+              </a:ext>
+            </a:extLst>
+          </p:cNvPr>
+          <p:cNvSpPr/>
+          <p:nvPr/>
+        </p:nvSpPr>
+        <p:spPr>
+          <a:xfrm>
+            <a:off x="7087308" y="6038202"/>
+            <a:ext cx="288032" cy="288032"/>
+          </a:xfrm>
+          <a:prstGeom prst="ellipse">
+            <a:avLst/>
+          </a:prstGeom>
+          <a:solidFill>
+            <a:srgbClr val="FFC000"/>
+          </a:solidFill>
+          <a:ln>
+            <a:solidFill>
+              <a:schemeClr val="tx1"/>
+            </a:solidFill>
+          </a:ln>
+        </p:spPr>
+        <p:style>
+          <a:lnRef idx="2">
+            <a:schemeClr val="accent1">
+              <a:shade val="50000"/>
+            </a:schemeClr>
+          </a:lnRef>
+          <a:fillRef idx="1">
+            <a:schemeClr val="accent1"/>
+          </a:fillRef>
+          <a:effectRef idx="0">
+            <a:schemeClr val="accent1"/>
+          </a:effectRef>
+          <a:fontRef idx="minor">
+            <a:schemeClr val="lt1"/>
+          </a:fontRef>
+        </p:style>
+        <p:txBody>
+          <a:bodyPr rtlCol="0" anchor="ctr"/>
+          <a:lstStyle/>
+          <a:p>
+            <a:pPr algn="ctr"/>
+            <a:endParaRPr kumimoji="1" lang="ja-JP" altLang="en-US"/>
+          </a:p>
+        </p:txBody>
+      </p:sp>
+      <p:cxnSp>
+        <p:nvCxnSpPr>
+          <p:cNvPr id="89" name="直線コネクタ 88">
+            <a:extLst>
+              <a:ext uri="{FF2B5EF4-FFF2-40B4-BE49-F238E27FC236}">
+                <a16:creationId xmlns:a16="http://schemas.microsoft.com/office/drawing/2014/main" id="{38E6B310-2098-4C98-AC8F-09E29E6B981D}"/>
+              </a:ext>
+            </a:extLst>
+          </p:cNvPr>
+          <p:cNvCxnSpPr>
+            <a:cxnSpLocks/>
+            <a:endCxn id="87" idx="2"/>
+          </p:cNvCxnSpPr>
+          <p:nvPr/>
+        </p:nvCxnSpPr>
+        <p:spPr>
+          <a:xfrm>
+            <a:off x="5181600" y="6182218"/>
+            <a:ext cx="1905708" cy="0"/>
+          </a:xfrm>
+          <a:prstGeom prst="line">
+            <a:avLst/>
+          </a:prstGeom>
+          <a:ln w="57150">
+            <a:solidFill>
+              <a:srgbClr val="00B050"/>
+            </a:solidFill>
+            <a:headEnd type="none" w="med" len="med"/>
+            <a:tailEnd type="none" w="med" len="med"/>
+          </a:ln>
+        </p:spPr>
+        <p:style>
+          <a:lnRef idx="1">
+            <a:schemeClr val="accent1"/>
+          </a:lnRef>
+          <a:fillRef idx="0">
+            <a:schemeClr val="accent1"/>
+          </a:fillRef>
+          <a:effectRef idx="0">
+            <a:schemeClr val="accent1"/>
+          </a:effectRef>
+          <a:fontRef idx="minor">
+            <a:schemeClr val="tx1"/>
+          </a:fontRef>
+        </p:style>
+      </p:cxnSp>
+      <p:sp>
+        <p:nvSpPr>
+          <p:cNvPr id="91" name="テキスト ボックス 90">
+            <a:extLst>
+              <a:ext uri="{FF2B5EF4-FFF2-40B4-BE49-F238E27FC236}">
+                <a16:creationId xmlns:a16="http://schemas.microsoft.com/office/drawing/2014/main" id="{523FA44B-3758-4E0C-BBD4-028134EBF661}"/>
+              </a:ext>
+            </a:extLst>
+          </p:cNvPr>
+          <p:cNvSpPr txBox="1"/>
+          <p:nvPr/>
+        </p:nvSpPr>
+        <p:spPr>
+          <a:xfrm>
+            <a:off x="7015299" y="6254226"/>
+            <a:ext cx="580637" cy="369332"/>
+          </a:xfrm>
+          <a:prstGeom prst="rect">
+            <a:avLst/>
+          </a:prstGeom>
+          <a:noFill/>
+        </p:spPr>
+        <p:txBody>
+          <a:bodyPr wrap="square" rtlCol="0">
+            <a:spAutoFit/>
+          </a:bodyPr>
+          <a:lstStyle/>
+          <a:p>
+            <a:r>
+              <a:rPr lang="en-US" altLang="ja-JP" dirty="0">
+                <a:latin typeface="Consolas" panose="020B0609020204030204" pitchFamily="49" charset="0"/>
+              </a:rPr>
+              <a:t>c1’</a:t>
+            </a:r>
+            <a:endParaRPr kumimoji="1" lang="ja-JP" altLang="en-US" dirty="0">
+              <a:latin typeface="Consolas" panose="020B0609020204030204" pitchFamily="49" charset="0"/>
+            </a:endParaRPr>
+          </a:p>
+        </p:txBody>
+      </p:sp>
+      <p:sp>
+        <p:nvSpPr>
+          <p:cNvPr id="92" name="直角三角形 91">
+            <a:extLst>
+              <a:ext uri="{FF2B5EF4-FFF2-40B4-BE49-F238E27FC236}">
+                <a16:creationId xmlns:a16="http://schemas.microsoft.com/office/drawing/2014/main" id="{279F55E0-9409-439C-B138-A78A1EB4177D}"/>
+              </a:ext>
+            </a:extLst>
+          </p:cNvPr>
+          <p:cNvSpPr/>
+          <p:nvPr/>
+        </p:nvSpPr>
+        <p:spPr>
+          <a:xfrm rot="10800000">
+            <a:off x="6219709" y="5760215"/>
+            <a:ext cx="252028" cy="252028"/>
+          </a:xfrm>
+          <a:prstGeom prst="rtTriangle">
+            <a:avLst/>
+          </a:prstGeom>
+          <a:solidFill>
+            <a:schemeClr val="accent6">
+              <a:lumMod val="60000"/>
+              <a:lumOff val="40000"/>
+            </a:schemeClr>
+          </a:solidFill>
+          <a:ln>
+            <a:noFill/>
+          </a:ln>
+        </p:spPr>
+        <p:txBody>
+          <a:bodyPr wrap="square" rtlCol="0" anchor="ctr">
+            <a:spAutoFit/>
+          </a:bodyPr>
+          <a:lstStyle/>
+          <a:p>
+            <a:pPr algn="ctr"/>
+            <a:endParaRPr kumimoji="1" lang="ja-JP" altLang="en-US" sz="2400" dirty="0"/>
+          </a:p>
+        </p:txBody>
+      </p:sp>
+      <p:sp>
+        <p:nvSpPr>
+          <p:cNvPr id="93" name="テキスト ボックス 92">
+            <a:extLst>
+              <a:ext uri="{FF2B5EF4-FFF2-40B4-BE49-F238E27FC236}">
+                <a16:creationId xmlns:a16="http://schemas.microsoft.com/office/drawing/2014/main" id="{506D210C-ACF4-4428-8331-2D920BFB87E6}"/>
+              </a:ext>
+            </a:extLst>
+          </p:cNvPr>
+          <p:cNvSpPr txBox="1"/>
+          <p:nvPr/>
+        </p:nvSpPr>
+        <p:spPr>
+          <a:xfrm>
+            <a:off x="5911843" y="5547283"/>
+            <a:ext cx="389850" cy="584775"/>
+          </a:xfrm>
+          <a:prstGeom prst="rect">
+            <a:avLst/>
+          </a:prstGeom>
+          <a:noFill/>
+        </p:spPr>
+        <p:txBody>
+          <a:bodyPr wrap="square" rtlCol="0">
+            <a:spAutoFit/>
+          </a:bodyPr>
+          <a:lstStyle/>
+          <a:p>
+            <a:r>
+              <a:rPr kumimoji="1" lang="en-US" altLang="ja-JP" sz="3200" dirty="0"/>
+              <a:t>+</a:t>
+            </a:r>
+            <a:endParaRPr kumimoji="1" lang="ja-JP" altLang="en-US" sz="3200" dirty="0"/>
+          </a:p>
+        </p:txBody>
+      </p:sp>
+      <p:sp>
+        <p:nvSpPr>
+          <p:cNvPr id="94" name="四角形: 角を丸くする 93">
+            <a:extLst>
+              <a:ext uri="{FF2B5EF4-FFF2-40B4-BE49-F238E27FC236}">
+                <a16:creationId xmlns:a16="http://schemas.microsoft.com/office/drawing/2014/main" id="{9A0C56F8-896E-4877-A8B1-FE62E0F0BB3A}"/>
+              </a:ext>
+            </a:extLst>
+          </p:cNvPr>
+          <p:cNvSpPr/>
+          <p:nvPr/>
+        </p:nvSpPr>
+        <p:spPr>
+          <a:xfrm>
+            <a:off x="5936089" y="5571708"/>
+            <a:ext cx="657218" cy="476164"/>
+          </a:xfrm>
+          <a:prstGeom prst="roundRect">
+            <a:avLst/>
+          </a:prstGeom>
+          <a:ln>
+            <a:solidFill>
+              <a:schemeClr val="tx1"/>
+            </a:solidFill>
+            <a:prstDash val="dash"/>
+          </a:ln>
+        </p:spPr>
+        <p:txBody>
+          <a:bodyPr wrap="square" rtlCol="0" anchor="ctr">
+            <a:spAutoFit/>
+          </a:bodyPr>
+          <a:lstStyle/>
+          <a:p>
+            <a:pPr algn="ctr"/>
+            <a:endParaRPr kumimoji="1" lang="ja-JP" altLang="en-US" sz="2400" dirty="0"/>
+          </a:p>
+        </p:txBody>
+      </p:sp>
+      <p:sp>
+        <p:nvSpPr>
+          <p:cNvPr id="95" name="正方形/長方形 94">
+            <a:extLst>
+              <a:ext uri="{FF2B5EF4-FFF2-40B4-BE49-F238E27FC236}">
+                <a16:creationId xmlns:a16="http://schemas.microsoft.com/office/drawing/2014/main" id="{D0F7F83C-C0B8-4918-9C22-1AC19DB984E2}"/>
+              </a:ext>
+            </a:extLst>
+          </p:cNvPr>
+          <p:cNvSpPr/>
+          <p:nvPr/>
+        </p:nvSpPr>
+        <p:spPr>
+          <a:xfrm>
+            <a:off x="6217745" y="5611255"/>
+            <a:ext cx="252028" cy="126014"/>
+          </a:xfrm>
+          <a:prstGeom prst="rect">
+            <a:avLst/>
+          </a:prstGeom>
+          <a:solidFill>
+            <a:schemeClr val="accent6">
+              <a:lumMod val="60000"/>
+              <a:lumOff val="40000"/>
+            </a:schemeClr>
+          </a:solidFill>
+          <a:ln>
+            <a:noFill/>
+          </a:ln>
+        </p:spPr>
+        <p:txBody>
+          <a:bodyPr wrap="square" rtlCol="0" anchor="ctr">
+            <a:spAutoFit/>
+          </a:bodyPr>
+          <a:lstStyle/>
+          <a:p>
+            <a:pPr algn="ctr"/>
+            <a:endParaRPr kumimoji="1" lang="ja-JP" altLang="en-US" sz="2400" dirty="0"/>
+          </a:p>
+        </p:txBody>
+      </p:sp>
+    </p:spTree>
+    <p:extLst>
+      <p:ext uri="{BB962C8B-B14F-4D97-AF65-F5344CB8AC3E}">
+        <p14:creationId xmlns:p14="http://schemas.microsoft.com/office/powerpoint/2010/main" val="1885530334"/>
       </p:ext>
     </p:extLst>
   </p:cSld>
